--- a/Vortrag/Vortrag.pptx
+++ b/Vortrag/Vortrag.pptx
@@ -10,26 +10,28 @@
     <p:sldMasterId id="2147483697" r:id="rId6"/>
   </p:sldMasterIdLst>
   <p:notesMasterIdLst>
-    <p:notesMasterId r:id="rId21"/>
+    <p:notesMasterId r:id="rId23"/>
   </p:notesMasterIdLst>
   <p:handoutMasterIdLst>
-    <p:handoutMasterId r:id="rId22"/>
+    <p:handoutMasterId r:id="rId24"/>
   </p:handoutMasterIdLst>
   <p:sldIdLst>
     <p:sldId id="355" r:id="rId7"/>
-    <p:sldId id="357" r:id="rId8"/>
-    <p:sldId id="369" r:id="rId9"/>
-    <p:sldId id="370" r:id="rId10"/>
-    <p:sldId id="400" r:id="rId11"/>
-    <p:sldId id="371" r:id="rId12"/>
+    <p:sldId id="400" r:id="rId8"/>
+    <p:sldId id="357" r:id="rId9"/>
+    <p:sldId id="369" r:id="rId10"/>
+    <p:sldId id="401" r:id="rId11"/>
+    <p:sldId id="394" r:id="rId12"/>
     <p:sldId id="372" r:id="rId13"/>
-    <p:sldId id="373" r:id="rId14"/>
-    <p:sldId id="394" r:id="rId15"/>
-    <p:sldId id="396" r:id="rId16"/>
-    <p:sldId id="397" r:id="rId17"/>
-    <p:sldId id="398" r:id="rId18"/>
-    <p:sldId id="399" r:id="rId19"/>
-    <p:sldId id="356" r:id="rId20"/>
+    <p:sldId id="402" r:id="rId14"/>
+    <p:sldId id="396" r:id="rId15"/>
+    <p:sldId id="397" r:id="rId16"/>
+    <p:sldId id="406" r:id="rId17"/>
+    <p:sldId id="356" r:id="rId18"/>
+    <p:sldId id="398" r:id="rId19"/>
+    <p:sldId id="404" r:id="rId20"/>
+    <p:sldId id="399" r:id="rId21"/>
+    <p:sldId id="405" r:id="rId22"/>
   </p:sldIdLst>
   <p:sldSz cx="9144000" cy="6858000" type="screen4x3"/>
   <p:notesSz cx="9925050" cy="6665913"/>
@@ -191,6 +193,489 @@
 </p:presentation>
 </file>
 
+<file path=ppt/revisionInfo.xml><?xml version="1.0" encoding="utf-8"?>
+<p1510:revInfo xmlns:a="http://schemas.openxmlformats.org/drawingml/2006/main" xmlns:r="http://schemas.openxmlformats.org/officeDocument/2006/relationships" xmlns:p1510="http://schemas.microsoft.com/office/powerpoint/2015/10/main">
+  <p1510:revLst>
+    <p1510:client id="{3D536764-66A9-B04F-9AAB-13C3AF9C4CEE}" v="428" dt="2023-07-16T13:59:21.196"/>
+  </p1510:revLst>
+</p1510:revInfo>
+</file>
+
+<file path=ppt/changesInfos/changesInfo1.xml><?xml version="1.0" encoding="utf-8"?>
+<pc:chgInfo xmlns:a="http://schemas.openxmlformats.org/drawingml/2006/main" xmlns:r="http://schemas.openxmlformats.org/officeDocument/2006/relationships" xmlns:ac="http://schemas.microsoft.com/office/drawing/2013/main/command" xmlns:pc="http://schemas.microsoft.com/office/powerpoint/2013/main/command">
+  <pc:docChgLst>
+    <pc:chgData name="Sina Mozaffari Tabar" userId="14d718dd-5b00-47ec-acbf-d1614b32d7c9" providerId="ADAL" clId="{3D536764-66A9-B04F-9AAB-13C3AF9C4CEE}"/>
+    <pc:docChg chg="undo custSel addSld delSld modSld sldOrd">
+      <pc:chgData name="Sina Mozaffari Tabar" userId="14d718dd-5b00-47ec-acbf-d1614b32d7c9" providerId="ADAL" clId="{3D536764-66A9-B04F-9AAB-13C3AF9C4CEE}" dt="2023-07-16T14:00:34.480" v="979" actId="20577"/>
+      <pc:docMkLst>
+        <pc:docMk/>
+      </pc:docMkLst>
+      <pc:sldChg chg="modSp mod">
+        <pc:chgData name="Sina Mozaffari Tabar" userId="14d718dd-5b00-47ec-acbf-d1614b32d7c9" providerId="ADAL" clId="{3D536764-66A9-B04F-9AAB-13C3AF9C4CEE}" dt="2023-07-16T12:23:51.115" v="194" actId="1076"/>
+        <pc:sldMkLst>
+          <pc:docMk/>
+          <pc:sldMk cId="0" sldId="355"/>
+        </pc:sldMkLst>
+        <pc:picChg chg="mod">
+          <ac:chgData name="Sina Mozaffari Tabar" userId="14d718dd-5b00-47ec-acbf-d1614b32d7c9" providerId="ADAL" clId="{3D536764-66A9-B04F-9AAB-13C3AF9C4CEE}" dt="2023-07-16T12:23:51.115" v="194" actId="1076"/>
+          <ac:picMkLst>
+            <pc:docMk/>
+            <pc:sldMk cId="0" sldId="355"/>
+            <ac:picMk id="5" creationId="{00000000-0000-0000-0000-000000000000}"/>
+          </ac:picMkLst>
+        </pc:picChg>
+      </pc:sldChg>
+      <pc:sldChg chg="modSp mod ord">
+        <pc:chgData name="Sina Mozaffari Tabar" userId="14d718dd-5b00-47ec-acbf-d1614b32d7c9" providerId="ADAL" clId="{3D536764-66A9-B04F-9AAB-13C3AF9C4CEE}" dt="2023-07-16T13:37:02.097" v="731" actId="20577"/>
+        <pc:sldMkLst>
+          <pc:docMk/>
+          <pc:sldMk cId="0" sldId="356"/>
+        </pc:sldMkLst>
+        <pc:spChg chg="mod">
+          <ac:chgData name="Sina Mozaffari Tabar" userId="14d718dd-5b00-47ec-acbf-d1614b32d7c9" providerId="ADAL" clId="{3D536764-66A9-B04F-9AAB-13C3AF9C4CEE}" dt="2023-07-16T13:37:02.097" v="731" actId="20577"/>
+          <ac:spMkLst>
+            <pc:docMk/>
+            <pc:sldMk cId="0" sldId="356"/>
+            <ac:spMk id="3" creationId="{00000000-0000-0000-0000-000000000000}"/>
+          </ac:spMkLst>
+        </pc:spChg>
+        <pc:spChg chg="mod">
+          <ac:chgData name="Sina Mozaffari Tabar" userId="14d718dd-5b00-47ec-acbf-d1614b32d7c9" providerId="ADAL" clId="{3D536764-66A9-B04F-9AAB-13C3AF9C4CEE}" dt="2023-07-16T13:36:56.994" v="729"/>
+          <ac:spMkLst>
+            <pc:docMk/>
+            <pc:sldMk cId="0" sldId="356"/>
+            <ac:spMk id="5" creationId="{00000000-0000-0000-0000-000000000000}"/>
+          </ac:spMkLst>
+        </pc:spChg>
+      </pc:sldChg>
+      <pc:sldChg chg="modSp mod">
+        <pc:chgData name="Sina Mozaffari Tabar" userId="14d718dd-5b00-47ec-acbf-d1614b32d7c9" providerId="ADAL" clId="{3D536764-66A9-B04F-9AAB-13C3AF9C4CEE}" dt="2023-07-16T13:51:45.778" v="926" actId="255"/>
+        <pc:sldMkLst>
+          <pc:docMk/>
+          <pc:sldMk cId="0" sldId="369"/>
+        </pc:sldMkLst>
+        <pc:spChg chg="mod">
+          <ac:chgData name="Sina Mozaffari Tabar" userId="14d718dd-5b00-47ec-acbf-d1614b32d7c9" providerId="ADAL" clId="{3D536764-66A9-B04F-9AAB-13C3AF9C4CEE}" dt="2023-07-16T13:51:45.778" v="926" actId="255"/>
+          <ac:spMkLst>
+            <pc:docMk/>
+            <pc:sldMk cId="0" sldId="369"/>
+            <ac:spMk id="2" creationId="{00000000-0000-0000-0000-000000000000}"/>
+          </ac:spMkLst>
+        </pc:spChg>
+      </pc:sldChg>
+      <pc:sldChg chg="modSp mod">
+        <pc:chgData name="Sina Mozaffari Tabar" userId="14d718dd-5b00-47ec-acbf-d1614b32d7c9" providerId="ADAL" clId="{3D536764-66A9-B04F-9AAB-13C3AF9C4CEE}" dt="2023-07-16T12:32:59.004" v="341" actId="20577"/>
+        <pc:sldMkLst>
+          <pc:docMk/>
+          <pc:sldMk cId="0" sldId="372"/>
+        </pc:sldMkLst>
+        <pc:spChg chg="mod">
+          <ac:chgData name="Sina Mozaffari Tabar" userId="14d718dd-5b00-47ec-acbf-d1614b32d7c9" providerId="ADAL" clId="{3D536764-66A9-B04F-9AAB-13C3AF9C4CEE}" dt="2023-07-16T12:32:59.004" v="341" actId="20577"/>
+          <ac:spMkLst>
+            <pc:docMk/>
+            <pc:sldMk cId="0" sldId="372"/>
+            <ac:spMk id="2" creationId="{00000000-0000-0000-0000-000000000000}"/>
+          </ac:spMkLst>
+        </pc:spChg>
+      </pc:sldChg>
+      <pc:sldChg chg="modSp mod">
+        <pc:chgData name="Sina Mozaffari Tabar" userId="14d718dd-5b00-47ec-acbf-d1614b32d7c9" providerId="ADAL" clId="{3D536764-66A9-B04F-9AAB-13C3AF9C4CEE}" dt="2023-07-16T13:52:27.504" v="930" actId="255"/>
+        <pc:sldMkLst>
+          <pc:docMk/>
+          <pc:sldMk cId="0" sldId="394"/>
+        </pc:sldMkLst>
+        <pc:spChg chg="mod">
+          <ac:chgData name="Sina Mozaffari Tabar" userId="14d718dd-5b00-47ec-acbf-d1614b32d7c9" providerId="ADAL" clId="{3D536764-66A9-B04F-9AAB-13C3AF9C4CEE}" dt="2023-07-16T13:52:27.504" v="930" actId="255"/>
+          <ac:spMkLst>
+            <pc:docMk/>
+            <pc:sldMk cId="0" sldId="394"/>
+            <ac:spMk id="2" creationId="{00000000-0000-0000-0000-000000000000}"/>
+          </ac:spMkLst>
+        </pc:spChg>
+      </pc:sldChg>
+      <pc:sldChg chg="modSp modTransition">
+        <pc:chgData name="Sina Mozaffari Tabar" userId="14d718dd-5b00-47ec-acbf-d1614b32d7c9" providerId="ADAL" clId="{3D536764-66A9-B04F-9AAB-13C3AF9C4CEE}" dt="2023-07-16T13:58:46.108" v="966"/>
+        <pc:sldMkLst>
+          <pc:docMk/>
+          <pc:sldMk cId="1797160595" sldId="397"/>
+        </pc:sldMkLst>
+        <pc:spChg chg="mod">
+          <ac:chgData name="Sina Mozaffari Tabar" userId="14d718dd-5b00-47ec-acbf-d1614b32d7c9" providerId="ADAL" clId="{3D536764-66A9-B04F-9AAB-13C3AF9C4CEE}" dt="2023-07-16T13:03:29.469" v="468" actId="2710"/>
+          <ac:spMkLst>
+            <pc:docMk/>
+            <pc:sldMk cId="1797160595" sldId="397"/>
+            <ac:spMk id="2" creationId="{00000000-0000-0000-0000-000000000000}"/>
+          </ac:spMkLst>
+        </pc:spChg>
+      </pc:sldChg>
+      <pc:sldChg chg="addSp delSp modSp mod modClrScheme chgLayout modNotesTx">
+        <pc:chgData name="Sina Mozaffari Tabar" userId="14d718dd-5b00-47ec-acbf-d1614b32d7c9" providerId="ADAL" clId="{3D536764-66A9-B04F-9AAB-13C3AF9C4CEE}" dt="2023-07-16T13:33:31.934" v="708"/>
+        <pc:sldMkLst>
+          <pc:docMk/>
+          <pc:sldMk cId="3353327755" sldId="398"/>
+        </pc:sldMkLst>
+        <pc:spChg chg="del mod">
+          <ac:chgData name="Sina Mozaffari Tabar" userId="14d718dd-5b00-47ec-acbf-d1614b32d7c9" providerId="ADAL" clId="{3D536764-66A9-B04F-9AAB-13C3AF9C4CEE}" dt="2023-07-16T12:46:40.717" v="384" actId="1957"/>
+          <ac:spMkLst>
+            <pc:docMk/>
+            <pc:sldMk cId="3353327755" sldId="398"/>
+            <ac:spMk id="2" creationId="{00000000-0000-0000-0000-000000000000}"/>
+          </ac:spMkLst>
+        </pc:spChg>
+        <pc:spChg chg="mod">
+          <ac:chgData name="Sina Mozaffari Tabar" userId="14d718dd-5b00-47ec-acbf-d1614b32d7c9" providerId="ADAL" clId="{3D536764-66A9-B04F-9AAB-13C3AF9C4CEE}" dt="2023-07-16T13:33:31.934" v="708"/>
+          <ac:spMkLst>
+            <pc:docMk/>
+            <pc:sldMk cId="3353327755" sldId="398"/>
+            <ac:spMk id="3" creationId="{00000000-0000-0000-0000-000000000000}"/>
+          </ac:spMkLst>
+        </pc:spChg>
+        <pc:spChg chg="mod">
+          <ac:chgData name="Sina Mozaffari Tabar" userId="14d718dd-5b00-47ec-acbf-d1614b32d7c9" providerId="ADAL" clId="{3D536764-66A9-B04F-9AAB-13C3AF9C4CEE}" dt="2023-07-16T12:52:21.171" v="411" actId="26606"/>
+          <ac:spMkLst>
+            <pc:docMk/>
+            <pc:sldMk cId="3353327755" sldId="398"/>
+            <ac:spMk id="4" creationId="{00000000-0000-0000-0000-000000000000}"/>
+          </ac:spMkLst>
+        </pc:spChg>
+        <pc:spChg chg="mod">
+          <ac:chgData name="Sina Mozaffari Tabar" userId="14d718dd-5b00-47ec-acbf-d1614b32d7c9" providerId="ADAL" clId="{3D536764-66A9-B04F-9AAB-13C3AF9C4CEE}" dt="2023-07-16T12:52:21.171" v="411" actId="26606"/>
+          <ac:spMkLst>
+            <pc:docMk/>
+            <pc:sldMk cId="3353327755" sldId="398"/>
+            <ac:spMk id="5" creationId="{00000000-0000-0000-0000-000000000000}"/>
+          </ac:spMkLst>
+        </pc:spChg>
+        <pc:spChg chg="add del mod">
+          <ac:chgData name="Sina Mozaffari Tabar" userId="14d718dd-5b00-47ec-acbf-d1614b32d7c9" providerId="ADAL" clId="{3D536764-66A9-B04F-9AAB-13C3AF9C4CEE}" dt="2023-07-16T12:50:52.782" v="406" actId="931"/>
+          <ac:spMkLst>
+            <pc:docMk/>
+            <pc:sldMk cId="3353327755" sldId="398"/>
+            <ac:spMk id="8" creationId="{6CEA03A3-0337-11F1-AEB9-25D8FAF7B938}"/>
+          </ac:spMkLst>
+        </pc:spChg>
+        <pc:spChg chg="add del mod">
+          <ac:chgData name="Sina Mozaffari Tabar" userId="14d718dd-5b00-47ec-acbf-d1614b32d7c9" providerId="ADAL" clId="{3D536764-66A9-B04F-9AAB-13C3AF9C4CEE}" dt="2023-07-16T12:53:17.093" v="415"/>
+          <ac:spMkLst>
+            <pc:docMk/>
+            <pc:sldMk cId="3353327755" sldId="398"/>
+            <ac:spMk id="13" creationId="{948B9B8A-428A-C9DC-D45F-3309F1CB551D}"/>
+          </ac:spMkLst>
+        </pc:spChg>
+        <pc:spChg chg="add del mod">
+          <ac:chgData name="Sina Mozaffari Tabar" userId="14d718dd-5b00-47ec-acbf-d1614b32d7c9" providerId="ADAL" clId="{3D536764-66A9-B04F-9AAB-13C3AF9C4CEE}" dt="2023-07-16T12:53:54.211" v="428" actId="478"/>
+          <ac:spMkLst>
+            <pc:docMk/>
+            <pc:sldMk cId="3353327755" sldId="398"/>
+            <ac:spMk id="14" creationId="{FB019D50-C5B4-E2EA-2320-9C95250FBD7D}"/>
+          </ac:spMkLst>
+        </pc:spChg>
+        <pc:spChg chg="add del mod">
+          <ac:chgData name="Sina Mozaffari Tabar" userId="14d718dd-5b00-47ec-acbf-d1614b32d7c9" providerId="ADAL" clId="{3D536764-66A9-B04F-9AAB-13C3AF9C4CEE}" dt="2023-07-16T12:53:00.748" v="412" actId="931"/>
+          <ac:spMkLst>
+            <pc:docMk/>
+            <pc:sldMk cId="3353327755" sldId="398"/>
+            <ac:spMk id="15" creationId="{828D8F4D-5069-5C41-5675-0ED5EFB8F56E}"/>
+          </ac:spMkLst>
+        </pc:spChg>
+        <pc:spChg chg="add del mod">
+          <ac:chgData name="Sina Mozaffari Tabar" userId="14d718dd-5b00-47ec-acbf-d1614b32d7c9" providerId="ADAL" clId="{3D536764-66A9-B04F-9AAB-13C3AF9C4CEE}" dt="2023-07-16T12:53:55.125" v="429" actId="478"/>
+          <ac:spMkLst>
+            <pc:docMk/>
+            <pc:sldMk cId="3353327755" sldId="398"/>
+            <ac:spMk id="16" creationId="{CBDAD78A-CC4F-BD5A-672A-50D98C6997F5}"/>
+          </ac:spMkLst>
+        </pc:spChg>
+        <pc:spChg chg="add del mod">
+          <ac:chgData name="Sina Mozaffari Tabar" userId="14d718dd-5b00-47ec-acbf-d1614b32d7c9" providerId="ADAL" clId="{3D536764-66A9-B04F-9AAB-13C3AF9C4CEE}" dt="2023-07-16T12:58:51.192" v="435" actId="931"/>
+          <ac:spMkLst>
+            <pc:docMk/>
+            <pc:sldMk cId="3353327755" sldId="398"/>
+            <ac:spMk id="18" creationId="{98FDCBA2-7C6A-C41A-B653-9981F2EDD588}"/>
+          </ac:spMkLst>
+        </pc:spChg>
+        <pc:spChg chg="add del mod">
+          <ac:chgData name="Sina Mozaffari Tabar" userId="14d718dd-5b00-47ec-acbf-d1614b32d7c9" providerId="ADAL" clId="{3D536764-66A9-B04F-9AAB-13C3AF9C4CEE}" dt="2023-07-16T12:58:56.144" v="436" actId="931"/>
+          <ac:spMkLst>
+            <pc:docMk/>
+            <pc:sldMk cId="3353327755" sldId="398"/>
+            <ac:spMk id="20" creationId="{D21F4FD5-6417-57EF-F1A8-23EC7D3A2F91}"/>
+          </ac:spMkLst>
+        </pc:spChg>
+        <pc:spChg chg="add del mod">
+          <ac:chgData name="Sina Mozaffari Tabar" userId="14d718dd-5b00-47ec-acbf-d1614b32d7c9" providerId="ADAL" clId="{3D536764-66A9-B04F-9AAB-13C3AF9C4CEE}" dt="2023-07-16T13:01:19.774" v="452"/>
+          <ac:spMkLst>
+            <pc:docMk/>
+            <pc:sldMk cId="3353327755" sldId="398"/>
+            <ac:spMk id="25" creationId="{B6FB98EC-7ACB-1959-A8E2-C8EFD954534E}"/>
+          </ac:spMkLst>
+        </pc:spChg>
+        <pc:spChg chg="add del mod">
+          <ac:chgData name="Sina Mozaffari Tabar" userId="14d718dd-5b00-47ec-acbf-d1614b32d7c9" providerId="ADAL" clId="{3D536764-66A9-B04F-9AAB-13C3AF9C4CEE}" dt="2023-07-16T13:13:02.941" v="516"/>
+          <ac:spMkLst>
+            <pc:docMk/>
+            <pc:sldMk cId="3353327755" sldId="398"/>
+            <ac:spMk id="26" creationId="{BE49E99E-3C92-EE42-06AF-B5C8772769D0}"/>
+          </ac:spMkLst>
+        </pc:spChg>
+        <pc:spChg chg="add del mod">
+          <ac:chgData name="Sina Mozaffari Tabar" userId="14d718dd-5b00-47ec-acbf-d1614b32d7c9" providerId="ADAL" clId="{3D536764-66A9-B04F-9AAB-13C3AF9C4CEE}" dt="2023-07-16T13:01:45.423" v="464"/>
+          <ac:spMkLst>
+            <pc:docMk/>
+            <pc:sldMk cId="3353327755" sldId="398"/>
+            <ac:spMk id="27" creationId="{7714F781-659F-9DBF-36EB-4BCDDBDDAB49}"/>
+          </ac:spMkLst>
+        </pc:spChg>
+        <pc:spChg chg="add del mod">
+          <ac:chgData name="Sina Mozaffari Tabar" userId="14d718dd-5b00-47ec-acbf-d1614b32d7c9" providerId="ADAL" clId="{3D536764-66A9-B04F-9AAB-13C3AF9C4CEE}" dt="2023-07-16T13:04:06.692" v="476"/>
+          <ac:spMkLst>
+            <pc:docMk/>
+            <pc:sldMk cId="3353327755" sldId="398"/>
+            <ac:spMk id="29" creationId="{CE6212F2-66C4-5AA1-C93C-40C9CD744C08}"/>
+          </ac:spMkLst>
+        </pc:spChg>
+        <pc:spChg chg="add del mod">
+          <ac:chgData name="Sina Mozaffari Tabar" userId="14d718dd-5b00-47ec-acbf-d1614b32d7c9" providerId="ADAL" clId="{3D536764-66A9-B04F-9AAB-13C3AF9C4CEE}" dt="2023-07-16T13:13:02.940" v="514"/>
+          <ac:spMkLst>
+            <pc:docMk/>
+            <pc:sldMk cId="3353327755" sldId="398"/>
+            <ac:spMk id="31" creationId="{E8860DF9-C9E5-6358-6CD6-162580E01B63}"/>
+          </ac:spMkLst>
+        </pc:spChg>
+        <pc:spChg chg="add mod">
+          <ac:chgData name="Sina Mozaffari Tabar" userId="14d718dd-5b00-47ec-acbf-d1614b32d7c9" providerId="ADAL" clId="{3D536764-66A9-B04F-9AAB-13C3AF9C4CEE}" dt="2023-07-16T13:26:33.961" v="602" actId="20577"/>
+          <ac:spMkLst>
+            <pc:docMk/>
+            <pc:sldMk cId="3353327755" sldId="398"/>
+            <ac:spMk id="32" creationId="{A9741184-631E-6291-9CD5-DF7C3CB224E1}"/>
+          </ac:spMkLst>
+        </pc:spChg>
+        <pc:spChg chg="add del mod">
+          <ac:chgData name="Sina Mozaffari Tabar" userId="14d718dd-5b00-47ec-acbf-d1614b32d7c9" providerId="ADAL" clId="{3D536764-66A9-B04F-9AAB-13C3AF9C4CEE}" dt="2023-07-16T13:18:10.237" v="565" actId="478"/>
+          <ac:spMkLst>
+            <pc:docMk/>
+            <pc:sldMk cId="3353327755" sldId="398"/>
+            <ac:spMk id="34" creationId="{5001E1DB-88AD-D7B9-5444-8FB192E09D88}"/>
+          </ac:spMkLst>
+        </pc:spChg>
+        <pc:spChg chg="add mod">
+          <ac:chgData name="Sina Mozaffari Tabar" userId="14d718dd-5b00-47ec-acbf-d1614b32d7c9" providerId="ADAL" clId="{3D536764-66A9-B04F-9AAB-13C3AF9C4CEE}" dt="2023-07-16T13:26:55.026" v="650" actId="20577"/>
+          <ac:spMkLst>
+            <pc:docMk/>
+            <pc:sldMk cId="3353327755" sldId="398"/>
+            <ac:spMk id="36" creationId="{940C85EC-0F1A-9647-27D4-FBB325383523}"/>
+          </ac:spMkLst>
+        </pc:spChg>
+        <pc:spChg chg="add del mod">
+          <ac:chgData name="Sina Mozaffari Tabar" userId="14d718dd-5b00-47ec-acbf-d1614b32d7c9" providerId="ADAL" clId="{3D536764-66A9-B04F-9AAB-13C3AF9C4CEE}" dt="2023-07-16T13:28:04.881" v="657" actId="12084"/>
+          <ac:spMkLst>
+            <pc:docMk/>
+            <pc:sldMk cId="3353327755" sldId="398"/>
+            <ac:spMk id="37" creationId="{8FB0BE12-6944-0E56-F591-7C3EF615FB4C}"/>
+          </ac:spMkLst>
+        </pc:spChg>
+        <pc:spChg chg="add del">
+          <ac:chgData name="Sina Mozaffari Tabar" userId="14d718dd-5b00-47ec-acbf-d1614b32d7c9" providerId="ADAL" clId="{3D536764-66A9-B04F-9AAB-13C3AF9C4CEE}" dt="2023-07-16T13:28:44.691" v="660" actId="478"/>
+          <ac:spMkLst>
+            <pc:docMk/>
+            <pc:sldMk cId="3353327755" sldId="398"/>
+            <ac:spMk id="39" creationId="{76B82D40-4B00-3960-E2CC-F5E3E290CFBF}"/>
+          </ac:spMkLst>
+        </pc:spChg>
+        <pc:spChg chg="add mod">
+          <ac:chgData name="Sina Mozaffari Tabar" userId="14d718dd-5b00-47ec-acbf-d1614b32d7c9" providerId="ADAL" clId="{3D536764-66A9-B04F-9AAB-13C3AF9C4CEE}" dt="2023-07-16T13:32:01.329" v="705" actId="242"/>
+          <ac:spMkLst>
+            <pc:docMk/>
+            <pc:sldMk cId="3353327755" sldId="398"/>
+            <ac:spMk id="40" creationId="{A680E1FE-408E-8F74-A9B0-52FF9254F85D}"/>
+          </ac:spMkLst>
+        </pc:spChg>
+        <pc:spChg chg="add del">
+          <ac:chgData name="Sina Mozaffari Tabar" userId="14d718dd-5b00-47ec-acbf-d1614b32d7c9" providerId="ADAL" clId="{3D536764-66A9-B04F-9AAB-13C3AF9C4CEE}" dt="2023-07-16T13:31:43.227" v="702" actId="478"/>
+          <ac:spMkLst>
+            <pc:docMk/>
+            <pc:sldMk cId="3353327755" sldId="398"/>
+            <ac:spMk id="41" creationId="{F329953F-DAEB-D59E-C11D-3FBE077177A3}"/>
+          </ac:spMkLst>
+        </pc:spChg>
+        <pc:graphicFrameChg chg="add del mod">
+          <ac:chgData name="Sina Mozaffari Tabar" userId="14d718dd-5b00-47ec-acbf-d1614b32d7c9" providerId="ADAL" clId="{3D536764-66A9-B04F-9AAB-13C3AF9C4CEE}" dt="2023-07-16T12:49:40.895" v="405" actId="478"/>
+          <ac:graphicFrameMkLst>
+            <pc:docMk/>
+            <pc:sldMk cId="3353327755" sldId="398"/>
+            <ac:graphicFrameMk id="6" creationId="{BCAC7F42-290F-F51D-8ADF-37092B52C574}"/>
+          </ac:graphicFrameMkLst>
+        </pc:graphicFrameChg>
+        <pc:graphicFrameChg chg="add del mod">
+          <ac:chgData name="Sina Mozaffari Tabar" userId="14d718dd-5b00-47ec-acbf-d1614b32d7c9" providerId="ADAL" clId="{3D536764-66A9-B04F-9AAB-13C3AF9C4CEE}" dt="2023-07-16T13:28:11.039" v="658" actId="478"/>
+          <ac:graphicFrameMkLst>
+            <pc:docMk/>
+            <pc:sldMk cId="3353327755" sldId="398"/>
+            <ac:graphicFrameMk id="38" creationId="{6C6B3B8C-9C70-E05E-C85A-33EF142C702C}"/>
+          </ac:graphicFrameMkLst>
+        </pc:graphicFrameChg>
+        <pc:picChg chg="add del mod ord">
+          <ac:chgData name="Sina Mozaffari Tabar" userId="14d718dd-5b00-47ec-acbf-d1614b32d7c9" providerId="ADAL" clId="{3D536764-66A9-B04F-9AAB-13C3AF9C4CEE}" dt="2023-07-16T12:58:43.017" v="433" actId="478"/>
+          <ac:picMkLst>
+            <pc:docMk/>
+            <pc:sldMk cId="3353327755" sldId="398"/>
+            <ac:picMk id="10" creationId="{9B966D08-5C9F-67E9-73BC-D5923316EFAC}"/>
+          </ac:picMkLst>
+        </pc:picChg>
+        <pc:picChg chg="add del mod">
+          <ac:chgData name="Sina Mozaffari Tabar" userId="14d718dd-5b00-47ec-acbf-d1614b32d7c9" providerId="ADAL" clId="{3D536764-66A9-B04F-9AAB-13C3AF9C4CEE}" dt="2023-07-16T12:58:43.596" v="434" actId="478"/>
+          <ac:picMkLst>
+            <pc:docMk/>
+            <pc:sldMk cId="3353327755" sldId="398"/>
+            <ac:picMk id="12" creationId="{5A47DDCA-9256-9477-4711-E97570CF9F1C}"/>
+          </ac:picMkLst>
+        </pc:picChg>
+        <pc:picChg chg="add mod">
+          <ac:chgData name="Sina Mozaffari Tabar" userId="14d718dd-5b00-47ec-acbf-d1614b32d7c9" providerId="ADAL" clId="{3D536764-66A9-B04F-9AAB-13C3AF9C4CEE}" dt="2023-07-16T13:03:57.615" v="469" actId="1076"/>
+          <ac:picMkLst>
+            <pc:docMk/>
+            <pc:sldMk cId="3353327755" sldId="398"/>
+            <ac:picMk id="22" creationId="{C0E80036-EBF0-D2FB-6E1A-918EFB1A3F1D}"/>
+          </ac:picMkLst>
+        </pc:picChg>
+        <pc:picChg chg="add mod">
+          <ac:chgData name="Sina Mozaffari Tabar" userId="14d718dd-5b00-47ec-acbf-d1614b32d7c9" providerId="ADAL" clId="{3D536764-66A9-B04F-9AAB-13C3AF9C4CEE}" dt="2023-07-16T13:03:57.615" v="469" actId="1076"/>
+          <ac:picMkLst>
+            <pc:docMk/>
+            <pc:sldMk cId="3353327755" sldId="398"/>
+            <ac:picMk id="24" creationId="{9CFB36B3-5FAA-E145-CE2F-F18E19BF631C}"/>
+          </ac:picMkLst>
+        </pc:picChg>
+      </pc:sldChg>
+      <pc:sldChg chg="add del ord">
+        <pc:chgData name="Sina Mozaffari Tabar" userId="14d718dd-5b00-47ec-acbf-d1614b32d7c9" providerId="ADAL" clId="{3D536764-66A9-B04F-9AAB-13C3AF9C4CEE}" dt="2023-07-16T13:38:34.970" v="736" actId="2696"/>
+        <pc:sldMkLst>
+          <pc:docMk/>
+          <pc:sldMk cId="1484646280" sldId="403"/>
+        </pc:sldMkLst>
+      </pc:sldChg>
+      <pc:sldChg chg="modSp add mod ord">
+        <pc:chgData name="Sina Mozaffari Tabar" userId="14d718dd-5b00-47ec-acbf-d1614b32d7c9" providerId="ADAL" clId="{3D536764-66A9-B04F-9AAB-13C3AF9C4CEE}" dt="2023-07-16T13:38:01.080" v="735"/>
+        <pc:sldMkLst>
+          <pc:docMk/>
+          <pc:sldMk cId="696854313" sldId="404"/>
+        </pc:sldMkLst>
+        <pc:spChg chg="mod">
+          <ac:chgData name="Sina Mozaffari Tabar" userId="14d718dd-5b00-47ec-acbf-d1614b32d7c9" providerId="ADAL" clId="{3D536764-66A9-B04F-9AAB-13C3AF9C4CEE}" dt="2023-07-16T13:38:01.080" v="735"/>
+          <ac:spMkLst>
+            <pc:docMk/>
+            <pc:sldMk cId="696854313" sldId="404"/>
+            <ac:spMk id="5" creationId="{00000000-0000-0000-0000-000000000000}"/>
+          </ac:spMkLst>
+        </pc:spChg>
+      </pc:sldChg>
+      <pc:sldChg chg="addSp delSp modSp add mod modTransition">
+        <pc:chgData name="Sina Mozaffari Tabar" userId="14d718dd-5b00-47ec-acbf-d1614b32d7c9" providerId="ADAL" clId="{3D536764-66A9-B04F-9AAB-13C3AF9C4CEE}" dt="2023-07-16T13:59:43.974" v="974" actId="207"/>
+        <pc:sldMkLst>
+          <pc:docMk/>
+          <pc:sldMk cId="2736234351" sldId="405"/>
+        </pc:sldMkLst>
+        <pc:spChg chg="del">
+          <ac:chgData name="Sina Mozaffari Tabar" userId="14d718dd-5b00-47ec-acbf-d1614b32d7c9" providerId="ADAL" clId="{3D536764-66A9-B04F-9AAB-13C3AF9C4CEE}" dt="2023-07-16T13:38:47.011" v="739" actId="478"/>
+          <ac:spMkLst>
+            <pc:docMk/>
+            <pc:sldMk cId="2736234351" sldId="405"/>
+            <ac:spMk id="2" creationId="{00000000-0000-0000-0000-000000000000}"/>
+          </ac:spMkLst>
+        </pc:spChg>
+        <pc:spChg chg="del mod">
+          <ac:chgData name="Sina Mozaffari Tabar" userId="14d718dd-5b00-47ec-acbf-d1614b32d7c9" providerId="ADAL" clId="{3D536764-66A9-B04F-9AAB-13C3AF9C4CEE}" dt="2023-07-16T13:47:45.760" v="923" actId="478"/>
+          <ac:spMkLst>
+            <pc:docMk/>
+            <pc:sldMk cId="2736234351" sldId="405"/>
+            <ac:spMk id="3" creationId="{00000000-0000-0000-0000-000000000000}"/>
+          </ac:spMkLst>
+        </pc:spChg>
+        <pc:spChg chg="add del mod">
+          <ac:chgData name="Sina Mozaffari Tabar" userId="14d718dd-5b00-47ec-acbf-d1614b32d7c9" providerId="ADAL" clId="{3D536764-66A9-B04F-9AAB-13C3AF9C4CEE}" dt="2023-07-16T13:38:55.124" v="743"/>
+          <ac:spMkLst>
+            <pc:docMk/>
+            <pc:sldMk cId="2736234351" sldId="405"/>
+            <ac:spMk id="6" creationId="{7B985460-B8C8-0E58-4AD2-B3983A944457}"/>
+          </ac:spMkLst>
+        </pc:spChg>
+        <pc:spChg chg="add del mod">
+          <ac:chgData name="Sina Mozaffari Tabar" userId="14d718dd-5b00-47ec-acbf-d1614b32d7c9" providerId="ADAL" clId="{3D536764-66A9-B04F-9AAB-13C3AF9C4CEE}" dt="2023-07-16T13:59:43.974" v="974" actId="207"/>
+          <ac:spMkLst>
+            <pc:docMk/>
+            <pc:sldMk cId="2736234351" sldId="405"/>
+            <ac:spMk id="7" creationId="{B481D7EC-D698-C3B1-45A8-1C8CBAFD9D0F}"/>
+          </ac:spMkLst>
+        </pc:spChg>
+        <pc:spChg chg="add del mod">
+          <ac:chgData name="Sina Mozaffari Tabar" userId="14d718dd-5b00-47ec-acbf-d1614b32d7c9" providerId="ADAL" clId="{3D536764-66A9-B04F-9AAB-13C3AF9C4CEE}" dt="2023-07-16T13:47:38.024" v="920" actId="478"/>
+          <ac:spMkLst>
+            <pc:docMk/>
+            <pc:sldMk cId="2736234351" sldId="405"/>
+            <ac:spMk id="8" creationId="{E8516B9A-C2CE-1C31-4952-51ACE1E6F9B3}"/>
+          </ac:spMkLst>
+        </pc:spChg>
+        <pc:spChg chg="add del mod">
+          <ac:chgData name="Sina Mozaffari Tabar" userId="14d718dd-5b00-47ec-acbf-d1614b32d7c9" providerId="ADAL" clId="{3D536764-66A9-B04F-9AAB-13C3AF9C4CEE}" dt="2023-07-16T13:45:51.693" v="907"/>
+          <ac:spMkLst>
+            <pc:docMk/>
+            <pc:sldMk cId="2736234351" sldId="405"/>
+            <ac:spMk id="9" creationId="{C25114BB-62B7-92BC-6643-CA33B9ECC450}"/>
+          </ac:spMkLst>
+        </pc:spChg>
+        <pc:spChg chg="add del mod">
+          <ac:chgData name="Sina Mozaffari Tabar" userId="14d718dd-5b00-47ec-acbf-d1614b32d7c9" providerId="ADAL" clId="{3D536764-66A9-B04F-9AAB-13C3AF9C4CEE}" dt="2023-07-16T13:53:25.329" v="936"/>
+          <ac:spMkLst>
+            <pc:docMk/>
+            <pc:sldMk cId="2736234351" sldId="405"/>
+            <ac:spMk id="10" creationId="{69763AD2-F604-45EA-5E65-A74FFA4C1228}"/>
+          </ac:spMkLst>
+        </pc:spChg>
+        <pc:spChg chg="add del mod">
+          <ac:chgData name="Sina Mozaffari Tabar" userId="14d718dd-5b00-47ec-acbf-d1614b32d7c9" providerId="ADAL" clId="{3D536764-66A9-B04F-9AAB-13C3AF9C4CEE}" dt="2023-07-16T13:53:27.161" v="938" actId="478"/>
+          <ac:spMkLst>
+            <pc:docMk/>
+            <pc:sldMk cId="2736234351" sldId="405"/>
+            <ac:spMk id="12" creationId="{04D831B6-ADB3-911B-A427-A94DE6D1E8BA}"/>
+          </ac:spMkLst>
+        </pc:spChg>
+        <pc:spChg chg="add del mod">
+          <ac:chgData name="Sina Mozaffari Tabar" userId="14d718dd-5b00-47ec-acbf-d1614b32d7c9" providerId="ADAL" clId="{3D536764-66A9-B04F-9AAB-13C3AF9C4CEE}" dt="2023-07-16T13:55:42.227" v="953" actId="478"/>
+          <ac:spMkLst>
+            <pc:docMk/>
+            <pc:sldMk cId="2736234351" sldId="405"/>
+            <ac:spMk id="13" creationId="{4F47A8C8-506C-7B31-1AB9-DECCFD1A4BBB}"/>
+          </ac:spMkLst>
+        </pc:spChg>
+        <pc:spChg chg="add del mod">
+          <ac:chgData name="Sina Mozaffari Tabar" userId="14d718dd-5b00-47ec-acbf-d1614b32d7c9" providerId="ADAL" clId="{3D536764-66A9-B04F-9AAB-13C3AF9C4CEE}" dt="2023-07-16T13:54:11.044" v="944"/>
+          <ac:spMkLst>
+            <pc:docMk/>
+            <pc:sldMk cId="2736234351" sldId="405"/>
+            <ac:spMk id="14" creationId="{443998DC-3230-8E9B-AB90-4AF3F29675EA}"/>
+          </ac:spMkLst>
+        </pc:spChg>
+      </pc:sldChg>
+      <pc:sldChg chg="modSp add mod ord">
+        <pc:chgData name="Sina Mozaffari Tabar" userId="14d718dd-5b00-47ec-acbf-d1614b32d7c9" providerId="ADAL" clId="{3D536764-66A9-B04F-9AAB-13C3AF9C4CEE}" dt="2023-07-16T14:00:34.480" v="979" actId="20577"/>
+        <pc:sldMkLst>
+          <pc:docMk/>
+          <pc:sldMk cId="2684955199" sldId="406"/>
+        </pc:sldMkLst>
+        <pc:spChg chg="mod">
+          <ac:chgData name="Sina Mozaffari Tabar" userId="14d718dd-5b00-47ec-acbf-d1614b32d7c9" providerId="ADAL" clId="{3D536764-66A9-B04F-9AAB-13C3AF9C4CEE}" dt="2023-07-16T14:00:34.480" v="979" actId="20577"/>
+          <ac:spMkLst>
+            <pc:docMk/>
+            <pc:sldMk cId="2684955199" sldId="406"/>
+            <ac:spMk id="3" creationId="{00000000-0000-0000-0000-000000000000}"/>
+          </ac:spMkLst>
+        </pc:spChg>
+      </pc:sldChg>
+    </pc:docChg>
+  </pc:docChgLst>
+</pc:chgInfo>
+</file>
+
 <file path=ppt/handoutMasters/handoutMaster1.xml><?xml version="1.0" encoding="utf-8"?>
 <p:handoutMaster xmlns:a="http://schemas.openxmlformats.org/drawingml/2006/main" xmlns:r="http://schemas.openxmlformats.org/officeDocument/2006/relationships" xmlns:p="http://schemas.openxmlformats.org/presentationml/2006/main">
   <p:cSld>
@@ -300,7 +785,7 @@
               <a:pPr>
                 <a:defRPr/>
               </a:pPr>
-              <a:t>13/07/2023</a:t>
+              <a:t>16/07/2023</a:t>
             </a:fld>
             <a:endParaRPr lang="en-GB" dirty="0"/>
           </a:p>
@@ -519,7 +1004,7 @@
               <a:pPr>
                 <a:defRPr/>
               </a:pPr>
-              <a:t>13/07/2023</a:t>
+              <a:t>16/07/2023</a:t>
             </a:fld>
             <a:endParaRPr lang="en-GB"/>
           </a:p>
@@ -945,6 +1430,546 @@
 </p:notes>
 </file>
 
+<file path=ppt/notesSlides/notesSlide2.xml><?xml version="1.0" encoding="utf-8"?>
+<p:notes xmlns:a="http://schemas.openxmlformats.org/drawingml/2006/main" xmlns:r="http://schemas.openxmlformats.org/officeDocument/2006/relationships" xmlns:p="http://schemas.openxmlformats.org/presentationml/2006/main">
+  <p:cSld>
+    <p:spTree>
+      <p:nvGrpSpPr>
+        <p:cNvPr id="1" name=""/>
+        <p:cNvGrpSpPr/>
+        <p:nvPr/>
+      </p:nvGrpSpPr>
+      <p:grpSpPr>
+        <a:xfrm>
+          <a:off x="0" y="0"/>
+          <a:ext cx="0" cy="0"/>
+          <a:chOff x="0" y="0"/>
+          <a:chExt cx="0" cy="0"/>
+        </a:xfrm>
+      </p:grpSpPr>
+      <p:sp>
+        <p:nvSpPr>
+          <p:cNvPr id="2" name="Slide Image Placeholder 1"/>
+          <p:cNvSpPr>
+            <a:spLocks noGrp="1" noRot="1" noChangeAspect="1"/>
+          </p:cNvSpPr>
+          <p:nvPr>
+            <p:ph type="sldImg"/>
+          </p:nvPr>
+        </p:nvSpPr>
+        <p:spPr/>
+      </p:sp>
+      <p:sp>
+        <p:nvSpPr>
+          <p:cNvPr id="3" name="Notes Placeholder 2"/>
+          <p:cNvSpPr>
+            <a:spLocks noGrp="1"/>
+          </p:cNvSpPr>
+          <p:nvPr>
+            <p:ph type="body" idx="1"/>
+          </p:nvPr>
+        </p:nvSpPr>
+        <p:spPr/>
+        <p:txBody>
+          <a:bodyPr/>
+          <a:lstStyle/>
+          <a:p>
+            <a:endParaRPr lang="en-DE" dirty="0"/>
+          </a:p>
+        </p:txBody>
+      </p:sp>
+      <p:sp>
+        <p:nvSpPr>
+          <p:cNvPr id="4" name="Slide Number Placeholder 3"/>
+          <p:cNvSpPr>
+            <a:spLocks noGrp="1"/>
+          </p:cNvSpPr>
+          <p:nvPr>
+            <p:ph type="sldNum" sz="quarter" idx="5"/>
+          </p:nvPr>
+        </p:nvSpPr>
+        <p:spPr/>
+        <p:txBody>
+          <a:bodyPr/>
+          <a:lstStyle/>
+          <a:p>
+            <a:pPr>
+              <a:defRPr/>
+            </a:pPr>
+            <a:fld id="{00AFC6D0-44D5-4EB7-828F-6F464F83D79A}" type="slidenum">
+              <a:rPr lang="en-GB" smtClean="0"/>
+              <a:pPr>
+                <a:defRPr/>
+              </a:pPr>
+              <a:t>4</a:t>
+            </a:fld>
+            <a:endParaRPr lang="en-GB"/>
+          </a:p>
+        </p:txBody>
+      </p:sp>
+    </p:spTree>
+    <p:extLst>
+      <p:ext uri="{BB962C8B-B14F-4D97-AF65-F5344CB8AC3E}">
+        <p14:creationId xmlns:p14="http://schemas.microsoft.com/office/powerpoint/2010/main" val="3765520894"/>
+      </p:ext>
+    </p:extLst>
+  </p:cSld>
+  <p:clrMapOvr>
+    <a:masterClrMapping/>
+  </p:clrMapOvr>
+</p:notes>
+</file>
+
+<file path=ppt/notesSlides/notesSlide3.xml><?xml version="1.0" encoding="utf-8"?>
+<p:notes xmlns:a="http://schemas.openxmlformats.org/drawingml/2006/main" xmlns:r="http://schemas.openxmlformats.org/officeDocument/2006/relationships" xmlns:p="http://schemas.openxmlformats.org/presentationml/2006/main">
+  <p:cSld>
+    <p:spTree>
+      <p:nvGrpSpPr>
+        <p:cNvPr id="1" name=""/>
+        <p:cNvGrpSpPr/>
+        <p:nvPr/>
+      </p:nvGrpSpPr>
+      <p:grpSpPr>
+        <a:xfrm>
+          <a:off x="0" y="0"/>
+          <a:ext cx="0" cy="0"/>
+          <a:chOff x="0" y="0"/>
+          <a:chExt cx="0" cy="0"/>
+        </a:xfrm>
+      </p:grpSpPr>
+      <p:sp>
+        <p:nvSpPr>
+          <p:cNvPr id="2" name="Slide Image Placeholder 1"/>
+          <p:cNvSpPr>
+            <a:spLocks noGrp="1" noRot="1" noChangeAspect="1"/>
+          </p:cNvSpPr>
+          <p:nvPr>
+            <p:ph type="sldImg"/>
+          </p:nvPr>
+        </p:nvSpPr>
+        <p:spPr/>
+      </p:sp>
+      <p:sp>
+        <p:nvSpPr>
+          <p:cNvPr id="3" name="Notes Placeholder 2"/>
+          <p:cNvSpPr>
+            <a:spLocks noGrp="1"/>
+          </p:cNvSpPr>
+          <p:nvPr>
+            <p:ph type="body" idx="1"/>
+          </p:nvPr>
+        </p:nvSpPr>
+        <p:spPr/>
+        <p:txBody>
+          <a:bodyPr/>
+          <a:lstStyle/>
+          <a:p>
+            <a:endParaRPr lang="en-DE" dirty="0"/>
+          </a:p>
+        </p:txBody>
+      </p:sp>
+      <p:sp>
+        <p:nvSpPr>
+          <p:cNvPr id="4" name="Slide Number Placeholder 3"/>
+          <p:cNvSpPr>
+            <a:spLocks noGrp="1"/>
+          </p:cNvSpPr>
+          <p:nvPr>
+            <p:ph type="sldNum" sz="quarter" idx="5"/>
+          </p:nvPr>
+        </p:nvSpPr>
+        <p:spPr/>
+        <p:txBody>
+          <a:bodyPr/>
+          <a:lstStyle/>
+          <a:p>
+            <a:pPr>
+              <a:defRPr/>
+            </a:pPr>
+            <a:fld id="{00AFC6D0-44D5-4EB7-828F-6F464F83D79A}" type="slidenum">
+              <a:rPr lang="en-GB" smtClean="0"/>
+              <a:pPr>
+                <a:defRPr/>
+              </a:pPr>
+              <a:t>7</a:t>
+            </a:fld>
+            <a:endParaRPr lang="en-GB"/>
+          </a:p>
+        </p:txBody>
+      </p:sp>
+    </p:spTree>
+    <p:extLst>
+      <p:ext uri="{BB962C8B-B14F-4D97-AF65-F5344CB8AC3E}">
+        <p14:creationId xmlns:p14="http://schemas.microsoft.com/office/powerpoint/2010/main" val="3592458716"/>
+      </p:ext>
+    </p:extLst>
+  </p:cSld>
+  <p:clrMapOvr>
+    <a:masterClrMapping/>
+  </p:clrMapOvr>
+</p:notes>
+</file>
+
+<file path=ppt/notesSlides/notesSlide4.xml><?xml version="1.0" encoding="utf-8"?>
+<p:notes xmlns:a="http://schemas.openxmlformats.org/drawingml/2006/main" xmlns:r="http://schemas.openxmlformats.org/officeDocument/2006/relationships" xmlns:p="http://schemas.openxmlformats.org/presentationml/2006/main">
+  <p:cSld>
+    <p:spTree>
+      <p:nvGrpSpPr>
+        <p:cNvPr id="1" name=""/>
+        <p:cNvGrpSpPr/>
+        <p:nvPr/>
+      </p:nvGrpSpPr>
+      <p:grpSpPr>
+        <a:xfrm>
+          <a:off x="0" y="0"/>
+          <a:ext cx="0" cy="0"/>
+          <a:chOff x="0" y="0"/>
+          <a:chExt cx="0" cy="0"/>
+        </a:xfrm>
+      </p:grpSpPr>
+      <p:sp>
+        <p:nvSpPr>
+          <p:cNvPr id="2" name="Slide Image Placeholder 1"/>
+          <p:cNvSpPr>
+            <a:spLocks noGrp="1" noRot="1" noChangeAspect="1"/>
+          </p:cNvSpPr>
+          <p:nvPr>
+            <p:ph type="sldImg"/>
+          </p:nvPr>
+        </p:nvSpPr>
+        <p:spPr/>
+      </p:sp>
+      <p:sp>
+        <p:nvSpPr>
+          <p:cNvPr id="3" name="Notes Placeholder 2"/>
+          <p:cNvSpPr>
+            <a:spLocks noGrp="1"/>
+          </p:cNvSpPr>
+          <p:nvPr>
+            <p:ph type="body" idx="1"/>
+          </p:nvPr>
+        </p:nvSpPr>
+        <p:spPr/>
+        <p:txBody>
+          <a:bodyPr/>
+          <a:lstStyle/>
+          <a:p>
+            <a:endParaRPr lang="de-DE"/>
+          </a:p>
+        </p:txBody>
+      </p:sp>
+      <p:sp>
+        <p:nvSpPr>
+          <p:cNvPr id="4" name="Slide Number Placeholder 3"/>
+          <p:cNvSpPr>
+            <a:spLocks noGrp="1"/>
+          </p:cNvSpPr>
+          <p:nvPr>
+            <p:ph type="sldNum" sz="quarter" idx="5"/>
+          </p:nvPr>
+        </p:nvSpPr>
+        <p:spPr/>
+        <p:txBody>
+          <a:bodyPr/>
+          <a:lstStyle/>
+          <a:p>
+            <a:pPr>
+              <a:defRPr/>
+            </a:pPr>
+            <a:fld id="{00AFC6D0-44D5-4EB7-828F-6F464F83D79A}" type="slidenum">
+              <a:rPr lang="en-GB" smtClean="0"/>
+              <a:pPr>
+                <a:defRPr/>
+              </a:pPr>
+              <a:t>12</a:t>
+            </a:fld>
+            <a:endParaRPr lang="en-GB"/>
+          </a:p>
+        </p:txBody>
+      </p:sp>
+    </p:spTree>
+    <p:extLst>
+      <p:ext uri="{BB962C8B-B14F-4D97-AF65-F5344CB8AC3E}">
+        <p14:creationId xmlns:p14="http://schemas.microsoft.com/office/powerpoint/2010/main" val="1794852861"/>
+      </p:ext>
+    </p:extLst>
+  </p:cSld>
+  <p:clrMapOvr>
+    <a:masterClrMapping/>
+  </p:clrMapOvr>
+</p:notes>
+</file>
+
+<file path=ppt/notesSlides/notesSlide5.xml><?xml version="1.0" encoding="utf-8"?>
+<p:notes xmlns:a="http://schemas.openxmlformats.org/drawingml/2006/main" xmlns:r="http://schemas.openxmlformats.org/officeDocument/2006/relationships" xmlns:p="http://schemas.openxmlformats.org/presentationml/2006/main">
+  <p:cSld>
+    <p:spTree>
+      <p:nvGrpSpPr>
+        <p:cNvPr id="1" name=""/>
+        <p:cNvGrpSpPr/>
+        <p:nvPr/>
+      </p:nvGrpSpPr>
+      <p:grpSpPr>
+        <a:xfrm>
+          <a:off x="0" y="0"/>
+          <a:ext cx="0" cy="0"/>
+          <a:chOff x="0" y="0"/>
+          <a:chExt cx="0" cy="0"/>
+        </a:xfrm>
+      </p:grpSpPr>
+      <p:sp>
+        <p:nvSpPr>
+          <p:cNvPr id="2" name="Slide Image Placeholder 1"/>
+          <p:cNvSpPr>
+            <a:spLocks noGrp="1" noRot="1" noChangeAspect="1"/>
+          </p:cNvSpPr>
+          <p:nvPr>
+            <p:ph type="sldImg"/>
+          </p:nvPr>
+        </p:nvSpPr>
+        <p:spPr/>
+      </p:sp>
+      <p:sp>
+        <p:nvSpPr>
+          <p:cNvPr id="3" name="Notes Placeholder 2"/>
+          <p:cNvSpPr>
+            <a:spLocks noGrp="1"/>
+          </p:cNvSpPr>
+          <p:nvPr>
+            <p:ph type="body" idx="1"/>
+          </p:nvPr>
+        </p:nvSpPr>
+        <p:spPr/>
+        <p:txBody>
+          <a:bodyPr/>
+          <a:lstStyle/>
+          <a:p>
+            <a:endParaRPr lang="de-DE" dirty="0"/>
+          </a:p>
+        </p:txBody>
+      </p:sp>
+      <p:sp>
+        <p:nvSpPr>
+          <p:cNvPr id="4" name="Slide Number Placeholder 3"/>
+          <p:cNvSpPr>
+            <a:spLocks noGrp="1"/>
+          </p:cNvSpPr>
+          <p:nvPr>
+            <p:ph type="sldNum" sz="quarter" idx="5"/>
+          </p:nvPr>
+        </p:nvSpPr>
+        <p:spPr/>
+        <p:txBody>
+          <a:bodyPr/>
+          <a:lstStyle/>
+          <a:p>
+            <a:pPr>
+              <a:defRPr/>
+            </a:pPr>
+            <a:fld id="{00AFC6D0-44D5-4EB7-828F-6F464F83D79A}" type="slidenum">
+              <a:rPr lang="en-GB" smtClean="0"/>
+              <a:pPr>
+                <a:defRPr/>
+              </a:pPr>
+              <a:t>13</a:t>
+            </a:fld>
+            <a:endParaRPr lang="en-GB"/>
+          </a:p>
+        </p:txBody>
+      </p:sp>
+    </p:spTree>
+    <p:extLst>
+      <p:ext uri="{BB962C8B-B14F-4D97-AF65-F5344CB8AC3E}">
+        <p14:creationId xmlns:p14="http://schemas.microsoft.com/office/powerpoint/2010/main" val="454587178"/>
+      </p:ext>
+    </p:extLst>
+  </p:cSld>
+  <p:clrMapOvr>
+    <a:masterClrMapping/>
+  </p:clrMapOvr>
+</p:notes>
+</file>
+
+<file path=ppt/notesSlides/notesSlide6.xml><?xml version="1.0" encoding="utf-8"?>
+<p:notes xmlns:a="http://schemas.openxmlformats.org/drawingml/2006/main" xmlns:r="http://schemas.openxmlformats.org/officeDocument/2006/relationships" xmlns:p="http://schemas.openxmlformats.org/presentationml/2006/main">
+  <p:cSld>
+    <p:spTree>
+      <p:nvGrpSpPr>
+        <p:cNvPr id="1" name=""/>
+        <p:cNvGrpSpPr/>
+        <p:nvPr/>
+      </p:nvGrpSpPr>
+      <p:grpSpPr>
+        <a:xfrm>
+          <a:off x="0" y="0"/>
+          <a:ext cx="0" cy="0"/>
+          <a:chOff x="0" y="0"/>
+          <a:chExt cx="0" cy="0"/>
+        </a:xfrm>
+      </p:grpSpPr>
+      <p:sp>
+        <p:nvSpPr>
+          <p:cNvPr id="2" name="Slide Image Placeholder 1"/>
+          <p:cNvSpPr>
+            <a:spLocks noGrp="1" noRot="1" noChangeAspect="1"/>
+          </p:cNvSpPr>
+          <p:nvPr>
+            <p:ph type="sldImg"/>
+          </p:nvPr>
+        </p:nvSpPr>
+        <p:spPr/>
+      </p:sp>
+      <p:sp>
+        <p:nvSpPr>
+          <p:cNvPr id="3" name="Notes Placeholder 2"/>
+          <p:cNvSpPr>
+            <a:spLocks noGrp="1"/>
+          </p:cNvSpPr>
+          <p:nvPr>
+            <p:ph type="body" idx="1"/>
+          </p:nvPr>
+        </p:nvSpPr>
+        <p:spPr/>
+        <p:txBody>
+          <a:bodyPr/>
+          <a:lstStyle/>
+          <a:p>
+            <a:endParaRPr lang="de-DE"/>
+          </a:p>
+        </p:txBody>
+      </p:sp>
+      <p:sp>
+        <p:nvSpPr>
+          <p:cNvPr id="4" name="Slide Number Placeholder 3"/>
+          <p:cNvSpPr>
+            <a:spLocks noGrp="1"/>
+          </p:cNvSpPr>
+          <p:nvPr>
+            <p:ph type="sldNum" sz="quarter" idx="5"/>
+          </p:nvPr>
+        </p:nvSpPr>
+        <p:spPr/>
+        <p:txBody>
+          <a:bodyPr/>
+          <a:lstStyle/>
+          <a:p>
+            <a:pPr>
+              <a:defRPr/>
+            </a:pPr>
+            <a:fld id="{00AFC6D0-44D5-4EB7-828F-6F464F83D79A}" type="slidenum">
+              <a:rPr lang="en-GB" smtClean="0"/>
+              <a:pPr>
+                <a:defRPr/>
+              </a:pPr>
+              <a:t>14</a:t>
+            </a:fld>
+            <a:endParaRPr lang="en-GB"/>
+          </a:p>
+        </p:txBody>
+      </p:sp>
+    </p:spTree>
+    <p:extLst>
+      <p:ext uri="{BB962C8B-B14F-4D97-AF65-F5344CB8AC3E}">
+        <p14:creationId xmlns:p14="http://schemas.microsoft.com/office/powerpoint/2010/main" val="1952742999"/>
+      </p:ext>
+    </p:extLst>
+  </p:cSld>
+  <p:clrMapOvr>
+    <a:masterClrMapping/>
+  </p:clrMapOvr>
+</p:notes>
+</file>
+
+<file path=ppt/notesSlides/notesSlide7.xml><?xml version="1.0" encoding="utf-8"?>
+<p:notes xmlns:a="http://schemas.openxmlformats.org/drawingml/2006/main" xmlns:r="http://schemas.openxmlformats.org/officeDocument/2006/relationships" xmlns:p="http://schemas.openxmlformats.org/presentationml/2006/main">
+  <p:cSld>
+    <p:spTree>
+      <p:nvGrpSpPr>
+        <p:cNvPr id="1" name=""/>
+        <p:cNvGrpSpPr/>
+        <p:nvPr/>
+      </p:nvGrpSpPr>
+      <p:grpSpPr>
+        <a:xfrm>
+          <a:off x="0" y="0"/>
+          <a:ext cx="0" cy="0"/>
+          <a:chOff x="0" y="0"/>
+          <a:chExt cx="0" cy="0"/>
+        </a:xfrm>
+      </p:grpSpPr>
+      <p:sp>
+        <p:nvSpPr>
+          <p:cNvPr id="2" name="Slide Image Placeholder 1"/>
+          <p:cNvSpPr>
+            <a:spLocks noGrp="1" noRot="1" noChangeAspect="1"/>
+          </p:cNvSpPr>
+          <p:nvPr>
+            <p:ph type="sldImg"/>
+          </p:nvPr>
+        </p:nvSpPr>
+        <p:spPr/>
+      </p:sp>
+      <p:sp>
+        <p:nvSpPr>
+          <p:cNvPr id="3" name="Notes Placeholder 2"/>
+          <p:cNvSpPr>
+            <a:spLocks noGrp="1"/>
+          </p:cNvSpPr>
+          <p:nvPr>
+            <p:ph type="body" idx="1"/>
+          </p:nvPr>
+        </p:nvSpPr>
+        <p:spPr/>
+        <p:txBody>
+          <a:bodyPr/>
+          <a:lstStyle/>
+          <a:p>
+            <a:endParaRPr lang="de-DE" dirty="0"/>
+          </a:p>
+        </p:txBody>
+      </p:sp>
+      <p:sp>
+        <p:nvSpPr>
+          <p:cNvPr id="4" name="Slide Number Placeholder 3"/>
+          <p:cNvSpPr>
+            <a:spLocks noGrp="1"/>
+          </p:cNvSpPr>
+          <p:nvPr>
+            <p:ph type="sldNum" sz="quarter" idx="5"/>
+          </p:nvPr>
+        </p:nvSpPr>
+        <p:spPr/>
+        <p:txBody>
+          <a:bodyPr/>
+          <a:lstStyle/>
+          <a:p>
+            <a:pPr>
+              <a:defRPr/>
+            </a:pPr>
+            <a:fld id="{00AFC6D0-44D5-4EB7-828F-6F464F83D79A}" type="slidenum">
+              <a:rPr lang="en-GB" smtClean="0"/>
+              <a:pPr>
+                <a:defRPr/>
+              </a:pPr>
+              <a:t>16</a:t>
+            </a:fld>
+            <a:endParaRPr lang="en-GB"/>
+          </a:p>
+        </p:txBody>
+      </p:sp>
+    </p:spTree>
+    <p:extLst>
+      <p:ext uri="{BB962C8B-B14F-4D97-AF65-F5344CB8AC3E}">
+        <p14:creationId xmlns:p14="http://schemas.microsoft.com/office/powerpoint/2010/main" val="233806902"/>
+      </p:ext>
+    </p:extLst>
+  </p:cSld>
+  <p:clrMapOvr>
+    <a:masterClrMapping/>
+  </p:clrMapOvr>
+</p:notes>
+</file>
+
 <file path=ppt/slideLayouts/slideLayout1.xml><?xml version="1.0" encoding="utf-8"?>
 <p:sldLayout xmlns:a="http://schemas.openxmlformats.org/drawingml/2006/main" xmlns:r="http://schemas.openxmlformats.org/officeDocument/2006/relationships" xmlns:p="http://schemas.openxmlformats.org/presentationml/2006/main" preserve="1" userDrawn="1">
   <p:cSld name="Start">
@@ -9224,25 +10249,1526 @@
           <a:chExt cx="0" cy="0"/>
         </a:xfrm>
       </p:grpSpPr>
-      <p:sp>
-        <p:nvSpPr>
-          <p:cNvPr id="2" name="Inhaltsplatzhalter 1"/>
-          <p:cNvSpPr>
-            <a:spLocks noGrp="1"/>
-          </p:cNvSpPr>
-          <p:nvPr>
-            <p:ph idx="1"/>
-          </p:nvPr>
-        </p:nvSpPr>
-        <p:spPr/>
-        <p:txBody>
-          <a:bodyPr/>
-          <a:lstStyle/>
-          <a:p>
-            <a:endParaRPr lang="de-DE" dirty="0"/>
-          </a:p>
-        </p:txBody>
-      </p:sp>
+      <mc:AlternateContent xmlns:mc="http://schemas.openxmlformats.org/markup-compatibility/2006">
+        <mc:Choice xmlns:a14="http://schemas.microsoft.com/office/drawing/2010/main" Requires="a14">
+          <p:sp>
+            <p:nvSpPr>
+              <p:cNvPr id="2" name="Inhaltsplatzhalter 1"/>
+              <p:cNvSpPr>
+                <a:spLocks noGrp="1"/>
+              </p:cNvSpPr>
+              <p:nvPr>
+                <p:ph idx="1"/>
+              </p:nvPr>
+            </p:nvSpPr>
+            <p:spPr/>
+            <p:txBody>
+              <a:bodyPr/>
+              <a:lstStyle/>
+              <a:p>
+                <a:pPr algn="l" fontAlgn="base"/>
+                <a:r>
+                  <a:rPr lang="en-GB" dirty="0">
+                    <a:solidFill>
+                      <a:srgbClr val="232629"/>
+                    </a:solidFill>
+                    <a:latin typeface="var(--theme-post-title-font-family)"/>
+                  </a:rPr>
+                  <a:t>SIMD-Matrixmultiplikation:</a:t>
+                </a:r>
+              </a:p>
+              <a:p>
+                <a:pPr algn="ctr">
+                  <a:lnSpc>
+                    <a:spcPct val="100000"/>
+                  </a:lnSpc>
+                </a:pPr>
+                <a:r>
+                  <a:rPr lang="en-GB" b="0" dirty="0">
+                    <a:solidFill>
+                      <a:srgbClr val="232629"/>
+                    </a:solidFill>
+                    <a:effectLst/>
+                  </a:rPr>
+                  <a:t>          </a:t>
+                </a:r>
+                <a14:m>
+                  <m:oMath xmlns:m="http://schemas.openxmlformats.org/officeDocument/2006/math">
+                    <m:sSup>
+                      <m:sSupPr>
+                        <m:ctrlPr>
+                          <a:rPr lang="en-GB" b="0" i="1" dirty="0" smtClean="0">
+                            <a:solidFill>
+                              <a:srgbClr val="232629"/>
+                            </a:solidFill>
+                            <a:effectLst/>
+                            <a:latin typeface="Cambria Math" panose="02040503050406030204" pitchFamily="18" charset="0"/>
+                          </a:rPr>
+                        </m:ctrlPr>
+                      </m:sSupPr>
+                      <m:e>
+                        <m:d>
+                          <m:dPr>
+                            <m:ctrlPr>
+                              <a:rPr lang="en-GB" i="1" dirty="0" smtClean="0">
+                                <a:solidFill>
+                                  <a:srgbClr val="232629"/>
+                                </a:solidFill>
+                                <a:latin typeface="Cambria Math" panose="02040503050406030204" pitchFamily="18" charset="0"/>
+                              </a:rPr>
+                            </m:ctrlPr>
+                          </m:dPr>
+                          <m:e>
+                            <m:m>
+                              <m:mPr>
+                                <m:mcs>
+                                  <m:mc>
+                                    <m:mcPr>
+                                      <m:count m:val="2"/>
+                                      <m:mcJc m:val="center"/>
+                                    </m:mcPr>
+                                  </m:mc>
+                                </m:mcs>
+                                <m:ctrlPr>
+                                  <a:rPr lang="de-DE" i="1" dirty="0" smtClean="0">
+                                    <a:solidFill>
+                                      <a:srgbClr val="232629"/>
+                                    </a:solidFill>
+                                    <a:latin typeface="Cambria Math" panose="02040503050406030204" pitchFamily="18" charset="0"/>
+                                  </a:rPr>
+                                </m:ctrlPr>
+                              </m:mPr>
+                              <m:mr>
+                                <m:e>
+                                  <m:r>
+                                    <m:rPr>
+                                      <m:brk m:alnAt="7"/>
+                                    </m:rPr>
+                                    <a:rPr lang="de-DE" i="1" dirty="0">
+                                      <a:solidFill>
+                                        <a:srgbClr val="232629"/>
+                                      </a:solidFill>
+                                      <a:latin typeface="Cambria Math" panose="02040503050406030204" pitchFamily="18" charset="0"/>
+                                    </a:rPr>
+                                    <m:t>1</m:t>
+                                  </m:r>
+                                </m:e>
+                                <m:e>
+                                  <m:r>
+                                    <a:rPr lang="de-DE" i="1" dirty="0">
+                                      <a:solidFill>
+                                        <a:srgbClr val="232629"/>
+                                      </a:solidFill>
+                                      <a:latin typeface="Cambria Math" panose="02040503050406030204" pitchFamily="18" charset="0"/>
+                                    </a:rPr>
+                                    <m:t>0</m:t>
+                                  </m:r>
+                                </m:e>
+                              </m:mr>
+                              <m:mr>
+                                <m:e>
+                                  <m:r>
+                                    <a:rPr lang="de-DE" i="1" dirty="0">
+                                      <a:solidFill>
+                                        <a:srgbClr val="232629"/>
+                                      </a:solidFill>
+                                      <a:latin typeface="Cambria Math" panose="02040503050406030204" pitchFamily="18" charset="0"/>
+                                    </a:rPr>
+                                    <m:t>−1</m:t>
+                                  </m:r>
+                                </m:e>
+                                <m:e>
+                                  <m:r>
+                                    <a:rPr lang="de-DE" i="1" dirty="0">
+                                      <a:solidFill>
+                                        <a:srgbClr val="232629"/>
+                                      </a:solidFill>
+                                      <a:latin typeface="Cambria Math" panose="02040503050406030204" pitchFamily="18" charset="0"/>
+                                    </a:rPr>
+                                    <m:t>1</m:t>
+                                  </m:r>
+                                </m:e>
+                              </m:mr>
+                              <m:mr>
+                                <m:e>
+                                  <m:r>
+                                    <a:rPr lang="de-DE" i="1" dirty="0">
+                                      <a:solidFill>
+                                        <a:srgbClr val="232629"/>
+                                      </a:solidFill>
+                                      <a:latin typeface="Cambria Math" panose="02040503050406030204" pitchFamily="18" charset="0"/>
+                                    </a:rPr>
+                                    <m:t>0</m:t>
+                                  </m:r>
+                                </m:e>
+                                <m:e>
+                                  <m:r>
+                                    <a:rPr lang="de-DE" i="1" dirty="0">
+                                      <a:solidFill>
+                                        <a:srgbClr val="232629"/>
+                                      </a:solidFill>
+                                      <a:latin typeface="Cambria Math" panose="02040503050406030204" pitchFamily="18" charset="0"/>
+                                    </a:rPr>
+                                    <m:t>−2</m:t>
+                                  </m:r>
+                                </m:e>
+                              </m:mr>
+                              <m:mr>
+                                <m:e>
+                                  <m:r>
+                                    <a:rPr lang="de-DE" i="1" dirty="0">
+                                      <a:solidFill>
+                                        <a:srgbClr val="232629"/>
+                                      </a:solidFill>
+                                      <a:latin typeface="Cambria Math" panose="02040503050406030204" pitchFamily="18" charset="0"/>
+                                    </a:rPr>
+                                    <m:t>2</m:t>
+                                  </m:r>
+                                </m:e>
+                                <m:e>
+                                  <m:r>
+                                    <a:rPr lang="de-DE" i="1" dirty="0">
+                                      <a:solidFill>
+                                        <a:srgbClr val="232629"/>
+                                      </a:solidFill>
+                                      <a:latin typeface="Cambria Math" panose="02040503050406030204" pitchFamily="18" charset="0"/>
+                                    </a:rPr>
+                                    <m:t>2</m:t>
+                                  </m:r>
+                                </m:e>
+                              </m:mr>
+                              <m:mr>
+                                <m:e>
+                                  <m:r>
+                                    <a:rPr lang="de-DE" i="1" dirty="0">
+                                      <a:solidFill>
+                                        <a:srgbClr val="232629"/>
+                                      </a:solidFill>
+                                      <a:latin typeface="Cambria Math" panose="02040503050406030204" pitchFamily="18" charset="0"/>
+                                    </a:rPr>
+                                    <m:t>−4</m:t>
+                                  </m:r>
+                                </m:e>
+                                <m:e>
+                                  <m:r>
+                                    <a:rPr lang="de-DE" i="1" dirty="0">
+                                      <a:solidFill>
+                                        <a:srgbClr val="232629"/>
+                                      </a:solidFill>
+                                      <a:latin typeface="Cambria Math" panose="02040503050406030204" pitchFamily="18" charset="0"/>
+                                    </a:rPr>
+                                    <m:t>0</m:t>
+                                  </m:r>
+                                </m:e>
+                              </m:mr>
+                              <m:mr>
+                                <m:e>
+                                  <m:r>
+                                    <a:rPr lang="de-DE" i="1" dirty="0">
+                                      <a:solidFill>
+                                        <a:srgbClr val="232629"/>
+                                      </a:solidFill>
+                                      <a:latin typeface="Cambria Math" panose="02040503050406030204" pitchFamily="18" charset="0"/>
+                                    </a:rPr>
+                                    <m:t>4</m:t>
+                                  </m:r>
+                                </m:e>
+                                <m:e>
+                                  <m:r>
+                                    <a:rPr lang="de-DE" i="1" dirty="0">
+                                      <a:solidFill>
+                                        <a:srgbClr val="232629"/>
+                                      </a:solidFill>
+                                      <a:latin typeface="Cambria Math" panose="02040503050406030204" pitchFamily="18" charset="0"/>
+                                    </a:rPr>
+                                    <m:t>−4</m:t>
+                                  </m:r>
+                                </m:e>
+                              </m:mr>
+                              <m:mr>
+                                <m:e>
+                                  <m:r>
+                                    <a:rPr lang="de-DE" i="1" dirty="0">
+                                      <a:solidFill>
+                                        <a:srgbClr val="232629"/>
+                                      </a:solidFill>
+                                      <a:latin typeface="Cambria Math" panose="02040503050406030204" pitchFamily="18" charset="0"/>
+                                    </a:rPr>
+                                    <m:t>0</m:t>
+                                  </m:r>
+                                </m:e>
+                                <m:e>
+                                  <m:r>
+                                    <a:rPr lang="de-DE" i="1" dirty="0">
+                                      <a:solidFill>
+                                        <a:srgbClr val="232629"/>
+                                      </a:solidFill>
+                                      <a:latin typeface="Cambria Math" panose="02040503050406030204" pitchFamily="18" charset="0"/>
+                                    </a:rPr>
+                                    <m:t>8</m:t>
+                                  </m:r>
+                                </m:e>
+                              </m:mr>
+                              <m:mr>
+                                <m:e>
+                                  <m:r>
+                                    <a:rPr lang="de-DE" i="1" dirty="0">
+                                      <a:solidFill>
+                                        <a:srgbClr val="232629"/>
+                                      </a:solidFill>
+                                      <a:latin typeface="Cambria Math" panose="02040503050406030204" pitchFamily="18" charset="0"/>
+                                    </a:rPr>
+                                    <m:t>−8</m:t>
+                                  </m:r>
+                                </m:e>
+                                <m:e>
+                                  <m:r>
+                                    <a:rPr lang="de-DE" i="1" dirty="0">
+                                      <a:solidFill>
+                                        <a:srgbClr val="232629"/>
+                                      </a:solidFill>
+                                      <a:latin typeface="Cambria Math" panose="02040503050406030204" pitchFamily="18" charset="0"/>
+                                    </a:rPr>
+                                    <m:t>−8</m:t>
+                                  </m:r>
+                                </m:e>
+                              </m:mr>
+                            </m:m>
+                          </m:e>
+                        </m:d>
+                      </m:e>
+                      <m:sup>
+                        <m:r>
+                          <a:rPr lang="de-DE" b="0" i="1" dirty="0" smtClean="0">
+                            <a:solidFill>
+                              <a:srgbClr val="232629"/>
+                            </a:solidFill>
+                            <a:effectLst/>
+                            <a:latin typeface="Cambria Math" panose="02040503050406030204" pitchFamily="18" charset="0"/>
+                          </a:rPr>
+                          <m:t>𝑇</m:t>
+                        </m:r>
+                      </m:sup>
+                    </m:sSup>
+                    <m:r>
+                      <a:rPr lang="de-DE" i="1" dirty="0" smtClean="0">
+                        <a:solidFill>
+                          <a:srgbClr val="232629"/>
+                        </a:solidFill>
+                        <a:effectLst/>
+                        <a:latin typeface="Cambria Math" panose="02040503050406030204" pitchFamily="18" charset="0"/>
+                        <a:ea typeface="Cambria Math" panose="02040503050406030204" pitchFamily="18" charset="0"/>
+                      </a:rPr>
+                      <m:t>×</m:t>
+                    </m:r>
+                  </m:oMath>
+                </a14:m>
+                <a:r>
+                  <a:rPr lang="en-GB" i="0" dirty="0">
+                    <a:solidFill>
+                      <a:srgbClr val="232629"/>
+                    </a:solidFill>
+                    <a:effectLst/>
+                    <a:latin typeface="-apple-system"/>
+                  </a:rPr>
+                  <a:t>   </a:t>
+                </a:r>
+                <a14:m>
+                  <m:oMath xmlns:m="http://schemas.openxmlformats.org/officeDocument/2006/math">
+                    <m:d>
+                      <m:dPr>
+                        <m:ctrlPr>
+                          <a:rPr lang="en-GB" b="0" i="1" dirty="0" smtClean="0">
+                            <a:solidFill>
+                              <a:srgbClr val="232629"/>
+                            </a:solidFill>
+                            <a:effectLst/>
+                            <a:latin typeface="Cambria Math" panose="02040503050406030204" pitchFamily="18" charset="0"/>
+                          </a:rPr>
+                        </m:ctrlPr>
+                      </m:dPr>
+                      <m:e>
+                        <m:m>
+                          <m:mPr>
+                            <m:mcs>
+                              <m:mc>
+                                <m:mcPr>
+                                  <m:count m:val="4"/>
+                                  <m:mcJc m:val="center"/>
+                                </m:mcPr>
+                              </m:mc>
+                            </m:mcs>
+                            <m:ctrlPr>
+                              <a:rPr lang="en-GB" b="0" i="1" dirty="0" smtClean="0">
+                                <a:solidFill>
+                                  <a:srgbClr val="232629"/>
+                                </a:solidFill>
+                                <a:effectLst/>
+                                <a:latin typeface="Cambria Math" panose="02040503050406030204" pitchFamily="18" charset="0"/>
+                              </a:rPr>
+                            </m:ctrlPr>
+                          </m:mPr>
+                          <m:mr>
+                            <m:e>
+                              <m:r>
+                                <a:rPr lang="de-DE" i="1" dirty="0">
+                                  <a:solidFill>
+                                    <a:srgbClr val="232629"/>
+                                  </a:solidFill>
+                                  <a:latin typeface="Cambria Math" panose="02040503050406030204" pitchFamily="18" charset="0"/>
+                                </a:rPr>
+                                <m:t>𝑎</m:t>
+                              </m:r>
+                              <m:r>
+                                <a:rPr lang="de-DE" b="0" i="1" baseline="-25000" dirty="0" smtClean="0">
+                                  <a:solidFill>
+                                    <a:srgbClr val="232629"/>
+                                  </a:solidFill>
+                                  <a:latin typeface="Cambria Math" panose="02040503050406030204" pitchFamily="18" charset="0"/>
+                                </a:rPr>
+                                <m:t>0</m:t>
+                              </m:r>
+                            </m:e>
+                            <m:e>
+                              <m:r>
+                                <a:rPr lang="de-DE" i="1" dirty="0">
+                                  <a:solidFill>
+                                    <a:srgbClr val="232629"/>
+                                  </a:solidFill>
+                                  <a:latin typeface="Cambria Math" panose="02040503050406030204" pitchFamily="18" charset="0"/>
+                                </a:rPr>
+                                <m:t>𝑎</m:t>
+                              </m:r>
+                              <m:r>
+                                <a:rPr lang="de-DE" b="0" i="1" baseline="-25000" dirty="0" smtClean="0">
+                                  <a:solidFill>
+                                    <a:srgbClr val="232629"/>
+                                  </a:solidFill>
+                                  <a:latin typeface="Cambria Math" panose="02040503050406030204" pitchFamily="18" charset="0"/>
+                                </a:rPr>
+                                <m:t>8</m:t>
+                              </m:r>
+                            </m:e>
+                            <m:e>
+                              <m:r>
+                                <a:rPr lang="de-DE" i="1" dirty="0">
+                                  <a:solidFill>
+                                    <a:srgbClr val="232629"/>
+                                  </a:solidFill>
+                                  <a:latin typeface="Cambria Math" panose="02040503050406030204" pitchFamily="18" charset="0"/>
+                                </a:rPr>
+                                <m:t>…</m:t>
+                              </m:r>
+                            </m:e>
+                            <m:e>
+                              <m:r>
+                                <a:rPr lang="de-DE" i="1" dirty="0">
+                                  <a:solidFill>
+                                    <a:srgbClr val="232629"/>
+                                  </a:solidFill>
+                                  <a:latin typeface="Cambria Math" panose="02040503050406030204" pitchFamily="18" charset="0"/>
+                                </a:rPr>
+                                <m:t>𝑎</m:t>
+                              </m:r>
+                              <m:r>
+                                <a:rPr lang="de-DE" b="0" i="1" baseline="-25000" dirty="0" smtClean="0">
+                                  <a:solidFill>
+                                    <a:srgbClr val="232629"/>
+                                  </a:solidFill>
+                                  <a:latin typeface="Cambria Math" panose="02040503050406030204" pitchFamily="18" charset="0"/>
+                                </a:rPr>
+                                <m:t>120</m:t>
+                              </m:r>
+                            </m:e>
+                          </m:mr>
+                          <m:mr>
+                            <m:e>
+                              <m:r>
+                                <a:rPr lang="de-DE" i="1" dirty="0">
+                                  <a:solidFill>
+                                    <a:srgbClr val="232629"/>
+                                  </a:solidFill>
+                                  <a:latin typeface="Cambria Math" panose="02040503050406030204" pitchFamily="18" charset="0"/>
+                                </a:rPr>
+                                <m:t>𝑎</m:t>
+                              </m:r>
+                              <m:r>
+                                <a:rPr lang="de-DE" b="0" i="1" baseline="-25000" dirty="0" smtClean="0">
+                                  <a:solidFill>
+                                    <a:srgbClr val="232629"/>
+                                  </a:solidFill>
+                                  <a:latin typeface="Cambria Math" panose="02040503050406030204" pitchFamily="18" charset="0"/>
+                                </a:rPr>
+                                <m:t>1</m:t>
+                              </m:r>
+                            </m:e>
+                            <m:e>
+                              <m:r>
+                                <a:rPr lang="de-DE" i="1" dirty="0">
+                                  <a:solidFill>
+                                    <a:srgbClr val="232629"/>
+                                  </a:solidFill>
+                                  <a:latin typeface="Cambria Math" panose="02040503050406030204" pitchFamily="18" charset="0"/>
+                                </a:rPr>
+                                <m:t>𝑎</m:t>
+                              </m:r>
+                              <m:r>
+                                <a:rPr lang="de-DE" b="0" i="1" baseline="-25000" dirty="0" smtClean="0">
+                                  <a:solidFill>
+                                    <a:srgbClr val="232629"/>
+                                  </a:solidFill>
+                                  <a:latin typeface="Cambria Math" panose="02040503050406030204" pitchFamily="18" charset="0"/>
+                                </a:rPr>
+                                <m:t>9</m:t>
+                              </m:r>
+                            </m:e>
+                            <m:e>
+                              <m:r>
+                                <a:rPr lang="de-DE" i="1" dirty="0">
+                                  <a:solidFill>
+                                    <a:srgbClr val="232629"/>
+                                  </a:solidFill>
+                                  <a:latin typeface="Cambria Math" panose="02040503050406030204" pitchFamily="18" charset="0"/>
+                                </a:rPr>
+                                <m:t>…</m:t>
+                              </m:r>
+                            </m:e>
+                            <m:e>
+                              <m:r>
+                                <a:rPr lang="de-DE" i="1" dirty="0">
+                                  <a:solidFill>
+                                    <a:srgbClr val="232629"/>
+                                  </a:solidFill>
+                                  <a:latin typeface="Cambria Math" panose="02040503050406030204" pitchFamily="18" charset="0"/>
+                                </a:rPr>
+                                <m:t>𝑎</m:t>
+                              </m:r>
+                              <m:r>
+                                <a:rPr lang="de-DE" b="0" i="1" baseline="-25000" dirty="0" smtClean="0">
+                                  <a:solidFill>
+                                    <a:srgbClr val="232629"/>
+                                  </a:solidFill>
+                                  <a:latin typeface="Cambria Math" panose="02040503050406030204" pitchFamily="18" charset="0"/>
+                                </a:rPr>
+                                <m:t>121</m:t>
+                              </m:r>
+                            </m:e>
+                          </m:mr>
+                          <m:mr>
+                            <m:e>
+                              <m:r>
+                                <a:rPr lang="de-DE" i="1" dirty="0">
+                                  <a:solidFill>
+                                    <a:srgbClr val="232629"/>
+                                  </a:solidFill>
+                                  <a:latin typeface="Cambria Math" panose="02040503050406030204" pitchFamily="18" charset="0"/>
+                                </a:rPr>
+                                <m:t>𝑎</m:t>
+                              </m:r>
+                              <m:r>
+                                <a:rPr lang="de-DE" b="0" i="1" baseline="-25000" dirty="0" smtClean="0">
+                                  <a:solidFill>
+                                    <a:srgbClr val="232629"/>
+                                  </a:solidFill>
+                                  <a:latin typeface="Cambria Math" panose="02040503050406030204" pitchFamily="18" charset="0"/>
+                                </a:rPr>
+                                <m:t>2</m:t>
+                              </m:r>
+                            </m:e>
+                            <m:e>
+                              <m:r>
+                                <a:rPr lang="de-DE" i="1" dirty="0">
+                                  <a:solidFill>
+                                    <a:srgbClr val="232629"/>
+                                  </a:solidFill>
+                                  <a:latin typeface="Cambria Math" panose="02040503050406030204" pitchFamily="18" charset="0"/>
+                                </a:rPr>
+                                <m:t>𝑎</m:t>
+                              </m:r>
+                              <m:r>
+                                <a:rPr lang="de-DE" b="0" i="1" baseline="-25000" dirty="0" smtClean="0">
+                                  <a:solidFill>
+                                    <a:srgbClr val="232629"/>
+                                  </a:solidFill>
+                                  <a:latin typeface="Cambria Math" panose="02040503050406030204" pitchFamily="18" charset="0"/>
+                                </a:rPr>
+                                <m:t>10</m:t>
+                              </m:r>
+                            </m:e>
+                            <m:e>
+                              <m:r>
+                                <a:rPr lang="de-DE" i="1" dirty="0">
+                                  <a:solidFill>
+                                    <a:srgbClr val="232629"/>
+                                  </a:solidFill>
+                                  <a:latin typeface="Cambria Math" panose="02040503050406030204" pitchFamily="18" charset="0"/>
+                                </a:rPr>
+                                <m:t>…</m:t>
+                              </m:r>
+                            </m:e>
+                            <m:e>
+                              <m:r>
+                                <a:rPr lang="de-DE" i="1" dirty="0">
+                                  <a:solidFill>
+                                    <a:srgbClr val="232629"/>
+                                  </a:solidFill>
+                                  <a:latin typeface="Cambria Math" panose="02040503050406030204" pitchFamily="18" charset="0"/>
+                                </a:rPr>
+                                <m:t>𝑎</m:t>
+                              </m:r>
+                              <m:r>
+                                <a:rPr lang="de-DE" b="0" i="1" baseline="-25000" dirty="0" smtClean="0">
+                                  <a:solidFill>
+                                    <a:srgbClr val="232629"/>
+                                  </a:solidFill>
+                                  <a:latin typeface="Cambria Math" panose="02040503050406030204" pitchFamily="18" charset="0"/>
+                                </a:rPr>
+                                <m:t>122</m:t>
+                              </m:r>
+                            </m:e>
+                          </m:mr>
+                          <m:mr>
+                            <m:e>
+                              <m:r>
+                                <a:rPr lang="de-DE" i="1" dirty="0">
+                                  <a:solidFill>
+                                    <a:srgbClr val="232629"/>
+                                  </a:solidFill>
+                                  <a:latin typeface="Cambria Math" panose="02040503050406030204" pitchFamily="18" charset="0"/>
+                                </a:rPr>
+                                <m:t>𝑎</m:t>
+                              </m:r>
+                              <m:r>
+                                <a:rPr lang="de-DE" b="0" i="1" baseline="-25000" dirty="0" smtClean="0">
+                                  <a:solidFill>
+                                    <a:srgbClr val="232629"/>
+                                  </a:solidFill>
+                                  <a:latin typeface="Cambria Math" panose="02040503050406030204" pitchFamily="18" charset="0"/>
+                                </a:rPr>
+                                <m:t>3</m:t>
+                              </m:r>
+                            </m:e>
+                            <m:e>
+                              <m:r>
+                                <a:rPr lang="de-DE" i="1" dirty="0">
+                                  <a:solidFill>
+                                    <a:srgbClr val="232629"/>
+                                  </a:solidFill>
+                                  <a:latin typeface="Cambria Math" panose="02040503050406030204" pitchFamily="18" charset="0"/>
+                                </a:rPr>
+                                <m:t>𝑎</m:t>
+                              </m:r>
+                              <m:r>
+                                <a:rPr lang="de-DE" b="0" i="1" baseline="-25000" dirty="0" smtClean="0">
+                                  <a:solidFill>
+                                    <a:srgbClr val="232629"/>
+                                  </a:solidFill>
+                                  <a:latin typeface="Cambria Math" panose="02040503050406030204" pitchFamily="18" charset="0"/>
+                                </a:rPr>
+                                <m:t>11</m:t>
+                              </m:r>
+                            </m:e>
+                            <m:e>
+                              <m:r>
+                                <a:rPr lang="de-DE" i="1" dirty="0">
+                                  <a:solidFill>
+                                    <a:srgbClr val="232629"/>
+                                  </a:solidFill>
+                                  <a:latin typeface="Cambria Math" panose="02040503050406030204" pitchFamily="18" charset="0"/>
+                                </a:rPr>
+                                <m:t>…</m:t>
+                              </m:r>
+                            </m:e>
+                            <m:e>
+                              <m:r>
+                                <a:rPr lang="de-DE" i="1" dirty="0">
+                                  <a:solidFill>
+                                    <a:srgbClr val="232629"/>
+                                  </a:solidFill>
+                                  <a:latin typeface="Cambria Math" panose="02040503050406030204" pitchFamily="18" charset="0"/>
+                                </a:rPr>
+                                <m:t>𝑎</m:t>
+                              </m:r>
+                              <m:r>
+                                <a:rPr lang="de-DE" b="0" i="1" baseline="-25000" dirty="0" smtClean="0">
+                                  <a:solidFill>
+                                    <a:srgbClr val="232629"/>
+                                  </a:solidFill>
+                                  <a:latin typeface="Cambria Math" panose="02040503050406030204" pitchFamily="18" charset="0"/>
+                                </a:rPr>
+                                <m:t>123</m:t>
+                              </m:r>
+                            </m:e>
+                          </m:mr>
+                          <m:mr>
+                            <m:e>
+                              <m:r>
+                                <a:rPr lang="de-DE" i="1" dirty="0">
+                                  <a:solidFill>
+                                    <a:srgbClr val="232629"/>
+                                  </a:solidFill>
+                                  <a:latin typeface="Cambria Math" panose="02040503050406030204" pitchFamily="18" charset="0"/>
+                                </a:rPr>
+                                <m:t>𝑎</m:t>
+                              </m:r>
+                              <m:r>
+                                <a:rPr lang="de-DE" b="0" i="1" baseline="-25000" dirty="0" smtClean="0">
+                                  <a:solidFill>
+                                    <a:srgbClr val="232629"/>
+                                  </a:solidFill>
+                                  <a:latin typeface="Cambria Math" panose="02040503050406030204" pitchFamily="18" charset="0"/>
+                                </a:rPr>
+                                <m:t>4</m:t>
+                              </m:r>
+                            </m:e>
+                            <m:e>
+                              <m:r>
+                                <a:rPr lang="de-DE" i="1" dirty="0">
+                                  <a:solidFill>
+                                    <a:srgbClr val="232629"/>
+                                  </a:solidFill>
+                                  <a:latin typeface="Cambria Math" panose="02040503050406030204" pitchFamily="18" charset="0"/>
+                                </a:rPr>
+                                <m:t>𝑎</m:t>
+                              </m:r>
+                              <m:r>
+                                <a:rPr lang="de-DE" b="0" i="1" baseline="-25000" dirty="0" smtClean="0">
+                                  <a:solidFill>
+                                    <a:srgbClr val="232629"/>
+                                  </a:solidFill>
+                                  <a:latin typeface="Cambria Math" panose="02040503050406030204" pitchFamily="18" charset="0"/>
+                                </a:rPr>
+                                <m:t>12</m:t>
+                              </m:r>
+                            </m:e>
+                            <m:e>
+                              <m:r>
+                                <a:rPr lang="de-DE" i="1" dirty="0">
+                                  <a:solidFill>
+                                    <a:srgbClr val="232629"/>
+                                  </a:solidFill>
+                                  <a:latin typeface="Cambria Math" panose="02040503050406030204" pitchFamily="18" charset="0"/>
+                                </a:rPr>
+                                <m:t>…</m:t>
+                              </m:r>
+                            </m:e>
+                            <m:e>
+                              <m:r>
+                                <a:rPr lang="de-DE" i="1" dirty="0">
+                                  <a:solidFill>
+                                    <a:srgbClr val="232629"/>
+                                  </a:solidFill>
+                                  <a:latin typeface="Cambria Math" panose="02040503050406030204" pitchFamily="18" charset="0"/>
+                                </a:rPr>
+                                <m:t>𝑎</m:t>
+                              </m:r>
+                              <m:r>
+                                <a:rPr lang="de-DE" b="0" i="1" baseline="-25000" dirty="0" smtClean="0">
+                                  <a:solidFill>
+                                    <a:srgbClr val="232629"/>
+                                  </a:solidFill>
+                                  <a:latin typeface="Cambria Math" panose="02040503050406030204" pitchFamily="18" charset="0"/>
+                                </a:rPr>
+                                <m:t>124</m:t>
+                              </m:r>
+                            </m:e>
+                          </m:mr>
+                          <m:mr>
+                            <m:e>
+                              <m:r>
+                                <a:rPr lang="de-DE" i="1" dirty="0">
+                                  <a:solidFill>
+                                    <a:srgbClr val="232629"/>
+                                  </a:solidFill>
+                                  <a:latin typeface="Cambria Math" panose="02040503050406030204" pitchFamily="18" charset="0"/>
+                                </a:rPr>
+                                <m:t>𝑎</m:t>
+                              </m:r>
+                              <m:r>
+                                <a:rPr lang="de-DE" b="0" i="1" baseline="-25000" dirty="0" smtClean="0">
+                                  <a:solidFill>
+                                    <a:srgbClr val="232629"/>
+                                  </a:solidFill>
+                                  <a:latin typeface="Cambria Math" panose="02040503050406030204" pitchFamily="18" charset="0"/>
+                                </a:rPr>
+                                <m:t>5</m:t>
+                              </m:r>
+                            </m:e>
+                            <m:e>
+                              <m:r>
+                                <a:rPr lang="de-DE" i="1" dirty="0">
+                                  <a:solidFill>
+                                    <a:srgbClr val="232629"/>
+                                  </a:solidFill>
+                                  <a:latin typeface="Cambria Math" panose="02040503050406030204" pitchFamily="18" charset="0"/>
+                                </a:rPr>
+                                <m:t>𝑎</m:t>
+                              </m:r>
+                              <m:r>
+                                <a:rPr lang="de-DE" b="0" i="1" baseline="-25000" dirty="0" smtClean="0">
+                                  <a:solidFill>
+                                    <a:srgbClr val="232629"/>
+                                  </a:solidFill>
+                                  <a:latin typeface="Cambria Math" panose="02040503050406030204" pitchFamily="18" charset="0"/>
+                                </a:rPr>
+                                <m:t>13</m:t>
+                              </m:r>
+                            </m:e>
+                            <m:e>
+                              <m:r>
+                                <a:rPr lang="de-DE" i="1" dirty="0">
+                                  <a:solidFill>
+                                    <a:srgbClr val="232629"/>
+                                  </a:solidFill>
+                                  <a:latin typeface="Cambria Math" panose="02040503050406030204" pitchFamily="18" charset="0"/>
+                                </a:rPr>
+                                <m:t>…</m:t>
+                              </m:r>
+                            </m:e>
+                            <m:e>
+                              <m:r>
+                                <a:rPr lang="de-DE" i="1" dirty="0">
+                                  <a:solidFill>
+                                    <a:srgbClr val="232629"/>
+                                  </a:solidFill>
+                                  <a:latin typeface="Cambria Math" panose="02040503050406030204" pitchFamily="18" charset="0"/>
+                                </a:rPr>
+                                <m:t>𝑎</m:t>
+                              </m:r>
+                              <m:r>
+                                <a:rPr lang="de-DE" b="0" i="1" baseline="-25000" dirty="0" smtClean="0">
+                                  <a:solidFill>
+                                    <a:srgbClr val="232629"/>
+                                  </a:solidFill>
+                                  <a:latin typeface="Cambria Math" panose="02040503050406030204" pitchFamily="18" charset="0"/>
+                                </a:rPr>
+                                <m:t>125</m:t>
+                              </m:r>
+                            </m:e>
+                          </m:mr>
+                          <m:mr>
+                            <m:e>
+                              <m:r>
+                                <a:rPr lang="de-DE" i="1" dirty="0">
+                                  <a:solidFill>
+                                    <a:srgbClr val="232629"/>
+                                  </a:solidFill>
+                                  <a:latin typeface="Cambria Math" panose="02040503050406030204" pitchFamily="18" charset="0"/>
+                                </a:rPr>
+                                <m:t>𝑎</m:t>
+                              </m:r>
+                              <m:r>
+                                <a:rPr lang="de-DE" b="0" i="1" baseline="-25000" dirty="0" smtClean="0">
+                                  <a:solidFill>
+                                    <a:srgbClr val="232629"/>
+                                  </a:solidFill>
+                                  <a:latin typeface="Cambria Math" panose="02040503050406030204" pitchFamily="18" charset="0"/>
+                                </a:rPr>
+                                <m:t>6</m:t>
+                              </m:r>
+                            </m:e>
+                            <m:e>
+                              <m:r>
+                                <a:rPr lang="de-DE" i="1" dirty="0">
+                                  <a:solidFill>
+                                    <a:srgbClr val="232629"/>
+                                  </a:solidFill>
+                                  <a:latin typeface="Cambria Math" panose="02040503050406030204" pitchFamily="18" charset="0"/>
+                                </a:rPr>
+                                <m:t>𝑎</m:t>
+                              </m:r>
+                              <m:r>
+                                <a:rPr lang="de-DE" b="0" i="1" baseline="-25000" dirty="0" smtClean="0">
+                                  <a:solidFill>
+                                    <a:srgbClr val="232629"/>
+                                  </a:solidFill>
+                                  <a:latin typeface="Cambria Math" panose="02040503050406030204" pitchFamily="18" charset="0"/>
+                                </a:rPr>
+                                <m:t>14</m:t>
+                              </m:r>
+                            </m:e>
+                            <m:e>
+                              <m:r>
+                                <a:rPr lang="de-DE" i="1" dirty="0">
+                                  <a:solidFill>
+                                    <a:srgbClr val="232629"/>
+                                  </a:solidFill>
+                                  <a:latin typeface="Cambria Math" panose="02040503050406030204" pitchFamily="18" charset="0"/>
+                                </a:rPr>
+                                <m:t>…</m:t>
+                              </m:r>
+                            </m:e>
+                            <m:e>
+                              <m:r>
+                                <a:rPr lang="de-DE" i="1" dirty="0">
+                                  <a:solidFill>
+                                    <a:srgbClr val="232629"/>
+                                  </a:solidFill>
+                                  <a:latin typeface="Cambria Math" panose="02040503050406030204" pitchFamily="18" charset="0"/>
+                                </a:rPr>
+                                <m:t>𝑎</m:t>
+                              </m:r>
+                              <m:r>
+                                <a:rPr lang="de-DE" b="0" i="1" baseline="-25000" dirty="0" smtClean="0">
+                                  <a:solidFill>
+                                    <a:srgbClr val="232629"/>
+                                  </a:solidFill>
+                                  <a:latin typeface="Cambria Math" panose="02040503050406030204" pitchFamily="18" charset="0"/>
+                                </a:rPr>
+                                <m:t>126</m:t>
+                              </m:r>
+                            </m:e>
+                          </m:mr>
+                          <m:mr>
+                            <m:e>
+                              <m:r>
+                                <a:rPr lang="de-DE" i="1" dirty="0">
+                                  <a:solidFill>
+                                    <a:srgbClr val="232629"/>
+                                  </a:solidFill>
+                                  <a:latin typeface="Cambria Math" panose="02040503050406030204" pitchFamily="18" charset="0"/>
+                                </a:rPr>
+                                <m:t>𝑎</m:t>
+                              </m:r>
+                              <m:r>
+                                <a:rPr lang="de-DE" b="0" i="1" dirty="0" smtClean="0">
+                                  <a:solidFill>
+                                    <a:srgbClr val="232629"/>
+                                  </a:solidFill>
+                                  <a:latin typeface="Cambria Math" panose="02040503050406030204" pitchFamily="18" charset="0"/>
+                                </a:rPr>
+                                <m:t>7</m:t>
+                              </m:r>
+                            </m:e>
+                            <m:e>
+                              <m:r>
+                                <a:rPr lang="de-DE" i="1" dirty="0">
+                                  <a:solidFill>
+                                    <a:srgbClr val="232629"/>
+                                  </a:solidFill>
+                                  <a:latin typeface="Cambria Math" panose="02040503050406030204" pitchFamily="18" charset="0"/>
+                                </a:rPr>
+                                <m:t>𝑎</m:t>
+                              </m:r>
+                              <m:r>
+                                <a:rPr lang="de-DE" b="0" i="1" baseline="-25000" dirty="0" smtClean="0">
+                                  <a:solidFill>
+                                    <a:srgbClr val="232629"/>
+                                  </a:solidFill>
+                                  <a:latin typeface="Cambria Math" panose="02040503050406030204" pitchFamily="18" charset="0"/>
+                                </a:rPr>
+                                <m:t>15</m:t>
+                              </m:r>
+                            </m:e>
+                            <m:e>
+                              <m:r>
+                                <a:rPr lang="de-DE" b="0" i="1" dirty="0" smtClean="0">
+                                  <a:solidFill>
+                                    <a:srgbClr val="232629"/>
+                                  </a:solidFill>
+                                  <a:latin typeface="Cambria Math" panose="02040503050406030204" pitchFamily="18" charset="0"/>
+                                </a:rPr>
+                                <m:t>…</m:t>
+                              </m:r>
+                            </m:e>
+                            <m:e>
+                              <m:r>
+                                <a:rPr lang="de-DE" i="1" dirty="0">
+                                  <a:solidFill>
+                                    <a:srgbClr val="232629"/>
+                                  </a:solidFill>
+                                  <a:latin typeface="Cambria Math" panose="02040503050406030204" pitchFamily="18" charset="0"/>
+                                </a:rPr>
+                                <m:t>𝑎</m:t>
+                              </m:r>
+                              <m:r>
+                                <a:rPr lang="de-DE" b="0" i="1" baseline="-25000" dirty="0" smtClean="0">
+                                  <a:solidFill>
+                                    <a:srgbClr val="232629"/>
+                                  </a:solidFill>
+                                  <a:latin typeface="Cambria Math" panose="02040503050406030204" pitchFamily="18" charset="0"/>
+                                </a:rPr>
+                                <m:t>127</m:t>
+                              </m:r>
+                            </m:e>
+                          </m:mr>
+                        </m:m>
+                      </m:e>
+                    </m:d>
+                  </m:oMath>
+                </a14:m>
+                <a:r>
+                  <a:rPr lang="en-GB" i="0" dirty="0">
+                    <a:solidFill>
+                      <a:srgbClr val="232629"/>
+                    </a:solidFill>
+                    <a:effectLst/>
+                    <a:latin typeface="-apple-system"/>
+                  </a:rPr>
+                  <a:t> </a:t>
+                </a:r>
+                <a14:m>
+                  <m:oMath xmlns:m="http://schemas.openxmlformats.org/officeDocument/2006/math">
+                    <m:r>
+                      <a:rPr lang="de-DE" b="0" i="0" dirty="0" smtClean="0">
+                        <a:solidFill>
+                          <a:srgbClr val="232629"/>
+                        </a:solidFill>
+                        <a:latin typeface="Cambria Math" panose="02040503050406030204" pitchFamily="18" charset="0"/>
+                        <a:ea typeface="Cambria Math" panose="02040503050406030204" pitchFamily="18" charset="0"/>
+                      </a:rPr>
+                      <m:t> </m:t>
+                    </m:r>
+                    <m:r>
+                      <a:rPr lang="de-DE" i="1" dirty="0">
+                        <a:solidFill>
+                          <a:srgbClr val="232629"/>
+                        </a:solidFill>
+                        <a:latin typeface="Cambria Math" panose="02040503050406030204" pitchFamily="18" charset="0"/>
+                        <a:ea typeface="Cambria Math" panose="02040503050406030204" pitchFamily="18" charset="0"/>
+                      </a:rPr>
+                      <m:t>×</m:t>
+                    </m:r>
+                    <m:r>
+                      <a:rPr lang="de-DE" b="0" i="1" dirty="0" smtClean="0">
+                        <a:solidFill>
+                          <a:srgbClr val="232629"/>
+                        </a:solidFill>
+                        <a:latin typeface="Cambria Math" panose="02040503050406030204" pitchFamily="18" charset="0"/>
+                        <a:ea typeface="Cambria Math" panose="02040503050406030204" pitchFamily="18" charset="0"/>
+                      </a:rPr>
+                      <m:t> </m:t>
+                    </m:r>
+                  </m:oMath>
+                </a14:m>
+                <a:r>
+                  <a:rPr lang="en-GB" dirty="0">
+                    <a:solidFill>
+                      <a:srgbClr val="232629"/>
+                    </a:solidFill>
+                    <a:latin typeface="-apple-system"/>
+                  </a:rPr>
+                  <a:t> </a:t>
+                </a:r>
+                <a14:m>
+                  <m:oMath xmlns:m="http://schemas.openxmlformats.org/officeDocument/2006/math">
+                    <m:d>
+                      <m:dPr>
+                        <m:ctrlPr>
+                          <a:rPr lang="en-GB" b="0" i="1" dirty="0" smtClean="0">
+                            <a:solidFill>
+                              <a:srgbClr val="232629"/>
+                            </a:solidFill>
+                            <a:latin typeface="Cambria Math" panose="02040503050406030204" pitchFamily="18" charset="0"/>
+                          </a:rPr>
+                        </m:ctrlPr>
+                      </m:dPr>
+                      <m:e>
+                        <m:m>
+                          <m:mPr>
+                            <m:mcs>
+                              <m:mc>
+                                <m:mcPr>
+                                  <m:count m:val="1"/>
+                                  <m:mcJc m:val="center"/>
+                                </m:mcPr>
+                              </m:mc>
+                            </m:mcs>
+                            <m:ctrlPr>
+                              <a:rPr lang="en-GB" b="0" i="1" dirty="0" smtClean="0">
+                                <a:solidFill>
+                                  <a:srgbClr val="232629"/>
+                                </a:solidFill>
+                                <a:latin typeface="Cambria Math" panose="02040503050406030204" pitchFamily="18" charset="0"/>
+                              </a:rPr>
+                            </m:ctrlPr>
+                          </m:mPr>
+                          <m:mr>
+                            <m:e>
+                              <m:r>
+                                <m:rPr>
+                                  <m:brk m:alnAt="7"/>
+                                </m:rPr>
+                                <a:rPr lang="de-DE" b="0" i="1" dirty="0" smtClean="0">
+                                  <a:solidFill>
+                                    <a:srgbClr val="232629"/>
+                                  </a:solidFill>
+                                  <a:latin typeface="Cambria Math" panose="02040503050406030204" pitchFamily="18" charset="0"/>
+                                </a:rPr>
+                                <m:t>2</m:t>
+                              </m:r>
+                              <m:r>
+                                <a:rPr lang="de-DE" b="0" i="1" baseline="30000" dirty="0" smtClean="0">
+                                  <a:solidFill>
+                                    <a:srgbClr val="232629"/>
+                                  </a:solidFill>
+                                  <a:latin typeface="Cambria Math" panose="02040503050406030204" pitchFamily="18" charset="0"/>
+                                </a:rPr>
+                                <m:t>4</m:t>
+                              </m:r>
+                            </m:e>
+                          </m:mr>
+                          <m:mr>
+                            <m:e>
+                              <m:r>
+                                <a:rPr lang="de-DE" b="0" i="1" dirty="0" smtClean="0">
+                                  <a:solidFill>
+                                    <a:srgbClr val="232629"/>
+                                  </a:solidFill>
+                                  <a:latin typeface="Cambria Math" panose="02040503050406030204" pitchFamily="18" charset="0"/>
+                                </a:rPr>
+                                <m:t>2</m:t>
+                              </m:r>
+                              <m:r>
+                                <a:rPr lang="de-DE" b="0" i="1" baseline="30000" dirty="0" smtClean="0">
+                                  <a:solidFill>
+                                    <a:srgbClr val="232629"/>
+                                  </a:solidFill>
+                                  <a:latin typeface="Cambria Math" panose="02040503050406030204" pitchFamily="18" charset="0"/>
+                                </a:rPr>
+                                <m:t>8</m:t>
+                              </m:r>
+                            </m:e>
+                          </m:mr>
+                          <m:mr>
+                            <m:e>
+                              <m:r>
+                                <a:rPr lang="de-DE" b="0" i="1" dirty="0" smtClean="0">
+                                  <a:solidFill>
+                                    <a:srgbClr val="232629"/>
+                                  </a:solidFill>
+                                  <a:latin typeface="Cambria Math" panose="02040503050406030204" pitchFamily="18" charset="0"/>
+                                </a:rPr>
+                                <m:t>2</m:t>
+                              </m:r>
+                              <m:r>
+                                <a:rPr lang="de-DE" b="0" i="1" baseline="30000" dirty="0" smtClean="0">
+                                  <a:solidFill>
+                                    <a:srgbClr val="232629"/>
+                                  </a:solidFill>
+                                  <a:latin typeface="Cambria Math" panose="02040503050406030204" pitchFamily="18" charset="0"/>
+                                </a:rPr>
+                                <m:t>12</m:t>
+                              </m:r>
+                            </m:e>
+                          </m:mr>
+                          <m:mr>
+                            <m:e>
+                              <m:r>
+                                <a:rPr lang="de-DE" b="0" i="1" dirty="0" smtClean="0">
+                                  <a:solidFill>
+                                    <a:srgbClr val="232629"/>
+                                  </a:solidFill>
+                                  <a:latin typeface="Cambria Math" panose="02040503050406030204" pitchFamily="18" charset="0"/>
+                                </a:rPr>
+                                <m:t>2</m:t>
+                              </m:r>
+                              <m:r>
+                                <a:rPr lang="de-DE" b="0" i="1" baseline="30000" dirty="0" smtClean="0">
+                                  <a:solidFill>
+                                    <a:srgbClr val="232629"/>
+                                  </a:solidFill>
+                                  <a:latin typeface="Cambria Math" panose="02040503050406030204" pitchFamily="18" charset="0"/>
+                                </a:rPr>
+                                <m:t>16</m:t>
+                              </m:r>
+                            </m:e>
+                          </m:mr>
+                          <m:mr>
+                            <m:e>
+                              <m:r>
+                                <a:rPr lang="de-DE" b="0" i="1" dirty="0" smtClean="0">
+                                  <a:solidFill>
+                                    <a:srgbClr val="232629"/>
+                                  </a:solidFill>
+                                  <a:latin typeface="Cambria Math" panose="02040503050406030204" pitchFamily="18" charset="0"/>
+                                </a:rPr>
+                                <m:t>2</m:t>
+                              </m:r>
+                              <m:r>
+                                <a:rPr lang="de-DE" b="0" i="1" baseline="30000" dirty="0" smtClean="0">
+                                  <a:solidFill>
+                                    <a:srgbClr val="232629"/>
+                                  </a:solidFill>
+                                  <a:latin typeface="Cambria Math" panose="02040503050406030204" pitchFamily="18" charset="0"/>
+                                </a:rPr>
+                                <m:t>20</m:t>
+                              </m:r>
+                            </m:e>
+                          </m:mr>
+                          <m:mr>
+                            <m:e>
+                              <m:r>
+                                <a:rPr lang="de-DE" b="0" i="1" dirty="0" smtClean="0">
+                                  <a:solidFill>
+                                    <a:srgbClr val="232629"/>
+                                  </a:solidFill>
+                                  <a:latin typeface="Cambria Math" panose="02040503050406030204" pitchFamily="18" charset="0"/>
+                                </a:rPr>
+                                <m:t>2</m:t>
+                              </m:r>
+                              <m:r>
+                                <a:rPr lang="de-DE" b="0" i="1" baseline="30000" dirty="0" smtClean="0">
+                                  <a:solidFill>
+                                    <a:srgbClr val="232629"/>
+                                  </a:solidFill>
+                                  <a:latin typeface="Cambria Math" panose="02040503050406030204" pitchFamily="18" charset="0"/>
+                                </a:rPr>
+                                <m:t>24</m:t>
+                              </m:r>
+                            </m:e>
+                          </m:mr>
+                          <m:mr>
+                            <m:e>
+                              <m:r>
+                                <a:rPr lang="de-DE" b="0" i="1" dirty="0" smtClean="0">
+                                  <a:solidFill>
+                                    <a:srgbClr val="232629"/>
+                                  </a:solidFill>
+                                  <a:latin typeface="Cambria Math" panose="02040503050406030204" pitchFamily="18" charset="0"/>
+                                </a:rPr>
+                                <m:t>2</m:t>
+                              </m:r>
+                              <m:r>
+                                <a:rPr lang="de-DE" b="0" i="1" baseline="30000" dirty="0" smtClean="0">
+                                  <a:solidFill>
+                                    <a:srgbClr val="232629"/>
+                                  </a:solidFill>
+                                  <a:latin typeface="Cambria Math" panose="02040503050406030204" pitchFamily="18" charset="0"/>
+                                </a:rPr>
+                                <m:t>28</m:t>
+                              </m:r>
+                            </m:e>
+                          </m:mr>
+                          <m:mr>
+                            <m:e>
+                              <m:r>
+                                <a:rPr lang="de-DE" b="0" i="1" dirty="0" smtClean="0">
+                                  <a:solidFill>
+                                    <a:srgbClr val="232629"/>
+                                  </a:solidFill>
+                                  <a:latin typeface="Cambria Math" panose="02040503050406030204" pitchFamily="18" charset="0"/>
+                                </a:rPr>
+                                <m:t>2</m:t>
+                              </m:r>
+                              <m:r>
+                                <a:rPr lang="de-DE" b="0" i="1" baseline="30000" dirty="0" smtClean="0">
+                                  <a:solidFill>
+                                    <a:srgbClr val="232629"/>
+                                  </a:solidFill>
+                                  <a:latin typeface="Cambria Math" panose="02040503050406030204" pitchFamily="18" charset="0"/>
+                                </a:rPr>
+                                <m:t>32</m:t>
+                              </m:r>
+                            </m:e>
+                          </m:mr>
+                          <m:mr>
+                            <m:e>
+                              <m:r>
+                                <a:rPr lang="de-DE" b="0" i="1" dirty="0" smtClean="0">
+                                  <a:solidFill>
+                                    <a:srgbClr val="232629"/>
+                                  </a:solidFill>
+                                  <a:latin typeface="Cambria Math" panose="02040503050406030204" pitchFamily="18" charset="0"/>
+                                </a:rPr>
+                                <m:t>2</m:t>
+                              </m:r>
+                              <m:r>
+                                <a:rPr lang="de-DE" b="0" i="1" baseline="30000" dirty="0" smtClean="0">
+                                  <a:solidFill>
+                                    <a:srgbClr val="232629"/>
+                                  </a:solidFill>
+                                  <a:latin typeface="Cambria Math" panose="02040503050406030204" pitchFamily="18" charset="0"/>
+                                </a:rPr>
+                                <m:t>36</m:t>
+                              </m:r>
+                            </m:e>
+                          </m:mr>
+                          <m:mr>
+                            <m:e>
+                              <m:r>
+                                <a:rPr lang="de-DE" b="0" i="1" dirty="0" smtClean="0">
+                                  <a:solidFill>
+                                    <a:srgbClr val="232629"/>
+                                  </a:solidFill>
+                                  <a:latin typeface="Cambria Math" panose="02040503050406030204" pitchFamily="18" charset="0"/>
+                                </a:rPr>
+                                <m:t>2</m:t>
+                              </m:r>
+                              <m:r>
+                                <a:rPr lang="de-DE" b="0" i="1" baseline="30000" dirty="0" smtClean="0">
+                                  <a:solidFill>
+                                    <a:srgbClr val="232629"/>
+                                  </a:solidFill>
+                                  <a:latin typeface="Cambria Math" panose="02040503050406030204" pitchFamily="18" charset="0"/>
+                                </a:rPr>
+                                <m:t>40</m:t>
+                              </m:r>
+                            </m:e>
+                          </m:mr>
+                          <m:mr>
+                            <m:e>
+                              <m:r>
+                                <a:rPr lang="de-DE" b="0" i="1" dirty="0" smtClean="0">
+                                  <a:solidFill>
+                                    <a:srgbClr val="232629"/>
+                                  </a:solidFill>
+                                  <a:latin typeface="Cambria Math" panose="02040503050406030204" pitchFamily="18" charset="0"/>
+                                </a:rPr>
+                                <m:t>2</m:t>
+                              </m:r>
+                              <m:r>
+                                <a:rPr lang="de-DE" b="0" i="1" baseline="30000" dirty="0" smtClean="0">
+                                  <a:solidFill>
+                                    <a:srgbClr val="232629"/>
+                                  </a:solidFill>
+                                  <a:latin typeface="Cambria Math" panose="02040503050406030204" pitchFamily="18" charset="0"/>
+                                </a:rPr>
+                                <m:t>44</m:t>
+                              </m:r>
+                            </m:e>
+                          </m:mr>
+                          <m:mr>
+                            <m:e>
+                              <m:r>
+                                <a:rPr lang="de-DE" b="0" i="1" dirty="0" smtClean="0">
+                                  <a:solidFill>
+                                    <a:srgbClr val="232629"/>
+                                  </a:solidFill>
+                                  <a:latin typeface="Cambria Math" panose="02040503050406030204" pitchFamily="18" charset="0"/>
+                                </a:rPr>
+                                <m:t>2</m:t>
+                              </m:r>
+                              <m:r>
+                                <a:rPr lang="de-DE" b="0" i="1" baseline="30000" dirty="0" smtClean="0">
+                                  <a:solidFill>
+                                    <a:srgbClr val="232629"/>
+                                  </a:solidFill>
+                                  <a:latin typeface="Cambria Math" panose="02040503050406030204" pitchFamily="18" charset="0"/>
+                                </a:rPr>
+                                <m:t>48</m:t>
+                              </m:r>
+                            </m:e>
+                          </m:mr>
+                          <m:mr>
+                            <m:e>
+                              <m:r>
+                                <a:rPr lang="de-DE" b="0" i="1" dirty="0" smtClean="0">
+                                  <a:solidFill>
+                                    <a:srgbClr val="232629"/>
+                                  </a:solidFill>
+                                  <a:latin typeface="Cambria Math" panose="02040503050406030204" pitchFamily="18" charset="0"/>
+                                </a:rPr>
+                                <m:t>2</m:t>
+                              </m:r>
+                              <m:r>
+                                <a:rPr lang="de-DE" b="0" i="1" baseline="30000" dirty="0" smtClean="0">
+                                  <a:solidFill>
+                                    <a:srgbClr val="232629"/>
+                                  </a:solidFill>
+                                  <a:latin typeface="Cambria Math" panose="02040503050406030204" pitchFamily="18" charset="0"/>
+                                </a:rPr>
+                                <m:t>52</m:t>
+                              </m:r>
+                            </m:e>
+                          </m:mr>
+                          <m:mr>
+                            <m:e>
+                              <m:r>
+                                <a:rPr lang="de-DE" b="0" i="1" dirty="0" smtClean="0">
+                                  <a:solidFill>
+                                    <a:srgbClr val="232629"/>
+                                  </a:solidFill>
+                                  <a:latin typeface="Cambria Math" panose="02040503050406030204" pitchFamily="18" charset="0"/>
+                                </a:rPr>
+                                <m:t>2</m:t>
+                              </m:r>
+                              <m:r>
+                                <a:rPr lang="de-DE" b="0" i="1" baseline="30000" dirty="0" smtClean="0">
+                                  <a:solidFill>
+                                    <a:srgbClr val="232629"/>
+                                  </a:solidFill>
+                                  <a:latin typeface="Cambria Math" panose="02040503050406030204" pitchFamily="18" charset="0"/>
+                                </a:rPr>
+                                <m:t>56</m:t>
+                              </m:r>
+                            </m:e>
+                          </m:mr>
+                          <m:mr>
+                            <m:e>
+                              <m:r>
+                                <a:rPr lang="de-DE" b="0" i="1" dirty="0" smtClean="0">
+                                  <a:solidFill>
+                                    <a:srgbClr val="232629"/>
+                                  </a:solidFill>
+                                  <a:latin typeface="Cambria Math" panose="02040503050406030204" pitchFamily="18" charset="0"/>
+                                </a:rPr>
+                                <m:t>2</m:t>
+                              </m:r>
+                              <m:r>
+                                <a:rPr lang="de-DE" b="0" i="1" baseline="30000" dirty="0" smtClean="0">
+                                  <a:solidFill>
+                                    <a:srgbClr val="232629"/>
+                                  </a:solidFill>
+                                  <a:latin typeface="Cambria Math" panose="02040503050406030204" pitchFamily="18" charset="0"/>
+                                </a:rPr>
+                                <m:t>60</m:t>
+                              </m:r>
+                            </m:e>
+                          </m:mr>
+                          <m:mr>
+                            <m:e>
+                              <m:r>
+                                <a:rPr lang="de-DE" b="0" i="1" dirty="0" smtClean="0">
+                                  <a:solidFill>
+                                    <a:srgbClr val="232629"/>
+                                  </a:solidFill>
+                                  <a:latin typeface="Cambria Math" panose="02040503050406030204" pitchFamily="18" charset="0"/>
+                                </a:rPr>
+                                <m:t>2</m:t>
+                              </m:r>
+                              <m:r>
+                                <a:rPr lang="de-DE" b="0" i="1" baseline="30000" dirty="0" smtClean="0">
+                                  <a:solidFill>
+                                    <a:srgbClr val="232629"/>
+                                  </a:solidFill>
+                                  <a:latin typeface="Cambria Math" panose="02040503050406030204" pitchFamily="18" charset="0"/>
+                                </a:rPr>
+                                <m:t>64</m:t>
+                              </m:r>
+                            </m:e>
+                          </m:mr>
+                        </m:m>
+                      </m:e>
+                    </m:d>
+                  </m:oMath>
+                </a14:m>
+                <a:r>
+                  <a:rPr lang="en-GB" dirty="0">
+                    <a:solidFill>
+                      <a:srgbClr val="232629"/>
+                    </a:solidFill>
+                    <a:latin typeface="-apple-system"/>
+                  </a:rPr>
+                  <a:t>  </a:t>
+                </a:r>
+                <a14:m>
+                  <m:oMath xmlns:m="http://schemas.openxmlformats.org/officeDocument/2006/math">
+                    <m:r>
+                      <a:rPr lang="de-DE" b="0" i="1" dirty="0" smtClean="0">
+                        <a:solidFill>
+                          <a:srgbClr val="232629"/>
+                        </a:solidFill>
+                        <a:latin typeface="Cambria Math" panose="02040503050406030204" pitchFamily="18" charset="0"/>
+                      </a:rPr>
+                      <m:t>= </m:t>
+                    </m:r>
+                    <m:d>
+                      <m:dPr>
+                        <m:ctrlPr>
+                          <a:rPr lang="de-DE" b="0" i="1" dirty="0" smtClean="0">
+                            <a:solidFill>
+                              <a:srgbClr val="232629"/>
+                            </a:solidFill>
+                            <a:latin typeface="Cambria Math" panose="02040503050406030204" pitchFamily="18" charset="0"/>
+                          </a:rPr>
+                        </m:ctrlPr>
+                      </m:dPr>
+                      <m:e>
+                        <m:m>
+                          <m:mPr>
+                            <m:mcs>
+                              <m:mc>
+                                <m:mcPr>
+                                  <m:count m:val="1"/>
+                                  <m:mcJc m:val="center"/>
+                                </m:mcPr>
+                              </m:mc>
+                            </m:mcs>
+                            <m:ctrlPr>
+                              <a:rPr lang="de-DE" b="0" i="1" dirty="0" smtClean="0">
+                                <a:solidFill>
+                                  <a:srgbClr val="232629"/>
+                                </a:solidFill>
+                                <a:latin typeface="Cambria Math" panose="02040503050406030204" pitchFamily="18" charset="0"/>
+                              </a:rPr>
+                            </m:ctrlPr>
+                          </m:mPr>
+                          <m:mr>
+                            <m:e>
+                              <m:r>
+                                <a:rPr lang="de-DE" b="0" i="1" dirty="0" smtClean="0">
+                                  <a:solidFill>
+                                    <a:srgbClr val="232629"/>
+                                  </a:solidFill>
+                                  <a:latin typeface="Cambria Math" panose="02040503050406030204" pitchFamily="18" charset="0"/>
+                                </a:rPr>
+                                <m:t>𝑅𝑒𝑎𝑙</m:t>
+                              </m:r>
+                            </m:e>
+                          </m:mr>
+                          <m:mr>
+                            <m:e>
+                              <m:r>
+                                <a:rPr lang="de-DE" b="0" i="1" dirty="0" smtClean="0">
+                                  <a:solidFill>
+                                    <a:srgbClr val="232629"/>
+                                  </a:solidFill>
+                                  <a:latin typeface="Cambria Math" panose="02040503050406030204" pitchFamily="18" charset="0"/>
+                                </a:rPr>
+                                <m:t>𝐼𝑚𝑎𝑔</m:t>
+                              </m:r>
+                            </m:e>
+                          </m:mr>
+                        </m:m>
+                      </m:e>
+                    </m:d>
+                  </m:oMath>
+                </a14:m>
+                <a:endParaRPr lang="en-GB" dirty="0">
+                  <a:solidFill>
+                    <a:srgbClr val="232629"/>
+                  </a:solidFill>
+                  <a:latin typeface="-apple-system"/>
+                </a:endParaRPr>
+              </a:p>
+            </p:txBody>
+          </p:sp>
+        </mc:Choice>
+        <mc:Fallback>
+          <p:sp>
+            <p:nvSpPr>
+              <p:cNvPr id="2" name="Inhaltsplatzhalter 1"/>
+              <p:cNvSpPr>
+                <a:spLocks noGrp="1" noRot="1" noChangeAspect="1" noMove="1" noResize="1" noEditPoints="1" noAdjustHandles="1" noChangeArrowheads="1" noChangeShapeType="1" noTextEdit="1"/>
+              </p:cNvSpPr>
+              <p:nvPr>
+                <p:ph idx="1"/>
+              </p:nvPr>
+            </p:nvSpPr>
+            <p:spPr>
+              <a:blipFill>
+                <a:blip r:embed="rId2"/>
+                <a:stretch>
+                  <a:fillRect l="-1339" t="-1078"/>
+                </a:stretch>
+              </a:blipFill>
+            </p:spPr>
+            <p:txBody>
+              <a:bodyPr/>
+              <a:lstStyle/>
+              <a:p>
+                <a:r>
+                  <a:rPr lang="en-DE">
+                    <a:noFill/>
+                  </a:rPr>
+                  <a:t> </a:t>
+                </a:r>
+              </a:p>
+            </p:txBody>
+          </p:sp>
+        </mc:Fallback>
+      </mc:AlternateContent>
       <p:sp>
         <p:nvSpPr>
           <p:cNvPr id="4" name="Foliennummernplatzhalter 3"/>
@@ -9311,12 +11837,8 @@
           <a:lstStyle/>
           <a:p>
             <a:r>
-              <a:rPr lang="en-GB" sz="3200" dirty="0" err="1"/>
-              <a:t>Variante</a:t>
-            </a:r>
-            <a:r>
               <a:rPr lang="en-GB" sz="3200" dirty="0"/>
-              <a:t> 𝐼</a:t>
+              <a:t>to_carthesian Methode - Variante II</a:t>
             </a:r>
           </a:p>
         </p:txBody>
@@ -9324,7 +11846,7 @@
     </p:spTree>
     <p:extLst>
       <p:ext uri="{BB962C8B-B14F-4D97-AF65-F5344CB8AC3E}">
-        <p14:creationId xmlns:p14="http://schemas.microsoft.com/office/powerpoint/2010/main" val="2930270274"/>
+        <p14:creationId xmlns:p14="http://schemas.microsoft.com/office/powerpoint/2010/main" val="1797160595"/>
       </p:ext>
     </p:extLst>
   </p:cSld>
@@ -9430,7 +11952,7 @@
         <p:spPr>
           <a:xfrm>
             <a:off x="319090" y="994334"/>
-            <a:ext cx="8508999" cy="413703"/>
+            <a:ext cx="8508999" cy="410369"/>
           </a:xfrm>
         </p:spPr>
         <p:txBody>
@@ -9438,12 +11960,16 @@
           <a:lstStyle/>
           <a:p>
             <a:r>
-              <a:rPr lang="en-GB" sz="3200" dirty="0" err="1"/>
-              <a:t>Variante</a:t>
+              <a:rPr lang="en-GB" sz="3200" dirty="0"/>
+              <a:t>to_bm1pi </a:t>
+            </a:r>
+            <a:r>
+              <a:rPr lang="de-DE" sz="3200" dirty="0"/>
+              <a:t>Methode </a:t>
             </a:r>
             <a:r>
               <a:rPr lang="en-GB" sz="3200" dirty="0"/>
-              <a:t> 𝐼𝐼</a:t>
+              <a:t>- Variante I</a:t>
             </a:r>
           </a:p>
         </p:txBody>
@@ -9451,7 +11977,7 @@
     </p:spTree>
     <p:extLst>
       <p:ext uri="{BB962C8B-B14F-4D97-AF65-F5344CB8AC3E}">
-        <p14:creationId xmlns:p14="http://schemas.microsoft.com/office/powerpoint/2010/main" val="1797160595"/>
+        <p14:creationId xmlns:p14="http://schemas.microsoft.com/office/powerpoint/2010/main" val="2684955199"/>
       </p:ext>
     </p:extLst>
   </p:cSld>
@@ -9480,12 +12006,12 @@
       </p:grpSpPr>
       <p:sp>
         <p:nvSpPr>
-          <p:cNvPr id="2" name="Inhaltsplatzhalter 1"/>
+          <p:cNvPr id="5" name="Titel 4"/>
           <p:cNvSpPr>
             <a:spLocks noGrp="1"/>
           </p:cNvSpPr>
           <p:nvPr>
-            <p:ph idx="1"/>
+            <p:ph type="title"/>
           </p:nvPr>
         </p:nvSpPr>
         <p:spPr/>
@@ -9493,18 +12019,25 @@
           <a:bodyPr/>
           <a:lstStyle/>
           <a:p>
+            <a:r>
+              <a:rPr lang="en-GB" b="0" i="0" dirty="0">
+                <a:effectLst/>
+                <a:latin typeface="Arial" panose="020B0604020202020204" pitchFamily="34" charset="0"/>
+              </a:rPr>
+              <a:t>Performanzanalyse</a:t>
+            </a:r>
             <a:endParaRPr lang="de-DE" dirty="0"/>
           </a:p>
         </p:txBody>
       </p:sp>
       <p:sp>
         <p:nvSpPr>
-          <p:cNvPr id="4" name="Foliennummernplatzhalter 3"/>
+          <p:cNvPr id="3" name="Inhaltsplatzhalter 2"/>
           <p:cNvSpPr>
             <a:spLocks noGrp="1"/>
           </p:cNvSpPr>
           <p:nvPr>
-            <p:ph type="sldNum" sz="quarter" idx="11"/>
+            <p:ph idx="10"/>
           </p:nvPr>
         </p:nvSpPr>
         <p:spPr/>
@@ -9512,67 +12045,14 @@
           <a:bodyPr/>
           <a:lstStyle/>
           <a:p>
-            <a:fld id="{CE58CB1E-F828-4F11-99E0-327109AF9DA4}" type="slidenum">
-              <a:rPr lang="de-DE" smtClean="0"/>
-              <a:pPr/>
-              <a:t>12</a:t>
-            </a:fld>
-            <a:endParaRPr lang="de-DE" dirty="0"/>
-          </a:p>
-        </p:txBody>
-      </p:sp>
-      <p:sp>
-        <p:nvSpPr>
-          <p:cNvPr id="5" name="Fußzeilenplatzhalter 4"/>
-          <p:cNvSpPr>
-            <a:spLocks noGrp="1"/>
-          </p:cNvSpPr>
-          <p:nvPr>
-            <p:ph type="ftr" sz="quarter" idx="12"/>
-          </p:nvPr>
-        </p:nvSpPr>
-        <p:spPr/>
-        <p:txBody>
-          <a:bodyPr/>
-          <a:lstStyle/>
-          <a:p>
             <a:r>
               <a:rPr lang="de-DE" dirty="0"/>
-              <a:t>Alireza Kamalidehghan, Mostafa Nejati Hatamian, Sina Mozaffari Tabar | GRA</a:t>
+              <a:t> </a:t>
             </a:r>
-            <a:endParaRPr lang="en-US" dirty="0"/>
-          </a:p>
-        </p:txBody>
-      </p:sp>
-      <p:sp>
-        <p:nvSpPr>
-          <p:cNvPr id="3" name="Titel 2"/>
-          <p:cNvSpPr>
-            <a:spLocks noGrp="1"/>
-          </p:cNvSpPr>
-          <p:nvPr>
-            <p:ph type="title"/>
-          </p:nvPr>
-        </p:nvSpPr>
-        <p:spPr/>
-        <p:txBody>
-          <a:bodyPr/>
-          <a:lstStyle/>
-          <a:p>
-            <a:r>
-              <a:rPr lang="en-GB" sz="3200" dirty="0" err="1"/>
-              <a:t>Performanzvergleich</a:t>
-            </a:r>
-            <a:endParaRPr lang="en-GB" sz="3200" dirty="0"/>
           </a:p>
         </p:txBody>
       </p:sp>
     </p:spTree>
-    <p:extLst>
-      <p:ext uri="{BB962C8B-B14F-4D97-AF65-F5344CB8AC3E}">
-        <p14:creationId xmlns:p14="http://schemas.microsoft.com/office/powerpoint/2010/main" val="3353327755"/>
-      </p:ext>
-    </p:extLst>
   </p:cSld>
   <p:clrMapOvr>
     <a:masterClrMapping/>
@@ -9599,44 +12079,41 @@
       </p:grpSpPr>
       <p:sp>
         <p:nvSpPr>
-          <p:cNvPr id="2" name="Inhaltsplatzhalter 1"/>
-          <p:cNvSpPr>
-            <a:spLocks noGrp="1"/>
-          </p:cNvSpPr>
-          <p:nvPr>
-            <p:ph idx="1"/>
-          </p:nvPr>
-        </p:nvSpPr>
-        <p:spPr/>
-        <p:txBody>
-          <a:bodyPr/>
-          <a:lstStyle/>
-          <a:p>
-            <a:endParaRPr lang="de-DE" dirty="0"/>
-          </a:p>
-        </p:txBody>
-      </p:sp>
-      <p:sp>
-        <p:nvSpPr>
           <p:cNvPr id="4" name="Foliennummernplatzhalter 3"/>
           <p:cNvSpPr>
             <a:spLocks noGrp="1"/>
           </p:cNvSpPr>
           <p:nvPr>
-            <p:ph type="sldNum" sz="quarter" idx="11"/>
-          </p:nvPr>
-        </p:nvSpPr>
-        <p:spPr/>
-        <p:txBody>
-          <a:bodyPr/>
+            <p:ph type="sldNum" sz="quarter" idx="16"/>
+          </p:nvPr>
+        </p:nvSpPr>
+        <p:spPr>
+          <a:xfrm>
+            <a:off x="6774934" y="6473313"/>
+            <a:ext cx="2052074" cy="365125"/>
+          </a:xfrm>
+        </p:spPr>
+        <p:txBody>
+          <a:bodyPr anchor="ctr">
+            <a:normAutofit/>
+          </a:bodyPr>
           <a:lstStyle/>
           <a:p>
+            <a:pPr>
+              <a:spcAft>
+                <a:spcPts val="600"/>
+              </a:spcAft>
+            </a:pPr>
             <a:fld id="{CE58CB1E-F828-4F11-99E0-327109AF9DA4}" type="slidenum">
               <a:rPr lang="de-DE" smtClean="0"/>
-              <a:pPr/>
+              <a:pPr>
+                <a:spcAft>
+                  <a:spcPts val="600"/>
+                </a:spcAft>
+              </a:pPr>
               <a:t>13</a:t>
             </a:fld>
-            <a:endParaRPr lang="de-DE" dirty="0"/>
+            <a:endParaRPr lang="de-DE"/>
           </a:p>
         </p:txBody>
       </p:sp>
@@ -9647,14 +12124,26 @@
             <a:spLocks noGrp="1"/>
           </p:cNvSpPr>
           <p:nvPr>
-            <p:ph type="ftr" sz="quarter" idx="12"/>
-          </p:nvPr>
-        </p:nvSpPr>
-        <p:spPr/>
-        <p:txBody>
-          <a:bodyPr/>
+            <p:ph type="ftr" sz="quarter" idx="17"/>
+          </p:nvPr>
+        </p:nvSpPr>
+        <p:spPr>
+          <a:xfrm>
+            <a:off x="311162" y="6473313"/>
+            <a:ext cx="6464280" cy="365125"/>
+          </a:xfrm>
+        </p:spPr>
+        <p:txBody>
+          <a:bodyPr anchor="ctr">
+            <a:normAutofit/>
+          </a:bodyPr>
           <a:lstStyle/>
           <a:p>
+            <a:pPr>
+              <a:spcAft>
+                <a:spcPts val="600"/>
+              </a:spcAft>
+            </a:pPr>
             <a:r>
               <a:rPr lang="de-DE" dirty="0"/>
               <a:t>Alireza Kamalidehghan, Mostafa Nejati Hatamian, Sina Mozaffari Tabar | GRA</a:t>
@@ -9673,23 +12162,505 @@
             <p:ph type="title"/>
           </p:nvPr>
         </p:nvSpPr>
-        <p:spPr/>
-        <p:txBody>
-          <a:bodyPr/>
+        <p:spPr>
+          <a:xfrm>
+            <a:off x="319090" y="994334"/>
+            <a:ext cx="8508999" cy="410369"/>
+          </a:xfrm>
+        </p:spPr>
+        <p:txBody>
+          <a:bodyPr wrap="square" anchor="t">
+            <a:normAutofit/>
+          </a:bodyPr>
           <a:lstStyle/>
           <a:p>
             <a:r>
-              <a:rPr lang="en-GB" sz="3200" dirty="0" err="1"/>
-              <a:t>Zusammenfassung</a:t>
+              <a:rPr lang="en-GB" b="0" i="0" dirty="0">
+                <a:effectLst/>
+                <a:latin typeface="Arial" panose="020B0604020202020204" pitchFamily="34" charset="0"/>
+              </a:rPr>
+              <a:t>Performanzanalyse</a:t>
             </a:r>
-            <a:endParaRPr lang="en-GB" sz="3200" dirty="0"/>
+            <a:endParaRPr lang="en-GB" dirty="0"/>
+          </a:p>
+        </p:txBody>
+      </p:sp>
+      <p:pic>
+        <p:nvPicPr>
+          <p:cNvPr id="22" name="Content Placeholder 21" descr="A graph with a line&#10;&#10;Description automatically generated">
+            <a:extLst>
+              <a:ext uri="{FF2B5EF4-FFF2-40B4-BE49-F238E27FC236}">
+                <a16:creationId xmlns:a16="http://schemas.microsoft.com/office/drawing/2014/main" id="{C0E80036-EBF0-D2FB-6E1A-918EFB1A3F1D}"/>
+              </a:ext>
+            </a:extLst>
+          </p:cNvPr>
+          <p:cNvPicPr>
+            <a:picLocks noGrp="1" noChangeAspect="1"/>
+          </p:cNvPicPr>
+          <p:nvPr>
+            <p:ph idx="14"/>
+          </p:nvPr>
+        </p:nvPicPr>
+        <p:blipFill>
+          <a:blip r:embed="rId3"/>
+          <a:stretch>
+            <a:fillRect/>
+          </a:stretch>
+        </p:blipFill>
+        <p:spPr>
+          <a:xfrm>
+            <a:off x="311162" y="1786686"/>
+            <a:ext cx="4181475" cy="3284628"/>
+          </a:xfrm>
+        </p:spPr>
+      </p:pic>
+      <p:pic>
+        <p:nvPicPr>
+          <p:cNvPr id="24" name="Content Placeholder 23" descr="A graph with a line and red and blue dotted line&#10;&#10;Description automatically generated">
+            <a:extLst>
+              <a:ext uri="{FF2B5EF4-FFF2-40B4-BE49-F238E27FC236}">
+                <a16:creationId xmlns:a16="http://schemas.microsoft.com/office/drawing/2014/main" id="{9CFB36B3-5FAA-E145-CE2F-F18E19BF631C}"/>
+              </a:ext>
+            </a:extLst>
+          </p:cNvPr>
+          <p:cNvPicPr>
+            <a:picLocks noGrp="1" noChangeAspect="1"/>
+          </p:cNvPicPr>
+          <p:nvPr>
+            <p:ph idx="15"/>
+          </p:nvPr>
+        </p:nvPicPr>
+        <p:blipFill>
+          <a:blip r:embed="rId4"/>
+          <a:stretch>
+            <a:fillRect/>
+          </a:stretch>
+        </p:blipFill>
+        <p:spPr>
+          <a:xfrm>
+            <a:off x="4379656" y="1783055"/>
+            <a:ext cx="4605308" cy="3288259"/>
+          </a:xfrm>
+        </p:spPr>
+      </p:pic>
+      <mc:AlternateContent xmlns:mc="http://schemas.openxmlformats.org/markup-compatibility/2006">
+        <mc:Choice xmlns:a14="http://schemas.microsoft.com/office/drawing/2010/main" Requires="a14">
+          <p:sp>
+            <p:nvSpPr>
+              <p:cNvPr id="32" name="TextBox 31">
+                <a:extLst>
+                  <a:ext uri="{FF2B5EF4-FFF2-40B4-BE49-F238E27FC236}">
+                    <a16:creationId xmlns:a16="http://schemas.microsoft.com/office/drawing/2014/main" id="{A9741184-631E-6291-9CD5-DF7C3CB224E1}"/>
+                  </a:ext>
+                </a:extLst>
+              </p:cNvPr>
+              <p:cNvSpPr txBox="1"/>
+              <p:nvPr/>
+            </p:nvSpPr>
+            <p:spPr>
+              <a:xfrm>
+                <a:off x="1109271" y="5184313"/>
+                <a:ext cx="2103140" cy="537968"/>
+              </a:xfrm>
+              <a:prstGeom prst="rect">
+                <a:avLst/>
+              </a:prstGeom>
+              <a:noFill/>
+            </p:spPr>
+            <p:txBody>
+              <a:bodyPr wrap="none" lIns="0" tIns="0" rIns="0" bIns="0" rtlCol="0">
+                <a:spAutoFit/>
+              </a:bodyPr>
+              <a:lstStyle/>
+              <a:p>
+                <a:pPr marL="285750" indent="-285750">
+                  <a:lnSpc>
+                    <a:spcPct val="114000"/>
+                  </a:lnSpc>
+                  <a:buFont typeface="Arial" panose="020B0604020202020204" pitchFamily="34" charset="0"/>
+                  <a:buChar char="•"/>
+                </a:pPr>
+                <a:r>
+                  <a:rPr lang="de-DE" sz="1600" dirty="0">
+                    <a:latin typeface="+mn-lt"/>
+                  </a:rPr>
+                  <a:t> </a:t>
+                </a:r>
+                <a14:m>
+                  <m:oMath xmlns:m="http://schemas.openxmlformats.org/officeDocument/2006/math">
+                    <m:r>
+                      <a:rPr lang="en-GB" sz="1600" b="0" i="1" dirty="0" smtClean="0">
+                        <a:effectLst/>
+                        <a:latin typeface="Cambria Math" panose="02040503050406030204" pitchFamily="18" charset="0"/>
+                        <a:ea typeface="Cambria Math" panose="02040503050406030204" pitchFamily="18" charset="0"/>
+                      </a:rPr>
+                      <m:t>𝒪</m:t>
+                    </m:r>
+                    <m:d>
+                      <m:dPr>
+                        <m:ctrlPr>
+                          <a:rPr lang="de-DE" sz="1600" b="0" i="1" dirty="0" smtClean="0">
+                            <a:effectLst/>
+                            <a:latin typeface="Cambria Math" panose="02040503050406030204" pitchFamily="18" charset="0"/>
+                            <a:ea typeface="Cambria Math" panose="02040503050406030204" pitchFamily="18" charset="0"/>
+                          </a:rPr>
+                        </m:ctrlPr>
+                      </m:dPr>
+                      <m:e>
+                        <m:r>
+                          <a:rPr lang="de-DE" sz="1600" b="0" i="1" dirty="0" smtClean="0">
+                            <a:effectLst/>
+                            <a:latin typeface="Cambria Math" panose="02040503050406030204" pitchFamily="18" charset="0"/>
+                            <a:ea typeface="Cambria Math" panose="02040503050406030204" pitchFamily="18" charset="0"/>
+                          </a:rPr>
+                          <m:t>1</m:t>
+                        </m:r>
+                      </m:e>
+                    </m:d>
+                  </m:oMath>
+                </a14:m>
+                <a:endParaRPr lang="de-DE" sz="1600" b="0" dirty="0">
+                  <a:effectLst/>
+                  <a:latin typeface="+mn-lt"/>
+                  <a:ea typeface="Cambria Math" panose="02040503050406030204" pitchFamily="18" charset="0"/>
+                </a:endParaRPr>
+              </a:p>
+              <a:p>
+                <a:pPr marL="285750" indent="-285750">
+                  <a:lnSpc>
+                    <a:spcPct val="114000"/>
+                  </a:lnSpc>
+                  <a:buFont typeface="Arial" panose="020B0604020202020204" pitchFamily="34" charset="0"/>
+                  <a:buChar char="•"/>
+                </a:pPr>
+                <a:r>
+                  <a:rPr lang="de-DE" sz="1600" dirty="0">
+                    <a:latin typeface="+mn-lt"/>
+                    <a:ea typeface="Cambria Math" panose="02040503050406030204" pitchFamily="18" charset="0"/>
+                  </a:rPr>
+                  <a:t>Iterationen</a:t>
+                </a:r>
+                <a:r>
+                  <a:rPr lang="de-DE" sz="1600" b="0" dirty="0">
+                    <a:effectLst/>
+                    <a:latin typeface="+mn-lt"/>
+                    <a:ea typeface="Cambria Math" panose="02040503050406030204" pitchFamily="18" charset="0"/>
+                  </a:rPr>
+                  <a:t>: 128 mal</a:t>
+                </a:r>
+              </a:p>
+            </p:txBody>
+          </p:sp>
+        </mc:Choice>
+        <mc:Fallback>
+          <p:sp>
+            <p:nvSpPr>
+              <p:cNvPr id="32" name="TextBox 31">
+                <a:extLst>
+                  <a:ext uri="{FF2B5EF4-FFF2-40B4-BE49-F238E27FC236}">
+                    <a16:creationId xmlns:a16="http://schemas.microsoft.com/office/drawing/2014/main" id="{A9741184-631E-6291-9CD5-DF7C3CB224E1}"/>
+                  </a:ext>
+                </a:extLst>
+              </p:cNvPr>
+              <p:cNvSpPr txBox="1">
+                <a:spLocks noRot="1" noChangeAspect="1" noMove="1" noResize="1" noEditPoints="1" noAdjustHandles="1" noChangeArrowheads="1" noChangeShapeType="1" noTextEdit="1"/>
+              </p:cNvSpPr>
+              <p:nvPr/>
+            </p:nvSpPr>
+            <p:spPr>
+              <a:xfrm>
+                <a:off x="1109271" y="5184313"/>
+                <a:ext cx="2103140" cy="537968"/>
+              </a:xfrm>
+              <a:prstGeom prst="rect">
+                <a:avLst/>
+              </a:prstGeom>
+              <a:blipFill>
+                <a:blip r:embed="rId5"/>
+                <a:stretch>
+                  <a:fillRect l="-5422" t="-6977" r="-5422" b="-20930"/>
+                </a:stretch>
+              </a:blipFill>
+            </p:spPr>
+            <p:txBody>
+              <a:bodyPr/>
+              <a:lstStyle/>
+              <a:p>
+                <a:r>
+                  <a:rPr lang="en-DE">
+                    <a:noFill/>
+                  </a:rPr>
+                  <a:t> </a:t>
+                </a:r>
+              </a:p>
+            </p:txBody>
+          </p:sp>
+        </mc:Fallback>
+      </mc:AlternateContent>
+      <mc:AlternateContent xmlns:mc="http://schemas.openxmlformats.org/markup-compatibility/2006">
+        <mc:Choice xmlns:a14="http://schemas.microsoft.com/office/drawing/2010/main" Requires="a14">
+          <p:sp>
+            <p:nvSpPr>
+              <p:cNvPr id="36" name="TextBox 35">
+                <a:extLst>
+                  <a:ext uri="{FF2B5EF4-FFF2-40B4-BE49-F238E27FC236}">
+                    <a16:creationId xmlns:a16="http://schemas.microsoft.com/office/drawing/2014/main" id="{940C85EC-0F1A-9647-27D4-FBB325383523}"/>
+                  </a:ext>
+                </a:extLst>
+              </p:cNvPr>
+              <p:cNvSpPr txBox="1"/>
+              <p:nvPr/>
+            </p:nvSpPr>
+            <p:spPr>
+              <a:xfrm>
+                <a:off x="5059624" y="5091980"/>
+                <a:ext cx="3245371" cy="630301"/>
+              </a:xfrm>
+              <a:prstGeom prst="rect">
+                <a:avLst/>
+              </a:prstGeom>
+              <a:noFill/>
+            </p:spPr>
+            <p:txBody>
+              <a:bodyPr wrap="square">
+                <a:spAutoFit/>
+              </a:bodyPr>
+              <a:lstStyle/>
+              <a:p>
+                <a:pPr marL="285750" indent="-285750">
+                  <a:lnSpc>
+                    <a:spcPct val="114000"/>
+                  </a:lnSpc>
+                  <a:buFont typeface="Arial" panose="020B0604020202020204" pitchFamily="34" charset="0"/>
+                  <a:buChar char="•"/>
+                </a:pPr>
+                <a:r>
+                  <a:rPr lang="de-DE" sz="1600" dirty="0">
+                    <a:latin typeface="+mn-lt"/>
+                  </a:rPr>
+                  <a:t> </a:t>
+                </a:r>
+                <a14:m>
+                  <m:oMath xmlns:m="http://schemas.openxmlformats.org/officeDocument/2006/math">
+                    <m:r>
+                      <a:rPr lang="en-GB" sz="1600" b="0" i="1" dirty="0" smtClean="0">
+                        <a:effectLst/>
+                        <a:latin typeface="Cambria Math" panose="02040503050406030204" pitchFamily="18" charset="0"/>
+                        <a:ea typeface="Cambria Math" panose="02040503050406030204" pitchFamily="18" charset="0"/>
+                      </a:rPr>
+                      <m:t>𝒪</m:t>
+                    </m:r>
+                    <m:d>
+                      <m:dPr>
+                        <m:ctrlPr>
+                          <a:rPr lang="de-DE" sz="1600" b="0" i="1" dirty="0" smtClean="0">
+                            <a:effectLst/>
+                            <a:latin typeface="Cambria Math" panose="02040503050406030204" pitchFamily="18" charset="0"/>
+                            <a:ea typeface="Cambria Math" panose="02040503050406030204" pitchFamily="18" charset="0"/>
+                          </a:rPr>
+                        </m:ctrlPr>
+                      </m:dPr>
+                      <m:e>
+                        <m:r>
+                          <a:rPr lang="de-DE" sz="1600" b="0" i="1" dirty="0" smtClean="0">
+                            <a:effectLst/>
+                            <a:latin typeface="Cambria Math" panose="02040503050406030204" pitchFamily="18" charset="0"/>
+                            <a:ea typeface="Cambria Math" panose="02040503050406030204" pitchFamily="18" charset="0"/>
+                          </a:rPr>
+                          <m:t>1</m:t>
+                        </m:r>
+                      </m:e>
+                    </m:d>
+                  </m:oMath>
+                </a14:m>
+                <a:endParaRPr lang="de-DE" sz="1600" b="0" dirty="0">
+                  <a:effectLst/>
+                  <a:latin typeface="+mn-lt"/>
+                  <a:ea typeface="Cambria Math" panose="02040503050406030204" pitchFamily="18" charset="0"/>
+                </a:endParaRPr>
+              </a:p>
+              <a:p>
+                <a:pPr marL="285750" indent="-285750">
+                  <a:lnSpc>
+                    <a:spcPct val="114000"/>
+                  </a:lnSpc>
+                  <a:buFont typeface="Arial" panose="020B0604020202020204" pitchFamily="34" charset="0"/>
+                  <a:buChar char="•"/>
+                </a:pPr>
+                <a:r>
+                  <a:rPr lang="de-DE" sz="1600" dirty="0">
+                    <a:latin typeface="+mn-lt"/>
+                    <a:ea typeface="Cambria Math" panose="02040503050406030204" pitchFamily="18" charset="0"/>
+                  </a:rPr>
+                  <a:t>Iterationen: 16 mal</a:t>
+                </a:r>
+                <a:endParaRPr lang="de-DE" sz="1600" b="0" dirty="0">
+                  <a:effectLst/>
+                  <a:latin typeface="+mn-lt"/>
+                  <a:ea typeface="Cambria Math" panose="02040503050406030204" pitchFamily="18" charset="0"/>
+                </a:endParaRPr>
+              </a:p>
+            </p:txBody>
+          </p:sp>
+        </mc:Choice>
+        <mc:Fallback>
+          <p:sp>
+            <p:nvSpPr>
+              <p:cNvPr id="36" name="TextBox 35">
+                <a:extLst>
+                  <a:ext uri="{FF2B5EF4-FFF2-40B4-BE49-F238E27FC236}">
+                    <a16:creationId xmlns:a16="http://schemas.microsoft.com/office/drawing/2014/main" id="{940C85EC-0F1A-9647-27D4-FBB325383523}"/>
+                  </a:ext>
+                </a:extLst>
+              </p:cNvPr>
+              <p:cNvSpPr txBox="1">
+                <a:spLocks noRot="1" noChangeAspect="1" noMove="1" noResize="1" noEditPoints="1" noAdjustHandles="1" noChangeArrowheads="1" noChangeShapeType="1" noTextEdit="1"/>
+              </p:cNvSpPr>
+              <p:nvPr/>
+            </p:nvSpPr>
+            <p:spPr>
+              <a:xfrm>
+                <a:off x="5059624" y="5091980"/>
+                <a:ext cx="3245371" cy="630301"/>
+              </a:xfrm>
+              <a:prstGeom prst="rect">
+                <a:avLst/>
+              </a:prstGeom>
+              <a:blipFill>
+                <a:blip r:embed="rId6"/>
+                <a:stretch>
+                  <a:fillRect l="-781" b="-11765"/>
+                </a:stretch>
+              </a:blipFill>
+            </p:spPr>
+            <p:txBody>
+              <a:bodyPr/>
+              <a:lstStyle/>
+              <a:p>
+                <a:r>
+                  <a:rPr lang="en-DE">
+                    <a:noFill/>
+                  </a:rPr>
+                  <a:t> </a:t>
+                </a:r>
+              </a:p>
+            </p:txBody>
+          </p:sp>
+        </mc:Fallback>
+      </mc:AlternateContent>
+      <p:sp>
+        <p:nvSpPr>
+          <p:cNvPr id="40" name="Rounded Rectangle 39">
+            <a:extLst>
+              <a:ext uri="{FF2B5EF4-FFF2-40B4-BE49-F238E27FC236}">
+                <a16:creationId xmlns:a16="http://schemas.microsoft.com/office/drawing/2014/main" id="{A680E1FE-408E-8F74-A9B0-52FF9254F85D}"/>
+              </a:ext>
+            </a:extLst>
+          </p:cNvPr>
+          <p:cNvSpPr/>
+          <p:nvPr/>
+        </p:nvSpPr>
+        <p:spPr>
+          <a:xfrm>
+            <a:off x="2728599" y="5862333"/>
+            <a:ext cx="3889558" cy="365124"/>
+          </a:xfrm>
+          <a:prstGeom prst="roundRect">
+            <a:avLst/>
+          </a:prstGeom>
+          <a:solidFill>
+            <a:schemeClr val="accent2"/>
+          </a:solidFill>
+          <a:ln>
+            <a:solidFill>
+              <a:schemeClr val="accent2"/>
+            </a:solidFill>
+          </a:ln>
+        </p:spPr>
+        <p:style>
+          <a:lnRef idx="2">
+            <a:schemeClr val="accent1">
+              <a:shade val="50000"/>
+            </a:schemeClr>
+          </a:lnRef>
+          <a:fillRef idx="1">
+            <a:schemeClr val="accent1"/>
+          </a:fillRef>
+          <a:effectRef idx="0">
+            <a:schemeClr val="accent1"/>
+          </a:effectRef>
+          <a:fontRef idx="minor">
+            <a:schemeClr val="lt1"/>
+          </a:fontRef>
+        </p:style>
+        <p:txBody>
+          <a:bodyPr rot="0" spcFirstLastPara="0" vertOverflow="overflow" horzOverflow="overflow" vert="horz" wrap="square" lIns="91440" tIns="45720" rIns="91440" bIns="45720" numCol="1" spcCol="0" rtlCol="0" fromWordArt="0" anchor="ctr" anchorCtr="0" forceAA="0" compatLnSpc="1">
+            <a:prstTxWarp prst="textNoShape">
+              <a:avLst/>
+            </a:prstTxWarp>
+            <a:noAutofit/>
+          </a:bodyPr>
+          <a:lstStyle/>
+          <a:p>
+            <a:pPr algn="ctr">
+              <a:lnSpc>
+                <a:spcPct val="114000"/>
+              </a:lnSpc>
+            </a:pPr>
+            <a:r>
+              <a:rPr lang="en-GB" sz="1600" dirty="0">
+                <a:ln w="0"/>
+                <a:solidFill>
+                  <a:schemeClr val="tx1"/>
+                </a:solidFill>
+                <a:effectLst>
+                  <a:outerShdw blurRad="38100" dist="19050" dir="2700000" algn="tl" rotWithShape="0">
+                    <a:schemeClr val="dk1">
+                      <a:alpha val="40000"/>
+                    </a:schemeClr>
+                  </a:outerShdw>
+                </a:effectLst>
+                <a:latin typeface="Arial" panose="020B0604020202020204" pitchFamily="34" charset="0"/>
+              </a:rPr>
+              <a:t>U</a:t>
+            </a:r>
+            <a:r>
+              <a:rPr lang="en-GB" sz="1600" i="0" dirty="0">
+                <a:ln w="0"/>
+                <a:solidFill>
+                  <a:schemeClr val="tx1"/>
+                </a:solidFill>
+                <a:effectLst>
+                  <a:outerShdw blurRad="38100" dist="19050" dir="2700000" algn="tl" rotWithShape="0">
+                    <a:schemeClr val="dk1">
+                      <a:alpha val="40000"/>
+                    </a:schemeClr>
+                  </a:outerShdw>
+                </a:effectLst>
+                <a:latin typeface="Arial" panose="020B0604020202020204" pitchFamily="34" charset="0"/>
+              </a:rPr>
+              <a:t>nabhängigkeit von der Eingabegröße</a:t>
+            </a:r>
+            <a:endParaRPr lang="de-DE" sz="1600" dirty="0">
+              <a:ln w="0"/>
+              <a:solidFill>
+                <a:schemeClr val="tx1"/>
+              </a:solidFill>
+              <a:effectLst>
+                <a:outerShdw blurRad="38100" dist="19050" dir="2700000" algn="tl" rotWithShape="0">
+                  <a:schemeClr val="dk1">
+                    <a:alpha val="40000"/>
+                  </a:schemeClr>
+                </a:outerShdw>
+              </a:effectLst>
+            </a:endParaRPr>
           </a:p>
         </p:txBody>
       </p:sp>
     </p:spTree>
     <p:extLst>
       <p:ext uri="{BB962C8B-B14F-4D97-AF65-F5344CB8AC3E}">
-        <p14:creationId xmlns:p14="http://schemas.microsoft.com/office/powerpoint/2010/main" val="2291526468"/>
+        <p14:creationId xmlns:p14="http://schemas.microsoft.com/office/powerpoint/2010/main" val="3353327755"/>
       </p:ext>
     </p:extLst>
   </p:cSld>
@@ -9732,17 +12703,10 @@
           <a:lstStyle/>
           <a:p>
             <a:r>
-              <a:rPr lang="de-DE" dirty="0"/>
-              <a:t>Arithmetik in Zahlensystemen mit </a:t>
+              <a:rPr lang="en-GB" sz="2800" dirty="0"/>
+              <a:t>Zusammenfassung</a:t>
             </a:r>
-            <a:r>
-              <a:rPr lang="de-DE" dirty="0" err="1"/>
-              <a:t>ungewöhnlicher</a:t>
-            </a:r>
-            <a:r>
-              <a:rPr lang="de-DE" dirty="0"/>
-              <a:t> Basis</a:t>
-            </a:r>
+            <a:endParaRPr lang="de-DE" dirty="0"/>
           </a:p>
         </p:txBody>
       </p:sp>
@@ -9763,18 +12727,411 @@
           <a:p>
             <a:r>
               <a:rPr lang="de-DE" dirty="0"/>
-              <a:t>Alireza Kamalidehghan, Mostafa Nejati Hatamian, Sina Mozaffari Tabar </a:t>
+              <a:t> </a:t>
             </a:r>
           </a:p>
+        </p:txBody>
+      </p:sp>
+    </p:spTree>
+    <p:extLst>
+      <p:ext uri="{BB962C8B-B14F-4D97-AF65-F5344CB8AC3E}">
+        <p14:creationId xmlns:p14="http://schemas.microsoft.com/office/powerpoint/2010/main" val="696854313"/>
+      </p:ext>
+    </p:extLst>
+  </p:cSld>
+  <p:clrMapOvr>
+    <a:masterClrMapping/>
+  </p:clrMapOvr>
+</p:sld>
+</file>
+
+<file path=ppt/slides/slide15.xml><?xml version="1.0" encoding="utf-8"?>
+<p:sld xmlns:a="http://schemas.openxmlformats.org/drawingml/2006/main" xmlns:r="http://schemas.openxmlformats.org/officeDocument/2006/relationships" xmlns:p="http://schemas.openxmlformats.org/presentationml/2006/main">
+  <p:cSld>
+    <p:spTree>
+      <p:nvGrpSpPr>
+        <p:cNvPr id="1" name=""/>
+        <p:cNvGrpSpPr/>
+        <p:nvPr/>
+      </p:nvGrpSpPr>
+      <p:grpSpPr>
+        <a:xfrm>
+          <a:off x="0" y="0"/>
+          <a:ext cx="0" cy="0"/>
+          <a:chOff x="0" y="0"/>
+          <a:chExt cx="0" cy="0"/>
+        </a:xfrm>
+      </p:grpSpPr>
+      <p:sp>
+        <p:nvSpPr>
+          <p:cNvPr id="2" name="Inhaltsplatzhalter 1"/>
+          <p:cNvSpPr>
+            <a:spLocks noGrp="1"/>
+          </p:cNvSpPr>
+          <p:nvPr>
+            <p:ph idx="1"/>
+          </p:nvPr>
+        </p:nvSpPr>
+        <p:spPr/>
+        <p:txBody>
+          <a:bodyPr/>
+          <a:lstStyle/>
+          <a:p>
+            <a:endParaRPr lang="de-DE" dirty="0"/>
+          </a:p>
+        </p:txBody>
+      </p:sp>
+      <p:sp>
+        <p:nvSpPr>
+          <p:cNvPr id="4" name="Foliennummernplatzhalter 3"/>
+          <p:cNvSpPr>
+            <a:spLocks noGrp="1"/>
+          </p:cNvSpPr>
+          <p:nvPr>
+            <p:ph type="sldNum" sz="quarter" idx="11"/>
+          </p:nvPr>
+        </p:nvSpPr>
+        <p:spPr/>
+        <p:txBody>
+          <a:bodyPr/>
+          <a:lstStyle/>
+          <a:p>
+            <a:fld id="{CE58CB1E-F828-4F11-99E0-327109AF9DA4}" type="slidenum">
+              <a:rPr lang="de-DE" smtClean="0"/>
+              <a:pPr/>
+              <a:t>15</a:t>
+            </a:fld>
+            <a:endParaRPr lang="de-DE" dirty="0"/>
+          </a:p>
+        </p:txBody>
+      </p:sp>
+      <p:sp>
+        <p:nvSpPr>
+          <p:cNvPr id="5" name="Fußzeilenplatzhalter 4"/>
+          <p:cNvSpPr>
+            <a:spLocks noGrp="1"/>
+          </p:cNvSpPr>
+          <p:nvPr>
+            <p:ph type="ftr" sz="quarter" idx="12"/>
+          </p:nvPr>
+        </p:nvSpPr>
+        <p:spPr/>
+        <p:txBody>
+          <a:bodyPr/>
+          <a:lstStyle/>
           <a:p>
             <a:r>
               <a:rPr lang="de-DE" dirty="0"/>
-              <a:t>München, 29. August 2023</a:t>
+              <a:t>Alireza Kamalidehghan, Mostafa Nejati Hatamian, Sina Mozaffari Tabar | GRA</a:t>
             </a:r>
+            <a:endParaRPr lang="en-US" dirty="0"/>
+          </a:p>
+        </p:txBody>
+      </p:sp>
+      <p:sp>
+        <p:nvSpPr>
+          <p:cNvPr id="3" name="Titel 2"/>
+          <p:cNvSpPr>
+            <a:spLocks noGrp="1"/>
+          </p:cNvSpPr>
+          <p:nvPr>
+            <p:ph type="title"/>
+          </p:nvPr>
+        </p:nvSpPr>
+        <p:spPr/>
+        <p:txBody>
+          <a:bodyPr/>
+          <a:lstStyle/>
+          <a:p>
+            <a:r>
+              <a:rPr lang="en-GB" sz="3200" dirty="0"/>
+              <a:t>Zusammenfassung</a:t>
+            </a:r>
           </a:p>
         </p:txBody>
       </p:sp>
     </p:spTree>
+    <p:extLst>
+      <p:ext uri="{BB962C8B-B14F-4D97-AF65-F5344CB8AC3E}">
+        <p14:creationId xmlns:p14="http://schemas.microsoft.com/office/powerpoint/2010/main" val="2291526468"/>
+      </p:ext>
+    </p:extLst>
+  </p:cSld>
+  <p:clrMapOvr>
+    <a:masterClrMapping/>
+  </p:clrMapOvr>
+</p:sld>
+</file>
+
+<file path=ppt/slides/slide16.xml><?xml version="1.0" encoding="utf-8"?>
+<p:sld xmlns:a="http://schemas.openxmlformats.org/drawingml/2006/main" xmlns:r="http://schemas.openxmlformats.org/officeDocument/2006/relationships" xmlns:p="http://schemas.openxmlformats.org/presentationml/2006/main">
+  <p:cSld>
+    <p:spTree>
+      <p:nvGrpSpPr>
+        <p:cNvPr id="1" name=""/>
+        <p:cNvGrpSpPr/>
+        <p:nvPr/>
+      </p:nvGrpSpPr>
+      <p:grpSpPr>
+        <a:xfrm>
+          <a:off x="0" y="0"/>
+          <a:ext cx="0" cy="0"/>
+          <a:chOff x="0" y="0"/>
+          <a:chExt cx="0" cy="0"/>
+        </a:xfrm>
+      </p:grpSpPr>
+      <p:sp>
+        <p:nvSpPr>
+          <p:cNvPr id="4" name="Foliennummernplatzhalter 3"/>
+          <p:cNvSpPr>
+            <a:spLocks noGrp="1"/>
+          </p:cNvSpPr>
+          <p:nvPr>
+            <p:ph type="sldNum" sz="quarter" idx="11"/>
+          </p:nvPr>
+        </p:nvSpPr>
+        <p:spPr/>
+        <p:txBody>
+          <a:bodyPr/>
+          <a:lstStyle/>
+          <a:p>
+            <a:fld id="{CE58CB1E-F828-4F11-99E0-327109AF9DA4}" type="slidenum">
+              <a:rPr lang="de-DE" smtClean="0"/>
+              <a:pPr/>
+              <a:t>16</a:t>
+            </a:fld>
+            <a:endParaRPr lang="de-DE" dirty="0"/>
+          </a:p>
+        </p:txBody>
+      </p:sp>
+      <p:sp>
+        <p:nvSpPr>
+          <p:cNvPr id="5" name="Fußzeilenplatzhalter 4"/>
+          <p:cNvSpPr>
+            <a:spLocks noGrp="1"/>
+          </p:cNvSpPr>
+          <p:nvPr>
+            <p:ph type="ftr" sz="quarter" idx="12"/>
+          </p:nvPr>
+        </p:nvSpPr>
+        <p:spPr/>
+        <p:txBody>
+          <a:bodyPr/>
+          <a:lstStyle/>
+          <a:p>
+            <a:r>
+              <a:rPr lang="de-DE" dirty="0"/>
+              <a:t>Alireza Kamalidehghan, Mostafa Nejati Hatamian, Sina Mozaffari Tabar | GRA</a:t>
+            </a:r>
+            <a:endParaRPr lang="en-US" dirty="0"/>
+          </a:p>
+        </p:txBody>
+      </p:sp>
+      <p:sp useBgFill="1">
+        <p:nvSpPr>
+          <p:cNvPr id="7" name="Rectangle 6">
+            <a:extLst>
+              <a:ext uri="{FF2B5EF4-FFF2-40B4-BE49-F238E27FC236}">
+                <a16:creationId xmlns:a16="http://schemas.microsoft.com/office/drawing/2014/main" id="{B481D7EC-D698-C3B1-45A8-1C8CBAFD9D0F}"/>
+              </a:ext>
+            </a:extLst>
+          </p:cNvPr>
+          <p:cNvSpPr/>
+          <p:nvPr/>
+        </p:nvSpPr>
+        <p:spPr>
+          <a:xfrm>
+            <a:off x="603050" y="3429000"/>
+            <a:ext cx="7937899" cy="1754326"/>
+          </a:xfrm>
+          <a:prstGeom prst="rect">
+            <a:avLst/>
+          </a:prstGeom>
+        </p:spPr>
+        <p:txBody>
+          <a:bodyPr wrap="square" lIns="91440" tIns="45720" rIns="91440" bIns="45720" anchor="ctr">
+            <a:prstTxWarp prst="textArchUp">
+              <a:avLst/>
+            </a:prstTxWarp>
+            <a:spAutoFit/>
+          </a:bodyPr>
+          <a:lstStyle/>
+          <a:p>
+            <a:pPr algn="ctr"/>
+            <a:r>
+              <a:rPr lang="en-GB" sz="5400" b="0" cap="none" spc="0" dirty="0">
+                <a:ln w="0">
+                  <a:solidFill>
+                    <a:schemeClr val="bg2"/>
+                  </a:solidFill>
+                </a:ln>
+                <a:solidFill>
+                  <a:srgbClr val="0064BD"/>
+                </a:solidFill>
+                <a:effectLst>
+                  <a:glow rad="139700">
+                    <a:schemeClr val="accent2">
+                      <a:satMod val="175000"/>
+                      <a:alpha val="40000"/>
+                    </a:schemeClr>
+                  </a:glow>
+                  <a:outerShdw blurRad="60007" dist="310007" dir="7680000" sy="30000" kx="1300200" algn="ctr" rotWithShape="0">
+                    <a:prstClr val="black">
+                      <a:alpha val="32000"/>
+                    </a:prstClr>
+                  </a:outerShdw>
+                </a:effectLst>
+              </a:rPr>
+              <a:t>Vielen</a:t>
+            </a:r>
+            <a:r>
+              <a:rPr lang="en-GB" sz="5400" b="0" cap="none" spc="0" dirty="0">
+                <a:ln w="0">
+                  <a:solidFill>
+                    <a:schemeClr val="bg2"/>
+                  </a:solidFill>
+                </a:ln>
+                <a:gradFill>
+                  <a:gsLst>
+                    <a:gs pos="0">
+                      <a:schemeClr val="accent5">
+                        <a:lumMod val="50000"/>
+                      </a:schemeClr>
+                    </a:gs>
+                    <a:gs pos="50000">
+                      <a:schemeClr val="accent5"/>
+                    </a:gs>
+                    <a:gs pos="100000">
+                      <a:schemeClr val="accent5">
+                        <a:lumMod val="60000"/>
+                        <a:lumOff val="40000"/>
+                      </a:schemeClr>
+                    </a:gs>
+                  </a:gsLst>
+                  <a:lin ang="5400000"/>
+                </a:gradFill>
+                <a:effectLst>
+                  <a:glow rad="139700">
+                    <a:schemeClr val="accent2">
+                      <a:satMod val="175000"/>
+                      <a:alpha val="40000"/>
+                    </a:schemeClr>
+                  </a:glow>
+                  <a:outerShdw blurRad="60007" dist="310007" dir="7680000" sy="30000" kx="1300200" algn="ctr" rotWithShape="0">
+                    <a:prstClr val="black">
+                      <a:alpha val="32000"/>
+                    </a:prstClr>
+                  </a:outerShdw>
+                </a:effectLst>
+              </a:rPr>
+              <a:t> </a:t>
+            </a:r>
+            <a:r>
+              <a:rPr lang="en-GB" sz="5400" b="0" cap="none" spc="0" dirty="0">
+                <a:ln w="0">
+                  <a:solidFill>
+                    <a:schemeClr val="bg2"/>
+                  </a:solidFill>
+                </a:ln>
+                <a:solidFill>
+                  <a:srgbClr val="0064BD"/>
+                </a:solidFill>
+                <a:effectLst>
+                  <a:glow rad="139700">
+                    <a:schemeClr val="accent2">
+                      <a:satMod val="175000"/>
+                      <a:alpha val="40000"/>
+                    </a:schemeClr>
+                  </a:glow>
+                  <a:outerShdw blurRad="60007" dist="310007" dir="7680000" sy="30000" kx="1300200" algn="ctr" rotWithShape="0">
+                    <a:prstClr val="black">
+                      <a:alpha val="32000"/>
+                    </a:prstClr>
+                  </a:outerShdw>
+                </a:effectLst>
+              </a:rPr>
+              <a:t>Dank</a:t>
+            </a:r>
+          </a:p>
+          <a:p>
+            <a:pPr algn="ctr"/>
+            <a:r>
+              <a:rPr lang="en-GB" sz="5400" b="0" cap="none" spc="0" dirty="0">
+                <a:ln w="0">
+                  <a:solidFill>
+                    <a:schemeClr val="bg2"/>
+                  </a:solidFill>
+                </a:ln>
+                <a:gradFill>
+                  <a:gsLst>
+                    <a:gs pos="0">
+                      <a:schemeClr val="accent5">
+                        <a:lumMod val="50000"/>
+                      </a:schemeClr>
+                    </a:gs>
+                    <a:gs pos="50000">
+                      <a:schemeClr val="accent5"/>
+                    </a:gs>
+                    <a:gs pos="100000">
+                      <a:schemeClr val="accent5">
+                        <a:lumMod val="60000"/>
+                        <a:lumOff val="40000"/>
+                      </a:schemeClr>
+                    </a:gs>
+                  </a:gsLst>
+                  <a:lin ang="5400000"/>
+                </a:gradFill>
+                <a:effectLst>
+                  <a:glow rad="139700">
+                    <a:schemeClr val="accent2">
+                      <a:satMod val="175000"/>
+                      <a:alpha val="40000"/>
+                    </a:schemeClr>
+                  </a:glow>
+                  <a:outerShdw blurRad="60007" dist="310007" dir="7680000" sy="30000" kx="1300200" algn="ctr" rotWithShape="0">
+                    <a:prstClr val="black">
+                      <a:alpha val="32000"/>
+                    </a:prstClr>
+                  </a:outerShdw>
+                </a:effectLst>
+              </a:rPr>
+              <a:t> </a:t>
+            </a:r>
+            <a:r>
+              <a:rPr lang="en-GB" sz="2700" b="0" cap="none" spc="0" dirty="0">
+                <a:ln w="0">
+                  <a:solidFill>
+                    <a:schemeClr val="bg2"/>
+                  </a:solidFill>
+                </a:ln>
+                <a:solidFill>
+                  <a:srgbClr val="0064BD"/>
+                </a:solidFill>
+                <a:effectLst>
+                  <a:glow rad="139700">
+                    <a:schemeClr val="accent2">
+                      <a:satMod val="175000"/>
+                      <a:alpha val="40000"/>
+                    </a:schemeClr>
+                  </a:glow>
+                  <a:outerShdw blurRad="60007" dist="310007" dir="7680000" sy="30000" kx="1300200" algn="ctr" rotWithShape="0">
+                    <a:prstClr val="black">
+                      <a:alpha val="32000"/>
+                    </a:prstClr>
+                  </a:outerShdw>
+                </a:effectLst>
+              </a:rPr>
+              <a:t>für Ihre Aufmerksamkeit</a:t>
+            </a:r>
+          </a:p>
+        </p:txBody>
+      </p:sp>
+    </p:spTree>
+    <p:extLst>
+      <p:ext uri="{BB962C8B-B14F-4D97-AF65-F5344CB8AC3E}">
+        <p14:creationId xmlns:p14="http://schemas.microsoft.com/office/powerpoint/2010/main" val="2736234351"/>
+      </p:ext>
+    </p:extLst>
   </p:cSld>
   <p:clrMapOvr>
     <a:masterClrMapping/>
@@ -9801,6 +13158,36 @@
       </p:grpSpPr>
       <p:sp>
         <p:nvSpPr>
+          <p:cNvPr id="5" name="Titel 4"/>
+          <p:cNvSpPr>
+            <a:spLocks noGrp="1"/>
+          </p:cNvSpPr>
+          <p:nvPr>
+            <p:ph type="title"/>
+          </p:nvPr>
+        </p:nvSpPr>
+        <p:spPr/>
+        <p:txBody>
+          <a:bodyPr/>
+          <a:lstStyle/>
+          <a:p>
+            <a:r>
+              <a:rPr lang="de-DE" dirty="0"/>
+              <a:t>Arithmetik in Zahlensystemen mit </a:t>
+            </a:r>
+            <a:r>
+              <a:rPr lang="de-DE" dirty="0" err="1"/>
+              <a:t>ungewöhnlicher</a:t>
+            </a:r>
+            <a:r>
+              <a:rPr lang="de-DE" dirty="0"/>
+              <a:t> Basis</a:t>
+            </a:r>
+          </a:p>
+        </p:txBody>
+      </p:sp>
+      <p:sp>
+        <p:nvSpPr>
           <p:cNvPr id="3" name="Inhaltsplatzhalter 2"/>
           <p:cNvSpPr>
             <a:spLocks noGrp="1"/>
@@ -9809,12 +13196,7 @@
             <p:ph idx="10"/>
           </p:nvPr>
         </p:nvSpPr>
-        <p:spPr>
-          <a:xfrm>
-            <a:off x="319088" y="2469789"/>
-            <a:ext cx="8508999" cy="1274125"/>
-          </a:xfrm>
-        </p:spPr>
+        <p:spPr/>
         <p:txBody>
           <a:bodyPr/>
           <a:lstStyle/>
@@ -9832,34 +13214,12 @@
           </a:p>
         </p:txBody>
       </p:sp>
-      <p:sp>
-        <p:nvSpPr>
-          <p:cNvPr id="7" name="Titel 6"/>
-          <p:cNvSpPr>
-            <a:spLocks noGrp="1"/>
-          </p:cNvSpPr>
-          <p:nvPr>
-            <p:ph type="title"/>
-          </p:nvPr>
-        </p:nvSpPr>
-        <p:spPr>
-          <a:xfrm>
-            <a:off x="319090" y="994334"/>
-            <a:ext cx="8508999" cy="820738"/>
-          </a:xfrm>
-        </p:spPr>
-        <p:txBody>
-          <a:bodyPr/>
-          <a:lstStyle/>
-          <a:p>
-            <a:r>
-              <a:rPr lang="de-DE" dirty="0"/>
-              <a:t>Arithmetik in Zahlensystemen mit ungewöhnlicher Basis</a:t>
-            </a:r>
-          </a:p>
-        </p:txBody>
-      </p:sp>
     </p:spTree>
+    <p:extLst>
+      <p:ext uri="{BB962C8B-B14F-4D97-AF65-F5344CB8AC3E}">
+        <p14:creationId xmlns:p14="http://schemas.microsoft.com/office/powerpoint/2010/main" val="3540439773"/>
+      </p:ext>
+    </p:extLst>
   </p:cSld>
   <p:clrMapOvr>
     <a:masterClrMapping/>
@@ -9886,235 +13246,60 @@
       </p:grpSpPr>
       <p:sp>
         <p:nvSpPr>
-          <p:cNvPr id="2" name="Inhaltsplatzhalter 1"/>
+          <p:cNvPr id="3" name="Inhaltsplatzhalter 2"/>
           <p:cNvSpPr>
             <a:spLocks noGrp="1"/>
           </p:cNvSpPr>
           <p:nvPr>
-            <p:ph idx="1"/>
-          </p:nvPr>
-        </p:nvSpPr>
-        <p:spPr/>
+            <p:ph idx="10"/>
+          </p:nvPr>
+        </p:nvSpPr>
+        <p:spPr>
+          <a:xfrm>
+            <a:off x="319088" y="2469789"/>
+            <a:ext cx="8508999" cy="1274125"/>
+          </a:xfrm>
+        </p:spPr>
         <p:txBody>
           <a:bodyPr/>
           <a:lstStyle/>
           <a:p>
-            <a:pPr marL="457200" indent="-457200">
-              <a:buFont typeface="+mj-lt"/>
-              <a:buAutoNum type="arabicParenR"/>
-            </a:pPr>
             <a:r>
-              <a:rPr lang="en-GB" sz="2200" dirty="0"/>
-              <a:t>Grundlagen der </a:t>
+              <a:rPr lang="de-DE" dirty="0"/>
+              <a:t>Alireza Kamalidehghan, Mostafa Nejati Hatamian, Sina Mozaffari Tabar </a:t>
             </a:r>
+          </a:p>
+          <a:p>
             <a:r>
-              <a:rPr lang="en-GB" sz="2200" dirty="0" err="1"/>
-              <a:t>Zahlsysteme</a:t>
+              <a:rPr lang="de-DE" dirty="0"/>
+              <a:t>München, 29. August 2023</a:t>
             </a:r>
-            <a:endParaRPr lang="en-GB" sz="2200" dirty="0"/>
-          </a:p>
-          <a:p>
-            <a:pPr marL="633413" lvl="1" indent="-457200">
-              <a:buFont typeface="+mj-lt"/>
-              <a:buAutoNum type="arabicParenR"/>
-            </a:pPr>
-            <a:r>
-              <a:rPr lang="en-GB" sz="2200" dirty="0" err="1"/>
-              <a:t>Binärsystem</a:t>
-            </a:r>
-            <a:r>
-              <a:rPr lang="en-GB" sz="2200" dirty="0"/>
-              <a:t> (Basis 2) und </a:t>
-            </a:r>
-            <a:r>
-              <a:rPr lang="en-GB" sz="2200" dirty="0" err="1"/>
-              <a:t>Hexadezimalsystem</a:t>
-            </a:r>
-            <a:r>
-              <a:rPr lang="en-GB" sz="2200" dirty="0"/>
-              <a:t> (Basis 16)</a:t>
-            </a:r>
-          </a:p>
-          <a:p>
-            <a:pPr marL="457200" indent="-457200">
-              <a:buFont typeface="+mj-lt"/>
-              <a:buAutoNum type="arabicParenR"/>
-            </a:pPr>
-            <a:r>
-              <a:rPr lang="en-GB" sz="2200" dirty="0" err="1"/>
-              <a:t>Basisumwandlung</a:t>
-            </a:r>
-            <a:endParaRPr lang="en-GB" sz="2200" dirty="0"/>
-          </a:p>
-          <a:p>
-            <a:pPr marL="633413" lvl="1" indent="-457200">
-              <a:buFont typeface="+mj-lt"/>
-              <a:buAutoNum type="arabicParenR"/>
-            </a:pPr>
-            <a:r>
-              <a:rPr lang="en-GB" sz="2200" dirty="0" err="1"/>
-              <a:t>Umrechnung</a:t>
-            </a:r>
-            <a:r>
-              <a:rPr lang="en-GB" sz="2200" dirty="0"/>
-              <a:t> von </a:t>
-            </a:r>
-            <a:r>
-              <a:rPr lang="en-GB" sz="2200" dirty="0" err="1"/>
-              <a:t>Zahlen</a:t>
-            </a:r>
-            <a:r>
-              <a:rPr lang="en-GB" sz="2200" dirty="0"/>
-              <a:t> in </a:t>
-            </a:r>
-            <a:r>
-              <a:rPr lang="en-GB" sz="2200" dirty="0" err="1"/>
-              <a:t>unterschiedlichen</a:t>
-            </a:r>
-            <a:r>
-              <a:rPr lang="en-GB" sz="2200" dirty="0"/>
-              <a:t> </a:t>
-            </a:r>
-            <a:r>
-              <a:rPr lang="en-GB" sz="2200" dirty="0" err="1"/>
-              <a:t>Basen</a:t>
-            </a:r>
-            <a:r>
-              <a:rPr lang="en-GB" sz="2200" dirty="0"/>
-              <a:t> </a:t>
-            </a:r>
-          </a:p>
-          <a:p>
-            <a:pPr marL="633413" lvl="1" indent="-457200">
-              <a:buFont typeface="+mj-lt"/>
-              <a:buAutoNum type="arabicParenR"/>
-            </a:pPr>
-            <a:r>
-              <a:rPr lang="en-GB" sz="2200" dirty="0" err="1"/>
-              <a:t>Zahlen</a:t>
-            </a:r>
-            <a:r>
-              <a:rPr lang="en-GB" sz="2200" dirty="0"/>
-              <a:t> in der Basis von </a:t>
-            </a:r>
-            <a:r>
-              <a:rPr lang="en-GB" sz="2200" dirty="0" err="1"/>
-              <a:t>komplexen</a:t>
-            </a:r>
-            <a:r>
-              <a:rPr lang="en-GB" sz="2200" dirty="0"/>
-              <a:t> </a:t>
-            </a:r>
-            <a:r>
-              <a:rPr lang="en-GB" sz="2200" dirty="0" err="1"/>
-              <a:t>Zahlen</a:t>
-            </a:r>
-            <a:endParaRPr lang="en-GB" sz="2200" dirty="0"/>
-          </a:p>
-          <a:p>
-            <a:pPr marL="457200" indent="-457200">
-              <a:buFont typeface="+mj-lt"/>
-              <a:buAutoNum type="arabicParenR"/>
-            </a:pPr>
-            <a:r>
-              <a:rPr lang="en-GB" sz="2200" dirty="0" err="1"/>
-              <a:t>Implementierungsmöglichkeiten</a:t>
-            </a:r>
-            <a:endParaRPr lang="en-GB" sz="2200" i="1" dirty="0"/>
-          </a:p>
-          <a:p>
-            <a:pPr marL="633413" lvl="1" indent="-457200">
-              <a:buFont typeface="+mj-lt"/>
-              <a:buAutoNum type="arabicParenR"/>
-            </a:pPr>
-            <a:r>
-              <a:rPr lang="en-GB" sz="2200" i="1" dirty="0" err="1"/>
-              <a:t>Performanzvergleich</a:t>
-            </a:r>
-            <a:endParaRPr lang="en-GB" sz="2200" dirty="0"/>
-          </a:p>
-          <a:p>
-            <a:pPr marL="457200" indent="-457200">
-              <a:buFont typeface="+mj-lt"/>
-              <a:buAutoNum type="arabicParenR"/>
-            </a:pPr>
-            <a:r>
-              <a:rPr lang="en-GB" sz="2200" dirty="0" err="1"/>
-              <a:t>Zusammenfassung</a:t>
-            </a:r>
-            <a:endParaRPr lang="en-GB" sz="2200" dirty="0"/>
-          </a:p>
-        </p:txBody>
-      </p:sp>
-      <p:sp>
-        <p:nvSpPr>
-          <p:cNvPr id="4" name="Foliennummernplatzhalter 3"/>
+          </a:p>
+        </p:txBody>
+      </p:sp>
+      <p:sp>
+        <p:nvSpPr>
+          <p:cNvPr id="7" name="Titel 6"/>
           <p:cNvSpPr>
             <a:spLocks noGrp="1"/>
           </p:cNvSpPr>
           <p:nvPr>
-            <p:ph type="sldNum" sz="quarter" idx="11"/>
-          </p:nvPr>
-        </p:nvSpPr>
-        <p:spPr/>
+            <p:ph type="title"/>
+          </p:nvPr>
+        </p:nvSpPr>
+        <p:spPr>
+          <a:xfrm>
+            <a:off x="319090" y="994334"/>
+            <a:ext cx="8508999" cy="820738"/>
+          </a:xfrm>
+        </p:spPr>
         <p:txBody>
           <a:bodyPr/>
           <a:lstStyle/>
           <a:p>
-            <a:fld id="{CE58CB1E-F828-4F11-99E0-327109AF9DA4}" type="slidenum">
-              <a:rPr lang="de-DE" smtClean="0"/>
-              <a:pPr/>
-              <a:t>3</a:t>
-            </a:fld>
-            <a:endParaRPr lang="de-DE" dirty="0"/>
-          </a:p>
-        </p:txBody>
-      </p:sp>
-      <p:sp>
-        <p:nvSpPr>
-          <p:cNvPr id="7" name="Fußzeilenplatzhalter 4"/>
-          <p:cNvSpPr>
-            <a:spLocks noGrp="1"/>
-          </p:cNvSpPr>
-          <p:nvPr>
-            <p:ph type="ftr" sz="quarter" idx="12"/>
-          </p:nvPr>
-        </p:nvSpPr>
-        <p:spPr/>
-        <p:txBody>
-          <a:bodyPr/>
-          <a:lstStyle/>
-          <a:p>
             <a:r>
               <a:rPr lang="de-DE" dirty="0"/>
-              <a:t>Alireza Kamalidehghan, Mostafa Nejati Hatamian, Sina Mozaffari Tabar | GRA</a:t>
-            </a:r>
-            <a:endParaRPr lang="en-US" dirty="0"/>
-          </a:p>
-        </p:txBody>
-      </p:sp>
-      <p:sp>
-        <p:nvSpPr>
-          <p:cNvPr id="3" name="Titel 2"/>
-          <p:cNvSpPr>
-            <a:spLocks noGrp="1"/>
-          </p:cNvSpPr>
-          <p:nvPr>
-            <p:ph type="title"/>
-          </p:nvPr>
-        </p:nvSpPr>
-        <p:spPr>
-          <a:prstGeom prst="rect">
-            <a:avLst/>
-          </a:prstGeom>
-        </p:spPr>
-        <p:txBody>
-          <a:bodyPr/>
-          <a:lstStyle/>
-          <a:p>
-            <a:r>
-              <a:rPr lang="de-DE" sz="3000" dirty="0"/>
-              <a:t>Gliederung</a:t>
+              <a:t>Arithmetik in Zahlensystemen mit ungewöhnlicher Basis</a:t>
             </a:r>
           </a:p>
         </p:txBody>
@@ -10159,7 +13344,132 @@
           <a:bodyPr/>
           <a:lstStyle/>
           <a:p>
-            <a:endParaRPr dirty="0"/>
+            <a:pPr marL="342900" indent="-342900">
+              <a:buFont typeface="Arial" panose="020B0604020202020204" pitchFamily="34" charset="0"/>
+              <a:buChar char="•"/>
+            </a:pPr>
+            <a:r>
+              <a:rPr lang="en-GB" sz="2000" dirty="0"/>
+              <a:t>Basisumwandlung</a:t>
+            </a:r>
+          </a:p>
+          <a:p>
+            <a:pPr lvl="1" indent="0">
+              <a:buNone/>
+            </a:pPr>
+            <a:r>
+              <a:rPr lang="en-GB" sz="2000" dirty="0"/>
+              <a:t>      - </a:t>
+            </a:r>
+            <a:r>
+              <a:rPr lang="de-DE" sz="2000" dirty="0"/>
+              <a:t>Umrechnung</a:t>
+            </a:r>
+            <a:r>
+              <a:rPr lang="en-GB" sz="2000" dirty="0"/>
+              <a:t> von Zahlen in unterschiedlichen Basen </a:t>
+            </a:r>
+          </a:p>
+          <a:p>
+            <a:pPr lvl="1" indent="0">
+              <a:buNone/>
+            </a:pPr>
+            <a:r>
+              <a:rPr lang="en-GB" sz="2000" dirty="0"/>
+              <a:t>      - Zahlen in der komplexen Basis</a:t>
+            </a:r>
+          </a:p>
+          <a:p>
+            <a:pPr marL="342900" indent="-342900">
+              <a:buFont typeface="Arial" panose="020B0604020202020204" pitchFamily="34" charset="0"/>
+              <a:buChar char="•"/>
+            </a:pPr>
+            <a:r>
+              <a:rPr lang="en-GB" sz="2000" dirty="0"/>
+              <a:t>Implementierung der Basisumwandlung Funktionen</a:t>
+            </a:r>
+          </a:p>
+          <a:p>
+            <a:pPr lvl="2" indent="0">
+              <a:buNone/>
+            </a:pPr>
+            <a:r>
+              <a:rPr lang="en-GB" sz="2000" dirty="0"/>
+              <a:t>    - to_carthesian Methode</a:t>
+            </a:r>
+          </a:p>
+          <a:p>
+            <a:pPr lvl="2" indent="0">
+              <a:buNone/>
+            </a:pPr>
+            <a:r>
+              <a:rPr lang="en-GB" sz="2000" dirty="0"/>
+              <a:t>	- Variante I</a:t>
+            </a:r>
+          </a:p>
+          <a:p>
+            <a:pPr lvl="2" indent="0">
+              <a:buNone/>
+            </a:pPr>
+            <a:r>
+              <a:rPr lang="en-GB" sz="2000" dirty="0"/>
+              <a:t>	- Variante II</a:t>
+            </a:r>
+          </a:p>
+          <a:p>
+            <a:pPr lvl="2" indent="0">
+              <a:buNone/>
+            </a:pPr>
+            <a:r>
+              <a:rPr lang="en-GB" sz="2000" dirty="0"/>
+              <a:t>    - to_bm1pi </a:t>
+            </a:r>
+            <a:r>
+              <a:rPr lang="de-DE" sz="2000" dirty="0"/>
+              <a:t>Methode</a:t>
+            </a:r>
+          </a:p>
+          <a:p>
+            <a:pPr lvl="2" indent="0">
+              <a:buNone/>
+            </a:pPr>
+            <a:r>
+              <a:rPr lang="de-DE" sz="2000" dirty="0"/>
+              <a:t>	</a:t>
+            </a:r>
+            <a:r>
+              <a:rPr lang="en-GB" sz="2000" dirty="0"/>
+              <a:t>- Variante I</a:t>
+            </a:r>
+          </a:p>
+          <a:p>
+            <a:pPr marL="342900" indent="-342900">
+              <a:buFont typeface="Arial" panose="020B0604020202020204" pitchFamily="34" charset="0"/>
+              <a:buChar char="•"/>
+            </a:pPr>
+            <a:r>
+              <a:rPr lang="en-GB" sz="2000" dirty="0"/>
+              <a:t>Performanzanalyse</a:t>
+            </a:r>
+          </a:p>
+          <a:p>
+            <a:pPr marL="342900" indent="-342900">
+              <a:buFont typeface="Arial" panose="020B0604020202020204" pitchFamily="34" charset="0"/>
+              <a:buChar char="•"/>
+            </a:pPr>
+            <a:r>
+              <a:rPr lang="en-GB" sz="2000" dirty="0"/>
+              <a:t>Zusammenfassung</a:t>
+            </a:r>
+          </a:p>
+          <a:p>
+            <a:pPr lvl="2" indent="0">
+              <a:buNone/>
+            </a:pPr>
+            <a:r>
+              <a:rPr lang="en-GB" sz="2200" dirty="0"/>
+              <a:t>    </a:t>
+            </a:r>
           </a:p>
         </p:txBody>
       </p:sp>
@@ -10189,7 +13499,7 @@
       </p:sp>
       <p:sp>
         <p:nvSpPr>
-          <p:cNvPr id="6" name="Fußzeilenplatzhalter 4"/>
+          <p:cNvPr id="7" name="Fußzeilenplatzhalter 4"/>
           <p:cNvSpPr>
             <a:spLocks noGrp="1"/>
           </p:cNvSpPr>
@@ -10230,18 +13540,10 @@
           <a:lstStyle/>
           <a:p>
             <a:r>
-              <a:rPr lang="en-GB" sz="3200" dirty="0" err="1"/>
-              <a:t>Grundlagen</a:t>
+              <a:rPr lang="en-GB" dirty="0"/>
+              <a:t>Inhaltsübersicht</a:t>
             </a:r>
-            <a:r>
-              <a:rPr lang="en-GB" sz="3200" dirty="0"/>
-              <a:t> der </a:t>
-            </a:r>
-            <a:r>
-              <a:rPr lang="en-GB" sz="3200" dirty="0" err="1"/>
-              <a:t>Zahlsysteme</a:t>
-            </a:r>
-            <a:endParaRPr lang="en-GB" sz="3200" dirty="0"/>
+            <a:endParaRPr lang="de-DE" sz="3000" dirty="0"/>
           </a:p>
         </p:txBody>
       </p:sp>
@@ -10272,12 +13574,12 @@
       </p:grpSpPr>
       <p:sp>
         <p:nvSpPr>
-          <p:cNvPr id="2" name="Inhaltsplatzhalter 1"/>
+          <p:cNvPr id="5" name="Titel 4"/>
           <p:cNvSpPr>
             <a:spLocks noGrp="1"/>
           </p:cNvSpPr>
           <p:nvPr>
-            <p:ph idx="1"/>
+            <p:ph type="title"/>
           </p:nvPr>
         </p:nvSpPr>
         <p:spPr/>
@@ -10285,18 +13587,22 @@
           <a:bodyPr/>
           <a:lstStyle/>
           <a:p>
-            <a:endParaRPr dirty="0"/>
-          </a:p>
-        </p:txBody>
-      </p:sp>
-      <p:sp>
-        <p:nvSpPr>
-          <p:cNvPr id="4" name="Foliennummernplatzhalter 3"/>
+            <a:r>
+              <a:rPr lang="en-GB" sz="3200" dirty="0"/>
+              <a:t>Basisumwandlung</a:t>
+            </a:r>
+            <a:endParaRPr lang="de-DE" dirty="0"/>
+          </a:p>
+        </p:txBody>
+      </p:sp>
+      <p:sp>
+        <p:nvSpPr>
+          <p:cNvPr id="3" name="Inhaltsplatzhalter 2"/>
           <p:cNvSpPr>
             <a:spLocks noGrp="1"/>
           </p:cNvSpPr>
           <p:nvPr>
-            <p:ph type="sldNum" sz="quarter" idx="11"/>
+            <p:ph idx="10"/>
           </p:nvPr>
         </p:nvSpPr>
         <p:spPr/>
@@ -10304,85 +13610,17 @@
           <a:bodyPr/>
           <a:lstStyle/>
           <a:p>
-            <a:fld id="{CE58CB1E-F828-4F11-99E0-327109AF9DA4}" type="slidenum">
-              <a:rPr lang="de-DE" smtClean="0"/>
-              <a:pPr/>
-              <a:t>5</a:t>
-            </a:fld>
-            <a:endParaRPr lang="de-DE" dirty="0"/>
-          </a:p>
-        </p:txBody>
-      </p:sp>
-      <p:sp>
-        <p:nvSpPr>
-          <p:cNvPr id="6" name="Fußzeilenplatzhalter 4"/>
-          <p:cNvSpPr>
-            <a:spLocks noGrp="1"/>
-          </p:cNvSpPr>
-          <p:nvPr>
-            <p:ph type="ftr" sz="quarter" idx="12"/>
-          </p:nvPr>
-        </p:nvSpPr>
-        <p:spPr/>
-        <p:txBody>
-          <a:bodyPr/>
-          <a:lstStyle/>
-          <a:p>
             <a:r>
               <a:rPr lang="de-DE" dirty="0"/>
-              <a:t>Alireza Kamalidehghan, Mostafa Nejati Hatamian, Sina Mozaffari Tabar | GRA</a:t>
+              <a:t>  </a:t>
             </a:r>
-            <a:endParaRPr lang="en-US" dirty="0"/>
-          </a:p>
-        </p:txBody>
-      </p:sp>
-      <p:sp>
-        <p:nvSpPr>
-          <p:cNvPr id="3" name="Titel 2"/>
-          <p:cNvSpPr>
-            <a:spLocks noGrp="1"/>
-          </p:cNvSpPr>
-          <p:nvPr>
-            <p:ph type="title"/>
-          </p:nvPr>
-        </p:nvSpPr>
-        <p:spPr>
-          <a:prstGeom prst="rect">
-            <a:avLst/>
-          </a:prstGeom>
-        </p:spPr>
-        <p:txBody>
-          <a:bodyPr/>
-          <a:lstStyle/>
-          <a:p>
-            <a:r>
-              <a:rPr lang="en-GB" sz="3200" dirty="0" err="1"/>
-              <a:t>Arithmetik</a:t>
-            </a:r>
-            <a:r>
-              <a:rPr lang="en-GB" sz="3200" dirty="0"/>
-              <a:t> in </a:t>
-            </a:r>
-            <a:r>
-              <a:rPr lang="en-GB" sz="3200" dirty="0" err="1"/>
-              <a:t>ungewöhnlichen</a:t>
-            </a:r>
-            <a:r>
-              <a:rPr lang="en-GB" sz="3200" dirty="0"/>
-              <a:t> </a:t>
-            </a:r>
-            <a:r>
-              <a:rPr lang="en-GB" sz="3200" dirty="0" err="1"/>
-              <a:t>Zahlensystemen</a:t>
-            </a:r>
-            <a:endParaRPr lang="en-GB" sz="3200" dirty="0"/>
           </a:p>
         </p:txBody>
       </p:sp>
     </p:spTree>
     <p:extLst>
       <p:ext uri="{BB962C8B-B14F-4D97-AF65-F5344CB8AC3E}">
-        <p14:creationId xmlns:p14="http://schemas.microsoft.com/office/powerpoint/2010/main" val="3219889038"/>
+        <p14:creationId xmlns:p14="http://schemas.microsoft.com/office/powerpoint/2010/main" val="2198696729"/>
       </p:ext>
     </p:extLst>
   </p:cSld>
@@ -10409,25 +13647,784 @@
           <a:chExt cx="0" cy="0"/>
         </a:xfrm>
       </p:grpSpPr>
-      <p:sp>
-        <p:nvSpPr>
-          <p:cNvPr id="2" name="Inhaltsplatzhalter 1"/>
-          <p:cNvSpPr>
-            <a:spLocks noGrp="1"/>
-          </p:cNvSpPr>
-          <p:nvPr>
-            <p:ph idx="1"/>
-          </p:nvPr>
-        </p:nvSpPr>
-        <p:spPr/>
-        <p:txBody>
-          <a:bodyPr/>
-          <a:lstStyle/>
-          <a:p>
-            <a:endParaRPr dirty="0"/>
-          </a:p>
-        </p:txBody>
-      </p:sp>
+      <mc:AlternateContent xmlns:mc="http://schemas.openxmlformats.org/markup-compatibility/2006">
+        <mc:Choice xmlns:a14="http://schemas.microsoft.com/office/drawing/2010/main" Requires="a14">
+          <p:sp>
+            <p:nvSpPr>
+              <p:cNvPr id="2" name="Inhaltsplatzhalter 1"/>
+              <p:cNvSpPr>
+                <a:spLocks noGrp="1"/>
+              </p:cNvSpPr>
+              <p:nvPr>
+                <p:ph idx="1"/>
+              </p:nvPr>
+            </p:nvSpPr>
+            <p:spPr/>
+            <p:txBody>
+              <a:bodyPr/>
+              <a:lstStyle/>
+              <a:p>
+                <a:endParaRPr lang="en-GB" dirty="0"/>
+              </a:p>
+              <a:p>
+                <a:r>
+                  <a:rPr lang="en-GB" dirty="0"/>
+                  <a:t>Funktion f() zur Berechnung des Wertes:</a:t>
+                </a:r>
+              </a:p>
+              <a:p>
+                <a:pPr/>
+                <a14:m>
+                  <m:oMathPara xmlns:m="http://schemas.openxmlformats.org/officeDocument/2006/math">
+                    <m:oMathParaPr>
+                      <m:jc m:val="centerGroup"/>
+                    </m:oMathParaPr>
+                    <m:oMath xmlns:m="http://schemas.openxmlformats.org/officeDocument/2006/math">
+                      <m:sSup>
+                        <m:sSupPr>
+                          <m:ctrlPr>
+                            <a:rPr lang="ar-AE" i="1" smtClean="0">
+                              <a:latin typeface="Cambria Math" panose="02040503050406030204" pitchFamily="18" charset="0"/>
+                            </a:rPr>
+                          </m:ctrlPr>
+                        </m:sSupPr>
+                        <m:e>
+                          <m:r>
+                            <a:rPr lang="ar-AE" b="0" i="1" smtClean="0">
+                              <a:latin typeface="Cambria Math" panose="02040503050406030204" pitchFamily="18" charset="0"/>
+                            </a:rPr>
+                            <m:t>𝑓</m:t>
+                          </m:r>
+                          <m:d>
+                            <m:dPr>
+                              <m:ctrlPr>
+                                <a:rPr lang="ar-AE" i="1" smtClean="0">
+                                  <a:latin typeface="Cambria Math" panose="02040503050406030204" pitchFamily="18" charset="0"/>
+                                </a:rPr>
+                              </m:ctrlPr>
+                            </m:dPr>
+                            <m:e>
+                              <m:r>
+                                <a:rPr lang="ar-AE" b="0" i="1" smtClean="0">
+                                  <a:latin typeface="Cambria Math" panose="02040503050406030204" pitchFamily="18" charset="0"/>
+                                </a:rPr>
+                                <m:t>𝑎</m:t>
+                              </m:r>
+                              <m:r>
+                                <a:rPr lang="ar-AE" b="0" i="1" smtClean="0">
+                                  <a:latin typeface="Cambria Math" panose="02040503050406030204" pitchFamily="18" charset="0"/>
+                                </a:rPr>
+                                <m:t>,</m:t>
+                              </m:r>
+                              <m:r>
+                                <a:rPr lang="de-DE" b="0" i="1" smtClean="0">
+                                  <a:latin typeface="Cambria Math" panose="02040503050406030204" pitchFamily="18" charset="0"/>
+                                </a:rPr>
+                                <m:t>𝑔</m:t>
+                              </m:r>
+                              <m:r>
+                                <a:rPr lang="ar-AE" b="0" i="1" smtClean="0">
+                                  <a:latin typeface="Cambria Math" panose="02040503050406030204" pitchFamily="18" charset="0"/>
+                                </a:rPr>
+                                <m:t>,</m:t>
+                              </m:r>
+                              <m:r>
+                                <a:rPr lang="de-DE" b="0" i="1" smtClean="0">
+                                  <a:latin typeface="Cambria Math" panose="02040503050406030204" pitchFamily="18" charset="0"/>
+                                </a:rPr>
+                                <m:t>𝑛</m:t>
+                              </m:r>
+                            </m:e>
+                          </m:d>
+                        </m:e>
+                        <m:sup>
+                          <m:r>
+                            <a:rPr lang="ar-AE" b="0" i="1" smtClean="0">
+                              <a:latin typeface="Cambria Math" panose="02040503050406030204" pitchFamily="18" charset="0"/>
+                            </a:rPr>
+                            <m:t> </m:t>
+                          </m:r>
+                        </m:sup>
+                      </m:sSup>
+                      <m:r>
+                        <a:rPr lang="ar-AE" i="1" smtClean="0">
+                          <a:latin typeface="Cambria Math" panose="02040503050406030204" pitchFamily="18" charset="0"/>
+                        </a:rPr>
+                        <m:t>=</m:t>
+                      </m:r>
+                      <m:nary>
+                        <m:naryPr>
+                          <m:chr m:val="∑"/>
+                          <m:ctrlPr>
+                            <a:rPr lang="ar-AE" i="1" smtClean="0">
+                              <a:latin typeface="Cambria Math" panose="02040503050406030204" pitchFamily="18" charset="0"/>
+                            </a:rPr>
+                          </m:ctrlPr>
+                        </m:naryPr>
+                        <m:sub>
+                          <m:r>
+                            <a:rPr lang="ar-AE" b="0" i="1" smtClean="0">
+                              <a:latin typeface="Cambria Math" panose="02040503050406030204" pitchFamily="18" charset="0"/>
+                            </a:rPr>
+                            <m:t>𝑖</m:t>
+                          </m:r>
+                          <m:r>
+                            <a:rPr lang="ar-AE" i="1" smtClean="0">
+                              <a:latin typeface="Cambria Math" panose="02040503050406030204" pitchFamily="18" charset="0"/>
+                            </a:rPr>
+                            <m:t>=0</m:t>
+                          </m:r>
+                        </m:sub>
+                        <m:sup>
+                          <m:r>
+                            <a:rPr lang="de-DE" b="0" i="1" smtClean="0">
+                              <a:latin typeface="Cambria Math" panose="02040503050406030204" pitchFamily="18" charset="0"/>
+                            </a:rPr>
+                            <m:t>𝑛</m:t>
+                          </m:r>
+                          <m:r>
+                            <a:rPr lang="ar-AE" b="0" i="1" smtClean="0">
+                              <a:latin typeface="Cambria Math" panose="02040503050406030204" pitchFamily="18" charset="0"/>
+                            </a:rPr>
+                            <m:t>−1</m:t>
+                          </m:r>
+                        </m:sup>
+                        <m:e>
+                          <m:r>
+                            <a:rPr lang="ar-AE" b="0" i="1" smtClean="0">
+                              <a:latin typeface="Cambria Math" panose="02040503050406030204" pitchFamily="18" charset="0"/>
+                            </a:rPr>
+                            <m:t>(</m:t>
+                          </m:r>
+                          <m:r>
+                            <a:rPr lang="ar-AE" b="0" i="1" smtClean="0">
+                              <a:latin typeface="Cambria Math" panose="02040503050406030204" pitchFamily="18" charset="0"/>
+                            </a:rPr>
+                            <m:t>𝑎𝑖</m:t>
+                          </m:r>
+                          <m:sSup>
+                            <m:sSupPr>
+                              <m:ctrlPr>
+                                <a:rPr lang="ar-AE" i="1" smtClean="0">
+                                  <a:latin typeface="Cambria Math" panose="02040503050406030204" pitchFamily="18" charset="0"/>
+                                </a:rPr>
+                              </m:ctrlPr>
+                            </m:sSupPr>
+                            <m:e>
+                              <m:r>
+                                <a:rPr lang="ar-AE" b="0" i="1" smtClean="0">
+                                  <a:latin typeface="Cambria Math" panose="02040503050406030204" pitchFamily="18" charset="0"/>
+                                </a:rPr>
+                                <m:t>∗</m:t>
+                              </m:r>
+                              <m:r>
+                                <a:rPr lang="de-DE" b="0" i="1" smtClean="0">
+                                  <a:latin typeface="Cambria Math" panose="02040503050406030204" pitchFamily="18" charset="0"/>
+                                </a:rPr>
+                                <m:t>𝑔</m:t>
+                              </m:r>
+                            </m:e>
+                            <m:sup>
+                              <m:r>
+                                <a:rPr lang="ar-AE" b="0" i="1" smtClean="0">
+                                  <a:latin typeface="Cambria Math" panose="02040503050406030204" pitchFamily="18" charset="0"/>
+                                </a:rPr>
+                                <m:t>𝑖</m:t>
+                              </m:r>
+                            </m:sup>
+                          </m:sSup>
+                          <m:r>
+                            <a:rPr lang="ar-AE" b="0" i="1" smtClean="0">
+                              <a:latin typeface="Cambria Math" panose="02040503050406030204" pitchFamily="18" charset="0"/>
+                            </a:rPr>
+                            <m:t>)</m:t>
+                          </m:r>
+                        </m:e>
+                      </m:nary>
+                    </m:oMath>
+                  </m:oMathPara>
+                </a14:m>
+                <a:endParaRPr lang="ar-AE" dirty="0"/>
+              </a:p>
+              <a:p>
+                <a:endParaRPr lang="ar-AE" dirty="0"/>
+              </a:p>
+              <a:p>
+                <a:r>
+                  <a:rPr lang="en-GB" dirty="0"/>
+                  <a:t>Beispiel:</a:t>
+                </a:r>
+              </a:p>
+              <a:p>
+                <a:pPr marL="461963" lvl="1" indent="-285750">
+                  <a:buFont typeface="Arial" panose="020B0604020202020204" pitchFamily="34" charset="0"/>
+                  <a:buChar char="•"/>
+                </a:pPr>
+                <a:r>
+                  <a:rPr lang="en-GB" dirty="0"/>
+                  <a:t>Basis: </a:t>
+                </a:r>
+                <a14:m>
+                  <m:oMath xmlns:m="http://schemas.openxmlformats.org/officeDocument/2006/math">
+                    <m:r>
+                      <m:rPr>
+                        <m:sty m:val="p"/>
+                      </m:rPr>
+                      <a:rPr lang="de-DE" b="0" i="0" smtClean="0">
+                        <a:latin typeface="Cambria Math" panose="02040503050406030204" pitchFamily="18" charset="0"/>
+                      </a:rPr>
+                      <m:t>g</m:t>
+                    </m:r>
+                    <m:r>
+                      <a:rPr lang="de-DE" b="0" i="0" smtClean="0">
+                        <a:latin typeface="Cambria Math" panose="02040503050406030204" pitchFamily="18" charset="0"/>
+                      </a:rPr>
+                      <m:t>=10</m:t>
+                    </m:r>
+                  </m:oMath>
+                </a14:m>
+                <a:r>
+                  <a:rPr lang="en-GB" dirty="0"/>
+                  <a:t> </a:t>
+                </a:r>
+              </a:p>
+              <a:p>
+                <a:pPr marL="461963" lvl="1" indent="-285750">
+                  <a:buFont typeface="Arial" panose="020B0604020202020204" pitchFamily="34" charset="0"/>
+                  <a:buChar char="•"/>
+                </a:pPr>
+                <a:r>
+                  <a:rPr lang="en-GB" dirty="0"/>
+                  <a:t>Ziffern: </a:t>
+                </a:r>
+                <a14:m>
+                  <m:oMath xmlns:m="http://schemas.openxmlformats.org/officeDocument/2006/math">
+                    <m:r>
+                      <a:rPr lang="en-GB" i="1">
+                        <a:latin typeface="Cambria Math" panose="02040503050406030204" pitchFamily="18" charset="0"/>
+                      </a:rPr>
+                      <m:t>𝑎</m:t>
+                    </m:r>
+                    <m:r>
+                      <a:rPr lang="en-GB" i="1" smtClean="0">
+                        <a:latin typeface="Cambria Math" panose="02040503050406030204" pitchFamily="18" charset="0"/>
+                        <a:ea typeface="Cambria Math" panose="02040503050406030204" pitchFamily="18" charset="0"/>
+                      </a:rPr>
+                      <m:t>∈</m:t>
+                    </m:r>
+                  </m:oMath>
+                </a14:m>
+                <a:r>
+                  <a:rPr lang="en-GB" dirty="0"/>
+                  <a:t> </a:t>
+                </a:r>
+                <a14:m>
+                  <m:oMath xmlns:m="http://schemas.openxmlformats.org/officeDocument/2006/math">
+                    <m:d>
+                      <m:dPr>
+                        <m:begChr m:val="{"/>
+                        <m:endChr m:val="}"/>
+                        <m:ctrlPr>
+                          <a:rPr lang="ar-AE" b="0" i="1" dirty="0" smtClean="0">
+                            <a:latin typeface="Cambria Math" panose="02040503050406030204" pitchFamily="18" charset="0"/>
+                          </a:rPr>
+                        </m:ctrlPr>
+                      </m:dPr>
+                      <m:e>
+                        <m:r>
+                          <a:rPr lang="ar-AE" b="0" i="1" dirty="0" smtClean="0">
+                            <a:latin typeface="Cambria Math" panose="02040503050406030204" pitchFamily="18" charset="0"/>
+                          </a:rPr>
+                          <m:t>0,1,2,3,4,5,6,7,8,9</m:t>
+                        </m:r>
+                      </m:e>
+                    </m:d>
+                    <m:r>
+                      <a:rPr lang="ar-AE" b="0" i="0" dirty="0" smtClean="0">
+                        <a:latin typeface="Cambria Math" panose="02040503050406030204" pitchFamily="18" charset="0"/>
+                      </a:rPr>
+                      <m:t> </m:t>
+                    </m:r>
+                  </m:oMath>
+                </a14:m>
+                <a:endParaRPr lang="ar-AE" b="0" dirty="0"/>
+              </a:p>
+              <a:p>
+                <a:pPr marL="461963" lvl="1" indent="-285750">
+                  <a:buFont typeface="Arial" panose="020B0604020202020204" pitchFamily="34" charset="0"/>
+                  <a:buChar char="•"/>
+                </a:pPr>
+                <a:r>
+                  <a:rPr lang="en-GB" dirty="0"/>
+                  <a:t>Beispiel: </a:t>
+                </a:r>
+                <a14:m>
+                  <m:oMath xmlns:m="http://schemas.openxmlformats.org/officeDocument/2006/math">
+                    <m:r>
+                      <a:rPr lang="de-DE" b="0" i="0" dirty="0" smtClean="0">
+                        <a:latin typeface="Cambria Math" panose="02040503050406030204" pitchFamily="18" charset="0"/>
+                      </a:rPr>
+                      <m:t>2023</m:t>
+                    </m:r>
+                    <m:r>
+                      <a:rPr lang="de-DE" b="0" i="0" baseline="-25000" dirty="0" smtClean="0">
+                        <a:latin typeface="Cambria Math" panose="02040503050406030204" pitchFamily="18" charset="0"/>
+                      </a:rPr>
+                      <m:t>10</m:t>
+                    </m:r>
+                  </m:oMath>
+                </a14:m>
+                <a:r>
+                  <a:rPr lang="en-GB" baseline="-25000" dirty="0"/>
+                  <a:t>   </a:t>
+                </a:r>
+              </a:p>
+              <a:p>
+                <a:pPr lvl="1" indent="0">
+                  <a:buNone/>
+                </a:pPr>
+                <a:r>
+                  <a:rPr lang="en-GB" baseline="-25000" dirty="0"/>
+                  <a:t>				</a:t>
+                </a:r>
+              </a:p>
+              <a:p>
+                <a:pPr lvl="1" indent="0">
+                  <a:buNone/>
+                </a:pPr>
+                <a14:m>
+                  <m:oMathPara xmlns:m="http://schemas.openxmlformats.org/officeDocument/2006/math">
+                    <m:oMathParaPr>
+                      <m:jc m:val="centerGroup"/>
+                    </m:oMathParaPr>
+                    <m:oMath xmlns:m="http://schemas.openxmlformats.org/officeDocument/2006/math">
+                      <m:sSup>
+                        <m:sSupPr>
+                          <m:ctrlPr>
+                            <a:rPr lang="ar-AE" i="1">
+                              <a:solidFill>
+                                <a:prstClr val="black"/>
+                              </a:solidFill>
+                              <a:latin typeface="Cambria Math" panose="02040503050406030204" pitchFamily="18" charset="0"/>
+                            </a:rPr>
+                          </m:ctrlPr>
+                        </m:sSupPr>
+                        <m:e>
+                          <m:r>
+                            <a:rPr lang="ar-AE" i="1">
+                              <a:solidFill>
+                                <a:prstClr val="black"/>
+                              </a:solidFill>
+                              <a:latin typeface="Cambria Math" panose="02040503050406030204" pitchFamily="18" charset="0"/>
+                            </a:rPr>
+                            <m:t>𝑓</m:t>
+                          </m:r>
+                          <m:d>
+                            <m:dPr>
+                              <m:ctrlPr>
+                                <a:rPr lang="ar-AE" i="1">
+                                  <a:solidFill>
+                                    <a:prstClr val="black"/>
+                                  </a:solidFill>
+                                  <a:latin typeface="Cambria Math" panose="02040503050406030204" pitchFamily="18" charset="0"/>
+                                </a:rPr>
+                              </m:ctrlPr>
+                            </m:dPr>
+                            <m:e>
+                              <m:r>
+                                <a:rPr lang="ar-AE" b="0" i="1" smtClean="0">
+                                  <a:solidFill>
+                                    <a:prstClr val="black"/>
+                                  </a:solidFill>
+                                  <a:latin typeface="Cambria Math" panose="02040503050406030204" pitchFamily="18" charset="0"/>
+                                </a:rPr>
+                                <m:t>(2,0,2,3)</m:t>
+                              </m:r>
+                              <m:r>
+                                <a:rPr lang="ar-AE" i="1">
+                                  <a:solidFill>
+                                    <a:prstClr val="black"/>
+                                  </a:solidFill>
+                                  <a:latin typeface="Cambria Math" panose="02040503050406030204" pitchFamily="18" charset="0"/>
+                                </a:rPr>
+                                <m:t>,</m:t>
+                              </m:r>
+                              <m:r>
+                                <a:rPr lang="ar-AE" b="0" i="1" smtClean="0">
+                                  <a:solidFill>
+                                    <a:prstClr val="black"/>
+                                  </a:solidFill>
+                                  <a:latin typeface="Cambria Math" panose="02040503050406030204" pitchFamily="18" charset="0"/>
+                                </a:rPr>
+                                <m:t>10</m:t>
+                              </m:r>
+                              <m:r>
+                                <a:rPr lang="ar-AE" i="1">
+                                  <a:solidFill>
+                                    <a:prstClr val="black"/>
+                                  </a:solidFill>
+                                  <a:latin typeface="Cambria Math" panose="02040503050406030204" pitchFamily="18" charset="0"/>
+                                </a:rPr>
+                                <m:t>,</m:t>
+                              </m:r>
+                              <m:r>
+                                <a:rPr lang="ar-AE" b="0" i="1" smtClean="0">
+                                  <a:solidFill>
+                                    <a:prstClr val="black"/>
+                                  </a:solidFill>
+                                  <a:latin typeface="Cambria Math" panose="02040503050406030204" pitchFamily="18" charset="0"/>
+                                </a:rPr>
+                                <m:t>4</m:t>
+                              </m:r>
+                            </m:e>
+                          </m:d>
+                        </m:e>
+                        <m:sup>
+                          <m:r>
+                            <a:rPr lang="ar-AE" i="1">
+                              <a:solidFill>
+                                <a:prstClr val="black"/>
+                              </a:solidFill>
+                              <a:latin typeface="Cambria Math" panose="02040503050406030204" pitchFamily="18" charset="0"/>
+                            </a:rPr>
+                            <m:t> </m:t>
+                          </m:r>
+                        </m:sup>
+                      </m:sSup>
+                      <m:r>
+                        <a:rPr lang="ar-AE" i="1">
+                          <a:solidFill>
+                            <a:prstClr val="black"/>
+                          </a:solidFill>
+                          <a:latin typeface="Cambria Math" panose="02040503050406030204" pitchFamily="18" charset="0"/>
+                        </a:rPr>
+                        <m:t>=</m:t>
+                      </m:r>
+                      <m:nary>
+                        <m:naryPr>
+                          <m:chr m:val="∑"/>
+                          <m:ctrlPr>
+                            <a:rPr lang="ar-AE" i="1">
+                              <a:solidFill>
+                                <a:prstClr val="black"/>
+                              </a:solidFill>
+                              <a:latin typeface="Cambria Math" panose="02040503050406030204" pitchFamily="18" charset="0"/>
+                            </a:rPr>
+                          </m:ctrlPr>
+                        </m:naryPr>
+                        <m:sub>
+                          <m:r>
+                            <a:rPr lang="ar-AE" i="1">
+                              <a:solidFill>
+                                <a:prstClr val="black"/>
+                              </a:solidFill>
+                              <a:latin typeface="Cambria Math" panose="02040503050406030204" pitchFamily="18" charset="0"/>
+                            </a:rPr>
+                            <m:t>𝑖</m:t>
+                          </m:r>
+                          <m:r>
+                            <a:rPr lang="ar-AE" i="1">
+                              <a:solidFill>
+                                <a:prstClr val="black"/>
+                              </a:solidFill>
+                              <a:latin typeface="Cambria Math" panose="02040503050406030204" pitchFamily="18" charset="0"/>
+                            </a:rPr>
+                            <m:t>=0</m:t>
+                          </m:r>
+                        </m:sub>
+                        <m:sup>
+                          <m:r>
+                            <a:rPr lang="ar-AE" b="0" i="1" smtClean="0">
+                              <a:solidFill>
+                                <a:prstClr val="black"/>
+                              </a:solidFill>
+                              <a:latin typeface="Cambria Math" panose="02040503050406030204" pitchFamily="18" charset="0"/>
+                            </a:rPr>
+                            <m:t>3</m:t>
+                          </m:r>
+                        </m:sup>
+                        <m:e>
+                          <m:r>
+                            <a:rPr lang="ar-AE" i="1">
+                              <a:solidFill>
+                                <a:prstClr val="black"/>
+                              </a:solidFill>
+                              <a:latin typeface="Cambria Math" panose="02040503050406030204" pitchFamily="18" charset="0"/>
+                            </a:rPr>
+                            <m:t>(</m:t>
+                          </m:r>
+                          <m:r>
+                            <a:rPr lang="ar-AE" i="1">
+                              <a:solidFill>
+                                <a:prstClr val="black"/>
+                              </a:solidFill>
+                              <a:latin typeface="Cambria Math" panose="02040503050406030204" pitchFamily="18" charset="0"/>
+                            </a:rPr>
+                            <m:t>𝑎𝑖</m:t>
+                          </m:r>
+                          <m:sSup>
+                            <m:sSupPr>
+                              <m:ctrlPr>
+                                <a:rPr lang="ar-AE" i="1">
+                                  <a:solidFill>
+                                    <a:prstClr val="black"/>
+                                  </a:solidFill>
+                                  <a:latin typeface="Cambria Math" panose="02040503050406030204" pitchFamily="18" charset="0"/>
+                                </a:rPr>
+                              </m:ctrlPr>
+                            </m:sSupPr>
+                            <m:e>
+                              <m:r>
+                                <a:rPr lang="ar-AE" i="1">
+                                  <a:solidFill>
+                                    <a:prstClr val="black"/>
+                                  </a:solidFill>
+                                  <a:latin typeface="Cambria Math" panose="02040503050406030204" pitchFamily="18" charset="0"/>
+                                </a:rPr>
+                                <m:t>∗</m:t>
+                              </m:r>
+                              <m:r>
+                                <a:rPr lang="ar-AE" b="0" i="1" smtClean="0">
+                                  <a:solidFill>
+                                    <a:prstClr val="black"/>
+                                  </a:solidFill>
+                                  <a:latin typeface="Cambria Math" panose="02040503050406030204" pitchFamily="18" charset="0"/>
+                                </a:rPr>
+                                <m:t>10</m:t>
+                              </m:r>
+                            </m:e>
+                            <m:sup>
+                              <m:r>
+                                <a:rPr lang="ar-AE" i="1">
+                                  <a:solidFill>
+                                    <a:prstClr val="black"/>
+                                  </a:solidFill>
+                                  <a:latin typeface="Cambria Math" panose="02040503050406030204" pitchFamily="18" charset="0"/>
+                                </a:rPr>
+                                <m:t>𝑖</m:t>
+                              </m:r>
+                            </m:sup>
+                          </m:sSup>
+                          <m:r>
+                            <a:rPr lang="ar-AE" i="1">
+                              <a:solidFill>
+                                <a:prstClr val="black"/>
+                              </a:solidFill>
+                              <a:latin typeface="Cambria Math" panose="02040503050406030204" pitchFamily="18" charset="0"/>
+                            </a:rPr>
+                            <m:t>)</m:t>
+                          </m:r>
+                        </m:e>
+                      </m:nary>
+                    </m:oMath>
+                  </m:oMathPara>
+                </a14:m>
+                <a:endParaRPr lang="de-DE" dirty="0">
+                  <a:solidFill>
+                    <a:prstClr val="black"/>
+                  </a:solidFill>
+                </a:endParaRPr>
+              </a:p>
+              <a:p>
+                <a:pPr lvl="1" indent="0">
+                  <a:buNone/>
+                </a:pPr>
+                <a:r>
+                  <a:rPr lang="de-DE" baseline="-25000" dirty="0"/>
+                  <a:t>				</a:t>
+                </a:r>
+                <a:r>
+                  <a:rPr lang="de-DE" dirty="0"/>
+                  <a:t>          </a:t>
+                </a:r>
+              </a:p>
+              <a:p>
+                <a:pPr lvl="1" indent="0">
+                  <a:buNone/>
+                </a:pPr>
+                <a:r>
+                  <a:rPr lang="de-DE" dirty="0"/>
+                  <a:t>				           </a:t>
+                </a:r>
+                <a14:m>
+                  <m:oMath xmlns:m="http://schemas.openxmlformats.org/officeDocument/2006/math">
+                    <m:r>
+                      <a:rPr lang="ar-AE" i="1" smtClean="0">
+                        <a:solidFill>
+                          <a:prstClr val="black"/>
+                        </a:solidFill>
+                        <a:latin typeface="Cambria Math" panose="02040503050406030204" pitchFamily="18" charset="0"/>
+                      </a:rPr>
+                      <m:t>=</m:t>
+                    </m:r>
+                    <m:r>
+                      <a:rPr lang="de-DE" b="0" i="1" smtClean="0">
+                        <a:solidFill>
+                          <a:prstClr val="black"/>
+                        </a:solidFill>
+                        <a:latin typeface="Cambria Math" panose="02040503050406030204" pitchFamily="18" charset="0"/>
+                      </a:rPr>
+                      <m:t>3∗10</m:t>
+                    </m:r>
+                    <m:r>
+                      <a:rPr lang="de-DE" b="0" i="1" baseline="30000" smtClean="0">
+                        <a:solidFill>
+                          <a:prstClr val="black"/>
+                        </a:solidFill>
+                        <a:latin typeface="Cambria Math" panose="02040503050406030204" pitchFamily="18" charset="0"/>
+                      </a:rPr>
+                      <m:t>0</m:t>
+                    </m:r>
+                    <m:r>
+                      <a:rPr lang="de-DE" b="0" i="1" smtClean="0">
+                        <a:solidFill>
+                          <a:prstClr val="black"/>
+                        </a:solidFill>
+                        <a:latin typeface="Cambria Math" panose="02040503050406030204" pitchFamily="18" charset="0"/>
+                      </a:rPr>
+                      <m:t>+2∗10</m:t>
+                    </m:r>
+                    <m:r>
+                      <a:rPr lang="de-DE" b="0" i="1" baseline="30000" smtClean="0">
+                        <a:solidFill>
+                          <a:prstClr val="black"/>
+                        </a:solidFill>
+                        <a:latin typeface="Cambria Math" panose="02040503050406030204" pitchFamily="18" charset="0"/>
+                      </a:rPr>
+                      <m:t>1</m:t>
+                    </m:r>
+                    <m:r>
+                      <a:rPr lang="de-DE" b="0" i="1" smtClean="0">
+                        <a:solidFill>
+                          <a:prstClr val="black"/>
+                        </a:solidFill>
+                        <a:latin typeface="Cambria Math" panose="02040503050406030204" pitchFamily="18" charset="0"/>
+                      </a:rPr>
+                      <m:t>+0∗10</m:t>
+                    </m:r>
+                    <m:r>
+                      <a:rPr lang="de-DE" b="0" i="1" baseline="30000" smtClean="0">
+                        <a:solidFill>
+                          <a:prstClr val="black"/>
+                        </a:solidFill>
+                        <a:latin typeface="Cambria Math" panose="02040503050406030204" pitchFamily="18" charset="0"/>
+                      </a:rPr>
+                      <m:t>2</m:t>
+                    </m:r>
+                    <m:r>
+                      <a:rPr lang="de-DE" i="1">
+                        <a:solidFill>
+                          <a:prstClr val="black"/>
+                        </a:solidFill>
+                        <a:latin typeface="Cambria Math" panose="02040503050406030204" pitchFamily="18" charset="0"/>
+                      </a:rPr>
+                      <m:t>+</m:t>
+                    </m:r>
+                    <m:r>
+                      <a:rPr lang="de-DE" b="0" i="1" smtClean="0">
+                        <a:solidFill>
+                          <a:prstClr val="black"/>
+                        </a:solidFill>
+                        <a:latin typeface="Cambria Math" panose="02040503050406030204" pitchFamily="18" charset="0"/>
+                      </a:rPr>
+                      <m:t>2∗10</m:t>
+                    </m:r>
+                    <m:r>
+                      <a:rPr lang="de-DE" b="0" i="1" baseline="30000" smtClean="0">
+                        <a:solidFill>
+                          <a:prstClr val="black"/>
+                        </a:solidFill>
+                        <a:latin typeface="Cambria Math" panose="02040503050406030204" pitchFamily="18" charset="0"/>
+                      </a:rPr>
+                      <m:t>3</m:t>
+                    </m:r>
+                  </m:oMath>
+                </a14:m>
+                <a:r>
+                  <a:rPr lang="ar-AE" baseline="-25000" dirty="0"/>
+                  <a:t>		</a:t>
+                </a:r>
+                <a:r>
+                  <a:rPr lang="ar-AE" dirty="0"/>
+                  <a:t> </a:t>
+                </a:r>
+                <a:r>
+                  <a:rPr lang="de-DE" baseline="-25000" dirty="0"/>
+                  <a:t>			</a:t>
+                </a:r>
+                <a:r>
+                  <a:rPr lang="de-DE" dirty="0"/>
+                  <a:t>          </a:t>
+                </a:r>
+                <a:r>
+                  <a:rPr lang="ar-AE" dirty="0">
+                    <a:solidFill>
+                      <a:prstClr val="black"/>
+                    </a:solidFill>
+                  </a:rPr>
+                  <a:t> </a:t>
+                </a:r>
+                <a14:m>
+                  <m:oMath xmlns:m="http://schemas.openxmlformats.org/officeDocument/2006/math">
+                    <m:r>
+                      <a:rPr lang="ar-AE" i="1">
+                        <a:solidFill>
+                          <a:prstClr val="black"/>
+                        </a:solidFill>
+                        <a:latin typeface="Cambria Math" panose="02040503050406030204" pitchFamily="18" charset="0"/>
+                      </a:rPr>
+                      <m:t>=</m:t>
+                    </m:r>
+                    <m:r>
+                      <a:rPr lang="de-DE" b="0" i="1" smtClean="0">
+                        <a:solidFill>
+                          <a:prstClr val="black"/>
+                        </a:solidFill>
+                        <a:latin typeface="Cambria Math" panose="02040503050406030204" pitchFamily="18" charset="0"/>
+                      </a:rPr>
+                      <m:t>2023</m:t>
+                    </m:r>
+                  </m:oMath>
+                </a14:m>
+                <a:endParaRPr lang="de-DE" dirty="0"/>
+              </a:p>
+            </p:txBody>
+          </p:sp>
+        </mc:Choice>
+        <mc:Fallback>
+          <p:sp>
+            <p:nvSpPr>
+              <p:cNvPr id="2" name="Inhaltsplatzhalter 1"/>
+              <p:cNvSpPr>
+                <a:spLocks noGrp="1" noRot="1" noChangeAspect="1" noMove="1" noResize="1" noEditPoints="1" noAdjustHandles="1" noChangeArrowheads="1" noChangeShapeType="1" noTextEdit="1"/>
+              </p:cNvSpPr>
+              <p:nvPr>
+                <p:ph idx="1"/>
+              </p:nvPr>
+            </p:nvSpPr>
+            <p:spPr>
+              <a:blipFill>
+                <a:blip r:embed="rId2"/>
+                <a:stretch>
+                  <a:fillRect l="-1339" t="-3235" b="-5391"/>
+                </a:stretch>
+              </a:blipFill>
+            </p:spPr>
+            <p:txBody>
+              <a:bodyPr/>
+              <a:lstStyle/>
+              <a:p>
+                <a:r>
+                  <a:rPr lang="en-DE">
+                    <a:noFill/>
+                  </a:rPr>
+                  <a:t> </a:t>
+                </a:r>
+              </a:p>
+            </p:txBody>
+          </p:sp>
+        </mc:Fallback>
+      </mc:AlternateContent>
       <p:sp>
         <p:nvSpPr>
           <p:cNvPr id="4" name="Foliennummernplatzhalter 3"/>
@@ -10438,11 +14435,7 @@
             <p:ph type="sldNum" sz="quarter" idx="11"/>
           </p:nvPr>
         </p:nvSpPr>
-        <p:spPr>
-          <a:prstGeom prst="rect">
-            <a:avLst/>
-          </a:prstGeom>
-        </p:spPr>
+        <p:spPr/>
         <p:txBody>
           <a:bodyPr/>
           <a:lstStyle/>
@@ -10458,7 +14451,7 @@
       </p:sp>
       <p:sp>
         <p:nvSpPr>
-          <p:cNvPr id="6" name="Fußzeilenplatzhalter 4"/>
+          <p:cNvPr id="5" name="Fußzeilenplatzhalter 4"/>
           <p:cNvSpPr>
             <a:spLocks noGrp="1"/>
           </p:cNvSpPr>
@@ -10490,19 +14483,19 @@
           </p:nvPr>
         </p:nvSpPr>
         <p:spPr>
-          <a:prstGeom prst="rect">
-            <a:avLst/>
-          </a:prstGeom>
+          <a:xfrm>
+            <a:off x="319090" y="994334"/>
+            <a:ext cx="8508999" cy="820738"/>
+          </a:xfrm>
         </p:spPr>
         <p:txBody>
           <a:bodyPr/>
           <a:lstStyle/>
           <a:p>
             <a:r>
-              <a:rPr lang="en-GB" sz="3200" dirty="0" err="1"/>
-              <a:t>Basisumwandlung</a:t>
+              <a:rPr lang="en-GB" sz="3200" dirty="0"/>
+              <a:t>Umrechnung von Zahlen in unterschiedlichen Basen </a:t>
             </a:r>
-            <a:endParaRPr lang="de-DE" sz="3000" dirty="0"/>
           </a:p>
         </p:txBody>
       </p:sp>
@@ -10531,25 +14524,894 @@
           <a:chExt cx="0" cy="0"/>
         </a:xfrm>
       </p:grpSpPr>
-      <p:sp>
-        <p:nvSpPr>
-          <p:cNvPr id="2" name="Inhaltsplatzhalter 1"/>
-          <p:cNvSpPr>
-            <a:spLocks noGrp="1"/>
-          </p:cNvSpPr>
-          <p:nvPr>
-            <p:ph idx="1"/>
-          </p:nvPr>
-        </p:nvSpPr>
-        <p:spPr/>
-        <p:txBody>
-          <a:bodyPr/>
-          <a:lstStyle/>
-          <a:p>
-            <a:endParaRPr dirty="0"/>
-          </a:p>
-        </p:txBody>
-      </p:sp>
+      <mc:AlternateContent xmlns:mc="http://schemas.openxmlformats.org/markup-compatibility/2006">
+        <mc:Choice xmlns:a14="http://schemas.microsoft.com/office/drawing/2010/main" Requires="a14">
+          <p:sp>
+            <p:nvSpPr>
+              <p:cNvPr id="2" name="Inhaltsplatzhalter 1"/>
+              <p:cNvSpPr>
+                <a:spLocks noGrp="1"/>
+              </p:cNvSpPr>
+              <p:nvPr>
+                <p:ph idx="1"/>
+              </p:nvPr>
+            </p:nvSpPr>
+            <p:spPr/>
+            <p:txBody>
+              <a:bodyPr/>
+              <a:lstStyle/>
+              <a:p>
+                <a:endParaRPr lang="en-GB" dirty="0"/>
+              </a:p>
+              <a:p>
+                <a:r>
+                  <a:rPr lang="en-GB" dirty="0"/>
+                  <a:t>Funktion f() zur Berechnung des Wertes:</a:t>
+                </a:r>
+              </a:p>
+              <a:p>
+                <a:pPr/>
+                <a14:m>
+                  <m:oMathPara xmlns:m="http://schemas.openxmlformats.org/officeDocument/2006/math">
+                    <m:oMathParaPr>
+                      <m:jc m:val="centerGroup"/>
+                    </m:oMathParaPr>
+                    <m:oMath xmlns:m="http://schemas.openxmlformats.org/officeDocument/2006/math">
+                      <m:sSup>
+                        <m:sSupPr>
+                          <m:ctrlPr>
+                            <a:rPr lang="en-GB" i="1" smtClean="0">
+                              <a:latin typeface="Cambria Math" panose="02040503050406030204" pitchFamily="18" charset="0"/>
+                            </a:rPr>
+                          </m:ctrlPr>
+                        </m:sSupPr>
+                        <m:e>
+                          <m:r>
+                            <a:rPr lang="de-DE" b="0" i="1" smtClean="0">
+                              <a:latin typeface="Cambria Math" panose="02040503050406030204" pitchFamily="18" charset="0"/>
+                            </a:rPr>
+                            <m:t>𝑓</m:t>
+                          </m:r>
+                          <m:d>
+                            <m:dPr>
+                              <m:ctrlPr>
+                                <a:rPr lang="en-GB" i="1" smtClean="0">
+                                  <a:latin typeface="Cambria Math" panose="02040503050406030204" pitchFamily="18" charset="0"/>
+                                </a:rPr>
+                              </m:ctrlPr>
+                            </m:dPr>
+                            <m:e>
+                              <m:r>
+                                <a:rPr lang="de-DE" b="0" i="1" smtClean="0">
+                                  <a:latin typeface="Cambria Math" panose="02040503050406030204" pitchFamily="18" charset="0"/>
+                                </a:rPr>
+                                <m:t>𝑎</m:t>
+                              </m:r>
+                              <m:r>
+                                <a:rPr lang="de-DE" b="0" i="1" smtClean="0">
+                                  <a:latin typeface="Cambria Math" panose="02040503050406030204" pitchFamily="18" charset="0"/>
+                                </a:rPr>
+                                <m:t>,</m:t>
+                              </m:r>
+                              <m:r>
+                                <a:rPr lang="de-DE" b="0" i="1" smtClean="0">
+                                  <a:latin typeface="Cambria Math" panose="02040503050406030204" pitchFamily="18" charset="0"/>
+                                </a:rPr>
+                                <m:t>𝑔</m:t>
+                              </m:r>
+                              <m:r>
+                                <a:rPr lang="de-DE" b="0" i="1" smtClean="0">
+                                  <a:latin typeface="Cambria Math" panose="02040503050406030204" pitchFamily="18" charset="0"/>
+                                </a:rPr>
+                                <m:t>,</m:t>
+                              </m:r>
+                              <m:r>
+                                <a:rPr lang="de-DE" b="0" i="1" smtClean="0">
+                                  <a:latin typeface="Cambria Math" panose="02040503050406030204" pitchFamily="18" charset="0"/>
+                                </a:rPr>
+                                <m:t>𝑛</m:t>
+                              </m:r>
+                            </m:e>
+                          </m:d>
+                        </m:e>
+                        <m:sup>
+                          <m:r>
+                            <a:rPr lang="de-DE" b="0" i="1" smtClean="0">
+                              <a:latin typeface="Cambria Math" panose="02040503050406030204" pitchFamily="18" charset="0"/>
+                            </a:rPr>
+                            <m:t> </m:t>
+                          </m:r>
+                        </m:sup>
+                      </m:sSup>
+                      <m:r>
+                        <a:rPr lang="en-GB" i="1" smtClean="0">
+                          <a:latin typeface="Cambria Math" panose="02040503050406030204" pitchFamily="18" charset="0"/>
+                        </a:rPr>
+                        <m:t>=</m:t>
+                      </m:r>
+                      <m:nary>
+                        <m:naryPr>
+                          <m:chr m:val="∑"/>
+                          <m:ctrlPr>
+                            <a:rPr lang="en-GB" i="1" smtClean="0">
+                              <a:latin typeface="Cambria Math" panose="02040503050406030204" pitchFamily="18" charset="0"/>
+                            </a:rPr>
+                          </m:ctrlPr>
+                        </m:naryPr>
+                        <m:sub>
+                          <m:r>
+                            <a:rPr lang="de-DE" b="0" i="1" smtClean="0">
+                              <a:latin typeface="Cambria Math" panose="02040503050406030204" pitchFamily="18" charset="0"/>
+                            </a:rPr>
+                            <m:t>𝑧</m:t>
+                          </m:r>
+                          <m:r>
+                            <a:rPr lang="en-GB" i="1" smtClean="0">
+                              <a:latin typeface="Cambria Math" panose="02040503050406030204" pitchFamily="18" charset="0"/>
+                            </a:rPr>
+                            <m:t>=0</m:t>
+                          </m:r>
+                        </m:sub>
+                        <m:sup>
+                          <m:r>
+                            <a:rPr lang="de-DE" b="0" i="1" smtClean="0">
+                              <a:latin typeface="Cambria Math" panose="02040503050406030204" pitchFamily="18" charset="0"/>
+                            </a:rPr>
+                            <m:t>𝑛</m:t>
+                          </m:r>
+                          <m:r>
+                            <a:rPr lang="de-DE" b="0" i="1" smtClean="0">
+                              <a:latin typeface="Cambria Math" panose="02040503050406030204" pitchFamily="18" charset="0"/>
+                            </a:rPr>
+                            <m:t>−1</m:t>
+                          </m:r>
+                        </m:sup>
+                        <m:e>
+                          <m:r>
+                            <a:rPr lang="de-DE" b="0" i="1" smtClean="0">
+                              <a:latin typeface="Cambria Math" panose="02040503050406030204" pitchFamily="18" charset="0"/>
+                            </a:rPr>
+                            <m:t>(</m:t>
+                          </m:r>
+                          <m:r>
+                            <a:rPr lang="de-DE" b="0" i="1" smtClean="0">
+                              <a:latin typeface="Cambria Math" panose="02040503050406030204" pitchFamily="18" charset="0"/>
+                            </a:rPr>
+                            <m:t>𝑎𝑧</m:t>
+                          </m:r>
+                          <m:sSup>
+                            <m:sSupPr>
+                              <m:ctrlPr>
+                                <a:rPr lang="en-GB" i="1" smtClean="0">
+                                  <a:latin typeface="Cambria Math" panose="02040503050406030204" pitchFamily="18" charset="0"/>
+                                </a:rPr>
+                              </m:ctrlPr>
+                            </m:sSupPr>
+                            <m:e>
+                              <m:r>
+                                <a:rPr lang="de-DE" b="0" i="1" smtClean="0">
+                                  <a:latin typeface="Cambria Math" panose="02040503050406030204" pitchFamily="18" charset="0"/>
+                                </a:rPr>
+                                <m:t>∗</m:t>
+                              </m:r>
+                              <m:r>
+                                <a:rPr lang="de-DE" b="0" i="1" smtClean="0">
+                                  <a:latin typeface="Cambria Math" panose="02040503050406030204" pitchFamily="18" charset="0"/>
+                                </a:rPr>
+                                <m:t>𝑏</m:t>
+                              </m:r>
+                            </m:e>
+                            <m:sup>
+                              <m:r>
+                                <a:rPr lang="de-DE" b="0" i="1" smtClean="0">
+                                  <a:latin typeface="Cambria Math" panose="02040503050406030204" pitchFamily="18" charset="0"/>
+                                </a:rPr>
+                                <m:t>𝑧</m:t>
+                              </m:r>
+                            </m:sup>
+                          </m:sSup>
+                          <m:r>
+                            <a:rPr lang="de-DE" b="0" i="1" smtClean="0">
+                              <a:latin typeface="Cambria Math" panose="02040503050406030204" pitchFamily="18" charset="0"/>
+                            </a:rPr>
+                            <m:t>)</m:t>
+                          </m:r>
+                        </m:e>
+                      </m:nary>
+                    </m:oMath>
+                  </m:oMathPara>
+                </a14:m>
+                <a:endParaRPr lang="de-DE" dirty="0"/>
+              </a:p>
+              <a:p>
+                <a:endParaRPr lang="de-DE" dirty="0"/>
+              </a:p>
+              <a:p>
+                <a:r>
+                  <a:rPr lang="de-DE" dirty="0"/>
+                  <a:t>Beispiel:</a:t>
+                </a:r>
+              </a:p>
+              <a:p>
+                <a:pPr marL="461963" lvl="1" indent="-285750">
+                  <a:buFont typeface="Arial" panose="020B0604020202020204" pitchFamily="34" charset="0"/>
+                  <a:buChar char="•"/>
+                </a:pPr>
+                <a:r>
+                  <a:rPr lang="en-GB" dirty="0"/>
+                  <a:t>Basis: </a:t>
+                </a:r>
+                <a14:m>
+                  <m:oMath xmlns:m="http://schemas.openxmlformats.org/officeDocument/2006/math">
+                    <m:r>
+                      <a:rPr lang="de-DE" b="0" i="1" smtClean="0">
+                        <a:latin typeface="Cambria Math" panose="02040503050406030204" pitchFamily="18" charset="0"/>
+                      </a:rPr>
+                      <m:t>𝑔</m:t>
+                    </m:r>
+                    <m:r>
+                      <a:rPr lang="de-DE" b="0" i="1" smtClean="0">
+                        <a:latin typeface="Cambria Math" panose="02040503050406030204" pitchFamily="18" charset="0"/>
+                      </a:rPr>
+                      <m:t>=−1+</m:t>
+                    </m:r>
+                    <m:r>
+                      <a:rPr lang="de-DE" b="0" i="1" smtClean="0">
+                        <a:latin typeface="Cambria Math" panose="02040503050406030204" pitchFamily="18" charset="0"/>
+                      </a:rPr>
+                      <m:t>𝑖</m:t>
+                    </m:r>
+                  </m:oMath>
+                </a14:m>
+                <a:r>
+                  <a:rPr lang="en-GB" dirty="0"/>
+                  <a:t> </a:t>
+                </a:r>
+              </a:p>
+              <a:p>
+                <a:pPr marL="461963" lvl="1" indent="-285750">
+                  <a:buFont typeface="Arial" panose="020B0604020202020204" pitchFamily="34" charset="0"/>
+                  <a:buChar char="•"/>
+                </a:pPr>
+                <a:r>
+                  <a:rPr lang="en-GB" dirty="0"/>
+                  <a:t>Ziffern: </a:t>
+                </a:r>
+                <a14:m>
+                  <m:oMath xmlns:m="http://schemas.openxmlformats.org/officeDocument/2006/math">
+                    <m:r>
+                      <a:rPr lang="de-DE" i="1">
+                        <a:latin typeface="Cambria Math" panose="02040503050406030204" pitchFamily="18" charset="0"/>
+                      </a:rPr>
+                      <m:t>𝑎</m:t>
+                    </m:r>
+                    <m:r>
+                      <a:rPr lang="en-GB" i="1" smtClean="0">
+                        <a:latin typeface="Cambria Math" panose="02040503050406030204" pitchFamily="18" charset="0"/>
+                        <a:ea typeface="Cambria Math" panose="02040503050406030204" pitchFamily="18" charset="0"/>
+                      </a:rPr>
+                      <m:t>∈</m:t>
+                    </m:r>
+                  </m:oMath>
+                </a14:m>
+                <a:r>
+                  <a:rPr lang="en-GB" dirty="0"/>
+                  <a:t> </a:t>
+                </a:r>
+                <a14:m>
+                  <m:oMath xmlns:m="http://schemas.openxmlformats.org/officeDocument/2006/math">
+                    <m:d>
+                      <m:dPr>
+                        <m:begChr m:val="{"/>
+                        <m:endChr m:val="}"/>
+                        <m:ctrlPr>
+                          <a:rPr lang="de-DE" b="0" i="1" dirty="0" smtClean="0">
+                            <a:latin typeface="Cambria Math" panose="02040503050406030204" pitchFamily="18" charset="0"/>
+                          </a:rPr>
+                        </m:ctrlPr>
+                      </m:dPr>
+                      <m:e>
+                        <m:r>
+                          <a:rPr lang="de-DE" b="0" i="1" dirty="0" smtClean="0">
+                            <a:latin typeface="Cambria Math" panose="02040503050406030204" pitchFamily="18" charset="0"/>
+                          </a:rPr>
+                          <m:t>0,1</m:t>
+                        </m:r>
+                      </m:e>
+                    </m:d>
+                    <m:r>
+                      <a:rPr lang="de-DE" b="0" i="0" dirty="0" smtClean="0">
+                        <a:latin typeface="Cambria Math" panose="02040503050406030204" pitchFamily="18" charset="0"/>
+                      </a:rPr>
+                      <m:t> </m:t>
+                    </m:r>
+                  </m:oMath>
+                </a14:m>
+                <a:endParaRPr lang="de-DE" b="0" dirty="0"/>
+              </a:p>
+              <a:p>
+                <a:pPr marL="461963" lvl="1" indent="-285750">
+                  <a:buFont typeface="Arial" panose="020B0604020202020204" pitchFamily="34" charset="0"/>
+                  <a:buChar char="•"/>
+                </a:pPr>
+                <a:r>
+                  <a:rPr lang="en-GB" dirty="0"/>
+                  <a:t>Beispiel: </a:t>
+                </a:r>
+                <a14:m>
+                  <m:oMath xmlns:m="http://schemas.openxmlformats.org/officeDocument/2006/math">
+                    <m:r>
+                      <a:rPr lang="de-DE" i="1">
+                        <a:solidFill>
+                          <a:prstClr val="black"/>
+                        </a:solidFill>
+                        <a:latin typeface="Cambria Math" panose="02040503050406030204" pitchFamily="18" charset="0"/>
+                      </a:rPr>
+                      <m:t>1</m:t>
+                    </m:r>
+                    <m:r>
+                      <a:rPr lang="de-DE" b="0" i="1" smtClean="0">
+                        <a:solidFill>
+                          <a:prstClr val="black"/>
+                        </a:solidFill>
+                        <a:latin typeface="Cambria Math" panose="02040503050406030204" pitchFamily="18" charset="0"/>
+                      </a:rPr>
+                      <m:t>001</m:t>
+                    </m:r>
+                    <m:r>
+                      <a:rPr lang="de-DE" b="0" i="0" baseline="-25000" smtClean="0">
+                        <a:solidFill>
+                          <a:prstClr val="black"/>
+                        </a:solidFill>
+                        <a:latin typeface="Cambria Math" panose="02040503050406030204" pitchFamily="18" charset="0"/>
+                      </a:rPr>
+                      <m:t>10</m:t>
+                    </m:r>
+                  </m:oMath>
+                </a14:m>
+                <a:r>
+                  <a:rPr lang="en-GB" baseline="-25000" dirty="0"/>
+                  <a:t>   </a:t>
+                </a:r>
+              </a:p>
+              <a:p>
+                <a:pPr lvl="1" indent="0">
+                  <a:buNone/>
+                </a:pPr>
+                <a:r>
+                  <a:rPr lang="en-GB" baseline="-25000" dirty="0"/>
+                  <a:t>			</a:t>
+                </a:r>
+              </a:p>
+              <a:p>
+                <a:pPr lvl="1" indent="0">
+                  <a:buNone/>
+                </a:pPr>
+                <a14:m>
+                  <m:oMathPara xmlns:m="http://schemas.openxmlformats.org/officeDocument/2006/math">
+                    <m:oMathParaPr>
+                      <m:jc m:val="left"/>
+                    </m:oMathParaPr>
+                    <m:oMath xmlns:m="http://schemas.openxmlformats.org/officeDocument/2006/math">
+                      <m:sSup>
+                        <m:sSupPr>
+                          <m:ctrlPr>
+                            <a:rPr lang="en-GB" i="1">
+                              <a:solidFill>
+                                <a:prstClr val="black"/>
+                              </a:solidFill>
+                              <a:latin typeface="Cambria Math" panose="02040503050406030204" pitchFamily="18" charset="0"/>
+                            </a:rPr>
+                          </m:ctrlPr>
+                        </m:sSupPr>
+                        <m:e>
+                          <m:r>
+                            <a:rPr lang="de-DE" i="1">
+                              <a:solidFill>
+                                <a:prstClr val="black"/>
+                              </a:solidFill>
+                              <a:latin typeface="Cambria Math" panose="02040503050406030204" pitchFamily="18" charset="0"/>
+                            </a:rPr>
+                            <m:t>𝑓</m:t>
+                          </m:r>
+                          <m:d>
+                            <m:dPr>
+                              <m:ctrlPr>
+                                <a:rPr lang="en-GB" i="1">
+                                  <a:solidFill>
+                                    <a:prstClr val="black"/>
+                                  </a:solidFill>
+                                  <a:latin typeface="Cambria Math" panose="02040503050406030204" pitchFamily="18" charset="0"/>
+                                </a:rPr>
+                              </m:ctrlPr>
+                            </m:dPr>
+                            <m:e>
+                              <m:r>
+                                <a:rPr lang="de-DE" i="1">
+                                  <a:solidFill>
+                                    <a:prstClr val="black"/>
+                                  </a:solidFill>
+                                  <a:latin typeface="Cambria Math" panose="02040503050406030204" pitchFamily="18" charset="0"/>
+                                </a:rPr>
+                                <m:t>(1,0,0,1)</m:t>
+                              </m:r>
+                              <m:r>
+                                <a:rPr lang="de-DE" i="1">
+                                  <a:solidFill>
+                                    <a:prstClr val="black"/>
+                                  </a:solidFill>
+                                  <a:latin typeface="Cambria Math" panose="02040503050406030204" pitchFamily="18" charset="0"/>
+                                </a:rPr>
+                                <m:t>,</m:t>
+                              </m:r>
+                              <m:r>
+                                <a:rPr lang="de-DE" i="1">
+                                  <a:solidFill>
+                                    <a:prstClr val="black"/>
+                                  </a:solidFill>
+                                  <a:latin typeface="Cambria Math" panose="02040503050406030204" pitchFamily="18" charset="0"/>
+                                </a:rPr>
+                                <m:t>(−1+</m:t>
+                              </m:r>
+                              <m:r>
+                                <a:rPr lang="de-DE" i="1">
+                                  <a:solidFill>
+                                    <a:prstClr val="black"/>
+                                  </a:solidFill>
+                                  <a:latin typeface="Cambria Math" panose="02040503050406030204" pitchFamily="18" charset="0"/>
+                                </a:rPr>
+                                <m:t>𝑖</m:t>
+                              </m:r>
+                              <m:r>
+                                <a:rPr lang="de-DE" i="1">
+                                  <a:solidFill>
+                                    <a:prstClr val="black"/>
+                                  </a:solidFill>
+                                  <a:latin typeface="Cambria Math" panose="02040503050406030204" pitchFamily="18" charset="0"/>
+                                </a:rPr>
+                                <m:t>),4</m:t>
+                              </m:r>
+                            </m:e>
+                          </m:d>
+                        </m:e>
+                        <m:sup>
+                          <m:r>
+                            <a:rPr lang="de-DE" i="1">
+                              <a:solidFill>
+                                <a:prstClr val="black"/>
+                              </a:solidFill>
+                              <a:latin typeface="Cambria Math" panose="02040503050406030204" pitchFamily="18" charset="0"/>
+                            </a:rPr>
+                            <m:t> </m:t>
+                          </m:r>
+                        </m:sup>
+                      </m:sSup>
+                      <m:r>
+                        <a:rPr lang="en-GB" i="1">
+                          <a:solidFill>
+                            <a:prstClr val="black"/>
+                          </a:solidFill>
+                          <a:latin typeface="Cambria Math" panose="02040503050406030204" pitchFamily="18" charset="0"/>
+                        </a:rPr>
+                        <m:t>=</m:t>
+                      </m:r>
+                      <m:r>
+                        <a:rPr lang="de-DE" b="0" i="0" smtClean="0">
+                          <a:solidFill>
+                            <a:prstClr val="black"/>
+                          </a:solidFill>
+                          <a:latin typeface="Cambria Math" panose="02040503050406030204" pitchFamily="18" charset="0"/>
+                        </a:rPr>
+                        <m:t> </m:t>
+                      </m:r>
+                      <m:nary>
+                        <m:naryPr>
+                          <m:chr m:val="∑"/>
+                          <m:ctrlPr>
+                            <a:rPr lang="en-GB" i="1">
+                              <a:solidFill>
+                                <a:prstClr val="black"/>
+                              </a:solidFill>
+                              <a:latin typeface="Cambria Math" panose="02040503050406030204" pitchFamily="18" charset="0"/>
+                            </a:rPr>
+                          </m:ctrlPr>
+                        </m:naryPr>
+                        <m:sub>
+                          <m:r>
+                            <a:rPr lang="de-DE" i="1">
+                              <a:solidFill>
+                                <a:prstClr val="black"/>
+                              </a:solidFill>
+                              <a:latin typeface="Cambria Math" panose="02040503050406030204" pitchFamily="18" charset="0"/>
+                            </a:rPr>
+                            <m:t>𝑧</m:t>
+                          </m:r>
+                          <m:r>
+                            <a:rPr lang="en-GB" i="1">
+                              <a:solidFill>
+                                <a:prstClr val="black"/>
+                              </a:solidFill>
+                              <a:latin typeface="Cambria Math" panose="02040503050406030204" pitchFamily="18" charset="0"/>
+                            </a:rPr>
+                            <m:t>=0</m:t>
+                          </m:r>
+                        </m:sub>
+                        <m:sup>
+                          <m:r>
+                            <a:rPr lang="de-DE" i="1">
+                              <a:solidFill>
+                                <a:prstClr val="black"/>
+                              </a:solidFill>
+                              <a:latin typeface="Cambria Math" panose="02040503050406030204" pitchFamily="18" charset="0"/>
+                            </a:rPr>
+                            <m:t>3</m:t>
+                          </m:r>
+                        </m:sup>
+                        <m:e>
+                          <m:r>
+                            <a:rPr lang="de-DE" i="1">
+                              <a:solidFill>
+                                <a:prstClr val="black"/>
+                              </a:solidFill>
+                              <a:latin typeface="Cambria Math" panose="02040503050406030204" pitchFamily="18" charset="0"/>
+                            </a:rPr>
+                            <m:t>(</m:t>
+                          </m:r>
+                          <m:r>
+                            <a:rPr lang="de-DE" i="1">
+                              <a:solidFill>
+                                <a:prstClr val="black"/>
+                              </a:solidFill>
+                              <a:latin typeface="Cambria Math" panose="02040503050406030204" pitchFamily="18" charset="0"/>
+                            </a:rPr>
+                            <m:t>𝑎𝑖</m:t>
+                          </m:r>
+                          <m:sSup>
+                            <m:sSupPr>
+                              <m:ctrlPr>
+                                <a:rPr lang="en-GB" i="1">
+                                  <a:solidFill>
+                                    <a:prstClr val="black"/>
+                                  </a:solidFill>
+                                  <a:latin typeface="Cambria Math" panose="02040503050406030204" pitchFamily="18" charset="0"/>
+                                </a:rPr>
+                              </m:ctrlPr>
+                            </m:sSupPr>
+                            <m:e>
+                              <m:r>
+                                <a:rPr lang="de-DE" i="1">
+                                  <a:solidFill>
+                                    <a:prstClr val="black"/>
+                                  </a:solidFill>
+                                  <a:latin typeface="Cambria Math" panose="02040503050406030204" pitchFamily="18" charset="0"/>
+                                </a:rPr>
+                                <m:t>∗</m:t>
+                              </m:r>
+                              <m:r>
+                                <a:rPr lang="de-DE" i="1">
+                                  <a:solidFill>
+                                    <a:prstClr val="black"/>
+                                  </a:solidFill>
+                                  <a:latin typeface="Cambria Math" panose="02040503050406030204" pitchFamily="18" charset="0"/>
+                                </a:rPr>
+                                <m:t>(−1+</m:t>
+                              </m:r>
+                              <m:r>
+                                <a:rPr lang="de-DE" i="1">
+                                  <a:solidFill>
+                                    <a:prstClr val="black"/>
+                                  </a:solidFill>
+                                  <a:latin typeface="Cambria Math" panose="02040503050406030204" pitchFamily="18" charset="0"/>
+                                </a:rPr>
+                                <m:t>𝑖</m:t>
+                              </m:r>
+                              <m:r>
+                                <a:rPr lang="de-DE" i="1">
+                                  <a:solidFill>
+                                    <a:prstClr val="black"/>
+                                  </a:solidFill>
+                                  <a:latin typeface="Cambria Math" panose="02040503050406030204" pitchFamily="18" charset="0"/>
+                                </a:rPr>
+                                <m:t>)</m:t>
+                              </m:r>
+                            </m:e>
+                            <m:sup>
+                              <m:r>
+                                <a:rPr lang="de-DE" i="1">
+                                  <a:solidFill>
+                                    <a:prstClr val="black"/>
+                                  </a:solidFill>
+                                  <a:latin typeface="Cambria Math" panose="02040503050406030204" pitchFamily="18" charset="0"/>
+                                </a:rPr>
+                                <m:t>𝑧</m:t>
+                              </m:r>
+                            </m:sup>
+                          </m:sSup>
+                          <m:r>
+                            <a:rPr lang="de-DE" i="1">
+                              <a:solidFill>
+                                <a:prstClr val="black"/>
+                              </a:solidFill>
+                              <a:latin typeface="Cambria Math" panose="02040503050406030204" pitchFamily="18" charset="0"/>
+                            </a:rPr>
+                            <m:t>)</m:t>
+                          </m:r>
+                        </m:e>
+                      </m:nary>
+                    </m:oMath>
+                  </m:oMathPara>
+                </a14:m>
+                <a:endParaRPr lang="de-DE" dirty="0"/>
+              </a:p>
+              <a:p>
+                <a:r>
+                  <a:rPr lang="de-DE" baseline="-25000" dirty="0"/>
+                  <a:t>	</a:t>
+                </a:r>
+                <a:r>
+                  <a:rPr lang="de-DE" dirty="0"/>
+                  <a:t>                       </a:t>
+                </a:r>
+              </a:p>
+              <a:p>
+                <a:r>
+                  <a:rPr lang="de-DE" dirty="0"/>
+                  <a:t> 		         </a:t>
+                </a:r>
+                <a14:m>
+                  <m:oMath xmlns:m="http://schemas.openxmlformats.org/officeDocument/2006/math">
+                    <m:r>
+                      <a:rPr lang="en-GB" i="1" smtClean="0">
+                        <a:latin typeface="Cambria Math" panose="02040503050406030204" pitchFamily="18" charset="0"/>
+                      </a:rPr>
+                      <m:t>=</m:t>
+                    </m:r>
+                    <m:r>
+                      <a:rPr lang="de-DE" b="0" i="0" smtClean="0">
+                        <a:latin typeface="Cambria Math" panose="02040503050406030204" pitchFamily="18" charset="0"/>
+                      </a:rPr>
+                      <m:t>1∗</m:t>
+                    </m:r>
+                    <m:d>
+                      <m:dPr>
+                        <m:ctrlPr>
+                          <a:rPr lang="de-DE" b="0" i="1" smtClean="0">
+                            <a:latin typeface="Cambria Math" panose="02040503050406030204" pitchFamily="18" charset="0"/>
+                          </a:rPr>
+                        </m:ctrlPr>
+                      </m:dPr>
+                      <m:e>
+                        <m:r>
+                          <a:rPr lang="de-DE" b="0" i="0" smtClean="0">
+                            <a:latin typeface="Cambria Math" panose="02040503050406030204" pitchFamily="18" charset="0"/>
+                          </a:rPr>
+                          <m:t>−1+</m:t>
+                        </m:r>
+                        <m:r>
+                          <m:rPr>
+                            <m:sty m:val="p"/>
+                          </m:rPr>
+                          <a:rPr lang="de-DE" b="0" i="0" smtClean="0">
+                            <a:latin typeface="Cambria Math" panose="02040503050406030204" pitchFamily="18" charset="0"/>
+                          </a:rPr>
+                          <m:t>i</m:t>
+                        </m:r>
+                      </m:e>
+                    </m:d>
+                    <m:r>
+                      <a:rPr lang="de-DE" baseline="30000">
+                        <a:latin typeface="Cambria Math" panose="02040503050406030204" pitchFamily="18" charset="0"/>
+                      </a:rPr>
+                      <m:t>0</m:t>
+                    </m:r>
+                    <m:r>
+                      <a:rPr lang="de-DE" b="0" i="0" smtClean="0">
+                        <a:latin typeface="Cambria Math" panose="02040503050406030204" pitchFamily="18" charset="0"/>
+                      </a:rPr>
+                      <m:t>+0</m:t>
+                    </m:r>
+                    <m:r>
+                      <a:rPr lang="de-DE">
+                        <a:latin typeface="Cambria Math" panose="02040503050406030204" pitchFamily="18" charset="0"/>
+                      </a:rPr>
+                      <m:t>∗</m:t>
+                    </m:r>
+                    <m:d>
+                      <m:dPr>
+                        <m:ctrlPr>
+                          <a:rPr lang="de-DE" i="1">
+                            <a:latin typeface="Cambria Math" panose="02040503050406030204" pitchFamily="18" charset="0"/>
+                          </a:rPr>
+                        </m:ctrlPr>
+                      </m:dPr>
+                      <m:e>
+                        <m:r>
+                          <a:rPr lang="de-DE">
+                            <a:latin typeface="Cambria Math" panose="02040503050406030204" pitchFamily="18" charset="0"/>
+                          </a:rPr>
+                          <m:t>−1+</m:t>
+                        </m:r>
+                        <m:r>
+                          <m:rPr>
+                            <m:sty m:val="p"/>
+                          </m:rPr>
+                          <a:rPr lang="de-DE">
+                            <a:latin typeface="Cambria Math" panose="02040503050406030204" pitchFamily="18" charset="0"/>
+                          </a:rPr>
+                          <m:t>i</m:t>
+                        </m:r>
+                      </m:e>
+                    </m:d>
+                    <m:r>
+                      <a:rPr lang="de-DE" b="0" i="0" baseline="30000" smtClean="0">
+                        <a:latin typeface="Cambria Math" panose="02040503050406030204" pitchFamily="18" charset="0"/>
+                      </a:rPr>
+                      <m:t>1</m:t>
+                    </m:r>
+                    <m:r>
+                      <a:rPr lang="de-DE">
+                        <a:latin typeface="Cambria Math" panose="02040503050406030204" pitchFamily="18" charset="0"/>
+                      </a:rPr>
+                      <m:t>+</m:t>
+                    </m:r>
+                    <m:r>
+                      <a:rPr lang="de-DE" b="0" i="0" smtClean="0">
+                        <a:latin typeface="Cambria Math" panose="02040503050406030204" pitchFamily="18" charset="0"/>
+                      </a:rPr>
+                      <m:t>0</m:t>
+                    </m:r>
+                    <m:r>
+                      <a:rPr lang="de-DE">
+                        <a:latin typeface="Cambria Math" panose="02040503050406030204" pitchFamily="18" charset="0"/>
+                      </a:rPr>
+                      <m:t>∗</m:t>
+                    </m:r>
+                    <m:d>
+                      <m:dPr>
+                        <m:ctrlPr>
+                          <a:rPr lang="de-DE" i="1">
+                            <a:latin typeface="Cambria Math" panose="02040503050406030204" pitchFamily="18" charset="0"/>
+                          </a:rPr>
+                        </m:ctrlPr>
+                      </m:dPr>
+                      <m:e>
+                        <m:r>
+                          <a:rPr lang="de-DE">
+                            <a:latin typeface="Cambria Math" panose="02040503050406030204" pitchFamily="18" charset="0"/>
+                          </a:rPr>
+                          <m:t>−1+</m:t>
+                        </m:r>
+                        <m:r>
+                          <m:rPr>
+                            <m:sty m:val="p"/>
+                          </m:rPr>
+                          <a:rPr lang="de-DE">
+                            <a:latin typeface="Cambria Math" panose="02040503050406030204" pitchFamily="18" charset="0"/>
+                          </a:rPr>
+                          <m:t>i</m:t>
+                        </m:r>
+                      </m:e>
+                    </m:d>
+                    <m:r>
+                      <a:rPr lang="de-DE" b="0" i="0" baseline="30000" smtClean="0">
+                        <a:latin typeface="Cambria Math" panose="02040503050406030204" pitchFamily="18" charset="0"/>
+                      </a:rPr>
+                      <m:t>2</m:t>
+                    </m:r>
+                    <m:r>
+                      <a:rPr lang="de-DE">
+                        <a:latin typeface="Cambria Math" panose="02040503050406030204" pitchFamily="18" charset="0"/>
+                      </a:rPr>
+                      <m:t>+1∗</m:t>
+                    </m:r>
+                    <m:d>
+                      <m:dPr>
+                        <m:ctrlPr>
+                          <a:rPr lang="de-DE" i="1">
+                            <a:latin typeface="Cambria Math" panose="02040503050406030204" pitchFamily="18" charset="0"/>
+                          </a:rPr>
+                        </m:ctrlPr>
+                      </m:dPr>
+                      <m:e>
+                        <m:r>
+                          <a:rPr lang="de-DE">
+                            <a:latin typeface="Cambria Math" panose="02040503050406030204" pitchFamily="18" charset="0"/>
+                          </a:rPr>
+                          <m:t>−1+</m:t>
+                        </m:r>
+                        <m:r>
+                          <m:rPr>
+                            <m:sty m:val="p"/>
+                          </m:rPr>
+                          <a:rPr lang="de-DE">
+                            <a:latin typeface="Cambria Math" panose="02040503050406030204" pitchFamily="18" charset="0"/>
+                          </a:rPr>
+                          <m:t>i</m:t>
+                        </m:r>
+                      </m:e>
+                    </m:d>
+                    <m:r>
+                      <a:rPr lang="de-DE" b="0" i="0" baseline="30000" smtClean="0">
+                        <a:latin typeface="Cambria Math" panose="02040503050406030204" pitchFamily="18" charset="0"/>
+                      </a:rPr>
+                      <m:t>3</m:t>
+                    </m:r>
+                  </m:oMath>
+                </a14:m>
+                <a:endParaRPr lang="de-DE" baseline="30000" dirty="0">
+                  <a:latin typeface="Cambria Math" panose="02040503050406030204" pitchFamily="18" charset="0"/>
+                </a:endParaRPr>
+              </a:p>
+              <a:p>
+                <a:r>
+                  <a:rPr lang="en-GB" dirty="0"/>
+                  <a:t>                                         </a:t>
+                </a:r>
+                <a14:m>
+                  <m:oMath xmlns:m="http://schemas.openxmlformats.org/officeDocument/2006/math">
+                    <m:r>
+                      <a:rPr lang="en-GB" i="1" smtClean="0">
+                        <a:latin typeface="Cambria Math" panose="02040503050406030204" pitchFamily="18" charset="0"/>
+                      </a:rPr>
+                      <m:t>=</m:t>
+                    </m:r>
+                    <m:r>
+                      <a:rPr lang="de-DE" b="0" i="1" dirty="0" smtClean="0">
+                        <a:latin typeface="Cambria Math" panose="02040503050406030204" pitchFamily="18" charset="0"/>
+                      </a:rPr>
+                      <m:t>3+2 </m:t>
+                    </m:r>
+                    <m:r>
+                      <a:rPr lang="de-DE" b="0" i="1" dirty="0" smtClean="0">
+                        <a:latin typeface="Cambria Math" panose="02040503050406030204" pitchFamily="18" charset="0"/>
+                      </a:rPr>
+                      <m:t>𝑖</m:t>
+                    </m:r>
+                  </m:oMath>
+                </a14:m>
+                <a:r>
+                  <a:rPr lang="de-DE" dirty="0"/>
+                  <a:t>        </a:t>
+                </a:r>
+                <a:endParaRPr dirty="0"/>
+              </a:p>
+            </p:txBody>
+          </p:sp>
+        </mc:Choice>
+        <mc:Fallback>
+          <p:sp>
+            <p:nvSpPr>
+              <p:cNvPr id="2" name="Inhaltsplatzhalter 1"/>
+              <p:cNvSpPr>
+                <a:spLocks noGrp="1" noRot="1" noChangeAspect="1" noMove="1" noResize="1" noEditPoints="1" noAdjustHandles="1" noChangeArrowheads="1" noChangeShapeType="1" noTextEdit="1"/>
+              </p:cNvSpPr>
+              <p:nvPr>
+                <p:ph idx="1"/>
+              </p:nvPr>
+            </p:nvSpPr>
+            <p:spPr>
+              <a:blipFill>
+                <a:blip r:embed="rId3"/>
+                <a:stretch>
+                  <a:fillRect l="-1339" t="-3235" b="-5391"/>
+                </a:stretch>
+              </a:blipFill>
+            </p:spPr>
+            <p:txBody>
+              <a:bodyPr/>
+              <a:lstStyle/>
+              <a:p>
+                <a:r>
+                  <a:rPr lang="en-DE">
+                    <a:noFill/>
+                  </a:rPr>
+                  <a:t> </a:t>
+                </a:r>
+              </a:p>
+            </p:txBody>
+          </p:sp>
+        </mc:Fallback>
+      </mc:AlternateContent>
       <p:sp>
         <p:nvSpPr>
           <p:cNvPr id="4" name="Foliennummernplatzhalter 3"/>
@@ -10614,7 +15476,7 @@
         <p:spPr>
           <a:xfrm>
             <a:off x="319090" y="994334"/>
-            <a:ext cx="8508999" cy="1641475"/>
+            <a:ext cx="8508999" cy="410369"/>
           </a:xfrm>
           <a:prstGeom prst="rect">
             <a:avLst/>
@@ -10625,43 +15487,9 @@
           <a:lstStyle/>
           <a:p>
             <a:r>
-              <a:rPr lang="en-GB" sz="3000" dirty="0" err="1"/>
-              <a:t>Umrechnung</a:t>
+              <a:rPr lang="en-GB" sz="2800" dirty="0"/>
+              <a:t>Zahlen in der komplexen Basis</a:t>
             </a:r>
-            <a:r>
-              <a:rPr lang="en-GB" sz="3000" dirty="0"/>
-              <a:t> von </a:t>
-            </a:r>
-            <a:r>
-              <a:rPr lang="en-GB" sz="3000" dirty="0" err="1"/>
-              <a:t>Zahlen</a:t>
-            </a:r>
-            <a:r>
-              <a:rPr lang="en-GB" sz="3000" dirty="0"/>
-              <a:t> in </a:t>
-            </a:r>
-            <a:r>
-              <a:rPr lang="en-GB" sz="3000" dirty="0" err="1"/>
-              <a:t>unterschiedlichen</a:t>
-            </a:r>
-            <a:r>
-              <a:rPr lang="en-GB" sz="3000" dirty="0"/>
-              <a:t> </a:t>
-            </a:r>
-            <a:r>
-              <a:rPr lang="en-GB" sz="3000" dirty="0" err="1"/>
-              <a:t>Basen</a:t>
-            </a:r>
-            <a:r>
-              <a:rPr lang="en-GB" sz="3000" dirty="0"/>
-              <a:t> </a:t>
-            </a:r>
-            <a:br>
-              <a:rPr lang="en-GB" sz="3000" dirty="0"/>
-            </a:br>
-            <a:br>
-              <a:rPr lang="en-GB" sz="3000" dirty="0"/>
-            </a:br>
             <a:endParaRPr lang="en-GB" sz="3000" dirty="0"/>
           </a:p>
         </p:txBody>
@@ -10693,12 +15521,12 @@
       </p:grpSpPr>
       <p:sp>
         <p:nvSpPr>
-          <p:cNvPr id="2" name="Inhaltsplatzhalter 1"/>
+          <p:cNvPr id="5" name="Titel 4"/>
           <p:cNvSpPr>
             <a:spLocks noGrp="1"/>
           </p:cNvSpPr>
           <p:nvPr>
-            <p:ph idx="1"/>
+            <p:ph type="title"/>
           </p:nvPr>
         </p:nvSpPr>
         <p:spPr/>
@@ -10706,18 +15534,21 @@
           <a:bodyPr/>
           <a:lstStyle/>
           <a:p>
-            <a:endParaRPr dirty="0"/>
-          </a:p>
-        </p:txBody>
-      </p:sp>
-      <p:sp>
-        <p:nvSpPr>
-          <p:cNvPr id="4" name="Foliennummernplatzhalter 3"/>
+            <a:r>
+              <a:rPr lang="de-DE" dirty="0"/>
+              <a:t>Implementierung der Basisumwandlung Funktionen</a:t>
+            </a:r>
+          </a:p>
+        </p:txBody>
+      </p:sp>
+      <p:sp>
+        <p:nvSpPr>
+          <p:cNvPr id="3" name="Inhaltsplatzhalter 2"/>
           <p:cNvSpPr>
             <a:spLocks noGrp="1"/>
           </p:cNvSpPr>
           <p:nvPr>
-            <p:ph type="sldNum" sz="quarter" idx="11"/>
+            <p:ph idx="10"/>
           </p:nvPr>
         </p:nvSpPr>
         <p:spPr/>
@@ -10725,94 +15556,19 @@
           <a:bodyPr/>
           <a:lstStyle/>
           <a:p>
-            <a:fld id="{CE58CB1E-F828-4F11-99E0-327109AF9DA4}" type="slidenum">
-              <a:rPr lang="de-DE" smtClean="0"/>
-              <a:pPr/>
-              <a:t>8</a:t>
-            </a:fld>
-            <a:endParaRPr lang="de-DE" dirty="0"/>
-          </a:p>
-        </p:txBody>
-      </p:sp>
-      <p:sp>
-        <p:nvSpPr>
-          <p:cNvPr id="6" name="Fußzeilenplatzhalter 4"/>
-          <p:cNvSpPr>
-            <a:spLocks noGrp="1"/>
-          </p:cNvSpPr>
-          <p:nvPr>
-            <p:ph type="ftr" sz="quarter" idx="12"/>
-          </p:nvPr>
-        </p:nvSpPr>
-        <p:spPr/>
-        <p:txBody>
-          <a:bodyPr/>
-          <a:lstStyle/>
-          <a:p>
             <a:r>
               <a:rPr lang="de-DE" dirty="0"/>
-              <a:t>Alireza Kamalidehghan, Mostafa Nejati Hatamian, Sina Mozaffari Tabar | GRA</a:t>
-            </a:r>
-            <a:endParaRPr lang="en-US" dirty="0"/>
-          </a:p>
-        </p:txBody>
-      </p:sp>
-      <p:sp>
-        <p:nvSpPr>
-          <p:cNvPr id="3" name="Titel 2"/>
-          <p:cNvSpPr>
-            <a:spLocks noGrp="1"/>
-          </p:cNvSpPr>
-          <p:nvPr>
-            <p:ph type="title"/>
-          </p:nvPr>
-        </p:nvSpPr>
-        <p:spPr>
-          <a:xfrm>
-            <a:off x="319090" y="994334"/>
-            <a:ext cx="8508999" cy="820738"/>
-          </a:xfrm>
-          <a:prstGeom prst="rect">
-            <a:avLst/>
-          </a:prstGeom>
-        </p:spPr>
-        <p:txBody>
-          <a:bodyPr/>
-          <a:lstStyle/>
-          <a:p>
-            <a:r>
-              <a:rPr lang="en-GB" sz="3000" dirty="0" err="1"/>
-              <a:t>Komplexe</a:t>
-            </a:r>
-            <a:r>
-              <a:rPr lang="en-GB" sz="3000" dirty="0"/>
               <a:t> </a:t>
             </a:r>
-            <a:r>
-              <a:rPr lang="en-GB" sz="3000" dirty="0" err="1"/>
-              <a:t>Zahlen</a:t>
-            </a:r>
-            <a:r>
-              <a:rPr lang="en-GB" sz="3000" dirty="0"/>
-              <a:t> in der Basis von </a:t>
-            </a:r>
-            <a:r>
-              <a:rPr lang="en-GB" sz="3000" dirty="0" err="1"/>
-              <a:t>komplexen</a:t>
-            </a:r>
-            <a:r>
-              <a:rPr lang="en-GB" sz="3000" dirty="0"/>
-              <a:t> </a:t>
-            </a:r>
-            <a:r>
-              <a:rPr lang="en-GB" sz="3000" dirty="0" err="1"/>
-              <a:t>Zahlen</a:t>
-            </a:r>
-            <a:endParaRPr lang="de-DE" dirty="0"/>
           </a:p>
         </p:txBody>
       </p:sp>
     </p:spTree>
+    <p:extLst>
+      <p:ext uri="{BB962C8B-B14F-4D97-AF65-F5344CB8AC3E}">
+        <p14:creationId xmlns:p14="http://schemas.microsoft.com/office/powerpoint/2010/main" val="1999631903"/>
+      </p:ext>
+    </p:extLst>
   </p:cSld>
   <p:clrMapOvr>
     <a:masterClrMapping/>
@@ -10913,20 +15669,29 @@
             <p:ph type="title"/>
           </p:nvPr>
         </p:nvSpPr>
-        <p:spPr/>
+        <p:spPr>
+          <a:xfrm>
+            <a:off x="319090" y="994334"/>
+            <a:ext cx="8508999" cy="410369"/>
+          </a:xfrm>
+        </p:spPr>
         <p:txBody>
           <a:bodyPr/>
           <a:lstStyle/>
           <a:p>
             <a:r>
-              <a:rPr lang="en-GB" sz="3200" dirty="0" err="1"/>
-              <a:t>Implementierungsmöglichkeiten</a:t>
+              <a:rPr lang="en-GB" sz="3200" dirty="0"/>
+              <a:t>to_carthesian Methode - Variante I</a:t>
             </a:r>
-            <a:endParaRPr lang="en-GB" sz="3200" dirty="0"/>
           </a:p>
         </p:txBody>
       </p:sp>
     </p:spTree>
+    <p:extLst>
+      <p:ext uri="{BB962C8B-B14F-4D97-AF65-F5344CB8AC3E}">
+        <p14:creationId xmlns:p14="http://schemas.microsoft.com/office/powerpoint/2010/main" val="2930270274"/>
+      </p:ext>
+    </p:extLst>
   </p:cSld>
   <p:clrMapOvr>
     <a:masterClrMapping/>

--- a/Vortrag/Vortrag.pptx
+++ b/Vortrag/Vortrag.pptx
@@ -10,10 +10,10 @@
     <p:sldMasterId id="2147483697" r:id="rId6"/>
   </p:sldMasterIdLst>
   <p:notesMasterIdLst>
-    <p:notesMasterId r:id="rId23"/>
+    <p:notesMasterId r:id="rId24"/>
   </p:notesMasterIdLst>
   <p:handoutMasterIdLst>
-    <p:handoutMasterId r:id="rId24"/>
+    <p:handoutMasterId r:id="rId25"/>
   </p:handoutMasterIdLst>
   <p:sldIdLst>
     <p:sldId id="355" r:id="rId7"/>
@@ -24,14 +24,15 @@
     <p:sldId id="394" r:id="rId12"/>
     <p:sldId id="372" r:id="rId13"/>
     <p:sldId id="402" r:id="rId14"/>
-    <p:sldId id="396" r:id="rId15"/>
-    <p:sldId id="397" r:id="rId16"/>
-    <p:sldId id="406" r:id="rId17"/>
-    <p:sldId id="356" r:id="rId18"/>
-    <p:sldId id="398" r:id="rId19"/>
-    <p:sldId id="404" r:id="rId20"/>
-    <p:sldId id="399" r:id="rId21"/>
-    <p:sldId id="405" r:id="rId22"/>
+    <p:sldId id="406" r:id="rId15"/>
+    <p:sldId id="396" r:id="rId16"/>
+    <p:sldId id="408" r:id="rId17"/>
+    <p:sldId id="397" r:id="rId18"/>
+    <p:sldId id="407" r:id="rId19"/>
+    <p:sldId id="409" r:id="rId20"/>
+    <p:sldId id="356" r:id="rId21"/>
+    <p:sldId id="398" r:id="rId22"/>
+    <p:sldId id="405" r:id="rId23"/>
   </p:sldIdLst>
   <p:sldSz cx="9144000" cy="6858000" type="screen4x3"/>
   <p:notesSz cx="9925050" cy="6665913"/>
@@ -161,6 +162,35 @@
     </a:lvl9pPr>
   </p:defaultTextStyle>
   <p:extLst>
+    <p:ext uri="{521415D9-36F7-43E2-AB2F-B90AF26B5E84}">
+      <p14:sectionLst xmlns:p14="http://schemas.microsoft.com/office/powerpoint/2010/main">
+        <p14:section name="Default Section" id="{D9079DB9-40A9-A844-9686-E75B17B2E7A2}">
+          <p14:sldIdLst>
+            <p14:sldId id="355"/>
+            <p14:sldId id="400"/>
+            <p14:sldId id="357"/>
+            <p14:sldId id="369"/>
+            <p14:sldId id="401"/>
+            <p14:sldId id="394"/>
+            <p14:sldId id="372"/>
+            <p14:sldId id="402"/>
+            <p14:sldId id="406"/>
+            <p14:sldId id="396"/>
+            <p14:sldId id="408"/>
+            <p14:sldId id="397"/>
+            <p14:sldId id="407"/>
+          </p14:sldIdLst>
+        </p14:section>
+        <p14:section name="Untitled Section" id="{704433EC-5FF4-4843-AFA1-F67521972202}">
+          <p14:sldIdLst>
+            <p14:sldId id="409"/>
+            <p14:sldId id="356"/>
+            <p14:sldId id="398"/>
+            <p14:sldId id="405"/>
+          </p14:sldIdLst>
+        </p14:section>
+      </p14:sectionLst>
+    </p:ext>
     <p:ext uri="{EFAFB233-063F-42B5-8137-9DF3F51BA10A}">
       <p15:sldGuideLst xmlns:p15="http://schemas.microsoft.com/office/powerpoint/2012/main">
         <p15:guide id="1" orient="horz" pos="2160">
@@ -196,7 +226,7 @@
 <file path=ppt/revisionInfo.xml><?xml version="1.0" encoding="utf-8"?>
 <p1510:revInfo xmlns:a="http://schemas.openxmlformats.org/drawingml/2006/main" xmlns:r="http://schemas.openxmlformats.org/officeDocument/2006/relationships" xmlns:p1510="http://schemas.microsoft.com/office/powerpoint/2015/10/main">
   <p1510:revLst>
-    <p1510:client id="{3D536764-66A9-B04F-9AAB-13C3AF9C4CEE}" v="428" dt="2023-07-16T13:59:21.196"/>
+    <p1510:client id="{3D536764-66A9-B04F-9AAB-13C3AF9C4CEE}" v="1258" dt="2023-07-16T19:12:40.763"/>
   </p1510:revLst>
 </p1510:revInfo>
 </file>
@@ -205,8 +235,8 @@
 <pc:chgInfo xmlns:a="http://schemas.openxmlformats.org/drawingml/2006/main" xmlns:r="http://schemas.openxmlformats.org/officeDocument/2006/relationships" xmlns:ac="http://schemas.microsoft.com/office/drawing/2013/main/command" xmlns:pc="http://schemas.microsoft.com/office/powerpoint/2013/main/command">
   <pc:docChgLst>
     <pc:chgData name="Sina Mozaffari Tabar" userId="14d718dd-5b00-47ec-acbf-d1614b32d7c9" providerId="ADAL" clId="{3D536764-66A9-B04F-9AAB-13C3AF9C4CEE}"/>
-    <pc:docChg chg="undo custSel addSld delSld modSld sldOrd">
-      <pc:chgData name="Sina Mozaffari Tabar" userId="14d718dd-5b00-47ec-acbf-d1614b32d7c9" providerId="ADAL" clId="{3D536764-66A9-B04F-9AAB-13C3AF9C4CEE}" dt="2023-07-16T14:00:34.480" v="979" actId="20577"/>
+    <pc:docChg chg="undo redo custSel addSld delSld modSld sldOrd addSection modSection">
+      <pc:chgData name="Sina Mozaffari Tabar" userId="14d718dd-5b00-47ec-acbf-d1614b32d7c9" providerId="ADAL" clId="{3D536764-66A9-B04F-9AAB-13C3AF9C4CEE}" dt="2023-07-16T19:30:57.502" v="2508" actId="20577"/>
       <pc:docMkLst>
         <pc:docMk/>
       </pc:docMkLst>
@@ -249,13 +279,13 @@
         </pc:spChg>
       </pc:sldChg>
       <pc:sldChg chg="modSp mod">
-        <pc:chgData name="Sina Mozaffari Tabar" userId="14d718dd-5b00-47ec-acbf-d1614b32d7c9" providerId="ADAL" clId="{3D536764-66A9-B04F-9AAB-13C3AF9C4CEE}" dt="2023-07-16T13:51:45.778" v="926" actId="255"/>
+        <pc:chgData name="Sina Mozaffari Tabar" userId="14d718dd-5b00-47ec-acbf-d1614b32d7c9" providerId="ADAL" clId="{3D536764-66A9-B04F-9AAB-13C3AF9C4CEE}" dt="2023-07-16T19:30:57.502" v="2508" actId="20577"/>
         <pc:sldMkLst>
           <pc:docMk/>
           <pc:sldMk cId="0" sldId="369"/>
         </pc:sldMkLst>
         <pc:spChg chg="mod">
-          <ac:chgData name="Sina Mozaffari Tabar" userId="14d718dd-5b00-47ec-acbf-d1614b32d7c9" providerId="ADAL" clId="{3D536764-66A9-B04F-9AAB-13C3AF9C4CEE}" dt="2023-07-16T13:51:45.778" v="926" actId="255"/>
+          <ac:chgData name="Sina Mozaffari Tabar" userId="14d718dd-5b00-47ec-acbf-d1614b32d7c9" providerId="ADAL" clId="{3D536764-66A9-B04F-9AAB-13C3AF9C4CEE}" dt="2023-07-16T19:30:57.502" v="2508" actId="20577"/>
           <ac:spMkLst>
             <pc:docMk/>
             <pc:sldMk cId="0" sldId="369"/>
@@ -264,13 +294,13 @@
         </pc:spChg>
       </pc:sldChg>
       <pc:sldChg chg="modSp mod">
-        <pc:chgData name="Sina Mozaffari Tabar" userId="14d718dd-5b00-47ec-acbf-d1614b32d7c9" providerId="ADAL" clId="{3D536764-66A9-B04F-9AAB-13C3AF9C4CEE}" dt="2023-07-16T12:32:59.004" v="341" actId="20577"/>
+        <pc:chgData name="Sina Mozaffari Tabar" userId="14d718dd-5b00-47ec-acbf-d1614b32d7c9" providerId="ADAL" clId="{3D536764-66A9-B04F-9AAB-13C3AF9C4CEE}" dt="2023-07-16T18:06:42.166" v="1763" actId="58"/>
         <pc:sldMkLst>
           <pc:docMk/>
           <pc:sldMk cId="0" sldId="372"/>
         </pc:sldMkLst>
         <pc:spChg chg="mod">
-          <ac:chgData name="Sina Mozaffari Tabar" userId="14d718dd-5b00-47ec-acbf-d1614b32d7c9" providerId="ADAL" clId="{3D536764-66A9-B04F-9AAB-13C3AF9C4CEE}" dt="2023-07-16T12:32:59.004" v="341" actId="20577"/>
+          <ac:chgData name="Sina Mozaffari Tabar" userId="14d718dd-5b00-47ec-acbf-d1614b32d7c9" providerId="ADAL" clId="{3D536764-66A9-B04F-9AAB-13C3AF9C4CEE}" dt="2023-07-16T18:06:42.166" v="1763" actId="58"/>
           <ac:spMkLst>
             <pc:docMk/>
             <pc:sldMk cId="0" sldId="372"/>
@@ -279,13 +309,13 @@
         </pc:spChg>
       </pc:sldChg>
       <pc:sldChg chg="modSp mod">
-        <pc:chgData name="Sina Mozaffari Tabar" userId="14d718dd-5b00-47ec-acbf-d1614b32d7c9" providerId="ADAL" clId="{3D536764-66A9-B04F-9AAB-13C3AF9C4CEE}" dt="2023-07-16T13:52:27.504" v="930" actId="255"/>
+        <pc:chgData name="Sina Mozaffari Tabar" userId="14d718dd-5b00-47ec-acbf-d1614b32d7c9" providerId="ADAL" clId="{3D536764-66A9-B04F-9AAB-13C3AF9C4CEE}" dt="2023-07-16T18:07:03.809" v="1766" actId="20577"/>
         <pc:sldMkLst>
           <pc:docMk/>
           <pc:sldMk cId="0" sldId="394"/>
         </pc:sldMkLst>
         <pc:spChg chg="mod">
-          <ac:chgData name="Sina Mozaffari Tabar" userId="14d718dd-5b00-47ec-acbf-d1614b32d7c9" providerId="ADAL" clId="{3D536764-66A9-B04F-9AAB-13C3AF9C4CEE}" dt="2023-07-16T13:52:27.504" v="930" actId="255"/>
+          <ac:chgData name="Sina Mozaffari Tabar" userId="14d718dd-5b00-47ec-acbf-d1614b32d7c9" providerId="ADAL" clId="{3D536764-66A9-B04F-9AAB-13C3AF9C4CEE}" dt="2023-07-16T18:07:03.809" v="1766" actId="20577"/>
           <ac:spMkLst>
             <pc:docMk/>
             <pc:sldMk cId="0" sldId="394"/>
@@ -293,18 +323,65 @@
           </ac:spMkLst>
         </pc:spChg>
       </pc:sldChg>
-      <pc:sldChg chg="modSp modTransition">
-        <pc:chgData name="Sina Mozaffari Tabar" userId="14d718dd-5b00-47ec-acbf-d1614b32d7c9" providerId="ADAL" clId="{3D536764-66A9-B04F-9AAB-13C3AF9C4CEE}" dt="2023-07-16T13:58:46.108" v="966"/>
+      <pc:sldChg chg="addSp delSp modSp mod ord">
+        <pc:chgData name="Sina Mozaffari Tabar" userId="14d718dd-5b00-47ec-acbf-d1614b32d7c9" providerId="ADAL" clId="{3D536764-66A9-B04F-9AAB-13C3AF9C4CEE}" dt="2023-07-16T18:09:37.034" v="1794" actId="2711"/>
+        <pc:sldMkLst>
+          <pc:docMk/>
+          <pc:sldMk cId="2930270274" sldId="396"/>
+        </pc:sldMkLst>
+        <pc:spChg chg="mod">
+          <ac:chgData name="Sina Mozaffari Tabar" userId="14d718dd-5b00-47ec-acbf-d1614b32d7c9" providerId="ADAL" clId="{3D536764-66A9-B04F-9AAB-13C3AF9C4CEE}" dt="2023-07-16T18:09:37.034" v="1794" actId="2711"/>
+          <ac:spMkLst>
+            <pc:docMk/>
+            <pc:sldMk cId="2930270274" sldId="396"/>
+            <ac:spMk id="2" creationId="{00000000-0000-0000-0000-000000000000}"/>
+          </ac:spMkLst>
+        </pc:spChg>
+        <pc:spChg chg="mod">
+          <ac:chgData name="Sina Mozaffari Tabar" userId="14d718dd-5b00-47ec-acbf-d1614b32d7c9" providerId="ADAL" clId="{3D536764-66A9-B04F-9AAB-13C3AF9C4CEE}" dt="2023-07-16T17:23:56.015" v="1584" actId="20577"/>
+          <ac:spMkLst>
+            <pc:docMk/>
+            <pc:sldMk cId="2930270274" sldId="396"/>
+            <ac:spMk id="3" creationId="{00000000-0000-0000-0000-000000000000}"/>
+          </ac:spMkLst>
+        </pc:spChg>
+        <pc:spChg chg="del mod">
+          <ac:chgData name="Sina Mozaffari Tabar" userId="14d718dd-5b00-47ec-acbf-d1614b32d7c9" providerId="ADAL" clId="{3D536764-66A9-B04F-9AAB-13C3AF9C4CEE}" dt="2023-07-16T18:08:44.774" v="1781" actId="21"/>
+          <ac:spMkLst>
+            <pc:docMk/>
+            <pc:sldMk cId="2930270274" sldId="396"/>
+            <ac:spMk id="5" creationId="{00000000-0000-0000-0000-000000000000}"/>
+          </ac:spMkLst>
+        </pc:spChg>
+        <pc:spChg chg="add mod">
+          <ac:chgData name="Sina Mozaffari Tabar" userId="14d718dd-5b00-47ec-acbf-d1614b32d7c9" providerId="ADAL" clId="{3D536764-66A9-B04F-9AAB-13C3AF9C4CEE}" dt="2023-07-16T18:08:48.435" v="1790"/>
+          <ac:spMkLst>
+            <pc:docMk/>
+            <pc:sldMk cId="2930270274" sldId="396"/>
+            <ac:spMk id="6" creationId="{B61E1492-0E7C-B5C9-3923-257CF7617E53}"/>
+          </ac:spMkLst>
+        </pc:spChg>
+      </pc:sldChg>
+      <pc:sldChg chg="modSp mod ord modTransition">
+        <pc:chgData name="Sina Mozaffari Tabar" userId="14d718dd-5b00-47ec-acbf-d1614b32d7c9" providerId="ADAL" clId="{3D536764-66A9-B04F-9AAB-13C3AF9C4CEE}" dt="2023-07-16T18:10:03.527" v="1796" actId="1076"/>
         <pc:sldMkLst>
           <pc:docMk/>
           <pc:sldMk cId="1797160595" sldId="397"/>
         </pc:sldMkLst>
         <pc:spChg chg="mod">
-          <ac:chgData name="Sina Mozaffari Tabar" userId="14d718dd-5b00-47ec-acbf-d1614b32d7c9" providerId="ADAL" clId="{3D536764-66A9-B04F-9AAB-13C3AF9C4CEE}" dt="2023-07-16T13:03:29.469" v="468" actId="2710"/>
+          <ac:chgData name="Sina Mozaffari Tabar" userId="14d718dd-5b00-47ec-acbf-d1614b32d7c9" providerId="ADAL" clId="{3D536764-66A9-B04F-9AAB-13C3AF9C4CEE}" dt="2023-07-16T18:10:03.527" v="1796" actId="1076"/>
           <ac:spMkLst>
             <pc:docMk/>
             <pc:sldMk cId="1797160595" sldId="397"/>
             <ac:spMk id="2" creationId="{00000000-0000-0000-0000-000000000000}"/>
+          </ac:spMkLst>
+        </pc:spChg>
+        <pc:spChg chg="mod">
+          <ac:chgData name="Sina Mozaffari Tabar" userId="14d718dd-5b00-47ec-acbf-d1614b32d7c9" providerId="ADAL" clId="{3D536764-66A9-B04F-9AAB-13C3AF9C4CEE}" dt="2023-07-16T17:23:48.557" v="1583" actId="20577"/>
+          <ac:spMkLst>
+            <pc:docMk/>
+            <pc:sldMk cId="1797160595" sldId="397"/>
+            <ac:spMk id="3" creationId="{00000000-0000-0000-0000-000000000000}"/>
           </ac:spMkLst>
         </pc:spChg>
       </pc:sldChg>
@@ -547,6 +624,21 @@
           </ac:picMkLst>
         </pc:picChg>
       </pc:sldChg>
+      <pc:sldChg chg="modSp del mod">
+        <pc:chgData name="Sina Mozaffari Tabar" userId="14d718dd-5b00-47ec-acbf-d1614b32d7c9" providerId="ADAL" clId="{3D536764-66A9-B04F-9AAB-13C3AF9C4CEE}" dt="2023-07-16T19:30:34.379" v="2505" actId="2696"/>
+        <pc:sldMkLst>
+          <pc:docMk/>
+          <pc:sldMk cId="2291526468" sldId="399"/>
+        </pc:sldMkLst>
+        <pc:spChg chg="mod">
+          <ac:chgData name="Sina Mozaffari Tabar" userId="14d718dd-5b00-47ec-acbf-d1614b32d7c9" providerId="ADAL" clId="{3D536764-66A9-B04F-9AAB-13C3AF9C4CEE}" dt="2023-07-16T19:30:21.249" v="2504" actId="1076"/>
+          <ac:spMkLst>
+            <pc:docMk/>
+            <pc:sldMk cId="2291526468" sldId="399"/>
+            <ac:spMk id="3" creationId="{00000000-0000-0000-0000-000000000000}"/>
+          </ac:spMkLst>
+        </pc:spChg>
+      </pc:sldChg>
       <pc:sldChg chg="add del ord">
         <pc:chgData name="Sina Mozaffari Tabar" userId="14d718dd-5b00-47ec-acbf-d1614b32d7c9" providerId="ADAL" clId="{3D536764-66A9-B04F-9AAB-13C3AF9C4CEE}" dt="2023-07-16T13:38:34.970" v="736" actId="2696"/>
         <pc:sldMkLst>
@@ -554,8 +646,8 @@
           <pc:sldMk cId="1484646280" sldId="403"/>
         </pc:sldMkLst>
       </pc:sldChg>
-      <pc:sldChg chg="modSp add mod ord">
-        <pc:chgData name="Sina Mozaffari Tabar" userId="14d718dd-5b00-47ec-acbf-d1614b32d7c9" providerId="ADAL" clId="{3D536764-66A9-B04F-9AAB-13C3AF9C4CEE}" dt="2023-07-16T13:38:01.080" v="735"/>
+      <pc:sldChg chg="modSp add del mod ord">
+        <pc:chgData name="Sina Mozaffari Tabar" userId="14d718dd-5b00-47ec-acbf-d1614b32d7c9" providerId="ADAL" clId="{3D536764-66A9-B04F-9AAB-13C3AF9C4CEE}" dt="2023-07-16T19:30:42.792" v="2506" actId="2696"/>
         <pc:sldMkLst>
           <pc:docMk/>
           <pc:sldMk cId="696854313" sldId="404"/>
@@ -570,7 +662,7 @@
         </pc:spChg>
       </pc:sldChg>
       <pc:sldChg chg="addSp delSp modSp add mod modTransition">
-        <pc:chgData name="Sina Mozaffari Tabar" userId="14d718dd-5b00-47ec-acbf-d1614b32d7c9" providerId="ADAL" clId="{3D536764-66A9-B04F-9AAB-13C3AF9C4CEE}" dt="2023-07-16T13:59:43.974" v="974" actId="207"/>
+        <pc:chgData name="Sina Mozaffari Tabar" userId="14d718dd-5b00-47ec-acbf-d1614b32d7c9" providerId="ADAL" clId="{3D536764-66A9-B04F-9AAB-13C3AF9C4CEE}" dt="2023-07-16T19:16:54.114" v="2503" actId="20577"/>
         <pc:sldMkLst>
           <pc:docMk/>
           <pc:sldMk cId="2736234351" sldId="405"/>
@@ -600,7 +692,7 @@
           </ac:spMkLst>
         </pc:spChg>
         <pc:spChg chg="add del mod">
-          <ac:chgData name="Sina Mozaffari Tabar" userId="14d718dd-5b00-47ec-acbf-d1614b32d7c9" providerId="ADAL" clId="{3D536764-66A9-B04F-9AAB-13C3AF9C4CEE}" dt="2023-07-16T13:59:43.974" v="974" actId="207"/>
+          <ac:chgData name="Sina Mozaffari Tabar" userId="14d718dd-5b00-47ec-acbf-d1614b32d7c9" providerId="ADAL" clId="{3D536764-66A9-B04F-9AAB-13C3AF9C4CEE}" dt="2023-07-16T19:16:54.114" v="2503" actId="20577"/>
           <ac:spMkLst>
             <pc:docMk/>
             <pc:sldMk cId="2736234351" sldId="405"/>
@@ -655,21 +747,210 @@
             <ac:spMk id="14" creationId="{443998DC-3230-8E9B-AB90-4AF3F29675EA}"/>
           </ac:spMkLst>
         </pc:spChg>
+        <pc:spChg chg="add del mod">
+          <ac:chgData name="Sina Mozaffari Tabar" userId="14d718dd-5b00-47ec-acbf-d1614b32d7c9" providerId="ADAL" clId="{3D536764-66A9-B04F-9AAB-13C3AF9C4CEE}" dt="2023-07-16T17:25:27.074" v="1587" actId="478"/>
+          <ac:spMkLst>
+            <pc:docMk/>
+            <pc:sldMk cId="2736234351" sldId="405"/>
+            <ac:spMk id="15" creationId="{D60EF693-95DC-DF1F-1BC7-54C67D4B17BF}"/>
+          </ac:spMkLst>
+        </pc:spChg>
+        <pc:spChg chg="add del mod">
+          <ac:chgData name="Sina Mozaffari Tabar" userId="14d718dd-5b00-47ec-acbf-d1614b32d7c9" providerId="ADAL" clId="{3D536764-66A9-B04F-9AAB-13C3AF9C4CEE}" dt="2023-07-16T17:26:18.136" v="1596" actId="478"/>
+          <ac:spMkLst>
+            <pc:docMk/>
+            <pc:sldMk cId="2736234351" sldId="405"/>
+            <ac:spMk id="16" creationId="{4472785B-C74E-3735-F35F-785AB8575E26}"/>
+          </ac:spMkLst>
+        </pc:spChg>
+        <pc:spChg chg="add del mod">
+          <ac:chgData name="Sina Mozaffari Tabar" userId="14d718dd-5b00-47ec-acbf-d1614b32d7c9" providerId="ADAL" clId="{3D536764-66A9-B04F-9AAB-13C3AF9C4CEE}" dt="2023-07-16T17:31:02.949" v="1604" actId="478"/>
+          <ac:spMkLst>
+            <pc:docMk/>
+            <pc:sldMk cId="2736234351" sldId="405"/>
+            <ac:spMk id="17" creationId="{04865DFE-CB1A-E1C3-98A5-D1B4DBA430C9}"/>
+          </ac:spMkLst>
+        </pc:spChg>
+        <pc:spChg chg="add del mod">
+          <ac:chgData name="Sina Mozaffari Tabar" userId="14d718dd-5b00-47ec-acbf-d1614b32d7c9" providerId="ADAL" clId="{3D536764-66A9-B04F-9AAB-13C3AF9C4CEE}" dt="2023-07-16T17:27:02.204" v="1603"/>
+          <ac:spMkLst>
+            <pc:docMk/>
+            <pc:sldMk cId="2736234351" sldId="405"/>
+            <ac:spMk id="18" creationId="{3AD9A40F-0A8C-4469-1CC7-EE435CBA30E6}"/>
+          </ac:spMkLst>
+        </pc:spChg>
       </pc:sldChg>
-      <pc:sldChg chg="modSp add mod ord">
-        <pc:chgData name="Sina Mozaffari Tabar" userId="14d718dd-5b00-47ec-acbf-d1614b32d7c9" providerId="ADAL" clId="{3D536764-66A9-B04F-9AAB-13C3AF9C4CEE}" dt="2023-07-16T14:00:34.480" v="979" actId="20577"/>
+      <pc:sldChg chg="addSp delSp modSp add mod ord">
+        <pc:chgData name="Sina Mozaffari Tabar" userId="14d718dd-5b00-47ec-acbf-d1614b32d7c9" providerId="ADAL" clId="{3D536764-66A9-B04F-9AAB-13C3AF9C4CEE}" dt="2023-07-16T17:21:52.593" v="1546" actId="20577"/>
         <pc:sldMkLst>
           <pc:docMk/>
           <pc:sldMk cId="2684955199" sldId="406"/>
         </pc:sldMkLst>
         <pc:spChg chg="mod">
-          <ac:chgData name="Sina Mozaffari Tabar" userId="14d718dd-5b00-47ec-acbf-d1614b32d7c9" providerId="ADAL" clId="{3D536764-66A9-B04F-9AAB-13C3AF9C4CEE}" dt="2023-07-16T14:00:34.480" v="979" actId="20577"/>
+          <ac:chgData name="Sina Mozaffari Tabar" userId="14d718dd-5b00-47ec-acbf-d1614b32d7c9" providerId="ADAL" clId="{3D536764-66A9-B04F-9AAB-13C3AF9C4CEE}" dt="2023-07-16T17:03:09.870" v="1521" actId="113"/>
+          <ac:spMkLst>
+            <pc:docMk/>
+            <pc:sldMk cId="2684955199" sldId="406"/>
+            <ac:spMk id="2" creationId="{00000000-0000-0000-0000-000000000000}"/>
+          </ac:spMkLst>
+        </pc:spChg>
+        <pc:spChg chg="mod">
+          <ac:chgData name="Sina Mozaffari Tabar" userId="14d718dd-5b00-47ec-acbf-d1614b32d7c9" providerId="ADAL" clId="{3D536764-66A9-B04F-9AAB-13C3AF9C4CEE}" dt="2023-07-16T17:21:52.593" v="1546" actId="20577"/>
           <ac:spMkLst>
             <pc:docMk/>
             <pc:sldMk cId="2684955199" sldId="406"/>
             <ac:spMk id="3" creationId="{00000000-0000-0000-0000-000000000000}"/>
           </ac:spMkLst>
         </pc:spChg>
+        <pc:spChg chg="add mod">
+          <ac:chgData name="Sina Mozaffari Tabar" userId="14d718dd-5b00-47ec-acbf-d1614b32d7c9" providerId="ADAL" clId="{3D536764-66A9-B04F-9AAB-13C3AF9C4CEE}" dt="2023-07-16T17:00:13.028" v="1514" actId="20577"/>
+          <ac:spMkLst>
+            <pc:docMk/>
+            <pc:sldMk cId="2684955199" sldId="406"/>
+            <ac:spMk id="7" creationId="{7F9C6788-0895-9C49-32D2-B067FCCB8474}"/>
+          </ac:spMkLst>
+        </pc:spChg>
+        <pc:spChg chg="add del mod">
+          <ac:chgData name="Sina Mozaffari Tabar" userId="14d718dd-5b00-47ec-acbf-d1614b32d7c9" providerId="ADAL" clId="{3D536764-66A9-B04F-9AAB-13C3AF9C4CEE}" dt="2023-07-16T16:55:14.097" v="1472"/>
+          <ac:spMkLst>
+            <pc:docMk/>
+            <pc:sldMk cId="2684955199" sldId="406"/>
+            <ac:spMk id="8" creationId="{83DAE4C1-F771-030F-E4B1-FEB6250CAE4C}"/>
+          </ac:spMkLst>
+        </pc:spChg>
+        <pc:spChg chg="add mod">
+          <ac:chgData name="Sina Mozaffari Tabar" userId="14d718dd-5b00-47ec-acbf-d1614b32d7c9" providerId="ADAL" clId="{3D536764-66A9-B04F-9AAB-13C3AF9C4CEE}" dt="2023-07-16T17:21:41.100" v="1545" actId="20577"/>
+          <ac:spMkLst>
+            <pc:docMk/>
+            <pc:sldMk cId="2684955199" sldId="406"/>
+            <ac:spMk id="9" creationId="{F439DDD1-3F64-969B-C545-83F4171192D8}"/>
+          </ac:spMkLst>
+        </pc:spChg>
+      </pc:sldChg>
+      <pc:sldChg chg="modSp add mod">
+        <pc:chgData name="Sina Mozaffari Tabar" userId="14d718dd-5b00-47ec-acbf-d1614b32d7c9" providerId="ADAL" clId="{3D536764-66A9-B04F-9AAB-13C3AF9C4CEE}" dt="2023-07-16T18:41:30.701" v="2235" actId="20577"/>
+        <pc:sldMkLst>
+          <pc:docMk/>
+          <pc:sldMk cId="690377440" sldId="407"/>
+        </pc:sldMkLst>
+        <pc:spChg chg="mod">
+          <ac:chgData name="Sina Mozaffari Tabar" userId="14d718dd-5b00-47ec-acbf-d1614b32d7c9" providerId="ADAL" clId="{3D536764-66A9-B04F-9AAB-13C3AF9C4CEE}" dt="2023-07-16T18:41:30.701" v="2235" actId="20577"/>
+          <ac:spMkLst>
+            <pc:docMk/>
+            <pc:sldMk cId="690377440" sldId="407"/>
+            <ac:spMk id="2" creationId="{00000000-0000-0000-0000-000000000000}"/>
+          </ac:spMkLst>
+        </pc:spChg>
+      </pc:sldChg>
+      <pc:sldChg chg="addSp delSp modSp add mod">
+        <pc:chgData name="Sina Mozaffari Tabar" userId="14d718dd-5b00-47ec-acbf-d1614b32d7c9" providerId="ADAL" clId="{3D536764-66A9-B04F-9AAB-13C3AF9C4CEE}" dt="2023-07-16T18:13:07.580" v="1810" actId="20577"/>
+        <pc:sldMkLst>
+          <pc:docMk/>
+          <pc:sldMk cId="231830206" sldId="408"/>
+        </pc:sldMkLst>
+        <pc:spChg chg="mod">
+          <ac:chgData name="Sina Mozaffari Tabar" userId="14d718dd-5b00-47ec-acbf-d1614b32d7c9" providerId="ADAL" clId="{3D536764-66A9-B04F-9AAB-13C3AF9C4CEE}" dt="2023-07-16T18:09:53.518" v="1795" actId="2711"/>
+          <ac:spMkLst>
+            <pc:docMk/>
+            <pc:sldMk cId="231830206" sldId="408"/>
+            <ac:spMk id="2" creationId="{00000000-0000-0000-0000-000000000000}"/>
+          </ac:spMkLst>
+        </pc:spChg>
+        <pc:spChg chg="add del mod">
+          <ac:chgData name="Sina Mozaffari Tabar" userId="14d718dd-5b00-47ec-acbf-d1614b32d7c9" providerId="ADAL" clId="{3D536764-66A9-B04F-9AAB-13C3AF9C4CEE}" dt="2023-07-16T17:47:36.675" v="1663" actId="478"/>
+          <ac:spMkLst>
+            <pc:docMk/>
+            <pc:sldMk cId="231830206" sldId="408"/>
+            <ac:spMk id="12" creationId="{DF6D7DE2-F3A5-E338-5B29-4C0B15E8DDB7}"/>
+          </ac:spMkLst>
+        </pc:spChg>
+        <pc:graphicFrameChg chg="add del mod modGraphic">
+          <ac:chgData name="Sina Mozaffari Tabar" userId="14d718dd-5b00-47ec-acbf-d1614b32d7c9" providerId="ADAL" clId="{3D536764-66A9-B04F-9AAB-13C3AF9C4CEE}" dt="2023-07-16T17:37:24.482" v="1625" actId="478"/>
+          <ac:graphicFrameMkLst>
+            <pc:docMk/>
+            <pc:sldMk cId="231830206" sldId="408"/>
+            <ac:graphicFrameMk id="6" creationId="{092E63FB-B661-BA57-6452-9B28E11DE3EF}"/>
+          </ac:graphicFrameMkLst>
+        </pc:graphicFrameChg>
+        <pc:graphicFrameChg chg="add del mod modGraphic">
+          <ac:chgData name="Sina Mozaffari Tabar" userId="14d718dd-5b00-47ec-acbf-d1614b32d7c9" providerId="ADAL" clId="{3D536764-66A9-B04F-9AAB-13C3AF9C4CEE}" dt="2023-07-16T17:37:52.427" v="1628" actId="478"/>
+          <ac:graphicFrameMkLst>
+            <pc:docMk/>
+            <pc:sldMk cId="231830206" sldId="408"/>
+            <ac:graphicFrameMk id="7" creationId="{17A1103D-16D2-29CD-A433-9A8F7E4C06F5}"/>
+          </ac:graphicFrameMkLst>
+        </pc:graphicFrameChg>
+        <pc:graphicFrameChg chg="add del">
+          <ac:chgData name="Sina Mozaffari Tabar" userId="14d718dd-5b00-47ec-acbf-d1614b32d7c9" providerId="ADAL" clId="{3D536764-66A9-B04F-9AAB-13C3AF9C4CEE}" dt="2023-07-16T17:42:43.344" v="1632" actId="478"/>
+          <ac:graphicFrameMkLst>
+            <pc:docMk/>
+            <pc:sldMk cId="231830206" sldId="408"/>
+            <ac:graphicFrameMk id="8" creationId="{A2EECFFA-E867-F509-9820-38C692B45716}"/>
+          </ac:graphicFrameMkLst>
+        </pc:graphicFrameChg>
+        <pc:graphicFrameChg chg="add del">
+          <ac:chgData name="Sina Mozaffari Tabar" userId="14d718dd-5b00-47ec-acbf-d1614b32d7c9" providerId="ADAL" clId="{3D536764-66A9-B04F-9AAB-13C3AF9C4CEE}" dt="2023-07-16T17:42:38.711" v="1631" actId="478"/>
+          <ac:graphicFrameMkLst>
+            <pc:docMk/>
+            <pc:sldMk cId="231830206" sldId="408"/>
+            <ac:graphicFrameMk id="9" creationId="{E229CD4E-547E-2D2C-AFCD-D9B780E21F77}"/>
+          </ac:graphicFrameMkLst>
+        </pc:graphicFrameChg>
+        <pc:graphicFrameChg chg="add del">
+          <ac:chgData name="Sina Mozaffari Tabar" userId="14d718dd-5b00-47ec-acbf-d1614b32d7c9" providerId="ADAL" clId="{3D536764-66A9-B04F-9AAB-13C3AF9C4CEE}" dt="2023-07-16T17:43:08.528" v="1634" actId="478"/>
+          <ac:graphicFrameMkLst>
+            <pc:docMk/>
+            <pc:sldMk cId="231830206" sldId="408"/>
+            <ac:graphicFrameMk id="10" creationId="{9AC88EA4-2D92-83AA-01F3-407B54E8DBC1}"/>
+          </ac:graphicFrameMkLst>
+        </pc:graphicFrameChg>
+        <pc:graphicFrameChg chg="add del mod modGraphic">
+          <ac:chgData name="Sina Mozaffari Tabar" userId="14d718dd-5b00-47ec-acbf-d1614b32d7c9" providerId="ADAL" clId="{3D536764-66A9-B04F-9AAB-13C3AF9C4CEE}" dt="2023-07-16T17:48:08.112" v="1665" actId="478"/>
+          <ac:graphicFrameMkLst>
+            <pc:docMk/>
+            <pc:sldMk cId="231830206" sldId="408"/>
+            <ac:graphicFrameMk id="11" creationId="{29BE27FF-F502-C90B-A119-FFDDD6F540DE}"/>
+          </ac:graphicFrameMkLst>
+        </pc:graphicFrameChg>
+        <pc:graphicFrameChg chg="add mod modGraphic">
+          <ac:chgData name="Sina Mozaffari Tabar" userId="14d718dd-5b00-47ec-acbf-d1614b32d7c9" providerId="ADAL" clId="{3D536764-66A9-B04F-9AAB-13C3AF9C4CEE}" dt="2023-07-16T18:13:07.580" v="1810" actId="20577"/>
+          <ac:graphicFrameMkLst>
+            <pc:docMk/>
+            <pc:sldMk cId="231830206" sldId="408"/>
+            <ac:graphicFrameMk id="13" creationId="{DA87E8D3-2CF9-B12D-D84D-7468077BEC9F}"/>
+          </ac:graphicFrameMkLst>
+        </pc:graphicFrameChg>
+      </pc:sldChg>
+      <pc:sldChg chg="addSp delSp modSp add mod ord">
+        <pc:chgData name="Sina Mozaffari Tabar" userId="14d718dd-5b00-47ec-acbf-d1614b32d7c9" providerId="ADAL" clId="{3D536764-66A9-B04F-9AAB-13C3AF9C4CEE}" dt="2023-07-16T19:12:53.994" v="2500" actId="1076"/>
+        <pc:sldMkLst>
+          <pc:docMk/>
+          <pc:sldMk cId="36148616" sldId="409"/>
+        </pc:sldMkLst>
+        <pc:spChg chg="mod">
+          <ac:chgData name="Sina Mozaffari Tabar" userId="14d718dd-5b00-47ec-acbf-d1614b32d7c9" providerId="ADAL" clId="{3D536764-66A9-B04F-9AAB-13C3AF9C4CEE}" dt="2023-07-16T19:11:41.590" v="2492" actId="120"/>
+          <ac:spMkLst>
+            <pc:docMk/>
+            <pc:sldMk cId="36148616" sldId="409"/>
+            <ac:spMk id="2" creationId="{00000000-0000-0000-0000-000000000000}"/>
+          </ac:spMkLst>
+        </pc:spChg>
+        <pc:graphicFrameChg chg="add mod modGraphic">
+          <ac:chgData name="Sina Mozaffari Tabar" userId="14d718dd-5b00-47ec-acbf-d1614b32d7c9" providerId="ADAL" clId="{3D536764-66A9-B04F-9AAB-13C3AF9C4CEE}" dt="2023-07-16T19:12:53.994" v="2500" actId="1076"/>
+          <ac:graphicFrameMkLst>
+            <pc:docMk/>
+            <pc:sldMk cId="36148616" sldId="409"/>
+            <ac:graphicFrameMk id="6" creationId="{B73B6AFB-93F5-B79A-9C56-02E1FF4D66A9}"/>
+          </ac:graphicFrameMkLst>
+        </pc:graphicFrameChg>
+        <pc:graphicFrameChg chg="del">
+          <ac:chgData name="Sina Mozaffari Tabar" userId="14d718dd-5b00-47ec-acbf-d1614b32d7c9" providerId="ADAL" clId="{3D536764-66A9-B04F-9AAB-13C3AF9C4CEE}" dt="2023-07-16T18:47:23.291" v="2239" actId="478"/>
+          <ac:graphicFrameMkLst>
+            <pc:docMk/>
+            <pc:sldMk cId="36148616" sldId="409"/>
+            <ac:graphicFrameMk id="13" creationId="{DA87E8D3-2CF9-B12D-D84D-7468077BEC9F}"/>
+          </ac:graphicFrameMkLst>
+        </pc:graphicFrameChg>
       </pc:sldChg>
     </pc:docChg>
   </pc:docChgLst>
@@ -1681,7 +1962,7 @@
               <a:pPr>
                 <a:defRPr/>
               </a:pPr>
-              <a:t>12</a:t>
+              <a:t>15</a:t>
             </a:fld>
             <a:endParaRPr lang="en-GB"/>
           </a:p>
@@ -1771,7 +2052,7 @@
               <a:pPr>
                 <a:defRPr/>
               </a:pPr>
-              <a:t>13</a:t>
+              <a:t>16</a:t>
             </a:fld>
             <a:endParaRPr lang="en-GB"/>
           </a:p>
@@ -1834,7 +2115,7 @@
           <a:bodyPr/>
           <a:lstStyle/>
           <a:p>
-            <a:endParaRPr lang="de-DE"/>
+            <a:endParaRPr lang="de-DE" dirty="0"/>
           </a:p>
         </p:txBody>
       </p:sp>
@@ -1861,97 +2142,7 @@
               <a:pPr>
                 <a:defRPr/>
               </a:pPr>
-              <a:t>14</a:t>
-            </a:fld>
-            <a:endParaRPr lang="en-GB"/>
-          </a:p>
-        </p:txBody>
-      </p:sp>
-    </p:spTree>
-    <p:extLst>
-      <p:ext uri="{BB962C8B-B14F-4D97-AF65-F5344CB8AC3E}">
-        <p14:creationId xmlns:p14="http://schemas.microsoft.com/office/powerpoint/2010/main" val="1952742999"/>
-      </p:ext>
-    </p:extLst>
-  </p:cSld>
-  <p:clrMapOvr>
-    <a:masterClrMapping/>
-  </p:clrMapOvr>
-</p:notes>
-</file>
-
-<file path=ppt/notesSlides/notesSlide7.xml><?xml version="1.0" encoding="utf-8"?>
-<p:notes xmlns:a="http://schemas.openxmlformats.org/drawingml/2006/main" xmlns:r="http://schemas.openxmlformats.org/officeDocument/2006/relationships" xmlns:p="http://schemas.openxmlformats.org/presentationml/2006/main">
-  <p:cSld>
-    <p:spTree>
-      <p:nvGrpSpPr>
-        <p:cNvPr id="1" name=""/>
-        <p:cNvGrpSpPr/>
-        <p:nvPr/>
-      </p:nvGrpSpPr>
-      <p:grpSpPr>
-        <a:xfrm>
-          <a:off x="0" y="0"/>
-          <a:ext cx="0" cy="0"/>
-          <a:chOff x="0" y="0"/>
-          <a:chExt cx="0" cy="0"/>
-        </a:xfrm>
-      </p:grpSpPr>
-      <p:sp>
-        <p:nvSpPr>
-          <p:cNvPr id="2" name="Slide Image Placeholder 1"/>
-          <p:cNvSpPr>
-            <a:spLocks noGrp="1" noRot="1" noChangeAspect="1"/>
-          </p:cNvSpPr>
-          <p:nvPr>
-            <p:ph type="sldImg"/>
-          </p:nvPr>
-        </p:nvSpPr>
-        <p:spPr/>
-      </p:sp>
-      <p:sp>
-        <p:nvSpPr>
-          <p:cNvPr id="3" name="Notes Placeholder 2"/>
-          <p:cNvSpPr>
-            <a:spLocks noGrp="1"/>
-          </p:cNvSpPr>
-          <p:nvPr>
-            <p:ph type="body" idx="1"/>
-          </p:nvPr>
-        </p:nvSpPr>
-        <p:spPr/>
-        <p:txBody>
-          <a:bodyPr/>
-          <a:lstStyle/>
-          <a:p>
-            <a:endParaRPr lang="de-DE" dirty="0"/>
-          </a:p>
-        </p:txBody>
-      </p:sp>
-      <p:sp>
-        <p:nvSpPr>
-          <p:cNvPr id="4" name="Slide Number Placeholder 3"/>
-          <p:cNvSpPr>
-            <a:spLocks noGrp="1"/>
-          </p:cNvSpPr>
-          <p:nvPr>
-            <p:ph type="sldNum" sz="quarter" idx="5"/>
-          </p:nvPr>
-        </p:nvSpPr>
-        <p:spPr/>
-        <p:txBody>
-          <a:bodyPr/>
-          <a:lstStyle/>
-          <a:p>
-            <a:pPr>
-              <a:defRPr/>
-            </a:pPr>
-            <a:fld id="{00AFC6D0-44D5-4EB7-828F-6F464F83D79A}" type="slidenum">
-              <a:rPr lang="en-GB" smtClean="0"/>
-              <a:pPr>
-                <a:defRPr/>
-              </a:pPr>
-              <a:t>16</a:t>
+              <a:t>17</a:t>
             </a:fld>
             <a:endParaRPr lang="en-GB"/>
           </a:p>
@@ -10266,7 +10457,23 @@
               <a:bodyPr/>
               <a:lstStyle/>
               <a:p>
-                <a:pPr algn="l" fontAlgn="base"/>
+                <a:pPr/>
+                <a:r>
+                  <a:rPr lang="de-DE" dirty="0"/>
+                  <a:t>N</a:t>
+                </a:r>
+                <a:r>
+                  <a:rPr lang="de-DE" b="0" dirty="0"/>
+                  <a:t>aive</a:t>
+                </a:r>
+                <a:r>
+                  <a:rPr lang="en-GB" dirty="0">
+                    <a:solidFill>
+                      <a:srgbClr val="232629"/>
+                    </a:solidFill>
+                  </a:rPr>
+                  <a:t>-Matrixmultiplikation</a:t>
+                </a:r>
                 <a:r>
                   <a:rPr lang="en-GB" dirty="0">
                     <a:solidFill>
@@ -10274,24 +10481,1826 @@
                     </a:solidFill>
                     <a:latin typeface="var(--theme-post-title-font-family)"/>
                   </a:rPr>
+                  <a:t>:</a:t>
+                </a:r>
+                <a:endParaRPr lang="de-DE" b="0" dirty="0"/>
+              </a:p>
+              <a:p>
+                <a:pPr algn="ctr"/>
+                <a:r>
+                  <a:rPr lang="de-DE" sz="1200" dirty="0"/>
+                  <a:t> </a:t>
+                </a:r>
+                <a14:m>
+                  <m:oMath xmlns:m="http://schemas.openxmlformats.org/officeDocument/2006/math">
+                    <m:d>
+                      <m:dPr>
+                        <m:ctrlPr>
+                          <a:rPr lang="de-DE" sz="1200" b="0" i="1" dirty="0" smtClean="0">
+                            <a:latin typeface="Cambria Math" panose="02040503050406030204" pitchFamily="18" charset="0"/>
+                          </a:rPr>
+                        </m:ctrlPr>
+                      </m:dPr>
+                      <m:e>
+                        <m:m>
+                          <m:mPr>
+                            <m:mcs>
+                              <m:mc>
+                                <m:mcPr>
+                                  <m:count m:val="10"/>
+                                  <m:mcJc m:val="center"/>
+                                </m:mcPr>
+                              </m:mc>
+                            </m:mcs>
+                            <m:ctrlPr>
+                              <a:rPr lang="de-DE" sz="1200" b="0" i="1" dirty="0" smtClean="0">
+                                <a:latin typeface="Cambria Math" panose="02040503050406030204" pitchFamily="18" charset="0"/>
+                              </a:rPr>
+                            </m:ctrlPr>
+                          </m:mPr>
+                          <m:mr>
+                            <m:e>
+                              <m:r>
+                                <a:rPr lang="de-DE" sz="1200" b="0" i="1" dirty="0" smtClean="0">
+                                  <a:latin typeface="Cambria Math" panose="02040503050406030204" pitchFamily="18" charset="0"/>
+                                </a:rPr>
+                                <m:t>1</m:t>
+                              </m:r>
+                            </m:e>
+                            <m:e>
+                              <m:r>
+                                <a:rPr lang="de-DE" sz="1200" b="0" i="1" dirty="0" smtClean="0">
+                                  <a:latin typeface="Cambria Math" panose="02040503050406030204" pitchFamily="18" charset="0"/>
+                                </a:rPr>
+                                <m:t>−1</m:t>
+                              </m:r>
+                            </m:e>
+                            <m:e>
+                              <m:r>
+                                <a:rPr lang="de-DE" sz="1200" b="0" i="1" dirty="0" smtClean="0">
+                                  <a:latin typeface="Cambria Math" panose="02040503050406030204" pitchFamily="18" charset="0"/>
+                                </a:rPr>
+                                <m:t>0</m:t>
+                              </m:r>
+                            </m:e>
+                            <m:e>
+                              <m:r>
+                                <a:rPr lang="de-DE" sz="1200" b="0" i="1" dirty="0" smtClean="0">
+                                  <a:latin typeface="Cambria Math" panose="02040503050406030204" pitchFamily="18" charset="0"/>
+                                </a:rPr>
+                                <m:t>2</m:t>
+                              </m:r>
+                            </m:e>
+                            <m:e>
+                              <m:r>
+                                <a:rPr lang="de-DE" sz="1200" b="0" i="1" dirty="0" smtClean="0">
+                                  <a:latin typeface="Cambria Math" panose="02040503050406030204" pitchFamily="18" charset="0"/>
+                                </a:rPr>
+                                <m:t>−4</m:t>
+                              </m:r>
+                            </m:e>
+                            <m:e>
+                              <m:r>
+                                <a:rPr lang="de-DE" sz="1200" b="0" i="1" dirty="0" smtClean="0">
+                                  <a:latin typeface="Cambria Math" panose="02040503050406030204" pitchFamily="18" charset="0"/>
+                                </a:rPr>
+                                <m:t>4</m:t>
+                              </m:r>
+                            </m:e>
+                            <m:e>
+                              <m:r>
+                                <a:rPr lang="de-DE" sz="1200" b="0" i="1" dirty="0" smtClean="0">
+                                  <a:latin typeface="Cambria Math" panose="02040503050406030204" pitchFamily="18" charset="0"/>
+                                </a:rPr>
+                                <m:t>0</m:t>
+                              </m:r>
+                            </m:e>
+                            <m:e>
+                              <m:r>
+                                <a:rPr lang="de-DE" sz="1200" b="0" i="1" dirty="0" smtClean="0">
+                                  <a:latin typeface="Cambria Math" panose="02040503050406030204" pitchFamily="18" charset="0"/>
+                                </a:rPr>
+                                <m:t>−8</m:t>
+                              </m:r>
+                            </m:e>
+                            <m:e>
+                              <m:r>
+                                <a:rPr lang="de-DE" sz="1200" b="0" i="1" dirty="0" smtClean="0">
+                                  <a:latin typeface="Cambria Math" panose="02040503050406030204" pitchFamily="18" charset="0"/>
+                                </a:rPr>
+                                <m:t>…</m:t>
+                              </m:r>
+                            </m:e>
+                            <m:e>
+                              <m:r>
+                                <a:rPr lang="de-DE" sz="1200" b="0" i="1" dirty="0" smtClean="0">
+                                  <a:latin typeface="Cambria Math" panose="02040503050406030204" pitchFamily="18" charset="0"/>
+                                </a:rPr>
+                                <m:t>−2</m:t>
+                              </m:r>
+                              <m:r>
+                                <a:rPr lang="de-DE" sz="1200" b="0" i="1" baseline="30000" dirty="0" smtClean="0">
+                                  <a:latin typeface="Cambria Math" panose="02040503050406030204" pitchFamily="18" charset="0"/>
+                                </a:rPr>
+                                <m:t>64</m:t>
+                              </m:r>
+                            </m:e>
+                          </m:mr>
+                        </m:m>
+                      </m:e>
+                    </m:d>
+                    <m:r>
+                      <a:rPr lang="de-DE" sz="1200" b="0" i="1" baseline="-25000" dirty="0" smtClean="0">
+                        <a:latin typeface="Cambria Math" panose="02040503050406030204" pitchFamily="18" charset="0"/>
+                      </a:rPr>
+                      <m:t>  </m:t>
+                    </m:r>
+                    <m:r>
+                      <a:rPr lang="de-DE" sz="1200" b="0" i="1" smtClean="0">
+                        <a:latin typeface="Cambria Math" panose="02040503050406030204" pitchFamily="18" charset="0"/>
+                        <a:ea typeface="Cambria Math" panose="02040503050406030204" pitchFamily="18" charset="0"/>
+                      </a:rPr>
+                      <m:t>×  </m:t>
+                    </m:r>
+                  </m:oMath>
+                </a14:m>
+                <a:r>
+                  <a:rPr lang="de-DE" sz="1200" dirty="0"/>
+                  <a:t> </a:t>
+                </a:r>
+                <a14:m>
+                  <m:oMath xmlns:m="http://schemas.openxmlformats.org/officeDocument/2006/math">
+                    <m:d>
+                      <m:dPr>
+                        <m:ctrlPr>
+                          <a:rPr lang="de-DE" sz="1200" b="0" i="1" dirty="0" smtClean="0">
+                            <a:latin typeface="Cambria Math" panose="02040503050406030204" pitchFamily="18" charset="0"/>
+                          </a:rPr>
+                        </m:ctrlPr>
+                      </m:dPr>
+                      <m:e>
+                        <m:m>
+                          <m:mPr>
+                            <m:mcs>
+                              <m:mc>
+                                <m:mcPr>
+                                  <m:count m:val="1"/>
+                                  <m:mcJc m:val="center"/>
+                                </m:mcPr>
+                              </m:mc>
+                            </m:mcs>
+                            <m:ctrlPr>
+                              <a:rPr lang="de-DE" sz="1200" b="0" i="1" dirty="0" smtClean="0">
+                                <a:latin typeface="Cambria Math" panose="02040503050406030204" pitchFamily="18" charset="0"/>
+                              </a:rPr>
+                            </m:ctrlPr>
+                          </m:mPr>
+                          <m:mr>
+                            <m:e>
+                              <m:r>
+                                <m:rPr>
+                                  <m:brk m:alnAt="7"/>
+                                </m:rPr>
+                                <a:rPr lang="de-DE" sz="1200" b="0" i="1" dirty="0" smtClean="0">
+                                  <a:latin typeface="Cambria Math" panose="02040503050406030204" pitchFamily="18" charset="0"/>
+                                </a:rPr>
+                                <m:t>𝑎</m:t>
+                              </m:r>
+                              <m:r>
+                                <a:rPr lang="de-DE" sz="1200" b="0" i="1" baseline="-25000" dirty="0" smtClean="0">
+                                  <a:latin typeface="Cambria Math" panose="02040503050406030204" pitchFamily="18" charset="0"/>
+                                </a:rPr>
+                                <m:t>0</m:t>
+                              </m:r>
+                            </m:e>
+                          </m:mr>
+                          <m:mr>
+                            <m:e>
+                              <m:r>
+                                <m:rPr>
+                                  <m:brk m:alnAt="7"/>
+                                </m:rPr>
+                                <a:rPr lang="de-DE" sz="1200" i="1" dirty="0">
+                                  <a:latin typeface="Cambria Math" panose="02040503050406030204" pitchFamily="18" charset="0"/>
+                                </a:rPr>
+                                <m:t>𝑎</m:t>
+                              </m:r>
+                              <m:r>
+                                <a:rPr lang="de-DE" sz="1200" b="0" i="1" baseline="-25000" dirty="0" smtClean="0">
+                                  <a:latin typeface="Cambria Math" panose="02040503050406030204" pitchFamily="18" charset="0"/>
+                                </a:rPr>
+                                <m:t>1</m:t>
+                              </m:r>
+                            </m:e>
+                          </m:mr>
+                          <m:mr>
+                            <m:e>
+                              <m:r>
+                                <m:rPr>
+                                  <m:brk m:alnAt="7"/>
+                                </m:rPr>
+                                <a:rPr lang="de-DE" sz="1200" i="1" dirty="0">
+                                  <a:latin typeface="Cambria Math" panose="02040503050406030204" pitchFamily="18" charset="0"/>
+                                </a:rPr>
+                                <m:t>𝑎</m:t>
+                              </m:r>
+                              <m:r>
+                                <a:rPr lang="de-DE" sz="1200" b="0" i="1" baseline="-25000" dirty="0" smtClean="0">
+                                  <a:latin typeface="Cambria Math" panose="02040503050406030204" pitchFamily="18" charset="0"/>
+                                </a:rPr>
+                                <m:t>2</m:t>
+                              </m:r>
+                            </m:e>
+                          </m:mr>
+                          <m:mr>
+                            <m:e>
+                              <m:r>
+                                <m:rPr>
+                                  <m:brk m:alnAt="7"/>
+                                </m:rPr>
+                                <a:rPr lang="de-DE" sz="1200" i="1" dirty="0">
+                                  <a:latin typeface="Cambria Math" panose="02040503050406030204" pitchFamily="18" charset="0"/>
+                                </a:rPr>
+                                <m:t>𝑎</m:t>
+                              </m:r>
+                              <m:r>
+                                <a:rPr lang="de-DE" sz="1200" b="0" i="1" baseline="-25000" dirty="0" smtClean="0">
+                                  <a:latin typeface="Cambria Math" panose="02040503050406030204" pitchFamily="18" charset="0"/>
+                                </a:rPr>
+                                <m:t>3</m:t>
+                              </m:r>
+                            </m:e>
+                          </m:mr>
+                          <m:mr>
+                            <m:e>
+                              <m:r>
+                                <m:rPr>
+                                  <m:brk m:alnAt="7"/>
+                                </m:rPr>
+                                <a:rPr lang="de-DE" sz="1200" i="1" dirty="0">
+                                  <a:latin typeface="Cambria Math" panose="02040503050406030204" pitchFamily="18" charset="0"/>
+                                </a:rPr>
+                                <m:t>𝑎</m:t>
+                              </m:r>
+                              <m:r>
+                                <a:rPr lang="de-DE" sz="1200" b="0" i="1" baseline="-25000" dirty="0" smtClean="0">
+                                  <a:latin typeface="Cambria Math" panose="02040503050406030204" pitchFamily="18" charset="0"/>
+                                </a:rPr>
+                                <m:t>4</m:t>
+                              </m:r>
+                            </m:e>
+                          </m:mr>
+                          <m:mr>
+                            <m:e>
+                              <m:r>
+                                <m:rPr>
+                                  <m:brk m:alnAt="7"/>
+                                </m:rPr>
+                                <a:rPr lang="de-DE" sz="1200" i="1" dirty="0">
+                                  <a:latin typeface="Cambria Math" panose="02040503050406030204" pitchFamily="18" charset="0"/>
+                                </a:rPr>
+                                <m:t>𝑎</m:t>
+                              </m:r>
+                              <m:r>
+                                <a:rPr lang="de-DE" sz="1200" b="0" i="1" baseline="-25000" dirty="0" smtClean="0">
+                                  <a:latin typeface="Cambria Math" panose="02040503050406030204" pitchFamily="18" charset="0"/>
+                                </a:rPr>
+                                <m:t>5</m:t>
+                              </m:r>
+                            </m:e>
+                          </m:mr>
+                          <m:mr>
+                            <m:e>
+                              <m:r>
+                                <m:rPr>
+                                  <m:brk m:alnAt="7"/>
+                                </m:rPr>
+                                <a:rPr lang="de-DE" sz="1200" i="1" dirty="0">
+                                  <a:latin typeface="Cambria Math" panose="02040503050406030204" pitchFamily="18" charset="0"/>
+                                </a:rPr>
+                                <m:t>𝑎</m:t>
+                              </m:r>
+                              <m:r>
+                                <a:rPr lang="de-DE" sz="1200" b="0" i="1" baseline="-25000" dirty="0" smtClean="0">
+                                  <a:latin typeface="Cambria Math" panose="02040503050406030204" pitchFamily="18" charset="0"/>
+                                </a:rPr>
+                                <m:t>6</m:t>
+                              </m:r>
+                            </m:e>
+                          </m:mr>
+                          <m:mr>
+                            <m:e>
+                              <m:r>
+                                <m:rPr>
+                                  <m:brk m:alnAt="7"/>
+                                </m:rPr>
+                                <a:rPr lang="de-DE" sz="1200" i="1" dirty="0">
+                                  <a:latin typeface="Cambria Math" panose="02040503050406030204" pitchFamily="18" charset="0"/>
+                                </a:rPr>
+                                <m:t>𝑎</m:t>
+                              </m:r>
+                              <m:r>
+                                <a:rPr lang="de-DE" sz="1200" b="0" i="1" baseline="-25000" dirty="0" smtClean="0">
+                                  <a:latin typeface="Cambria Math" panose="02040503050406030204" pitchFamily="18" charset="0"/>
+                                </a:rPr>
+                                <m:t>7</m:t>
+                              </m:r>
+                            </m:e>
+                          </m:mr>
+                          <m:mr>
+                            <m:e>
+                              <m:r>
+                                <a:rPr lang="de-DE" sz="1200" i="1" dirty="0" smtClean="0">
+                                  <a:latin typeface="Cambria Math" panose="02040503050406030204" pitchFamily="18" charset="0"/>
+                                  <a:ea typeface="Cambria Math" panose="02040503050406030204" pitchFamily="18" charset="0"/>
+                                </a:rPr>
+                                <m:t>⋮</m:t>
+                              </m:r>
+                            </m:e>
+                          </m:mr>
+                          <m:mr>
+                            <m:e>
+                              <m:r>
+                                <m:rPr>
+                                  <m:brk m:alnAt="7"/>
+                                </m:rPr>
+                                <a:rPr lang="de-DE" sz="1200" i="1" dirty="0">
+                                  <a:latin typeface="Cambria Math" panose="02040503050406030204" pitchFamily="18" charset="0"/>
+                                </a:rPr>
+                                <m:t>𝑎</m:t>
+                              </m:r>
+                              <m:r>
+                                <a:rPr lang="de-DE" sz="1200" b="0" i="1" baseline="-25000" dirty="0" smtClean="0">
+                                  <a:latin typeface="Cambria Math" panose="02040503050406030204" pitchFamily="18" charset="0"/>
+                                </a:rPr>
+                                <m:t>127</m:t>
+                              </m:r>
+                            </m:e>
+                          </m:mr>
+                        </m:m>
+                      </m:e>
+                    </m:d>
+                    <m:r>
+                      <a:rPr lang="de-DE" sz="1200" i="1" dirty="0" smtClean="0">
+                        <a:latin typeface="Cambria Math" panose="02040503050406030204" pitchFamily="18" charset="0"/>
+                        <a:ea typeface="Cambria Math" panose="02040503050406030204" pitchFamily="18" charset="0"/>
+                      </a:rPr>
+                      <m:t>=</m:t>
+                    </m:r>
+                    <m:r>
+                      <a:rPr lang="de-DE" sz="1200" b="0" i="1" dirty="0" smtClean="0">
+                        <a:latin typeface="Cambria Math" panose="02040503050406030204" pitchFamily="18" charset="0"/>
+                        <a:ea typeface="Cambria Math" panose="02040503050406030204" pitchFamily="18" charset="0"/>
+                      </a:rPr>
+                      <m:t> </m:t>
+                    </m:r>
+                    <m:d>
+                      <m:dPr>
+                        <m:ctrlPr>
+                          <a:rPr lang="de-DE" sz="1200" b="0" i="1" dirty="0" smtClean="0">
+                            <a:latin typeface="Cambria Math" panose="02040503050406030204" pitchFamily="18" charset="0"/>
+                            <a:ea typeface="Cambria Math" panose="02040503050406030204" pitchFamily="18" charset="0"/>
+                          </a:rPr>
+                        </m:ctrlPr>
+                      </m:dPr>
+                      <m:e>
+                        <m:m>
+                          <m:mPr>
+                            <m:mcs>
+                              <m:mc>
+                                <m:mcPr>
+                                  <m:count m:val="1"/>
+                                  <m:mcJc m:val="center"/>
+                                </m:mcPr>
+                              </m:mc>
+                            </m:mcs>
+                            <m:ctrlPr>
+                              <a:rPr lang="de-DE" sz="1200" b="0" i="1" dirty="0" smtClean="0">
+                                <a:latin typeface="Cambria Math" panose="02040503050406030204" pitchFamily="18" charset="0"/>
+                                <a:ea typeface="Cambria Math" panose="02040503050406030204" pitchFamily="18" charset="0"/>
+                              </a:rPr>
+                            </m:ctrlPr>
+                          </m:mPr>
+                          <m:mr>
+                            <m:e>
+                              <m:r>
+                                <m:rPr>
+                                  <m:brk m:alnAt="7"/>
+                                </m:rPr>
+                                <a:rPr lang="de-DE" sz="1200" b="0" i="1" dirty="0" smtClean="0">
+                                  <a:latin typeface="Cambria Math" panose="02040503050406030204" pitchFamily="18" charset="0"/>
+                                  <a:ea typeface="Cambria Math" panose="02040503050406030204" pitchFamily="18" charset="0"/>
+                                </a:rPr>
+                                <m:t>𝑅𝑒𝑎𝑙</m:t>
+                              </m:r>
+                            </m:e>
+                          </m:mr>
+                        </m:m>
+                      </m:e>
+                    </m:d>
+                  </m:oMath>
+                </a14:m>
+                <a:r>
+                  <a:rPr lang="de-DE" sz="1200" dirty="0"/>
+                  <a:t>    </a:t>
+                </a:r>
+              </a:p>
+              <a:p>
+                <a:pPr algn="ctr"/>
+                <a:r>
+                  <a:rPr lang="de-DE" sz="1200" dirty="0"/>
+                  <a:t> </a:t>
+                </a:r>
+                <a14:m>
+                  <m:oMath xmlns:m="http://schemas.openxmlformats.org/officeDocument/2006/math">
+                    <m:d>
+                      <m:dPr>
+                        <m:ctrlPr>
+                          <a:rPr lang="de-DE" sz="1200" b="0" i="1" dirty="0" smtClean="0">
+                            <a:latin typeface="Cambria Math" panose="02040503050406030204" pitchFamily="18" charset="0"/>
+                          </a:rPr>
+                        </m:ctrlPr>
+                      </m:dPr>
+                      <m:e>
+                        <m:m>
+                          <m:mPr>
+                            <m:mcs>
+                              <m:mc>
+                                <m:mcPr>
+                                  <m:count m:val="10"/>
+                                  <m:mcJc m:val="center"/>
+                                </m:mcPr>
+                              </m:mc>
+                            </m:mcs>
+                            <m:ctrlPr>
+                              <a:rPr lang="de-DE" sz="1200" b="0" i="1" dirty="0" smtClean="0">
+                                <a:latin typeface="Cambria Math" panose="02040503050406030204" pitchFamily="18" charset="0"/>
+                              </a:rPr>
+                            </m:ctrlPr>
+                          </m:mPr>
+                          <m:mr>
+                            <m:e>
+                              <m:r>
+                                <m:rPr>
+                                  <m:brk m:alnAt="7"/>
+                                </m:rPr>
+                                <a:rPr lang="de-DE" sz="1200" b="0" i="1" dirty="0" smtClean="0">
+                                  <a:latin typeface="Cambria Math" panose="02040503050406030204" pitchFamily="18" charset="0"/>
+                                </a:rPr>
+                                <m:t>0</m:t>
+                              </m:r>
+                            </m:e>
+                            <m:e>
+                              <m:r>
+                                <a:rPr lang="de-DE" sz="1200" b="0" i="1" dirty="0" smtClean="0">
+                                  <a:latin typeface="Cambria Math" panose="02040503050406030204" pitchFamily="18" charset="0"/>
+                                </a:rPr>
+                                <m:t>1</m:t>
+                              </m:r>
+                            </m:e>
+                            <m:e>
+                              <m:r>
+                                <a:rPr lang="de-DE" sz="1200" b="0" i="1" dirty="0" smtClean="0">
+                                  <a:latin typeface="Cambria Math" panose="02040503050406030204" pitchFamily="18" charset="0"/>
+                                </a:rPr>
+                                <m:t>−2</m:t>
+                              </m:r>
+                            </m:e>
+                            <m:e>
+                              <m:r>
+                                <a:rPr lang="de-DE" sz="1200" i="1" dirty="0">
+                                  <a:latin typeface="Cambria Math" panose="02040503050406030204" pitchFamily="18" charset="0"/>
+                                </a:rPr>
+                                <m:t>2</m:t>
+                              </m:r>
+                            </m:e>
+                            <m:e>
+                              <m:r>
+                                <a:rPr lang="de-DE" sz="1200" b="0" i="1" dirty="0" smtClean="0">
+                                  <a:latin typeface="Cambria Math" panose="02040503050406030204" pitchFamily="18" charset="0"/>
+                                </a:rPr>
+                                <m:t>0</m:t>
+                              </m:r>
+                            </m:e>
+                            <m:e>
+                              <m:r>
+                                <a:rPr lang="de-DE" sz="1200" b="0" i="1" dirty="0" smtClean="0">
+                                  <a:latin typeface="Cambria Math" panose="02040503050406030204" pitchFamily="18" charset="0"/>
+                                </a:rPr>
+                                <m:t>−</m:t>
+                              </m:r>
+                              <m:r>
+                                <a:rPr lang="de-DE" sz="1200" i="1" dirty="0">
+                                  <a:latin typeface="Cambria Math" panose="02040503050406030204" pitchFamily="18" charset="0"/>
+                                </a:rPr>
+                                <m:t>4</m:t>
+                              </m:r>
+                            </m:e>
+                            <m:e>
+                              <m:r>
+                                <a:rPr lang="de-DE" sz="1200" b="0" i="1" dirty="0" smtClean="0">
+                                  <a:latin typeface="Cambria Math" panose="02040503050406030204" pitchFamily="18" charset="0"/>
+                                </a:rPr>
+                                <m:t>8</m:t>
+                              </m:r>
+                            </m:e>
+                            <m:e>
+                              <m:r>
+                                <a:rPr lang="de-DE" sz="1200" i="1" dirty="0">
+                                  <a:latin typeface="Cambria Math" panose="02040503050406030204" pitchFamily="18" charset="0"/>
+                                </a:rPr>
+                                <m:t>−8</m:t>
+                              </m:r>
+                            </m:e>
+                            <m:e>
+                              <m:r>
+                                <a:rPr lang="de-DE" sz="1200" b="0" i="1" dirty="0" smtClean="0">
+                                  <a:latin typeface="Cambria Math" panose="02040503050406030204" pitchFamily="18" charset="0"/>
+                                </a:rPr>
+                                <m:t>…</m:t>
+                              </m:r>
+                            </m:e>
+                            <m:e>
+                              <m:r>
+                                <a:rPr lang="de-DE" sz="1200" b="0" i="1" dirty="0" smtClean="0">
+                                  <a:latin typeface="Cambria Math" panose="02040503050406030204" pitchFamily="18" charset="0"/>
+                                </a:rPr>
+                                <m:t>−2</m:t>
+                              </m:r>
+                              <m:r>
+                                <a:rPr lang="de-DE" sz="1200" b="0" i="1" baseline="30000" dirty="0" smtClean="0">
+                                  <a:latin typeface="Cambria Math" panose="02040503050406030204" pitchFamily="18" charset="0"/>
+                                </a:rPr>
+                                <m:t>64</m:t>
+                              </m:r>
+                            </m:e>
+                          </m:mr>
+                        </m:m>
+                      </m:e>
+                    </m:d>
+                    <m:r>
+                      <a:rPr lang="de-DE" sz="1200" i="1" baseline="-25000" dirty="0">
+                        <a:latin typeface="Cambria Math" panose="02040503050406030204" pitchFamily="18" charset="0"/>
+                      </a:rPr>
+                      <m:t>  </m:t>
+                    </m:r>
+                    <m:r>
+                      <a:rPr lang="de-DE" sz="1200" i="1">
+                        <a:latin typeface="Cambria Math" panose="02040503050406030204" pitchFamily="18" charset="0"/>
+                        <a:ea typeface="Cambria Math" panose="02040503050406030204" pitchFamily="18" charset="0"/>
+                      </a:rPr>
+                      <m:t>×  </m:t>
+                    </m:r>
+                  </m:oMath>
+                </a14:m>
+                <a:r>
+                  <a:rPr lang="de-DE" sz="1200" dirty="0"/>
+                  <a:t> </a:t>
+                </a:r>
+                <a14:m>
+                  <m:oMath xmlns:m="http://schemas.openxmlformats.org/officeDocument/2006/math">
+                    <m:d>
+                      <m:dPr>
+                        <m:ctrlPr>
+                          <a:rPr lang="de-DE" sz="1200" i="1" dirty="0">
+                            <a:latin typeface="Cambria Math" panose="02040503050406030204" pitchFamily="18" charset="0"/>
+                          </a:rPr>
+                        </m:ctrlPr>
+                      </m:dPr>
+                      <m:e>
+                        <m:m>
+                          <m:mPr>
+                            <m:mcs>
+                              <m:mc>
+                                <m:mcPr>
+                                  <m:count m:val="1"/>
+                                  <m:mcJc m:val="center"/>
+                                </m:mcPr>
+                              </m:mc>
+                            </m:mcs>
+                            <m:ctrlPr>
+                              <a:rPr lang="de-DE" sz="1200" i="1" dirty="0">
+                                <a:latin typeface="Cambria Math" panose="02040503050406030204" pitchFamily="18" charset="0"/>
+                              </a:rPr>
+                            </m:ctrlPr>
+                          </m:mPr>
+                          <m:mr>
+                            <m:e>
+                              <m:r>
+                                <m:rPr>
+                                  <m:brk m:alnAt="7"/>
+                                </m:rPr>
+                                <a:rPr lang="de-DE" sz="1200" i="1" dirty="0">
+                                  <a:latin typeface="Cambria Math" panose="02040503050406030204" pitchFamily="18" charset="0"/>
+                                </a:rPr>
+                                <m:t>𝑎</m:t>
+                              </m:r>
+                              <m:r>
+                                <a:rPr lang="de-DE" sz="1200" i="1" baseline="-25000" dirty="0">
+                                  <a:latin typeface="Cambria Math" panose="02040503050406030204" pitchFamily="18" charset="0"/>
+                                </a:rPr>
+                                <m:t>0</m:t>
+                              </m:r>
+                            </m:e>
+                          </m:mr>
+                          <m:mr>
+                            <m:e>
+                              <m:r>
+                                <m:rPr>
+                                  <m:brk m:alnAt="7"/>
+                                </m:rPr>
+                                <a:rPr lang="de-DE" sz="1200" i="1" dirty="0">
+                                  <a:latin typeface="Cambria Math" panose="02040503050406030204" pitchFamily="18" charset="0"/>
+                                </a:rPr>
+                                <m:t>𝑎</m:t>
+                              </m:r>
+                              <m:r>
+                                <a:rPr lang="de-DE" sz="1200" i="1" baseline="-25000" dirty="0">
+                                  <a:latin typeface="Cambria Math" panose="02040503050406030204" pitchFamily="18" charset="0"/>
+                                </a:rPr>
+                                <m:t>1</m:t>
+                              </m:r>
+                            </m:e>
+                          </m:mr>
+                          <m:mr>
+                            <m:e>
+                              <m:r>
+                                <m:rPr>
+                                  <m:brk m:alnAt="7"/>
+                                </m:rPr>
+                                <a:rPr lang="de-DE" sz="1200" i="1" dirty="0">
+                                  <a:latin typeface="Cambria Math" panose="02040503050406030204" pitchFamily="18" charset="0"/>
+                                </a:rPr>
+                                <m:t>𝑎</m:t>
+                              </m:r>
+                              <m:r>
+                                <a:rPr lang="de-DE" sz="1200" i="1" baseline="-25000" dirty="0">
+                                  <a:latin typeface="Cambria Math" panose="02040503050406030204" pitchFamily="18" charset="0"/>
+                                </a:rPr>
+                                <m:t>2</m:t>
+                              </m:r>
+                            </m:e>
+                          </m:mr>
+                          <m:mr>
+                            <m:e>
+                              <m:r>
+                                <m:rPr>
+                                  <m:brk m:alnAt="7"/>
+                                </m:rPr>
+                                <a:rPr lang="de-DE" sz="1200" i="1" dirty="0">
+                                  <a:latin typeface="Cambria Math" panose="02040503050406030204" pitchFamily="18" charset="0"/>
+                                </a:rPr>
+                                <m:t>𝑎</m:t>
+                              </m:r>
+                              <m:r>
+                                <a:rPr lang="de-DE" sz="1200" i="1" baseline="-25000" dirty="0">
+                                  <a:latin typeface="Cambria Math" panose="02040503050406030204" pitchFamily="18" charset="0"/>
+                                </a:rPr>
+                                <m:t>3</m:t>
+                              </m:r>
+                            </m:e>
+                          </m:mr>
+                          <m:mr>
+                            <m:e>
+                              <m:r>
+                                <m:rPr>
+                                  <m:brk m:alnAt="7"/>
+                                </m:rPr>
+                                <a:rPr lang="de-DE" sz="1200" i="1" dirty="0">
+                                  <a:latin typeface="Cambria Math" panose="02040503050406030204" pitchFamily="18" charset="0"/>
+                                </a:rPr>
+                                <m:t>𝑎</m:t>
+                              </m:r>
+                              <m:r>
+                                <a:rPr lang="de-DE" sz="1200" i="1" baseline="-25000" dirty="0">
+                                  <a:latin typeface="Cambria Math" panose="02040503050406030204" pitchFamily="18" charset="0"/>
+                                </a:rPr>
+                                <m:t>4</m:t>
+                              </m:r>
+                            </m:e>
+                          </m:mr>
+                          <m:mr>
+                            <m:e>
+                              <m:r>
+                                <m:rPr>
+                                  <m:brk m:alnAt="7"/>
+                                </m:rPr>
+                                <a:rPr lang="de-DE" sz="1200" i="1" dirty="0">
+                                  <a:latin typeface="Cambria Math" panose="02040503050406030204" pitchFamily="18" charset="0"/>
+                                </a:rPr>
+                                <m:t>𝑎</m:t>
+                              </m:r>
+                              <m:r>
+                                <a:rPr lang="de-DE" sz="1200" i="1" baseline="-25000" dirty="0">
+                                  <a:latin typeface="Cambria Math" panose="02040503050406030204" pitchFamily="18" charset="0"/>
+                                </a:rPr>
+                                <m:t>5</m:t>
+                              </m:r>
+                            </m:e>
+                          </m:mr>
+                          <m:mr>
+                            <m:e>
+                              <m:r>
+                                <m:rPr>
+                                  <m:brk m:alnAt="7"/>
+                                </m:rPr>
+                                <a:rPr lang="de-DE" sz="1200" i="1" dirty="0">
+                                  <a:latin typeface="Cambria Math" panose="02040503050406030204" pitchFamily="18" charset="0"/>
+                                </a:rPr>
+                                <m:t>𝑎</m:t>
+                              </m:r>
+                              <m:r>
+                                <a:rPr lang="de-DE" sz="1200" i="1" baseline="-25000" dirty="0">
+                                  <a:latin typeface="Cambria Math" panose="02040503050406030204" pitchFamily="18" charset="0"/>
+                                </a:rPr>
+                                <m:t>6</m:t>
+                              </m:r>
+                            </m:e>
+                          </m:mr>
+                          <m:mr>
+                            <m:e>
+                              <m:r>
+                                <m:rPr>
+                                  <m:brk m:alnAt="7"/>
+                                </m:rPr>
+                                <a:rPr lang="de-DE" sz="1200" i="1" dirty="0">
+                                  <a:latin typeface="Cambria Math" panose="02040503050406030204" pitchFamily="18" charset="0"/>
+                                </a:rPr>
+                                <m:t>𝑎</m:t>
+                              </m:r>
+                              <m:r>
+                                <a:rPr lang="de-DE" sz="1200" i="1" baseline="-25000" dirty="0">
+                                  <a:latin typeface="Cambria Math" panose="02040503050406030204" pitchFamily="18" charset="0"/>
+                                </a:rPr>
+                                <m:t>7</m:t>
+                              </m:r>
+                            </m:e>
+                          </m:mr>
+                          <m:mr>
+                            <m:e>
+                              <m:r>
+                                <a:rPr lang="de-DE" sz="1200" i="1" dirty="0">
+                                  <a:latin typeface="Cambria Math" panose="02040503050406030204" pitchFamily="18" charset="0"/>
+                                  <a:ea typeface="Cambria Math" panose="02040503050406030204" pitchFamily="18" charset="0"/>
+                                </a:rPr>
+                                <m:t>⋮</m:t>
+                              </m:r>
+                            </m:e>
+                          </m:mr>
+                          <m:mr>
+                            <m:e>
+                              <m:r>
+                                <m:rPr>
+                                  <m:brk m:alnAt="7"/>
+                                </m:rPr>
+                                <a:rPr lang="de-DE" sz="1200" i="1" dirty="0">
+                                  <a:latin typeface="Cambria Math" panose="02040503050406030204" pitchFamily="18" charset="0"/>
+                                </a:rPr>
+                                <m:t>𝑎</m:t>
+                              </m:r>
+                              <m:r>
+                                <a:rPr lang="de-DE" sz="1200" b="0" i="1" baseline="-25000" dirty="0" smtClean="0">
+                                  <a:latin typeface="Cambria Math" panose="02040503050406030204" pitchFamily="18" charset="0"/>
+                                </a:rPr>
+                                <m:t>127</m:t>
+                              </m:r>
+                            </m:e>
+                          </m:mr>
+                        </m:m>
+                      </m:e>
+                    </m:d>
+                    <m:r>
+                      <a:rPr lang="de-DE" sz="1200" i="1" dirty="0">
+                        <a:latin typeface="Cambria Math" panose="02040503050406030204" pitchFamily="18" charset="0"/>
+                        <a:ea typeface="Cambria Math" panose="02040503050406030204" pitchFamily="18" charset="0"/>
+                      </a:rPr>
+                      <m:t>= </m:t>
+                    </m:r>
+                    <m:d>
+                      <m:dPr>
+                        <m:ctrlPr>
+                          <a:rPr lang="de-DE" sz="1200" i="1" dirty="0">
+                            <a:latin typeface="Cambria Math" panose="02040503050406030204" pitchFamily="18" charset="0"/>
+                            <a:ea typeface="Cambria Math" panose="02040503050406030204" pitchFamily="18" charset="0"/>
+                          </a:rPr>
+                        </m:ctrlPr>
+                      </m:dPr>
+                      <m:e>
+                        <m:m>
+                          <m:mPr>
+                            <m:mcs>
+                              <m:mc>
+                                <m:mcPr>
+                                  <m:count m:val="1"/>
+                                  <m:mcJc m:val="center"/>
+                                </m:mcPr>
+                              </m:mc>
+                            </m:mcs>
+                            <m:ctrlPr>
+                              <a:rPr lang="de-DE" sz="1200" i="1" dirty="0">
+                                <a:latin typeface="Cambria Math" panose="02040503050406030204" pitchFamily="18" charset="0"/>
+                                <a:ea typeface="Cambria Math" panose="02040503050406030204" pitchFamily="18" charset="0"/>
+                              </a:rPr>
+                            </m:ctrlPr>
+                          </m:mPr>
+                          <m:mr>
+                            <m:e>
+                              <m:r>
+                                <a:rPr lang="de-DE" sz="1200" b="0" i="1" dirty="0" smtClean="0">
+                                  <a:latin typeface="Cambria Math" panose="02040503050406030204" pitchFamily="18" charset="0"/>
+                                  <a:ea typeface="Cambria Math" panose="02040503050406030204" pitchFamily="18" charset="0"/>
+                                </a:rPr>
+                                <m:t>𝐼𝑚𝑎𝑔</m:t>
+                              </m:r>
+                            </m:e>
+                          </m:mr>
+                        </m:m>
+                      </m:e>
+                    </m:d>
+                  </m:oMath>
+                </a14:m>
+                <a:r>
+                  <a:rPr lang="de-DE" sz="1200" dirty="0"/>
+                  <a:t>  </a:t>
+                </a:r>
+              </a:p>
+              <a:p>
+                <a:pPr/>
+                <a:endParaRPr lang="de-DE" sz="1200" dirty="0"/>
+              </a:p>
+              <a:p>
+                <a:pPr/>
+                <a:endParaRPr lang="de-DE" sz="1200" dirty="0"/>
+              </a:p>
+              <a:p>
+                <a:pPr/>
+                <a:endParaRPr lang="de-DE" sz="1200" dirty="0"/>
+              </a:p>
+              <a:p>
+                <a:endParaRPr lang="de-DE" dirty="0"/>
+              </a:p>
+            </p:txBody>
+          </p:sp>
+        </mc:Choice>
+        <mc:Fallback>
+          <p:sp>
+            <p:nvSpPr>
+              <p:cNvPr id="2" name="Inhaltsplatzhalter 1"/>
+              <p:cNvSpPr>
+                <a:spLocks noGrp="1" noRot="1" noChangeAspect="1" noMove="1" noResize="1" noEditPoints="1" noAdjustHandles="1" noChangeArrowheads="1" noChangeShapeType="1" noTextEdit="1"/>
+              </p:cNvSpPr>
+              <p:nvPr>
+                <p:ph idx="1"/>
+              </p:nvPr>
+            </p:nvSpPr>
+            <p:spPr>
+              <a:blipFill>
+                <a:blip r:embed="rId2"/>
+                <a:stretch>
+                  <a:fillRect l="-1339" t="-1348"/>
+                </a:stretch>
+              </a:blipFill>
+            </p:spPr>
+            <p:txBody>
+              <a:bodyPr/>
+              <a:lstStyle/>
+              <a:p>
+                <a:r>
+                  <a:rPr lang="en-DE">
+                    <a:noFill/>
+                  </a:rPr>
+                  <a:t> </a:t>
+                </a:r>
+              </a:p>
+            </p:txBody>
+          </p:sp>
+        </mc:Fallback>
+      </mc:AlternateContent>
+      <p:sp>
+        <p:nvSpPr>
+          <p:cNvPr id="4" name="Foliennummernplatzhalter 3"/>
+          <p:cNvSpPr>
+            <a:spLocks noGrp="1"/>
+          </p:cNvSpPr>
+          <p:nvPr>
+            <p:ph type="sldNum" sz="quarter" idx="11"/>
+          </p:nvPr>
+        </p:nvSpPr>
+        <p:spPr/>
+        <p:txBody>
+          <a:bodyPr/>
+          <a:lstStyle/>
+          <a:p>
+            <a:fld id="{CE58CB1E-F828-4F11-99E0-327109AF9DA4}" type="slidenum">
+              <a:rPr lang="de-DE" smtClean="0"/>
+              <a:pPr/>
+              <a:t>10</a:t>
+            </a:fld>
+            <a:endParaRPr lang="de-DE" dirty="0"/>
+          </a:p>
+        </p:txBody>
+      </p:sp>
+      <p:sp>
+        <p:nvSpPr>
+          <p:cNvPr id="3" name="Titel 2"/>
+          <p:cNvSpPr>
+            <a:spLocks noGrp="1"/>
+          </p:cNvSpPr>
+          <p:nvPr>
+            <p:ph type="title"/>
+          </p:nvPr>
+        </p:nvSpPr>
+        <p:spPr>
+          <a:xfrm>
+            <a:off x="319090" y="994334"/>
+            <a:ext cx="8508999" cy="410369"/>
+          </a:xfrm>
+        </p:spPr>
+        <p:txBody>
+          <a:bodyPr/>
+          <a:lstStyle/>
+          <a:p>
+            <a:r>
+              <a:rPr lang="en-GB" sz="3200" dirty="0"/>
+              <a:t>to_carthesian Methode - Variante I</a:t>
+            </a:r>
+          </a:p>
+        </p:txBody>
+      </p:sp>
+      <p:sp>
+        <p:nvSpPr>
+          <p:cNvPr id="6" name="Fußzeilenplatzhalter 4">
+            <a:extLst>
+              <a:ext uri="{FF2B5EF4-FFF2-40B4-BE49-F238E27FC236}">
+                <a16:creationId xmlns:a16="http://schemas.microsoft.com/office/drawing/2014/main" id="{B61E1492-0E7C-B5C9-3923-257CF7617E53}"/>
+              </a:ext>
+            </a:extLst>
+          </p:cNvPr>
+          <p:cNvSpPr>
+            <a:spLocks noGrp="1"/>
+          </p:cNvSpPr>
+          <p:nvPr>
+            <p:ph type="ftr" sz="quarter" idx="12"/>
+          </p:nvPr>
+        </p:nvSpPr>
+        <p:spPr>
+          <a:xfrm>
+            <a:off x="311162" y="6473313"/>
+            <a:ext cx="6464280" cy="365125"/>
+          </a:xfrm>
+        </p:spPr>
+        <p:txBody>
+          <a:bodyPr/>
+          <a:lstStyle/>
+          <a:p>
+            <a:r>
+              <a:rPr lang="de-DE" dirty="0"/>
+              <a:t>Alireza Kamalidehghan, Mostafa Nejati Hatamian, Sina Mozaffari Tabar | GRA</a:t>
+            </a:r>
+            <a:endParaRPr lang="en-US" dirty="0"/>
+          </a:p>
+        </p:txBody>
+      </p:sp>
+    </p:spTree>
+    <p:extLst>
+      <p:ext uri="{BB962C8B-B14F-4D97-AF65-F5344CB8AC3E}">
+        <p14:creationId xmlns:p14="http://schemas.microsoft.com/office/powerpoint/2010/main" val="2930270274"/>
+      </p:ext>
+    </p:extLst>
+  </p:cSld>
+  <p:clrMapOvr>
+    <a:masterClrMapping/>
+  </p:clrMapOvr>
+</p:sld>
+</file>
+
+<file path=ppt/slides/slide11.xml><?xml version="1.0" encoding="utf-8"?>
+<p:sld xmlns:a="http://schemas.openxmlformats.org/drawingml/2006/main" xmlns:r="http://schemas.openxmlformats.org/officeDocument/2006/relationships" xmlns:p="http://schemas.openxmlformats.org/presentationml/2006/main">
+  <p:cSld>
+    <p:spTree>
+      <p:nvGrpSpPr>
+        <p:cNvPr id="1" name=""/>
+        <p:cNvGrpSpPr/>
+        <p:nvPr/>
+      </p:nvGrpSpPr>
+      <p:grpSpPr>
+        <a:xfrm>
+          <a:off x="0" y="0"/>
+          <a:ext cx="0" cy="0"/>
+          <a:chOff x="0" y="0"/>
+          <a:chExt cx="0" cy="0"/>
+        </a:xfrm>
+      </p:grpSpPr>
+      <p:sp>
+        <p:nvSpPr>
+          <p:cNvPr id="2" name="Inhaltsplatzhalter 1"/>
+          <p:cNvSpPr>
+            <a:spLocks noGrp="1"/>
+          </p:cNvSpPr>
+          <p:nvPr>
+            <p:ph idx="1"/>
+          </p:nvPr>
+        </p:nvSpPr>
+        <p:spPr/>
+        <p:txBody>
+          <a:bodyPr/>
+          <a:lstStyle/>
+          <a:p>
+            <a:r>
+              <a:rPr lang="de-DE" dirty="0"/>
+              <a:t>N</a:t>
+            </a:r>
+            <a:r>
+              <a:rPr lang="de-DE" b="0" dirty="0"/>
+              <a:t>aive</a:t>
+            </a:r>
+            <a:r>
+              <a:rPr lang="en-GB" dirty="0">
+                <a:solidFill>
+                  <a:srgbClr val="232629"/>
+                </a:solidFill>
+              </a:rPr>
+              <a:t>-Matrixmultiplikation</a:t>
+            </a:r>
+            <a:r>
+              <a:rPr lang="en-GB" dirty="0">
+                <a:solidFill>
+                  <a:srgbClr val="232629"/>
+                </a:solidFill>
+                <a:latin typeface="var(--theme-post-title-font-family)"/>
+              </a:rPr>
+              <a:t>:</a:t>
+            </a:r>
+            <a:endParaRPr lang="de-DE" b="0" dirty="0"/>
+          </a:p>
+          <a:p>
+            <a:pPr algn="ctr"/>
+            <a:r>
+              <a:rPr lang="de-DE" sz="1200" dirty="0"/>
+              <a:t> </a:t>
+            </a:r>
+          </a:p>
+          <a:p>
+            <a:endParaRPr lang="de-DE" sz="1200" dirty="0"/>
+          </a:p>
+        </p:txBody>
+      </p:sp>
+      <p:sp>
+        <p:nvSpPr>
+          <p:cNvPr id="4" name="Foliennummernplatzhalter 3"/>
+          <p:cNvSpPr>
+            <a:spLocks noGrp="1"/>
+          </p:cNvSpPr>
+          <p:nvPr>
+            <p:ph type="sldNum" sz="quarter" idx="11"/>
+          </p:nvPr>
+        </p:nvSpPr>
+        <p:spPr/>
+        <p:txBody>
+          <a:bodyPr/>
+          <a:lstStyle/>
+          <a:p>
+            <a:fld id="{CE58CB1E-F828-4F11-99E0-327109AF9DA4}" type="slidenum">
+              <a:rPr lang="de-DE" smtClean="0"/>
+              <a:pPr/>
+              <a:t>11</a:t>
+            </a:fld>
+            <a:endParaRPr lang="de-DE" dirty="0"/>
+          </a:p>
+        </p:txBody>
+      </p:sp>
+      <p:sp>
+        <p:nvSpPr>
+          <p:cNvPr id="5" name="Fußzeilenplatzhalter 4"/>
+          <p:cNvSpPr>
+            <a:spLocks noGrp="1"/>
+          </p:cNvSpPr>
+          <p:nvPr>
+            <p:ph type="ftr" sz="quarter" idx="12"/>
+          </p:nvPr>
+        </p:nvSpPr>
+        <p:spPr/>
+        <p:txBody>
+          <a:bodyPr/>
+          <a:lstStyle/>
+          <a:p>
+            <a:r>
+              <a:rPr lang="de-DE" dirty="0"/>
+              <a:t>Alireza Kamalidehghan, Mostafa Nejati Hatamian, Sina Mozaffari Tabar | GRA</a:t>
+            </a:r>
+            <a:endParaRPr lang="en-US" dirty="0"/>
+          </a:p>
+        </p:txBody>
+      </p:sp>
+      <p:sp>
+        <p:nvSpPr>
+          <p:cNvPr id="3" name="Titel 2"/>
+          <p:cNvSpPr>
+            <a:spLocks noGrp="1"/>
+          </p:cNvSpPr>
+          <p:nvPr>
+            <p:ph type="title"/>
+          </p:nvPr>
+        </p:nvSpPr>
+        <p:spPr>
+          <a:xfrm>
+            <a:off x="319090" y="994334"/>
+            <a:ext cx="8508999" cy="410369"/>
+          </a:xfrm>
+        </p:spPr>
+        <p:txBody>
+          <a:bodyPr/>
+          <a:lstStyle/>
+          <a:p>
+            <a:r>
+              <a:rPr lang="en-GB" sz="3200" dirty="0"/>
+              <a:t>to_carthesian Methode - Variante I</a:t>
+            </a:r>
+          </a:p>
+        </p:txBody>
+      </p:sp>
+      <p:graphicFrame>
+        <p:nvGraphicFramePr>
+          <p:cNvPr id="13" name="Table 13">
+            <a:extLst>
+              <a:ext uri="{FF2B5EF4-FFF2-40B4-BE49-F238E27FC236}">
+                <a16:creationId xmlns:a16="http://schemas.microsoft.com/office/drawing/2014/main" id="{DA87E8D3-2CF9-B12D-D84D-7468077BEC9F}"/>
+              </a:ext>
+            </a:extLst>
+          </p:cNvPr>
+          <p:cNvGraphicFramePr>
+            <a:graphicFrameLocks noGrp="1"/>
+          </p:cNvGraphicFramePr>
+          <p:nvPr>
+            <p:extLst>
+              <p:ext uri="{D42A27DB-BD31-4B8C-83A1-F6EECF244321}">
+                <p14:modId xmlns:p14="http://schemas.microsoft.com/office/powerpoint/2010/main" val="3522494045"/>
+              </p:ext>
+            </p:extLst>
+          </p:nvPr>
+        </p:nvGraphicFramePr>
+        <p:xfrm>
+          <a:off x="1524000" y="2443194"/>
+          <a:ext cx="6096000" cy="3337560"/>
+        </p:xfrm>
+        <a:graphic>
+          <a:graphicData uri="http://schemas.openxmlformats.org/drawingml/2006/table">
+            <a:tbl>
+              <a:tblPr firstRow="1" bandRow="1">
+                <a:tableStyleId>{5C22544A-7EE6-4342-B048-85BDC9FD1C3A}</a:tableStyleId>
+              </a:tblPr>
+              <a:tblGrid>
+                <a:gridCol w="2032000">
+                  <a:extLst>
+                    <a:ext uri="{9D8B030D-6E8A-4147-A177-3AD203B41FA5}">
+                      <a16:colId xmlns:a16="http://schemas.microsoft.com/office/drawing/2014/main" val="3911656533"/>
+                    </a:ext>
+                  </a:extLst>
+                </a:gridCol>
+                <a:gridCol w="2032000">
+                  <a:extLst>
+                    <a:ext uri="{9D8B030D-6E8A-4147-A177-3AD203B41FA5}">
+                      <a16:colId xmlns:a16="http://schemas.microsoft.com/office/drawing/2014/main" val="1457465994"/>
+                    </a:ext>
+                  </a:extLst>
+                </a:gridCol>
+                <a:gridCol w="2032000">
+                  <a:extLst>
+                    <a:ext uri="{9D8B030D-6E8A-4147-A177-3AD203B41FA5}">
+                      <a16:colId xmlns:a16="http://schemas.microsoft.com/office/drawing/2014/main" val="1839107780"/>
+                    </a:ext>
+                  </a:extLst>
+                </a:gridCol>
+              </a:tblGrid>
+              <a:tr h="370840">
+                <a:tc>
+                  <a:txBody>
+                    <a:bodyPr/>
+                    <a:lstStyle/>
+                    <a:p>
+                      <a:pPr algn="ctr"/>
+                      <a:endParaRPr lang="de-DE" dirty="0"/>
+                    </a:p>
+                  </a:txBody>
+                  <a:tcPr/>
+                </a:tc>
+                <a:tc>
+                  <a:txBody>
+                    <a:bodyPr/>
+                    <a:lstStyle/>
+                    <a:p>
+                      <a:pPr algn="ctr"/>
+                      <a:r>
+                        <a:rPr lang="de-DE" sz="1600" dirty="0"/>
+                        <a:t>Real</a:t>
+                      </a:r>
+                    </a:p>
+                  </a:txBody>
+                  <a:tcPr/>
+                </a:tc>
+                <a:tc>
+                  <a:txBody>
+                    <a:bodyPr/>
+                    <a:lstStyle/>
+                    <a:p>
+                      <a:pPr algn="ctr"/>
+                      <a:r>
+                        <a:rPr lang="de-DE" dirty="0"/>
+                        <a:t>Imag</a:t>
+                      </a:r>
+                    </a:p>
+                  </a:txBody>
+                  <a:tcPr/>
+                </a:tc>
+                <a:extLst>
+                  <a:ext uri="{0D108BD9-81ED-4DB2-BD59-A6C34878D82A}">
+                    <a16:rowId xmlns:a16="http://schemas.microsoft.com/office/drawing/2014/main" val="692006264"/>
+                  </a:ext>
+                </a:extLst>
+              </a:tr>
+              <a:tr h="370840">
+                <a:tc>
+                  <a:txBody>
+                    <a:bodyPr/>
+                    <a:lstStyle/>
+                    <a:p>
+                      <a:pPr algn="ctr"/>
+                      <a:r>
+                        <a:rPr lang="de-DE" dirty="0"/>
+                        <a:t>0</a:t>
+                      </a:r>
+                    </a:p>
+                  </a:txBody>
+                  <a:tcPr/>
+                </a:tc>
+                <a:tc>
+                  <a:txBody>
+                    <a:bodyPr/>
+                    <a:lstStyle/>
+                    <a:p>
+                      <a:pPr algn="ctr"/>
+                      <a:r>
+                        <a:rPr lang="de-DE" dirty="0"/>
+                        <a:t>2</a:t>
+                      </a:r>
+                      <a:r>
+                        <a:rPr lang="de-DE" baseline="30000" dirty="0"/>
+                        <a:t>4k</a:t>
+                      </a:r>
+                    </a:p>
+                  </a:txBody>
+                  <a:tcPr/>
+                </a:tc>
+                <a:tc>
+                  <a:txBody>
+                    <a:bodyPr/>
+                    <a:lstStyle/>
+                    <a:p>
+                      <a:pPr algn="ctr"/>
+                      <a:r>
+                        <a:rPr lang="de-DE" dirty="0"/>
+                        <a:t>0</a:t>
+                      </a:r>
+                    </a:p>
+                  </a:txBody>
+                  <a:tcPr/>
+                </a:tc>
+                <a:extLst>
+                  <a:ext uri="{0D108BD9-81ED-4DB2-BD59-A6C34878D82A}">
+                    <a16:rowId xmlns:a16="http://schemas.microsoft.com/office/drawing/2014/main" val="1190608342"/>
+                  </a:ext>
+                </a:extLst>
+              </a:tr>
+              <a:tr h="370840">
+                <a:tc>
+                  <a:txBody>
+                    <a:bodyPr/>
+                    <a:lstStyle/>
+                    <a:p>
+                      <a:pPr algn="ctr"/>
+                      <a:r>
+                        <a:rPr lang="de-DE" dirty="0"/>
+                        <a:t>1</a:t>
+                      </a:r>
+                    </a:p>
+                  </a:txBody>
+                  <a:tcPr/>
+                </a:tc>
+                <a:tc>
+                  <a:txBody>
+                    <a:bodyPr/>
+                    <a:lstStyle/>
+                    <a:p>
+                      <a:pPr algn="ctr"/>
+                      <a:r>
+                        <a:rPr lang="de-DE" dirty="0"/>
+                        <a:t>-2</a:t>
+                      </a:r>
+                      <a:r>
+                        <a:rPr lang="de-DE" baseline="30000" dirty="0"/>
+                        <a:t>4k</a:t>
+                      </a:r>
+                      <a:endParaRPr lang="de-DE" dirty="0"/>
+                    </a:p>
+                  </a:txBody>
+                  <a:tcPr/>
+                </a:tc>
+                <a:tc>
+                  <a:txBody>
+                    <a:bodyPr/>
+                    <a:lstStyle/>
+                    <a:p>
+                      <a:pPr algn="ctr"/>
+                      <a:r>
+                        <a:rPr lang="de-DE" dirty="0"/>
+                        <a:t>2</a:t>
+                      </a:r>
+                      <a:r>
+                        <a:rPr lang="de-DE" baseline="30000" dirty="0"/>
+                        <a:t>4k</a:t>
+                      </a:r>
+                      <a:endParaRPr lang="de-DE" dirty="0"/>
+                    </a:p>
+                  </a:txBody>
+                  <a:tcPr/>
+                </a:tc>
+                <a:extLst>
+                  <a:ext uri="{0D108BD9-81ED-4DB2-BD59-A6C34878D82A}">
+                    <a16:rowId xmlns:a16="http://schemas.microsoft.com/office/drawing/2014/main" val="1916354729"/>
+                  </a:ext>
+                </a:extLst>
+              </a:tr>
+              <a:tr h="370840">
+                <a:tc>
+                  <a:txBody>
+                    <a:bodyPr/>
+                    <a:lstStyle/>
+                    <a:p>
+                      <a:pPr algn="ctr"/>
+                      <a:r>
+                        <a:rPr lang="de-DE" dirty="0"/>
+                        <a:t>2</a:t>
+                      </a:r>
+                    </a:p>
+                  </a:txBody>
+                  <a:tcPr/>
+                </a:tc>
+                <a:tc>
+                  <a:txBody>
+                    <a:bodyPr/>
+                    <a:lstStyle/>
+                    <a:p>
+                      <a:pPr algn="ctr"/>
+                      <a:r>
+                        <a:rPr lang="de-DE" dirty="0"/>
+                        <a:t>0</a:t>
+                      </a:r>
+                    </a:p>
+                  </a:txBody>
+                  <a:tcPr/>
+                </a:tc>
+                <a:tc>
+                  <a:txBody>
+                    <a:bodyPr/>
+                    <a:lstStyle/>
+                    <a:p>
+                      <a:pPr algn="ctr"/>
+                      <a:r>
+                        <a:rPr lang="de-DE" dirty="0"/>
+                        <a:t>-2</a:t>
+                      </a:r>
+                      <a:r>
+                        <a:rPr lang="de-DE" baseline="30000" dirty="0"/>
+                        <a:t>4k+1</a:t>
+                      </a:r>
+                      <a:endParaRPr lang="de-DE" dirty="0"/>
+                    </a:p>
+                  </a:txBody>
+                  <a:tcPr/>
+                </a:tc>
+                <a:extLst>
+                  <a:ext uri="{0D108BD9-81ED-4DB2-BD59-A6C34878D82A}">
+                    <a16:rowId xmlns:a16="http://schemas.microsoft.com/office/drawing/2014/main" val="3725642566"/>
+                  </a:ext>
+                </a:extLst>
+              </a:tr>
+              <a:tr h="370840">
+                <a:tc>
+                  <a:txBody>
+                    <a:bodyPr/>
+                    <a:lstStyle/>
+                    <a:p>
+                      <a:pPr algn="ctr"/>
+                      <a:r>
+                        <a:rPr lang="de-DE" dirty="0"/>
+                        <a:t>3</a:t>
+                      </a:r>
+                    </a:p>
+                  </a:txBody>
+                  <a:tcPr/>
+                </a:tc>
+                <a:tc>
+                  <a:txBody>
+                    <a:bodyPr/>
+                    <a:lstStyle/>
+                    <a:p>
+                      <a:pPr algn="ctr"/>
+                      <a:r>
+                        <a:rPr lang="de-DE" dirty="0"/>
+                        <a:t>2</a:t>
+                      </a:r>
+                      <a:r>
+                        <a:rPr lang="de-DE" baseline="30000" dirty="0"/>
+                        <a:t>4k+1</a:t>
+                      </a:r>
+                      <a:endParaRPr lang="de-DE" dirty="0"/>
+                    </a:p>
+                  </a:txBody>
+                  <a:tcPr/>
+                </a:tc>
+                <a:tc>
+                  <a:txBody>
+                    <a:bodyPr/>
+                    <a:lstStyle/>
+                    <a:p>
+                      <a:pPr marL="0" marR="0" lvl="0" indent="0" algn="ctr" defTabSz="914400" rtl="0" eaLnBrk="1" fontAlgn="auto" latinLnBrk="0" hangingPunct="1">
+                        <a:lnSpc>
+                          <a:spcPct val="100000"/>
+                        </a:lnSpc>
+                        <a:spcBef>
+                          <a:spcPts val="0"/>
+                        </a:spcBef>
+                        <a:spcAft>
+                          <a:spcPts val="0"/>
+                        </a:spcAft>
+                        <a:buClrTx/>
+                        <a:buSzTx/>
+                        <a:buFontTx/>
+                        <a:buNone/>
+                        <a:tabLst/>
+                        <a:defRPr/>
+                      </a:pPr>
+                      <a:r>
+                        <a:rPr lang="de-DE" dirty="0"/>
+                        <a:t>2</a:t>
+                      </a:r>
+                      <a:r>
+                        <a:rPr lang="de-DE" baseline="30000" dirty="0"/>
+                        <a:t>4k+1</a:t>
+                      </a:r>
+                      <a:endParaRPr lang="de-DE" dirty="0"/>
+                    </a:p>
+                  </a:txBody>
+                  <a:tcPr/>
+                </a:tc>
+                <a:extLst>
+                  <a:ext uri="{0D108BD9-81ED-4DB2-BD59-A6C34878D82A}">
+                    <a16:rowId xmlns:a16="http://schemas.microsoft.com/office/drawing/2014/main" val="3267930528"/>
+                  </a:ext>
+                </a:extLst>
+              </a:tr>
+              <a:tr h="370840">
+                <a:tc>
+                  <a:txBody>
+                    <a:bodyPr/>
+                    <a:lstStyle/>
+                    <a:p>
+                      <a:pPr algn="ctr"/>
+                      <a:r>
+                        <a:rPr lang="de-DE" dirty="0"/>
+                        <a:t>4</a:t>
+                      </a:r>
+                    </a:p>
+                  </a:txBody>
+                  <a:tcPr/>
+                </a:tc>
+                <a:tc>
+                  <a:txBody>
+                    <a:bodyPr/>
+                    <a:lstStyle/>
+                    <a:p>
+                      <a:pPr algn="ctr"/>
+                      <a:r>
+                        <a:rPr lang="de-DE" dirty="0"/>
+                        <a:t>-2</a:t>
+                      </a:r>
+                      <a:r>
+                        <a:rPr lang="de-DE" baseline="30000" dirty="0"/>
+                        <a:t>4k+2</a:t>
+                      </a:r>
+                      <a:endParaRPr lang="de-DE" dirty="0"/>
+                    </a:p>
+                  </a:txBody>
+                  <a:tcPr/>
+                </a:tc>
+                <a:tc>
+                  <a:txBody>
+                    <a:bodyPr/>
+                    <a:lstStyle/>
+                    <a:p>
+                      <a:pPr algn="ctr"/>
+                      <a:r>
+                        <a:rPr lang="de-DE" dirty="0"/>
+                        <a:t>0</a:t>
+                      </a:r>
+                    </a:p>
+                  </a:txBody>
+                  <a:tcPr/>
+                </a:tc>
+                <a:extLst>
+                  <a:ext uri="{0D108BD9-81ED-4DB2-BD59-A6C34878D82A}">
+                    <a16:rowId xmlns:a16="http://schemas.microsoft.com/office/drawing/2014/main" val="2051693690"/>
+                  </a:ext>
+                </a:extLst>
+              </a:tr>
+              <a:tr h="370840">
+                <a:tc>
+                  <a:txBody>
+                    <a:bodyPr/>
+                    <a:lstStyle/>
+                    <a:p>
+                      <a:pPr algn="ctr"/>
+                      <a:r>
+                        <a:rPr lang="de-DE" dirty="0"/>
+                        <a:t>5</a:t>
+                      </a:r>
+                    </a:p>
+                  </a:txBody>
+                  <a:tcPr/>
+                </a:tc>
+                <a:tc>
+                  <a:txBody>
+                    <a:bodyPr/>
+                    <a:lstStyle/>
+                    <a:p>
+                      <a:pPr algn="ctr"/>
+                      <a:r>
+                        <a:rPr lang="de-DE" dirty="0"/>
+                        <a:t>2</a:t>
+                      </a:r>
+                      <a:r>
+                        <a:rPr lang="de-DE" baseline="30000" dirty="0"/>
+                        <a:t>4k+2</a:t>
+                      </a:r>
+                      <a:endParaRPr lang="de-DE" dirty="0"/>
+                    </a:p>
+                  </a:txBody>
+                  <a:tcPr/>
+                </a:tc>
+                <a:tc>
+                  <a:txBody>
+                    <a:bodyPr/>
+                    <a:lstStyle/>
+                    <a:p>
+                      <a:pPr marL="0" marR="0" lvl="0" indent="0" algn="ctr" defTabSz="914400" rtl="0" eaLnBrk="1" fontAlgn="auto" latinLnBrk="0" hangingPunct="1">
+                        <a:lnSpc>
+                          <a:spcPct val="100000"/>
+                        </a:lnSpc>
+                        <a:spcBef>
+                          <a:spcPts val="0"/>
+                        </a:spcBef>
+                        <a:spcAft>
+                          <a:spcPts val="0"/>
+                        </a:spcAft>
+                        <a:buClrTx/>
+                        <a:buSzTx/>
+                        <a:buFontTx/>
+                        <a:buNone/>
+                        <a:tabLst/>
+                        <a:defRPr/>
+                      </a:pPr>
+                      <a:r>
+                        <a:rPr lang="de-DE" dirty="0"/>
+                        <a:t>-2</a:t>
+                      </a:r>
+                      <a:r>
+                        <a:rPr lang="de-DE" baseline="30000" dirty="0"/>
+                        <a:t>4k+2</a:t>
+                      </a:r>
+                      <a:endParaRPr lang="de-DE" dirty="0"/>
+                    </a:p>
+                  </a:txBody>
+                  <a:tcPr/>
+                </a:tc>
+                <a:extLst>
+                  <a:ext uri="{0D108BD9-81ED-4DB2-BD59-A6C34878D82A}">
+                    <a16:rowId xmlns:a16="http://schemas.microsoft.com/office/drawing/2014/main" val="3195549183"/>
+                  </a:ext>
+                </a:extLst>
+              </a:tr>
+              <a:tr h="370840">
+                <a:tc>
+                  <a:txBody>
+                    <a:bodyPr/>
+                    <a:lstStyle/>
+                    <a:p>
+                      <a:pPr algn="ctr"/>
+                      <a:r>
+                        <a:rPr lang="de-DE" dirty="0"/>
+                        <a:t>6</a:t>
+                      </a:r>
+                    </a:p>
+                  </a:txBody>
+                  <a:tcPr/>
+                </a:tc>
+                <a:tc>
+                  <a:txBody>
+                    <a:bodyPr/>
+                    <a:lstStyle/>
+                    <a:p>
+                      <a:pPr algn="ctr"/>
+                      <a:r>
+                        <a:rPr lang="de-DE" dirty="0"/>
+                        <a:t>0</a:t>
+                      </a:r>
+                    </a:p>
+                  </a:txBody>
+                  <a:tcPr/>
+                </a:tc>
+                <a:tc>
+                  <a:txBody>
+                    <a:bodyPr/>
+                    <a:lstStyle/>
+                    <a:p>
+                      <a:pPr marL="0" marR="0" lvl="0" indent="0" algn="ctr" defTabSz="914400" rtl="0" eaLnBrk="1" fontAlgn="auto" latinLnBrk="0" hangingPunct="1">
+                        <a:lnSpc>
+                          <a:spcPct val="100000"/>
+                        </a:lnSpc>
+                        <a:spcBef>
+                          <a:spcPts val="0"/>
+                        </a:spcBef>
+                        <a:spcAft>
+                          <a:spcPts val="0"/>
+                        </a:spcAft>
+                        <a:buClrTx/>
+                        <a:buSzTx/>
+                        <a:buFontTx/>
+                        <a:buNone/>
+                        <a:tabLst/>
+                        <a:defRPr/>
+                      </a:pPr>
+                      <a:r>
+                        <a:rPr lang="de-DE" dirty="0"/>
+                        <a:t>2</a:t>
+                      </a:r>
+                      <a:r>
+                        <a:rPr lang="de-DE" baseline="30000" dirty="0"/>
+                        <a:t>4k+3</a:t>
+                      </a:r>
+                      <a:endParaRPr lang="de-DE" dirty="0"/>
+                    </a:p>
+                  </a:txBody>
+                  <a:tcPr/>
+                </a:tc>
+                <a:extLst>
+                  <a:ext uri="{0D108BD9-81ED-4DB2-BD59-A6C34878D82A}">
+                    <a16:rowId xmlns:a16="http://schemas.microsoft.com/office/drawing/2014/main" val="1048547781"/>
+                  </a:ext>
+                </a:extLst>
+              </a:tr>
+              <a:tr h="370840">
+                <a:tc>
+                  <a:txBody>
+                    <a:bodyPr/>
+                    <a:lstStyle/>
+                    <a:p>
+                      <a:pPr algn="ctr"/>
+                      <a:r>
+                        <a:rPr lang="de-DE" dirty="0"/>
+                        <a:t>7</a:t>
+                      </a:r>
+                    </a:p>
+                  </a:txBody>
+                  <a:tcPr/>
+                </a:tc>
+                <a:tc>
+                  <a:txBody>
+                    <a:bodyPr/>
+                    <a:lstStyle/>
+                    <a:p>
+                      <a:pPr algn="ctr"/>
+                      <a:r>
+                        <a:rPr lang="de-DE" dirty="0"/>
+                        <a:t>-2</a:t>
+                      </a:r>
+                      <a:r>
+                        <a:rPr lang="de-DE" baseline="30000" dirty="0"/>
+                        <a:t>4k+3</a:t>
+                      </a:r>
+                      <a:endParaRPr lang="de-DE" dirty="0"/>
+                    </a:p>
+                  </a:txBody>
+                  <a:tcPr/>
+                </a:tc>
+                <a:tc>
+                  <a:txBody>
+                    <a:bodyPr/>
+                    <a:lstStyle/>
+                    <a:p>
+                      <a:pPr marL="0" marR="0" lvl="0" indent="0" algn="ctr" defTabSz="914400" rtl="0" eaLnBrk="1" fontAlgn="auto" latinLnBrk="0" hangingPunct="1">
+                        <a:lnSpc>
+                          <a:spcPct val="100000"/>
+                        </a:lnSpc>
+                        <a:spcBef>
+                          <a:spcPts val="0"/>
+                        </a:spcBef>
+                        <a:spcAft>
+                          <a:spcPts val="0"/>
+                        </a:spcAft>
+                        <a:buClrTx/>
+                        <a:buSzTx/>
+                        <a:buFontTx/>
+                        <a:buNone/>
+                        <a:tabLst/>
+                        <a:defRPr/>
+                      </a:pPr>
+                      <a:r>
+                        <a:rPr lang="de-DE" dirty="0"/>
+                        <a:t>-2</a:t>
+                      </a:r>
+                      <a:r>
+                        <a:rPr lang="de-DE" baseline="30000" dirty="0"/>
+                        <a:t>4k+3</a:t>
+                      </a:r>
+                      <a:endParaRPr lang="de-DE" dirty="0"/>
+                    </a:p>
+                  </a:txBody>
+                  <a:tcPr/>
+                </a:tc>
+                <a:extLst>
+                  <a:ext uri="{0D108BD9-81ED-4DB2-BD59-A6C34878D82A}">
+                    <a16:rowId xmlns:a16="http://schemas.microsoft.com/office/drawing/2014/main" val="1453898636"/>
+                  </a:ext>
+                </a:extLst>
+              </a:tr>
+            </a:tbl>
+          </a:graphicData>
+        </a:graphic>
+      </p:graphicFrame>
+    </p:spTree>
+    <p:extLst>
+      <p:ext uri="{BB962C8B-B14F-4D97-AF65-F5344CB8AC3E}">
+        <p14:creationId xmlns:p14="http://schemas.microsoft.com/office/powerpoint/2010/main" val="231830206"/>
+      </p:ext>
+    </p:extLst>
+  </p:cSld>
+  <p:clrMapOvr>
+    <a:masterClrMapping/>
+  </p:clrMapOvr>
+</p:sld>
+</file>
+
+<file path=ppt/slides/slide12.xml><?xml version="1.0" encoding="utf-8"?>
+<p:sld xmlns:a="http://schemas.openxmlformats.org/drawingml/2006/main" xmlns:r="http://schemas.openxmlformats.org/officeDocument/2006/relationships" xmlns:p="http://schemas.openxmlformats.org/presentationml/2006/main">
+  <p:cSld>
+    <p:spTree>
+      <p:nvGrpSpPr>
+        <p:cNvPr id="1" name=""/>
+        <p:cNvGrpSpPr/>
+        <p:nvPr/>
+      </p:nvGrpSpPr>
+      <p:grpSpPr>
+        <a:xfrm>
+          <a:off x="0" y="0"/>
+          <a:ext cx="0" cy="0"/>
+          <a:chOff x="0" y="0"/>
+          <a:chExt cx="0" cy="0"/>
+        </a:xfrm>
+      </p:grpSpPr>
+      <mc:AlternateContent xmlns:mc="http://schemas.openxmlformats.org/markup-compatibility/2006">
+        <mc:Choice xmlns:a14="http://schemas.microsoft.com/office/drawing/2010/main" Requires="a14">
+          <p:sp>
+            <p:nvSpPr>
+              <p:cNvPr id="2" name="Inhaltsplatzhalter 1"/>
+              <p:cNvSpPr>
+                <a:spLocks noGrp="1"/>
+              </p:cNvSpPr>
+              <p:nvPr>
+                <p:ph idx="1"/>
+              </p:nvPr>
+            </p:nvSpPr>
+            <p:spPr>
+              <a:xfrm>
+                <a:off x="311162" y="1689359"/>
+                <a:ext cx="8508999" cy="4699572"/>
+              </a:xfrm>
+            </p:spPr>
+            <p:txBody>
+              <a:bodyPr anchor="ctr"/>
+              <a:lstStyle/>
+              <a:p>
+                <a:pPr fontAlgn="base"/>
+                <a:r>
+                  <a:rPr lang="en-GB" dirty="0">
+                    <a:solidFill>
+                      <a:srgbClr val="232629"/>
+                    </a:solidFill>
+                  </a:rPr>
                   <a:t>SIMD-Matrixmultiplikation:</a:t>
                 </a:r>
               </a:p>
               <a:p>
-                <a:pPr algn="ctr">
-                  <a:lnSpc>
-                    <a:spcPct val="100000"/>
-                  </a:lnSpc>
-                </a:pPr>
-                <a:r>
-                  <a:rPr lang="en-GB" b="0" dirty="0">
-                    <a:solidFill>
-                      <a:srgbClr val="232629"/>
-                    </a:solidFill>
-                    <a:effectLst/>
-                  </a:rPr>
-                  <a:t>          </a:t>
-                </a:r>
+                <a:pPr algn="ctr" fontAlgn="base"/>
                 <a14:m>
                   <m:oMath xmlns:m="http://schemas.openxmlformats.org/officeDocument/2006/math">
                     <m:sSup>
@@ -10307,6 +12316,16 @@
                         </m:ctrlPr>
                       </m:sSupPr>
                       <m:e>
+                        <m:r>
+                          <a:rPr lang="de-DE" b="0" i="1" dirty="0" smtClean="0">
+                            <a:solidFill>
+                              <a:srgbClr val="232629"/>
+                            </a:solidFill>
+                            <a:effectLst/>
+                            <a:latin typeface="Cambria Math" panose="02040503050406030204" pitchFamily="18" charset="0"/>
+                          </a:rPr>
+                          <m:t>            </m:t>
+                        </m:r>
                         <m:d>
                           <m:dPr>
                             <m:ctrlPr>
@@ -11131,7 +13150,7 @@
                                 <m:t>𝑎</m:t>
                               </m:r>
                               <m:r>
-                                <a:rPr lang="de-DE" b="0" i="1" dirty="0" smtClean="0">
+                                <a:rPr lang="de-DE" b="0" i="1" baseline="-25000" dirty="0" smtClean="0">
                                   <a:solidFill>
                                     <a:srgbClr val="232629"/>
                                   </a:solidFill>
@@ -11286,9 +13305,28 @@
                           <m:mr>
                             <m:e>
                               <m:r>
-                                <m:rPr>
-                                  <m:brk m:alnAt="7"/>
-                                </m:rPr>
+                                <a:rPr lang="en-GB" b="0" i="1" dirty="0" smtClean="0">
+                                  <a:solidFill>
+                                    <a:srgbClr val="232629"/>
+                                  </a:solidFill>
+                                  <a:latin typeface="Cambria Math" panose="02040503050406030204" pitchFamily="18" charset="0"/>
+                                </a:rPr>
+                                <m:t>2</m:t>
+                              </m:r>
+                              <m:r>
+                                <a:rPr lang="de-DE" b="0" i="1" baseline="30000" dirty="0" smtClean="0">
+                                  <a:solidFill>
+                                    <a:srgbClr val="232629"/>
+                                  </a:solidFill>
+                                  <a:latin typeface="Cambria Math" panose="02040503050406030204" pitchFamily="18" charset="0"/>
+                                </a:rPr>
+                                <m:t>0</m:t>
+                              </m:r>
+                            </m:e>
+                          </m:mr>
+                          <m:mr>
+                            <m:e>
+                              <m:r>
                                 <a:rPr lang="de-DE" b="0" i="1" dirty="0" smtClean="0">
                                   <a:solidFill>
                                     <a:srgbClr val="232629"/>
@@ -11613,47 +13651,21 @@
                                   <a:latin typeface="Cambria Math" panose="02040503050406030204" pitchFamily="18" charset="0"/>
                                 </a:rPr>
                                 <m:t>60</m:t>
-                              </m:r>
-                            </m:e>
-                          </m:mr>
-                          <m:mr>
-                            <m:e>
-                              <m:r>
-                                <a:rPr lang="de-DE" b="0" i="1" dirty="0" smtClean="0">
-                                  <a:solidFill>
-                                    <a:srgbClr val="232629"/>
-                                  </a:solidFill>
-                                  <a:latin typeface="Cambria Math" panose="02040503050406030204" pitchFamily="18" charset="0"/>
-                                </a:rPr>
-                                <m:t>2</m:t>
-                              </m:r>
-                              <m:r>
-                                <a:rPr lang="de-DE" b="0" i="1" baseline="30000" dirty="0" smtClean="0">
-                                  <a:solidFill>
-                                    <a:srgbClr val="232629"/>
-                                  </a:solidFill>
-                                  <a:latin typeface="Cambria Math" panose="02040503050406030204" pitchFamily="18" charset="0"/>
-                                </a:rPr>
-                                <m:t>64</m:t>
                               </m:r>
                             </m:e>
                           </m:mr>
                         </m:m>
                       </m:e>
                     </m:d>
-                  </m:oMath>
-                </a14:m>
-                <a:r>
-                  <a:rPr lang="en-GB" dirty="0">
-                    <a:solidFill>
-                      <a:srgbClr val="232629"/>
-                    </a:solidFill>
-                    <a:latin typeface="-apple-system"/>
-                  </a:rPr>
-                  <a:t>  </a:t>
-                </a:r>
-                <a14:m>
-                  <m:oMath xmlns:m="http://schemas.openxmlformats.org/officeDocument/2006/math">
+                    <m:r>
+                      <a:rPr lang="en-GB" i="1" dirty="0" smtClean="0">
+                        <a:solidFill>
+                          <a:srgbClr val="232629"/>
+                        </a:solidFill>
+                        <a:latin typeface="Cambria Math" panose="02040503050406030204" pitchFamily="18" charset="0"/>
+                      </a:rPr>
+                      <m:t> </m:t>
+                    </m:r>
                     <m:r>
                       <a:rPr lang="de-DE" b="0" i="1" dirty="0" smtClean="0">
                         <a:solidFill>
@@ -11747,10 +13759,14 @@
               </p:nvPr>
             </p:nvSpPr>
             <p:spPr>
+              <a:xfrm>
+                <a:off x="311162" y="1689359"/>
+                <a:ext cx="8508999" cy="4699572"/>
+              </a:xfrm>
               <a:blipFill>
                 <a:blip r:embed="rId2"/>
                 <a:stretch>
-                  <a:fillRect l="-1339" t="-1078"/>
+                  <a:fillRect l="-1490"/>
                 </a:stretch>
               </a:blipFill>
             </p:spPr>
@@ -11787,7 +13803,7 @@
             <a:fld id="{CE58CB1E-F828-4F11-99E0-327109AF9DA4}" type="slidenum">
               <a:rPr lang="de-DE" smtClean="0"/>
               <a:pPr/>
-              <a:t>10</a:t>
+              <a:t>12</a:t>
             </a:fld>
             <a:endParaRPr lang="de-DE" dirty="0"/>
           </a:p>
@@ -11856,7 +13872,778 @@
 </p:sld>
 </file>
 
-<file path=ppt/slides/slide11.xml><?xml version="1.0" encoding="utf-8"?>
+<file path=ppt/slides/slide13.xml><?xml version="1.0" encoding="utf-8"?>
+<p:sld xmlns:a="http://schemas.openxmlformats.org/drawingml/2006/main" xmlns:r="http://schemas.openxmlformats.org/officeDocument/2006/relationships" xmlns:p="http://schemas.openxmlformats.org/presentationml/2006/main">
+  <p:cSld>
+    <p:spTree>
+      <p:nvGrpSpPr>
+        <p:cNvPr id="1" name=""/>
+        <p:cNvGrpSpPr/>
+        <p:nvPr/>
+      </p:nvGrpSpPr>
+      <p:grpSpPr>
+        <a:xfrm>
+          <a:off x="0" y="0"/>
+          <a:ext cx="0" cy="0"/>
+          <a:chOff x="0" y="0"/>
+          <a:chExt cx="0" cy="0"/>
+        </a:xfrm>
+      </p:grpSpPr>
+      <mc:AlternateContent xmlns:mc="http://schemas.openxmlformats.org/markup-compatibility/2006">
+        <mc:Choice xmlns:a14="http://schemas.microsoft.com/office/drawing/2010/main" Requires="a14">
+          <p:sp>
+            <p:nvSpPr>
+              <p:cNvPr id="2" name="Inhaltsplatzhalter 1"/>
+              <p:cNvSpPr>
+                <a:spLocks noGrp="1"/>
+              </p:cNvSpPr>
+              <p:nvPr>
+                <p:ph idx="1"/>
+              </p:nvPr>
+            </p:nvSpPr>
+            <p:spPr/>
+            <p:txBody>
+              <a:bodyPr/>
+              <a:lstStyle/>
+              <a:p>
+                <a:r>
+                  <a:rPr lang="de-DE" dirty="0"/>
+                  <a:t>Division der Zahl durch die gewählte Basis:</a:t>
+                </a:r>
+              </a:p>
+              <a:p>
+                <a:endParaRPr lang="de-DE" dirty="0"/>
+              </a:p>
+              <a:p>
+                <a14:m>
+                  <m:oMathPara xmlns:m="http://schemas.openxmlformats.org/officeDocument/2006/math">
+                    <m:oMathParaPr>
+                      <m:jc m:val="centerGroup"/>
+                    </m:oMathParaPr>
+                    <m:oMath xmlns:m="http://schemas.openxmlformats.org/officeDocument/2006/math">
+                      <m:f>
+                        <m:fPr>
+                          <m:ctrlPr>
+                            <a:rPr lang="de-DE" i="1" smtClean="0">
+                              <a:latin typeface="Cambria Math" panose="02040503050406030204" pitchFamily="18" charset="0"/>
+                            </a:rPr>
+                          </m:ctrlPr>
+                        </m:fPr>
+                        <m:num>
+                          <m:r>
+                            <a:rPr lang="de-DE" b="0" i="1" smtClean="0">
+                              <a:latin typeface="Cambria Math" panose="02040503050406030204" pitchFamily="18" charset="0"/>
+                            </a:rPr>
+                            <m:t>𝑛</m:t>
+                          </m:r>
+                          <m:r>
+                            <a:rPr lang="de-DE" b="0" i="1" smtClean="0">
+                              <a:latin typeface="Cambria Math" panose="02040503050406030204" pitchFamily="18" charset="0"/>
+                            </a:rPr>
+                            <m:t>+</m:t>
+                          </m:r>
+                          <m:r>
+                            <a:rPr lang="de-DE" b="0" i="1" smtClean="0">
+                              <a:latin typeface="Cambria Math" panose="02040503050406030204" pitchFamily="18" charset="0"/>
+                            </a:rPr>
+                            <m:t>𝑖𝑚</m:t>
+                          </m:r>
+                        </m:num>
+                        <m:den>
+                          <m:r>
+                            <a:rPr lang="de-DE" b="0" i="1" smtClean="0">
+                              <a:latin typeface="Cambria Math" panose="02040503050406030204" pitchFamily="18" charset="0"/>
+                            </a:rPr>
+                            <m:t>−1+</m:t>
+                          </m:r>
+                          <m:r>
+                            <a:rPr lang="de-DE" b="0" i="1" smtClean="0">
+                              <a:latin typeface="Cambria Math" panose="02040503050406030204" pitchFamily="18" charset="0"/>
+                            </a:rPr>
+                            <m:t>𝑖</m:t>
+                          </m:r>
+                        </m:den>
+                      </m:f>
+                      <m:r>
+                        <a:rPr lang="de-DE" i="1" smtClean="0">
+                          <a:latin typeface="Cambria Math" panose="02040503050406030204" pitchFamily="18" charset="0"/>
+                          <a:ea typeface="Cambria Math" panose="02040503050406030204" pitchFamily="18" charset="0"/>
+                        </a:rPr>
+                        <m:t>=</m:t>
+                      </m:r>
+                      <m:f>
+                        <m:fPr>
+                          <m:ctrlPr>
+                            <a:rPr lang="de-DE" i="1" smtClean="0">
+                              <a:latin typeface="Cambria Math" panose="02040503050406030204" pitchFamily="18" charset="0"/>
+                              <a:ea typeface="Cambria Math" panose="02040503050406030204" pitchFamily="18" charset="0"/>
+                            </a:rPr>
+                          </m:ctrlPr>
+                        </m:fPr>
+                        <m:num>
+                          <m:r>
+                            <a:rPr lang="de-DE" b="0" i="1" smtClean="0">
+                              <a:latin typeface="Cambria Math" panose="02040503050406030204" pitchFamily="18" charset="0"/>
+                              <a:ea typeface="Cambria Math" panose="02040503050406030204" pitchFamily="18" charset="0"/>
+                            </a:rPr>
+                            <m:t>(</m:t>
+                          </m:r>
+                          <m:r>
+                            <a:rPr lang="de-DE" b="0" i="1" smtClean="0">
+                              <a:latin typeface="Cambria Math" panose="02040503050406030204" pitchFamily="18" charset="0"/>
+                              <a:ea typeface="Cambria Math" panose="02040503050406030204" pitchFamily="18" charset="0"/>
+                            </a:rPr>
+                            <m:t>𝑛</m:t>
+                          </m:r>
+                          <m:r>
+                            <a:rPr lang="de-DE" b="0" i="1" smtClean="0">
+                              <a:latin typeface="Cambria Math" panose="02040503050406030204" pitchFamily="18" charset="0"/>
+                              <a:ea typeface="Cambria Math" panose="02040503050406030204" pitchFamily="18" charset="0"/>
+                            </a:rPr>
+                            <m:t>+</m:t>
+                          </m:r>
+                          <m:r>
+                            <a:rPr lang="de-DE" b="0" i="1" smtClean="0">
+                              <a:latin typeface="Cambria Math" panose="02040503050406030204" pitchFamily="18" charset="0"/>
+                              <a:ea typeface="Cambria Math" panose="02040503050406030204" pitchFamily="18" charset="0"/>
+                            </a:rPr>
+                            <m:t>𝑖𝑚</m:t>
+                          </m:r>
+                          <m:r>
+                            <a:rPr lang="de-DE" b="0" i="1" smtClean="0">
+                              <a:latin typeface="Cambria Math" panose="02040503050406030204" pitchFamily="18" charset="0"/>
+                              <a:ea typeface="Cambria Math" panose="02040503050406030204" pitchFamily="18" charset="0"/>
+                            </a:rPr>
+                            <m:t>)(−1−</m:t>
+                          </m:r>
+                          <m:r>
+                            <a:rPr lang="de-DE" b="0" i="1" smtClean="0">
+                              <a:latin typeface="Cambria Math" panose="02040503050406030204" pitchFamily="18" charset="0"/>
+                              <a:ea typeface="Cambria Math" panose="02040503050406030204" pitchFamily="18" charset="0"/>
+                            </a:rPr>
+                            <m:t>𝑖</m:t>
+                          </m:r>
+                          <m:r>
+                            <a:rPr lang="de-DE" b="0" i="1" smtClean="0">
+                              <a:latin typeface="Cambria Math" panose="02040503050406030204" pitchFamily="18" charset="0"/>
+                              <a:ea typeface="Cambria Math" panose="02040503050406030204" pitchFamily="18" charset="0"/>
+                            </a:rPr>
+                            <m:t>)</m:t>
+                          </m:r>
+                        </m:num>
+                        <m:den>
+                          <m:r>
+                            <a:rPr lang="de-DE" b="0" i="1" smtClean="0">
+                              <a:latin typeface="Cambria Math" panose="02040503050406030204" pitchFamily="18" charset="0"/>
+                              <a:ea typeface="Cambria Math" panose="02040503050406030204" pitchFamily="18" charset="0"/>
+                            </a:rPr>
+                            <m:t>2</m:t>
+                          </m:r>
+                        </m:den>
+                      </m:f>
+                      <m:r>
+                        <a:rPr lang="de-DE" i="1" smtClean="0">
+                          <a:latin typeface="Cambria Math" panose="02040503050406030204" pitchFamily="18" charset="0"/>
+                          <a:ea typeface="Cambria Math" panose="02040503050406030204" pitchFamily="18" charset="0"/>
+                        </a:rPr>
+                        <m:t>=</m:t>
+                      </m:r>
+                      <m:f>
+                        <m:fPr>
+                          <m:ctrlPr>
+                            <a:rPr lang="de-DE" i="1" smtClean="0">
+                              <a:latin typeface="Cambria Math" panose="02040503050406030204" pitchFamily="18" charset="0"/>
+                              <a:ea typeface="Cambria Math" panose="02040503050406030204" pitchFamily="18" charset="0"/>
+                            </a:rPr>
+                          </m:ctrlPr>
+                        </m:fPr>
+                        <m:num>
+                          <m:r>
+                            <a:rPr lang="de-DE" b="0" i="1" smtClean="0">
+                              <a:latin typeface="Cambria Math" panose="02040503050406030204" pitchFamily="18" charset="0"/>
+                              <a:ea typeface="Cambria Math" panose="02040503050406030204" pitchFamily="18" charset="0"/>
+                            </a:rPr>
+                            <m:t>𝑚</m:t>
+                          </m:r>
+                          <m:r>
+                            <a:rPr lang="de-DE" b="0" i="1" smtClean="0">
+                              <a:latin typeface="Cambria Math" panose="02040503050406030204" pitchFamily="18" charset="0"/>
+                              <a:ea typeface="Cambria Math" panose="02040503050406030204" pitchFamily="18" charset="0"/>
+                            </a:rPr>
+                            <m:t>−</m:t>
+                          </m:r>
+                          <m:r>
+                            <a:rPr lang="de-DE" b="0" i="1" smtClean="0">
+                              <a:latin typeface="Cambria Math" panose="02040503050406030204" pitchFamily="18" charset="0"/>
+                              <a:ea typeface="Cambria Math" panose="02040503050406030204" pitchFamily="18" charset="0"/>
+                            </a:rPr>
+                            <m:t>𝑛</m:t>
+                          </m:r>
+                        </m:num>
+                        <m:den>
+                          <m:r>
+                            <a:rPr lang="de-DE" b="0" i="1" smtClean="0">
+                              <a:latin typeface="Cambria Math" panose="02040503050406030204" pitchFamily="18" charset="0"/>
+                              <a:ea typeface="Cambria Math" panose="02040503050406030204" pitchFamily="18" charset="0"/>
+                            </a:rPr>
+                            <m:t>2</m:t>
+                          </m:r>
+                        </m:den>
+                      </m:f>
+                      <m:r>
+                        <a:rPr lang="de-DE" i="1" smtClean="0">
+                          <a:latin typeface="Cambria Math" panose="02040503050406030204" pitchFamily="18" charset="0"/>
+                          <a:ea typeface="Cambria Math" panose="02040503050406030204" pitchFamily="18" charset="0"/>
+                        </a:rPr>
+                        <m:t>−</m:t>
+                      </m:r>
+                      <m:r>
+                        <a:rPr lang="de-DE" b="0" i="1" smtClean="0">
+                          <a:latin typeface="Cambria Math" panose="02040503050406030204" pitchFamily="18" charset="0"/>
+                          <a:ea typeface="Cambria Math" panose="02040503050406030204" pitchFamily="18" charset="0"/>
+                        </a:rPr>
+                        <m:t>𝑖</m:t>
+                      </m:r>
+                      <m:f>
+                        <m:fPr>
+                          <m:ctrlPr>
+                            <a:rPr lang="de-DE" i="1" smtClean="0">
+                              <a:latin typeface="Cambria Math" panose="02040503050406030204" pitchFamily="18" charset="0"/>
+                              <a:ea typeface="Cambria Math" panose="02040503050406030204" pitchFamily="18" charset="0"/>
+                            </a:rPr>
+                          </m:ctrlPr>
+                        </m:fPr>
+                        <m:num>
+                          <m:r>
+                            <a:rPr lang="de-DE" b="0" i="1" smtClean="0">
+                              <a:latin typeface="Cambria Math" panose="02040503050406030204" pitchFamily="18" charset="0"/>
+                              <a:ea typeface="Cambria Math" panose="02040503050406030204" pitchFamily="18" charset="0"/>
+                            </a:rPr>
+                            <m:t>𝑛</m:t>
+                          </m:r>
+                          <m:r>
+                            <a:rPr lang="de-DE" b="0" i="1" smtClean="0">
+                              <a:latin typeface="Cambria Math" panose="02040503050406030204" pitchFamily="18" charset="0"/>
+                              <a:ea typeface="Cambria Math" panose="02040503050406030204" pitchFamily="18" charset="0"/>
+                            </a:rPr>
+                            <m:t>+</m:t>
+                          </m:r>
+                          <m:r>
+                            <a:rPr lang="de-DE" b="0" i="1" smtClean="0">
+                              <a:latin typeface="Cambria Math" panose="02040503050406030204" pitchFamily="18" charset="0"/>
+                              <a:ea typeface="Cambria Math" panose="02040503050406030204" pitchFamily="18" charset="0"/>
+                            </a:rPr>
+                            <m:t>𝑚</m:t>
+                          </m:r>
+                        </m:num>
+                        <m:den>
+                          <m:r>
+                            <a:rPr lang="de-DE" b="0" i="1" smtClean="0">
+                              <a:latin typeface="Cambria Math" panose="02040503050406030204" pitchFamily="18" charset="0"/>
+                              <a:ea typeface="Cambria Math" panose="02040503050406030204" pitchFamily="18" charset="0"/>
+                            </a:rPr>
+                            <m:t>2</m:t>
+                          </m:r>
+                        </m:den>
+                      </m:f>
+                    </m:oMath>
+                  </m:oMathPara>
+                </a14:m>
+                <a:endParaRPr lang="de-DE" dirty="0"/>
+              </a:p>
+              <a:p>
+                <a:r>
+                  <a:rPr lang="de-DE" dirty="0"/>
+                  <a:t>Daraus folgt:</a:t>
+                </a:r>
+              </a:p>
+              <a:p>
+                <a:endParaRPr lang="de-DE" dirty="0"/>
+              </a:p>
+              <a:p>
+                <a:pPr marL="461963" lvl="1" indent="-285750">
+                  <a:buFont typeface="Arial" panose="020B0604020202020204" pitchFamily="34" charset="0"/>
+                  <a:buChar char="•"/>
+                </a:pPr>
+                <a:r>
+                  <a:rPr lang="de-DE" dirty="0"/>
+                  <a:t>Wenn </a:t>
+                </a:r>
+                <a14:m>
+                  <m:oMath xmlns:m="http://schemas.openxmlformats.org/officeDocument/2006/math">
+                    <m:r>
+                      <a:rPr lang="de-DE" b="0" i="1" smtClean="0">
+                        <a:latin typeface="Cambria Math" panose="02040503050406030204" pitchFamily="18" charset="0"/>
+                      </a:rPr>
+                      <m:t>𝑛</m:t>
+                    </m:r>
+                  </m:oMath>
+                </a14:m>
+                <a:r>
+                  <a:rPr lang="de-DE" dirty="0"/>
+                  <a:t> und </a:t>
+                </a:r>
+                <a14:m>
+                  <m:oMath xmlns:m="http://schemas.openxmlformats.org/officeDocument/2006/math">
+                    <m:r>
+                      <a:rPr lang="de-DE" i="1">
+                        <a:latin typeface="Cambria Math" panose="02040503050406030204" pitchFamily="18" charset="0"/>
+                        <a:ea typeface="Cambria Math" panose="02040503050406030204" pitchFamily="18" charset="0"/>
+                      </a:rPr>
+                      <m:t>𝑚</m:t>
+                    </m:r>
+                  </m:oMath>
+                </a14:m>
+                <a:r>
+                  <a:rPr lang="de-DE" dirty="0"/>
+                  <a:t> beide gerade oder ungerade sind: </a:t>
+                </a:r>
+              </a:p>
+              <a:p>
+                <a:pPr lvl="1" indent="0">
+                  <a:buNone/>
+                </a:pPr>
+                <a:endParaRPr lang="de-DE" i="1" dirty="0">
+                  <a:latin typeface="Cambria Math" panose="02040503050406030204" pitchFamily="18" charset="0"/>
+                </a:endParaRPr>
+              </a:p>
+              <a:p>
+                <a:pPr lvl="1" indent="0">
+                  <a:buNone/>
+                </a:pPr>
+                <a14:m>
+                  <m:oMathPara xmlns:m="http://schemas.openxmlformats.org/officeDocument/2006/math">
+                    <m:oMathParaPr>
+                      <m:jc m:val="centerGroup"/>
+                    </m:oMathParaPr>
+                    <m:oMath xmlns:m="http://schemas.openxmlformats.org/officeDocument/2006/math">
+                      <m:f>
+                        <m:fPr>
+                          <m:ctrlPr>
+                            <a:rPr lang="de-DE" i="1" smtClean="0">
+                              <a:latin typeface="Cambria Math" panose="02040503050406030204" pitchFamily="18" charset="0"/>
+                            </a:rPr>
+                          </m:ctrlPr>
+                        </m:fPr>
+                        <m:num>
+                          <m:r>
+                            <a:rPr lang="de-DE" b="0" i="1" smtClean="0">
+                              <a:latin typeface="Cambria Math" panose="02040503050406030204" pitchFamily="18" charset="0"/>
+                            </a:rPr>
+                            <m:t>𝑚</m:t>
+                          </m:r>
+                          <m:r>
+                            <a:rPr lang="de-DE" b="0" i="1" smtClean="0">
+                              <a:latin typeface="Cambria Math" panose="02040503050406030204" pitchFamily="18" charset="0"/>
+                            </a:rPr>
+                            <m:t>−</m:t>
+                          </m:r>
+                          <m:r>
+                            <a:rPr lang="de-DE" b="0" i="1" smtClean="0">
+                              <a:latin typeface="Cambria Math" panose="02040503050406030204" pitchFamily="18" charset="0"/>
+                            </a:rPr>
+                            <m:t>𝑛</m:t>
+                          </m:r>
+                        </m:num>
+                        <m:den>
+                          <m:r>
+                            <a:rPr lang="de-DE" b="0" i="1" smtClean="0">
+                              <a:latin typeface="Cambria Math" panose="02040503050406030204" pitchFamily="18" charset="0"/>
+                            </a:rPr>
+                            <m:t>2</m:t>
+                          </m:r>
+                        </m:den>
+                      </m:f>
+                      <m:r>
+                        <a:rPr lang="de-DE" i="1">
+                          <a:latin typeface="Cambria Math" panose="02040503050406030204" pitchFamily="18" charset="0"/>
+                          <a:ea typeface="Cambria Math" panose="02040503050406030204" pitchFamily="18" charset="0"/>
+                        </a:rPr>
+                        <m:t>−</m:t>
+                      </m:r>
+                      <m:r>
+                        <a:rPr lang="de-DE" b="0" i="1" smtClean="0">
+                          <a:latin typeface="Cambria Math" panose="02040503050406030204" pitchFamily="18" charset="0"/>
+                          <a:ea typeface="Cambria Math" panose="02040503050406030204" pitchFamily="18" charset="0"/>
+                        </a:rPr>
+                        <m:t>𝑖</m:t>
+                      </m:r>
+                      <m:f>
+                        <m:fPr>
+                          <m:ctrlPr>
+                            <a:rPr lang="de-DE" i="1" smtClean="0">
+                              <a:latin typeface="Cambria Math" panose="02040503050406030204" pitchFamily="18" charset="0"/>
+                              <a:ea typeface="Cambria Math" panose="02040503050406030204" pitchFamily="18" charset="0"/>
+                            </a:rPr>
+                          </m:ctrlPr>
+                        </m:fPr>
+                        <m:num>
+                          <m:r>
+                            <a:rPr lang="de-DE" b="0" i="1" smtClean="0">
+                              <a:latin typeface="Cambria Math" panose="02040503050406030204" pitchFamily="18" charset="0"/>
+                              <a:ea typeface="Cambria Math" panose="02040503050406030204" pitchFamily="18" charset="0"/>
+                            </a:rPr>
+                            <m:t>𝑛</m:t>
+                          </m:r>
+                          <m:r>
+                            <a:rPr lang="de-DE" b="0" i="1" smtClean="0">
+                              <a:latin typeface="Cambria Math" panose="02040503050406030204" pitchFamily="18" charset="0"/>
+                              <a:ea typeface="Cambria Math" panose="02040503050406030204" pitchFamily="18" charset="0"/>
+                            </a:rPr>
+                            <m:t>+</m:t>
+                          </m:r>
+                          <m:r>
+                            <a:rPr lang="de-DE" b="0" i="1" smtClean="0">
+                              <a:latin typeface="Cambria Math" panose="02040503050406030204" pitchFamily="18" charset="0"/>
+                              <a:ea typeface="Cambria Math" panose="02040503050406030204" pitchFamily="18" charset="0"/>
+                            </a:rPr>
+                            <m:t>𝑚</m:t>
+                          </m:r>
+                        </m:num>
+                        <m:den>
+                          <m:r>
+                            <a:rPr lang="de-DE" b="0" i="1" smtClean="0">
+                              <a:latin typeface="Cambria Math" panose="02040503050406030204" pitchFamily="18" charset="0"/>
+                              <a:ea typeface="Cambria Math" panose="02040503050406030204" pitchFamily="18" charset="0"/>
+                            </a:rPr>
+                            <m:t>2</m:t>
+                          </m:r>
+                        </m:den>
+                      </m:f>
+                    </m:oMath>
+                  </m:oMathPara>
+                </a14:m>
+                <a:endParaRPr lang="de-DE" dirty="0"/>
+              </a:p>
+              <a:p>
+                <a:pPr lvl="1" indent="0">
+                  <a:buNone/>
+                </a:pPr>
+                <a:endParaRPr lang="de-DE" dirty="0"/>
+              </a:p>
+              <a:p>
+                <a:pPr marL="461963" lvl="1" indent="-285750"/>
+                <a:r>
+                  <a:rPr lang="de-DE" dirty="0"/>
+                  <a:t>Wenn nur eins von </a:t>
+                </a:r>
+                <a14:m>
+                  <m:oMath xmlns:m="http://schemas.openxmlformats.org/officeDocument/2006/math">
+                    <m:r>
+                      <a:rPr lang="de-DE" b="0" i="1" smtClean="0">
+                        <a:latin typeface="Cambria Math" panose="02040503050406030204" pitchFamily="18" charset="0"/>
+                      </a:rPr>
+                      <m:t>𝑛</m:t>
+                    </m:r>
+                  </m:oMath>
+                </a14:m>
+                <a:r>
+                  <a:rPr lang="de-DE" dirty="0"/>
+                  <a:t> oder </a:t>
+                </a:r>
+                <a14:m>
+                  <m:oMath xmlns:m="http://schemas.openxmlformats.org/officeDocument/2006/math">
+                    <m:r>
+                      <a:rPr lang="de-DE" i="1">
+                        <a:latin typeface="Cambria Math" panose="02040503050406030204" pitchFamily="18" charset="0"/>
+                        <a:ea typeface="Cambria Math" panose="02040503050406030204" pitchFamily="18" charset="0"/>
+                      </a:rPr>
+                      <m:t>𝑚</m:t>
+                    </m:r>
+                  </m:oMath>
+                </a14:m>
+                <a:r>
+                  <a:rPr lang="de-DE" dirty="0"/>
+                  <a:t> gerade(bzw. das andere ungerade) ist: </a:t>
+                </a:r>
+              </a:p>
+              <a:p>
+                <a:pPr lvl="1" indent="0">
+                  <a:buNone/>
+                </a:pPr>
+                <a:endParaRPr lang="de-DE" i="1" dirty="0">
+                  <a:latin typeface="Cambria Math" panose="02040503050406030204" pitchFamily="18" charset="0"/>
+                </a:endParaRPr>
+              </a:p>
+              <a:p>
+                <a:pPr lvl="1" indent="0">
+                  <a:buNone/>
+                </a:pPr>
+                <a14:m>
+                  <m:oMathPara xmlns:m="http://schemas.openxmlformats.org/officeDocument/2006/math">
+                    <m:oMathParaPr>
+                      <m:jc m:val="centerGroup"/>
+                    </m:oMathParaPr>
+                    <m:oMath xmlns:m="http://schemas.openxmlformats.org/officeDocument/2006/math">
+                      <m:f>
+                        <m:fPr>
+                          <m:ctrlPr>
+                            <a:rPr lang="de-DE" i="1" smtClean="0">
+                              <a:latin typeface="Cambria Math" panose="02040503050406030204" pitchFamily="18" charset="0"/>
+                            </a:rPr>
+                          </m:ctrlPr>
+                        </m:fPr>
+                        <m:num>
+                          <m:r>
+                            <a:rPr lang="de-DE" b="0" i="1" smtClean="0">
+                              <a:latin typeface="Cambria Math" panose="02040503050406030204" pitchFamily="18" charset="0"/>
+                            </a:rPr>
+                            <m:t>𝑚</m:t>
+                          </m:r>
+                          <m:r>
+                            <a:rPr lang="de-DE" b="0" i="1" smtClean="0">
+                              <a:latin typeface="Cambria Math" panose="02040503050406030204" pitchFamily="18" charset="0"/>
+                            </a:rPr>
+                            <m:t>−</m:t>
+                          </m:r>
+                          <m:r>
+                            <a:rPr lang="de-DE" b="0" i="1" smtClean="0">
+                              <a:latin typeface="Cambria Math" panose="02040503050406030204" pitchFamily="18" charset="0"/>
+                            </a:rPr>
+                            <m:t>𝑛</m:t>
+                          </m:r>
+                          <m:r>
+                            <a:rPr lang="de-DE" b="0" i="1" smtClean="0">
+                              <a:latin typeface="Cambria Math" panose="02040503050406030204" pitchFamily="18" charset="0"/>
+                            </a:rPr>
+                            <m:t>+1</m:t>
+                          </m:r>
+                        </m:num>
+                        <m:den>
+                          <m:r>
+                            <a:rPr lang="de-DE" b="0" i="1" smtClean="0">
+                              <a:latin typeface="Cambria Math" panose="02040503050406030204" pitchFamily="18" charset="0"/>
+                            </a:rPr>
+                            <m:t>2</m:t>
+                          </m:r>
+                        </m:den>
+                      </m:f>
+                      <m:r>
+                        <a:rPr lang="de-DE" b="0" i="1" smtClean="0">
+                          <a:latin typeface="Cambria Math" panose="02040503050406030204" pitchFamily="18" charset="0"/>
+                        </a:rPr>
+                        <m:t>−</m:t>
+                      </m:r>
+                      <m:r>
+                        <a:rPr lang="de-DE" b="0" i="1" smtClean="0">
+                          <a:latin typeface="Cambria Math" panose="02040503050406030204" pitchFamily="18" charset="0"/>
+                        </a:rPr>
+                        <m:t>𝑖</m:t>
+                      </m:r>
+                      <m:f>
+                        <m:fPr>
+                          <m:ctrlPr>
+                            <a:rPr lang="de-DE" b="0" i="1" smtClean="0">
+                              <a:latin typeface="Cambria Math" panose="02040503050406030204" pitchFamily="18" charset="0"/>
+                            </a:rPr>
+                          </m:ctrlPr>
+                        </m:fPr>
+                        <m:num>
+                          <m:r>
+                            <a:rPr lang="de-DE" b="0" i="1" smtClean="0">
+                              <a:latin typeface="Cambria Math" panose="02040503050406030204" pitchFamily="18" charset="0"/>
+                            </a:rPr>
+                            <m:t>𝑛</m:t>
+                          </m:r>
+                          <m:r>
+                            <a:rPr lang="de-DE" b="0" i="1" smtClean="0">
+                              <a:latin typeface="Cambria Math" panose="02040503050406030204" pitchFamily="18" charset="0"/>
+                            </a:rPr>
+                            <m:t>+</m:t>
+                          </m:r>
+                          <m:r>
+                            <a:rPr lang="de-DE" b="0" i="1" smtClean="0">
+                              <a:latin typeface="Cambria Math" panose="02040503050406030204" pitchFamily="18" charset="0"/>
+                            </a:rPr>
+                            <m:t>𝑚</m:t>
+                          </m:r>
+                          <m:r>
+                            <a:rPr lang="de-DE" b="0" i="1" smtClean="0">
+                              <a:latin typeface="Cambria Math" panose="02040503050406030204" pitchFamily="18" charset="0"/>
+                            </a:rPr>
+                            <m:t>−1</m:t>
+                          </m:r>
+                        </m:num>
+                        <m:den>
+                          <m:r>
+                            <a:rPr lang="de-DE" b="0" i="1" smtClean="0">
+                              <a:latin typeface="Cambria Math" panose="02040503050406030204" pitchFamily="18" charset="0"/>
+                            </a:rPr>
+                            <m:t>2</m:t>
+                          </m:r>
+                        </m:den>
+                      </m:f>
+                    </m:oMath>
+                  </m:oMathPara>
+                </a14:m>
+                <a:endParaRPr lang="de-DE" dirty="0"/>
+              </a:p>
+              <a:p>
+                <a:pPr lvl="1" indent="0">
+                  <a:buNone/>
+                </a:pPr>
+                <a:r>
+                  <a:rPr lang="de-DE" dirty="0"/>
+                  <a:t>				</a:t>
+                </a:r>
+              </a:p>
+              <a:p>
+                <a:pPr lvl="1" indent="0">
+                  <a:buNone/>
+                </a:pPr>
+                <a:endParaRPr lang="de-DE" dirty="0"/>
+              </a:p>
+              <a:p>
+                <a:r>
+                  <a:rPr lang="de-DE" dirty="0"/>
+                  <a:t>	</a:t>
+                </a:r>
+              </a:p>
+              <a:p>
+                <a:r>
+                  <a:rPr lang="de-DE" dirty="0">
+                    <a:ea typeface="Cambria Math" panose="02040503050406030204" pitchFamily="18" charset="0"/>
+                  </a:rPr>
+                  <a:t>				 </a:t>
+                </a:r>
+                <a:r>
+                  <a:rPr lang="de-DE" dirty="0"/>
+                  <a:t>		</a:t>
+                </a:r>
+              </a:p>
+            </p:txBody>
+          </p:sp>
+        </mc:Choice>
+        <mc:Fallback>
+          <p:sp>
+            <p:nvSpPr>
+              <p:cNvPr id="2" name="Inhaltsplatzhalter 1"/>
+              <p:cNvSpPr>
+                <a:spLocks noGrp="1" noRot="1" noChangeAspect="1" noMove="1" noResize="1" noEditPoints="1" noAdjustHandles="1" noChangeArrowheads="1" noChangeShapeType="1" noTextEdit="1"/>
+              </p:cNvSpPr>
+              <p:nvPr>
+                <p:ph idx="1"/>
+              </p:nvPr>
+            </p:nvSpPr>
+            <p:spPr>
+              <a:blipFill>
+                <a:blip r:embed="rId2"/>
+                <a:stretch>
+                  <a:fillRect l="-1339" t="-1348"/>
+                </a:stretch>
+              </a:blipFill>
+            </p:spPr>
+            <p:txBody>
+              <a:bodyPr/>
+              <a:lstStyle/>
+              <a:p>
+                <a:r>
+                  <a:rPr lang="en-DE">
+                    <a:noFill/>
+                  </a:rPr>
+                  <a:t> </a:t>
+                </a:r>
+              </a:p>
+            </p:txBody>
+          </p:sp>
+        </mc:Fallback>
+      </mc:AlternateContent>
+      <p:sp>
+        <p:nvSpPr>
+          <p:cNvPr id="4" name="Foliennummernplatzhalter 3"/>
+          <p:cNvSpPr>
+            <a:spLocks noGrp="1"/>
+          </p:cNvSpPr>
+          <p:nvPr>
+            <p:ph type="sldNum" sz="quarter" idx="11"/>
+          </p:nvPr>
+        </p:nvSpPr>
+        <p:spPr/>
+        <p:txBody>
+          <a:bodyPr/>
+          <a:lstStyle/>
+          <a:p>
+            <a:fld id="{CE58CB1E-F828-4F11-99E0-327109AF9DA4}" type="slidenum">
+              <a:rPr lang="de-DE" smtClean="0"/>
+              <a:pPr/>
+              <a:t>13</a:t>
+            </a:fld>
+            <a:endParaRPr lang="de-DE" dirty="0"/>
+          </a:p>
+        </p:txBody>
+      </p:sp>
+      <p:sp>
+        <p:nvSpPr>
+          <p:cNvPr id="5" name="Fußzeilenplatzhalter 4"/>
+          <p:cNvSpPr>
+            <a:spLocks noGrp="1"/>
+          </p:cNvSpPr>
+          <p:nvPr>
+            <p:ph type="ftr" sz="quarter" idx="12"/>
+          </p:nvPr>
+        </p:nvSpPr>
+        <p:spPr/>
+        <p:txBody>
+          <a:bodyPr/>
+          <a:lstStyle/>
+          <a:p>
+            <a:r>
+              <a:rPr lang="de-DE" dirty="0"/>
+              <a:t>Alireza Kamalidehghan, Mostafa Nejati Hatamian, Sina Mozaffari Tabar | GRA</a:t>
+            </a:r>
+            <a:endParaRPr lang="en-US" dirty="0"/>
+          </a:p>
+        </p:txBody>
+      </p:sp>
+      <p:sp>
+        <p:nvSpPr>
+          <p:cNvPr id="3" name="Titel 2"/>
+          <p:cNvSpPr>
+            <a:spLocks noGrp="1"/>
+          </p:cNvSpPr>
+          <p:nvPr>
+            <p:ph type="title"/>
+          </p:nvPr>
+        </p:nvSpPr>
+        <p:spPr>
+          <a:xfrm>
+            <a:off x="319090" y="994334"/>
+            <a:ext cx="8508999" cy="410369"/>
+          </a:xfrm>
+        </p:spPr>
+        <p:txBody>
+          <a:bodyPr/>
+          <a:lstStyle/>
+          <a:p>
+            <a:r>
+              <a:rPr lang="en-GB" sz="3200" dirty="0"/>
+              <a:t>to_bm1pi </a:t>
+            </a:r>
+            <a:r>
+              <a:rPr lang="de-DE" sz="3200" dirty="0"/>
+              <a:t>Methode </a:t>
+            </a:r>
+            <a:r>
+              <a:rPr lang="en-GB" sz="3200" dirty="0"/>
+              <a:t>- Variante I</a:t>
+            </a:r>
+          </a:p>
+        </p:txBody>
+      </p:sp>
+    </p:spTree>
+    <p:extLst>
+      <p:ext uri="{BB962C8B-B14F-4D97-AF65-F5344CB8AC3E}">
+        <p14:creationId xmlns:p14="http://schemas.microsoft.com/office/powerpoint/2010/main" val="690377440"/>
+      </p:ext>
+    </p:extLst>
+  </p:cSld>
+  <p:clrMapOvr>
+    <a:masterClrMapping/>
+  </p:clrMapOvr>
+</p:sld>
+</file>
+
+<file path=ppt/slides/slide14.xml><?xml version="1.0" encoding="utf-8"?>
 <p:sld xmlns:a="http://schemas.openxmlformats.org/drawingml/2006/main" xmlns:r="http://schemas.openxmlformats.org/officeDocument/2006/relationships" xmlns:p="http://schemas.openxmlformats.org/presentationml/2006/main">
   <p:cSld>
     <p:spTree>
@@ -11888,7 +14675,35 @@
           <a:bodyPr/>
           <a:lstStyle/>
           <a:p>
-            <a:endParaRPr lang="de-DE" dirty="0"/>
+            <a:r>
+              <a:rPr lang="de-DE" dirty="0">
+                <a:solidFill>
+                  <a:srgbClr val="232629"/>
+                </a:solidFill>
+              </a:rPr>
+              <a:t>Beispiel</a:t>
+            </a:r>
+            <a:r>
+              <a:rPr lang="de-DE" dirty="0">
+                <a:solidFill>
+                  <a:srgbClr val="232629"/>
+                </a:solidFill>
+                <a:latin typeface="var(--theme-post-title-font-family)"/>
+              </a:rPr>
+              <a:t> (Input 3+2i) : </a:t>
+            </a:r>
+            <a:endParaRPr lang="de-DE" b="0" dirty="0"/>
+          </a:p>
+          <a:p>
+            <a:pPr algn="ctr"/>
+            <a:r>
+              <a:rPr lang="de-DE" sz="1200" dirty="0"/>
+              <a:t> </a:t>
+            </a:r>
+          </a:p>
+          <a:p>
+            <a:pPr algn="ctr"/>
+            <a:endParaRPr lang="de-DE" sz="1200" dirty="0"/>
           </a:p>
         </p:txBody>
       </p:sp>
@@ -11910,7 +14725,7 @@
             <a:fld id="{CE58CB1E-F828-4F11-99E0-327109AF9DA4}" type="slidenum">
               <a:rPr lang="de-DE" smtClean="0"/>
               <a:pPr/>
-              <a:t>11</a:t>
+              <a:t>14</a:t>
             </a:fld>
             <a:endParaRPr lang="de-DE" dirty="0"/>
           </a:p>
@@ -11961,23 +14776,747 @@
           <a:p>
             <a:r>
               <a:rPr lang="en-GB" sz="3200" dirty="0"/>
-              <a:t>to_bm1pi </a:t>
-            </a:r>
-            <a:r>
-              <a:rPr lang="de-DE" sz="3200" dirty="0"/>
-              <a:t>Methode </a:t>
-            </a:r>
-            <a:r>
-              <a:rPr lang="en-GB" sz="3200" dirty="0"/>
-              <a:t>- Variante I</a:t>
+              <a:t>to_carthesian Methode - Variante I</a:t>
             </a:r>
           </a:p>
         </p:txBody>
       </p:sp>
+      <p:graphicFrame>
+        <p:nvGraphicFramePr>
+          <p:cNvPr id="6" name="Table 6">
+            <a:extLst>
+              <a:ext uri="{FF2B5EF4-FFF2-40B4-BE49-F238E27FC236}">
+                <a16:creationId xmlns:a16="http://schemas.microsoft.com/office/drawing/2014/main" id="{B73B6AFB-93F5-B79A-9C56-02E1FF4D66A9}"/>
+              </a:ext>
+            </a:extLst>
+          </p:cNvPr>
+          <p:cNvGraphicFramePr>
+            <a:graphicFrameLocks noGrp="1"/>
+          </p:cNvGraphicFramePr>
+          <p:nvPr>
+            <p:extLst>
+              <p:ext uri="{D42A27DB-BD31-4B8C-83A1-F6EECF244321}">
+                <p14:modId xmlns:p14="http://schemas.microsoft.com/office/powerpoint/2010/main" val="386572894"/>
+              </p:ext>
+            </p:extLst>
+          </p:nvPr>
+        </p:nvGraphicFramePr>
+        <p:xfrm>
+          <a:off x="603943" y="2316480"/>
+          <a:ext cx="7936114" cy="2225040"/>
+        </p:xfrm>
+        <a:graphic>
+          <a:graphicData uri="http://schemas.openxmlformats.org/drawingml/2006/table">
+            <a:tbl>
+              <a:tblPr firstRow="1" bandRow="1">
+                <a:tableStyleId>{5C22544A-7EE6-4342-B048-85BDC9FD1C3A}</a:tableStyleId>
+              </a:tblPr>
+              <a:tblGrid>
+                <a:gridCol w="1126223">
+                  <a:extLst>
+                    <a:ext uri="{9D8B030D-6E8A-4147-A177-3AD203B41FA5}">
+                      <a16:colId xmlns:a16="http://schemas.microsoft.com/office/drawing/2014/main" val="3110496611"/>
+                    </a:ext>
+                  </a:extLst>
+                </a:gridCol>
+                <a:gridCol w="1126223">
+                  <a:extLst>
+                    <a:ext uri="{9D8B030D-6E8A-4147-A177-3AD203B41FA5}">
+                      <a16:colId xmlns:a16="http://schemas.microsoft.com/office/drawing/2014/main" val="3296346216"/>
+                    </a:ext>
+                  </a:extLst>
+                </a:gridCol>
+                <a:gridCol w="1126223">
+                  <a:extLst>
+                    <a:ext uri="{9D8B030D-6E8A-4147-A177-3AD203B41FA5}">
+                      <a16:colId xmlns:a16="http://schemas.microsoft.com/office/drawing/2014/main" val="3863114103"/>
+                    </a:ext>
+                  </a:extLst>
+                </a:gridCol>
+                <a:gridCol w="1126223">
+                  <a:extLst>
+                    <a:ext uri="{9D8B030D-6E8A-4147-A177-3AD203B41FA5}">
+                      <a16:colId xmlns:a16="http://schemas.microsoft.com/office/drawing/2014/main" val="1560980440"/>
+                    </a:ext>
+                  </a:extLst>
+                </a:gridCol>
+                <a:gridCol w="1046241">
+                  <a:extLst>
+                    <a:ext uri="{9D8B030D-6E8A-4147-A177-3AD203B41FA5}">
+                      <a16:colId xmlns:a16="http://schemas.microsoft.com/office/drawing/2014/main" val="3097230524"/>
+                    </a:ext>
+                  </a:extLst>
+                </a:gridCol>
+                <a:gridCol w="999242">
+                  <a:extLst>
+                    <a:ext uri="{9D8B030D-6E8A-4147-A177-3AD203B41FA5}">
+                      <a16:colId xmlns:a16="http://schemas.microsoft.com/office/drawing/2014/main" val="1122621032"/>
+                    </a:ext>
+                  </a:extLst>
+                </a:gridCol>
+                <a:gridCol w="1385739">
+                  <a:extLst>
+                    <a:ext uri="{9D8B030D-6E8A-4147-A177-3AD203B41FA5}">
+                      <a16:colId xmlns:a16="http://schemas.microsoft.com/office/drawing/2014/main" val="4179418615"/>
+                    </a:ext>
+                  </a:extLst>
+                </a:gridCol>
+              </a:tblGrid>
+              <a:tr h="370840">
+                <a:tc gridSpan="2">
+                  <a:txBody>
+                    <a:bodyPr/>
+                    <a:lstStyle/>
+                    <a:p>
+                      <a:pPr algn="ctr"/>
+                      <a:endParaRPr lang="de-DE" dirty="0"/>
+                    </a:p>
+                  </a:txBody>
+                  <a:tcPr/>
+                </a:tc>
+                <a:tc hMerge="1">
+                  <a:txBody>
+                    <a:bodyPr/>
+                    <a:lstStyle/>
+                    <a:p>
+                      <a:pPr algn="ctr"/>
+                      <a:endParaRPr lang="de-DE" dirty="0"/>
+                    </a:p>
+                  </a:txBody>
+                  <a:tcPr/>
+                </a:tc>
+                <a:tc gridSpan="2">
+                  <a:txBody>
+                    <a:bodyPr/>
+                    <a:lstStyle/>
+                    <a:p>
+                      <a:pPr algn="ctr"/>
+                      <a:r>
+                        <a:rPr lang="de-DE" sz="1500" dirty="0"/>
+                        <a:t>(Division by (-1+i)) * 2</a:t>
+                      </a:r>
+                    </a:p>
+                  </a:txBody>
+                  <a:tcPr/>
+                </a:tc>
+                <a:tc hMerge="1">
+                  <a:txBody>
+                    <a:bodyPr/>
+                    <a:lstStyle/>
+                    <a:p>
+                      <a:pPr algn="ctr"/>
+                      <a:endParaRPr lang="de-DE" dirty="0"/>
+                    </a:p>
+                  </a:txBody>
+                  <a:tcPr/>
+                </a:tc>
+                <a:tc gridSpan="2">
+                  <a:txBody>
+                    <a:bodyPr/>
+                    <a:lstStyle/>
+                    <a:p>
+                      <a:pPr algn="ctr"/>
+                      <a:r>
+                        <a:rPr lang="de-DE" dirty="0"/>
+                        <a:t>Modified</a:t>
+                      </a:r>
+                    </a:p>
+                  </a:txBody>
+                  <a:tcPr/>
+                </a:tc>
+                <a:tc hMerge="1">
+                  <a:txBody>
+                    <a:bodyPr/>
+                    <a:lstStyle/>
+                    <a:p>
+                      <a:pPr algn="ctr"/>
+                      <a:endParaRPr lang="de-DE" dirty="0"/>
+                    </a:p>
+                  </a:txBody>
+                  <a:tcPr/>
+                </a:tc>
+                <a:tc>
+                  <a:txBody>
+                    <a:bodyPr/>
+                    <a:lstStyle/>
+                    <a:p>
+                      <a:pPr marL="0" marR="0" lvl="0" indent="0" algn="ctr" defTabSz="914400" rtl="0" eaLnBrk="1" fontAlgn="auto" latinLnBrk="0" hangingPunct="1">
+                        <a:lnSpc>
+                          <a:spcPct val="100000"/>
+                        </a:lnSpc>
+                        <a:spcBef>
+                          <a:spcPts val="0"/>
+                        </a:spcBef>
+                        <a:spcAft>
+                          <a:spcPts val="0"/>
+                        </a:spcAft>
+                        <a:buClrTx/>
+                        <a:buSzTx/>
+                        <a:buFontTx/>
+                        <a:buNone/>
+                        <a:tabLst/>
+                        <a:defRPr/>
+                      </a:pPr>
+                      <a:endParaRPr lang="de-DE" dirty="0"/>
+                    </a:p>
+                  </a:txBody>
+                  <a:tcPr/>
+                </a:tc>
+                <a:extLst>
+                  <a:ext uri="{0D108BD9-81ED-4DB2-BD59-A6C34878D82A}">
+                    <a16:rowId xmlns:a16="http://schemas.microsoft.com/office/drawing/2014/main" val="2970227620"/>
+                  </a:ext>
+                </a:extLst>
+              </a:tr>
+              <a:tr h="370840">
+                <a:tc>
+                  <a:txBody>
+                    <a:bodyPr/>
+                    <a:lstStyle/>
+                    <a:p>
+                      <a:pPr algn="ctr"/>
+                      <a:r>
+                        <a:rPr lang="de-DE" dirty="0"/>
+                        <a:t>Real</a:t>
+                      </a:r>
+                    </a:p>
+                  </a:txBody>
+                  <a:tcPr/>
+                </a:tc>
+                <a:tc>
+                  <a:txBody>
+                    <a:bodyPr/>
+                    <a:lstStyle/>
+                    <a:p>
+                      <a:pPr algn="ctr"/>
+                      <a:r>
+                        <a:rPr lang="de-DE" dirty="0"/>
+                        <a:t>Imag</a:t>
+                      </a:r>
+                    </a:p>
+                  </a:txBody>
+                  <a:tcPr/>
+                </a:tc>
+                <a:tc>
+                  <a:txBody>
+                    <a:bodyPr/>
+                    <a:lstStyle/>
+                    <a:p>
+                      <a:pPr algn="ctr"/>
+                      <a:r>
+                        <a:rPr lang="de-DE" dirty="0"/>
+                        <a:t>Real</a:t>
+                      </a:r>
+                    </a:p>
+                  </a:txBody>
+                  <a:tcPr/>
+                </a:tc>
+                <a:tc>
+                  <a:txBody>
+                    <a:bodyPr/>
+                    <a:lstStyle/>
+                    <a:p>
+                      <a:pPr algn="ctr"/>
+                      <a:r>
+                        <a:rPr lang="de-DE" dirty="0"/>
+                        <a:t>Imag</a:t>
+                      </a:r>
+                    </a:p>
+                  </a:txBody>
+                  <a:tcPr/>
+                </a:tc>
+                <a:tc>
+                  <a:txBody>
+                    <a:bodyPr/>
+                    <a:lstStyle/>
+                    <a:p>
+                      <a:pPr algn="ctr"/>
+                      <a:r>
+                        <a:rPr lang="de-DE" dirty="0"/>
+                        <a:t>Real</a:t>
+                      </a:r>
+                    </a:p>
+                  </a:txBody>
+                  <a:tcPr/>
+                </a:tc>
+                <a:tc>
+                  <a:txBody>
+                    <a:bodyPr/>
+                    <a:lstStyle/>
+                    <a:p>
+                      <a:pPr algn="ctr"/>
+                      <a:r>
+                        <a:rPr lang="de-DE" dirty="0"/>
+                        <a:t>Imag</a:t>
+                      </a:r>
+                    </a:p>
+                  </a:txBody>
+                  <a:tcPr/>
+                </a:tc>
+                <a:tc>
+                  <a:txBody>
+                    <a:bodyPr/>
+                    <a:lstStyle/>
+                    <a:p>
+                      <a:pPr marL="0" marR="0" lvl="0" indent="0" algn="ctr" defTabSz="914400" rtl="0" eaLnBrk="1" fontAlgn="auto" latinLnBrk="0" hangingPunct="1">
+                        <a:lnSpc>
+                          <a:spcPct val="100000"/>
+                        </a:lnSpc>
+                        <a:spcBef>
+                          <a:spcPts val="0"/>
+                        </a:spcBef>
+                        <a:spcAft>
+                          <a:spcPts val="0"/>
+                        </a:spcAft>
+                        <a:buClrTx/>
+                        <a:buSzTx/>
+                        <a:buFontTx/>
+                        <a:buNone/>
+                        <a:tabLst/>
+                        <a:defRPr/>
+                      </a:pPr>
+                      <a:r>
+                        <a:rPr lang="de-DE" dirty="0"/>
+                        <a:t>Remainder</a:t>
+                      </a:r>
+                    </a:p>
+                  </a:txBody>
+                  <a:tcPr/>
+                </a:tc>
+                <a:extLst>
+                  <a:ext uri="{0D108BD9-81ED-4DB2-BD59-A6C34878D82A}">
+                    <a16:rowId xmlns:a16="http://schemas.microsoft.com/office/drawing/2014/main" val="2163059051"/>
+                  </a:ext>
+                </a:extLst>
+              </a:tr>
+              <a:tr h="370840">
+                <a:tc>
+                  <a:txBody>
+                    <a:bodyPr/>
+                    <a:lstStyle/>
+                    <a:p>
+                      <a:pPr algn="ctr"/>
+                      <a:r>
+                        <a:rPr lang="de-DE" dirty="0"/>
+                        <a:t>3</a:t>
+                      </a:r>
+                    </a:p>
+                  </a:txBody>
+                  <a:tcPr/>
+                </a:tc>
+                <a:tc>
+                  <a:txBody>
+                    <a:bodyPr/>
+                    <a:lstStyle/>
+                    <a:p>
+                      <a:pPr algn="ctr"/>
+                      <a:r>
+                        <a:rPr lang="de-DE" dirty="0"/>
+                        <a:t>2</a:t>
+                      </a:r>
+                    </a:p>
+                  </a:txBody>
+                  <a:tcPr/>
+                </a:tc>
+                <a:tc>
+                  <a:txBody>
+                    <a:bodyPr/>
+                    <a:lstStyle/>
+                    <a:p>
+                      <a:pPr algn="ctr"/>
+                      <a:r>
+                        <a:rPr lang="de-DE" dirty="0"/>
+                        <a:t>-1</a:t>
+                      </a:r>
+                    </a:p>
+                  </a:txBody>
+                  <a:tcPr/>
+                </a:tc>
+                <a:tc>
+                  <a:txBody>
+                    <a:bodyPr/>
+                    <a:lstStyle/>
+                    <a:p>
+                      <a:pPr algn="ctr"/>
+                      <a:r>
+                        <a:rPr lang="de-DE" dirty="0"/>
+                        <a:t>-5</a:t>
+                      </a:r>
+                    </a:p>
+                  </a:txBody>
+                  <a:tcPr/>
+                </a:tc>
+                <a:tc>
+                  <a:txBody>
+                    <a:bodyPr/>
+                    <a:lstStyle/>
+                    <a:p>
+                      <a:pPr algn="ctr"/>
+                      <a:r>
+                        <a:rPr lang="de-DE" dirty="0"/>
+                        <a:t>0</a:t>
+                      </a:r>
+                    </a:p>
+                  </a:txBody>
+                  <a:tcPr/>
+                </a:tc>
+                <a:tc>
+                  <a:txBody>
+                    <a:bodyPr/>
+                    <a:lstStyle/>
+                    <a:p>
+                      <a:pPr algn="ctr"/>
+                      <a:r>
+                        <a:rPr lang="de-DE" dirty="0"/>
+                        <a:t>-4</a:t>
+                      </a:r>
+                    </a:p>
+                  </a:txBody>
+                  <a:tcPr/>
+                </a:tc>
+                <a:tc>
+                  <a:txBody>
+                    <a:bodyPr/>
+                    <a:lstStyle/>
+                    <a:p>
+                      <a:pPr algn="ctr"/>
+                      <a:r>
+                        <a:rPr lang="de-DE" dirty="0"/>
+                        <a:t>1</a:t>
+                      </a:r>
+                    </a:p>
+                  </a:txBody>
+                  <a:tcPr/>
+                </a:tc>
+                <a:extLst>
+                  <a:ext uri="{0D108BD9-81ED-4DB2-BD59-A6C34878D82A}">
+                    <a16:rowId xmlns:a16="http://schemas.microsoft.com/office/drawing/2014/main" val="334353408"/>
+                  </a:ext>
+                </a:extLst>
+              </a:tr>
+              <a:tr h="370840">
+                <a:tc>
+                  <a:txBody>
+                    <a:bodyPr/>
+                    <a:lstStyle/>
+                    <a:p>
+                      <a:pPr algn="ctr"/>
+                      <a:r>
+                        <a:rPr lang="de-DE" dirty="0"/>
+                        <a:t>0</a:t>
+                      </a:r>
+                    </a:p>
+                  </a:txBody>
+                  <a:tcPr/>
+                </a:tc>
+                <a:tc>
+                  <a:txBody>
+                    <a:bodyPr/>
+                    <a:lstStyle/>
+                    <a:p>
+                      <a:pPr algn="ctr"/>
+                      <a:r>
+                        <a:rPr lang="de-DE" dirty="0"/>
+                        <a:t>-2</a:t>
+                      </a:r>
+                    </a:p>
+                  </a:txBody>
+                  <a:tcPr/>
+                </a:tc>
+                <a:tc>
+                  <a:txBody>
+                    <a:bodyPr/>
+                    <a:lstStyle/>
+                    <a:p>
+                      <a:pPr algn="ctr"/>
+                      <a:r>
+                        <a:rPr lang="de-DE" dirty="0"/>
+                        <a:t>-2</a:t>
+                      </a:r>
+                    </a:p>
+                  </a:txBody>
+                  <a:tcPr/>
+                </a:tc>
+                <a:tc>
+                  <a:txBody>
+                    <a:bodyPr/>
+                    <a:lstStyle/>
+                    <a:p>
+                      <a:pPr algn="ctr"/>
+                      <a:r>
+                        <a:rPr lang="de-DE" dirty="0"/>
+                        <a:t>2</a:t>
+                      </a:r>
+                    </a:p>
+                  </a:txBody>
+                  <a:tcPr/>
+                </a:tc>
+                <a:tc>
+                  <a:txBody>
+                    <a:bodyPr/>
+                    <a:lstStyle/>
+                    <a:p>
+                      <a:pPr algn="ctr"/>
+                      <a:r>
+                        <a:rPr lang="de-DE" dirty="0"/>
+                        <a:t>-2</a:t>
+                      </a:r>
+                    </a:p>
+                  </a:txBody>
+                  <a:tcPr/>
+                </a:tc>
+                <a:tc>
+                  <a:txBody>
+                    <a:bodyPr/>
+                    <a:lstStyle/>
+                    <a:p>
+                      <a:pPr algn="ctr"/>
+                      <a:r>
+                        <a:rPr lang="de-DE" dirty="0"/>
+                        <a:t>2</a:t>
+                      </a:r>
+                    </a:p>
+                  </a:txBody>
+                  <a:tcPr/>
+                </a:tc>
+                <a:tc>
+                  <a:txBody>
+                    <a:bodyPr/>
+                    <a:lstStyle/>
+                    <a:p>
+                      <a:pPr algn="ctr"/>
+                      <a:r>
+                        <a:rPr lang="de-DE" dirty="0"/>
+                        <a:t>0</a:t>
+                      </a:r>
+                    </a:p>
+                  </a:txBody>
+                  <a:tcPr/>
+                </a:tc>
+                <a:extLst>
+                  <a:ext uri="{0D108BD9-81ED-4DB2-BD59-A6C34878D82A}">
+                    <a16:rowId xmlns:a16="http://schemas.microsoft.com/office/drawing/2014/main" val="4170464874"/>
+                  </a:ext>
+                </a:extLst>
+              </a:tr>
+              <a:tr h="370840">
+                <a:tc>
+                  <a:txBody>
+                    <a:bodyPr/>
+                    <a:lstStyle/>
+                    <a:p>
+                      <a:pPr algn="ctr"/>
+                      <a:r>
+                        <a:rPr lang="de-DE" dirty="0"/>
+                        <a:t>-1</a:t>
+                      </a:r>
+                    </a:p>
+                  </a:txBody>
+                  <a:tcPr/>
+                </a:tc>
+                <a:tc>
+                  <a:txBody>
+                    <a:bodyPr/>
+                    <a:lstStyle/>
+                    <a:p>
+                      <a:pPr algn="ctr"/>
+                      <a:r>
+                        <a:rPr lang="de-DE" dirty="0"/>
+                        <a:t>1</a:t>
+                      </a:r>
+                    </a:p>
+                  </a:txBody>
+                  <a:tcPr/>
+                </a:tc>
+                <a:tc>
+                  <a:txBody>
+                    <a:bodyPr/>
+                    <a:lstStyle/>
+                    <a:p>
+                      <a:pPr algn="ctr"/>
+                      <a:r>
+                        <a:rPr lang="de-DE" dirty="0"/>
+                        <a:t>2</a:t>
+                      </a:r>
+                    </a:p>
+                  </a:txBody>
+                  <a:tcPr/>
+                </a:tc>
+                <a:tc>
+                  <a:txBody>
+                    <a:bodyPr/>
+                    <a:lstStyle/>
+                    <a:p>
+                      <a:pPr algn="ctr"/>
+                      <a:r>
+                        <a:rPr lang="de-DE" dirty="0"/>
+                        <a:t>0</a:t>
+                      </a:r>
+                    </a:p>
+                  </a:txBody>
+                  <a:tcPr/>
+                </a:tc>
+                <a:tc>
+                  <a:txBody>
+                    <a:bodyPr/>
+                    <a:lstStyle/>
+                    <a:p>
+                      <a:pPr algn="ctr"/>
+                      <a:r>
+                        <a:rPr lang="de-DE" dirty="0"/>
+                        <a:t>2</a:t>
+                      </a:r>
+                    </a:p>
+                  </a:txBody>
+                  <a:tcPr/>
+                </a:tc>
+                <a:tc>
+                  <a:txBody>
+                    <a:bodyPr/>
+                    <a:lstStyle/>
+                    <a:p>
+                      <a:pPr algn="ctr"/>
+                      <a:r>
+                        <a:rPr lang="de-DE" dirty="0"/>
+                        <a:t>0</a:t>
+                      </a:r>
+                    </a:p>
+                  </a:txBody>
+                  <a:tcPr/>
+                </a:tc>
+                <a:tc>
+                  <a:txBody>
+                    <a:bodyPr/>
+                    <a:lstStyle/>
+                    <a:p>
+                      <a:pPr algn="ctr"/>
+                      <a:r>
+                        <a:rPr lang="de-DE" dirty="0"/>
+                        <a:t>0</a:t>
+                      </a:r>
+                    </a:p>
+                  </a:txBody>
+                  <a:tcPr/>
+                </a:tc>
+                <a:extLst>
+                  <a:ext uri="{0D108BD9-81ED-4DB2-BD59-A6C34878D82A}">
+                    <a16:rowId xmlns:a16="http://schemas.microsoft.com/office/drawing/2014/main" val="3142062274"/>
+                  </a:ext>
+                </a:extLst>
+              </a:tr>
+              <a:tr h="370840">
+                <a:tc>
+                  <a:txBody>
+                    <a:bodyPr/>
+                    <a:lstStyle/>
+                    <a:p>
+                      <a:pPr algn="ctr"/>
+                      <a:r>
+                        <a:rPr lang="de-DE" dirty="0"/>
+                        <a:t>1</a:t>
+                      </a:r>
+                    </a:p>
+                  </a:txBody>
+                  <a:tcPr/>
+                </a:tc>
+                <a:tc>
+                  <a:txBody>
+                    <a:bodyPr/>
+                    <a:lstStyle/>
+                    <a:p>
+                      <a:pPr algn="ctr"/>
+                      <a:r>
+                        <a:rPr lang="de-DE" dirty="0"/>
+                        <a:t>0</a:t>
+                      </a:r>
+                    </a:p>
+                  </a:txBody>
+                  <a:tcPr/>
+                </a:tc>
+                <a:tc>
+                  <a:txBody>
+                    <a:bodyPr/>
+                    <a:lstStyle/>
+                    <a:p>
+                      <a:pPr algn="ctr"/>
+                      <a:r>
+                        <a:rPr lang="de-DE" dirty="0"/>
+                        <a:t>-1</a:t>
+                      </a:r>
+                    </a:p>
+                  </a:txBody>
+                  <a:tcPr/>
+                </a:tc>
+                <a:tc>
+                  <a:txBody>
+                    <a:bodyPr/>
+                    <a:lstStyle/>
+                    <a:p>
+                      <a:pPr algn="ctr"/>
+                      <a:r>
+                        <a:rPr lang="de-DE" dirty="0"/>
+                        <a:t>-1</a:t>
+                      </a:r>
+                    </a:p>
+                  </a:txBody>
+                  <a:tcPr/>
+                </a:tc>
+                <a:tc>
+                  <a:txBody>
+                    <a:bodyPr/>
+                    <a:lstStyle/>
+                    <a:p>
+                      <a:pPr algn="ctr"/>
+                      <a:r>
+                        <a:rPr lang="de-DE" dirty="0"/>
+                        <a:t>0</a:t>
+                      </a:r>
+                    </a:p>
+                  </a:txBody>
+                  <a:tcPr/>
+                </a:tc>
+                <a:tc>
+                  <a:txBody>
+                    <a:bodyPr/>
+                    <a:lstStyle/>
+                    <a:p>
+                      <a:pPr algn="ctr"/>
+                      <a:r>
+                        <a:rPr lang="de-DE" dirty="0"/>
+                        <a:t>0</a:t>
+                      </a:r>
+                    </a:p>
+                  </a:txBody>
+                  <a:tcPr/>
+                </a:tc>
+                <a:tc>
+                  <a:txBody>
+                    <a:bodyPr/>
+                    <a:lstStyle/>
+                    <a:p>
+                      <a:pPr algn="ctr"/>
+                      <a:r>
+                        <a:rPr lang="de-DE" dirty="0"/>
+                        <a:t>1</a:t>
+                      </a:r>
+                    </a:p>
+                  </a:txBody>
+                  <a:tcPr/>
+                </a:tc>
+                <a:extLst>
+                  <a:ext uri="{0D108BD9-81ED-4DB2-BD59-A6C34878D82A}">
+                    <a16:rowId xmlns:a16="http://schemas.microsoft.com/office/drawing/2014/main" val="195797028"/>
+                  </a:ext>
+                </a:extLst>
+              </a:tr>
+            </a:tbl>
+          </a:graphicData>
+        </a:graphic>
+      </p:graphicFrame>
     </p:spTree>
     <p:extLst>
       <p:ext uri="{BB962C8B-B14F-4D97-AF65-F5344CB8AC3E}">
-        <p14:creationId xmlns:p14="http://schemas.microsoft.com/office/powerpoint/2010/main" val="2684955199"/>
+        <p14:creationId xmlns:p14="http://schemas.microsoft.com/office/powerpoint/2010/main" val="36148616"/>
       </p:ext>
     </p:extLst>
   </p:cSld>
@@ -11987,7 +15526,7 @@
 </p:sld>
 </file>
 
-<file path=ppt/slides/slide12.xml><?xml version="1.0" encoding="utf-8"?>
+<file path=ppt/slides/slide15.xml><?xml version="1.0" encoding="utf-8"?>
 <p:sld xmlns:a="http://schemas.openxmlformats.org/drawingml/2006/main" xmlns:r="http://schemas.openxmlformats.org/officeDocument/2006/relationships" xmlns:p="http://schemas.openxmlformats.org/presentationml/2006/main">
   <p:cSld>
     <p:spTree>
@@ -12060,7 +15599,7 @@
 </p:sld>
 </file>
 
-<file path=ppt/slides/slide13.xml><?xml version="1.0" encoding="utf-8"?>
+<file path=ppt/slides/slide16.xml><?xml version="1.0" encoding="utf-8"?>
 <p:sld xmlns:a="http://schemas.openxmlformats.org/drawingml/2006/main" xmlns:r="http://schemas.openxmlformats.org/officeDocument/2006/relationships" xmlns:p="http://schemas.openxmlformats.org/presentationml/2006/main">
   <p:cSld>
     <p:spTree>
@@ -12111,7 +15650,7 @@
                   <a:spcPts val="600"/>
                 </a:spcAft>
               </a:pPr>
-              <a:t>13</a:t>
+              <a:t>16</a:t>
             </a:fld>
             <a:endParaRPr lang="de-DE"/>
           </a:p>
@@ -12670,200 +16209,7 @@
 </p:sld>
 </file>
 
-<file path=ppt/slides/slide14.xml><?xml version="1.0" encoding="utf-8"?>
-<p:sld xmlns:a="http://schemas.openxmlformats.org/drawingml/2006/main" xmlns:r="http://schemas.openxmlformats.org/officeDocument/2006/relationships" xmlns:p="http://schemas.openxmlformats.org/presentationml/2006/main">
-  <p:cSld>
-    <p:spTree>
-      <p:nvGrpSpPr>
-        <p:cNvPr id="1" name=""/>
-        <p:cNvGrpSpPr/>
-        <p:nvPr/>
-      </p:nvGrpSpPr>
-      <p:grpSpPr>
-        <a:xfrm>
-          <a:off x="0" y="0"/>
-          <a:ext cx="0" cy="0"/>
-          <a:chOff x="0" y="0"/>
-          <a:chExt cx="0" cy="0"/>
-        </a:xfrm>
-      </p:grpSpPr>
-      <p:sp>
-        <p:nvSpPr>
-          <p:cNvPr id="5" name="Titel 4"/>
-          <p:cNvSpPr>
-            <a:spLocks noGrp="1"/>
-          </p:cNvSpPr>
-          <p:nvPr>
-            <p:ph type="title"/>
-          </p:nvPr>
-        </p:nvSpPr>
-        <p:spPr/>
-        <p:txBody>
-          <a:bodyPr/>
-          <a:lstStyle/>
-          <a:p>
-            <a:r>
-              <a:rPr lang="en-GB" sz="2800" dirty="0"/>
-              <a:t>Zusammenfassung</a:t>
-            </a:r>
-            <a:endParaRPr lang="de-DE" dirty="0"/>
-          </a:p>
-        </p:txBody>
-      </p:sp>
-      <p:sp>
-        <p:nvSpPr>
-          <p:cNvPr id="3" name="Inhaltsplatzhalter 2"/>
-          <p:cNvSpPr>
-            <a:spLocks noGrp="1"/>
-          </p:cNvSpPr>
-          <p:nvPr>
-            <p:ph idx="10"/>
-          </p:nvPr>
-        </p:nvSpPr>
-        <p:spPr/>
-        <p:txBody>
-          <a:bodyPr/>
-          <a:lstStyle/>
-          <a:p>
-            <a:r>
-              <a:rPr lang="de-DE" dirty="0"/>
-              <a:t> </a:t>
-            </a:r>
-          </a:p>
-        </p:txBody>
-      </p:sp>
-    </p:spTree>
-    <p:extLst>
-      <p:ext uri="{BB962C8B-B14F-4D97-AF65-F5344CB8AC3E}">
-        <p14:creationId xmlns:p14="http://schemas.microsoft.com/office/powerpoint/2010/main" val="696854313"/>
-      </p:ext>
-    </p:extLst>
-  </p:cSld>
-  <p:clrMapOvr>
-    <a:masterClrMapping/>
-  </p:clrMapOvr>
-</p:sld>
-</file>
-
-<file path=ppt/slides/slide15.xml><?xml version="1.0" encoding="utf-8"?>
-<p:sld xmlns:a="http://schemas.openxmlformats.org/drawingml/2006/main" xmlns:r="http://schemas.openxmlformats.org/officeDocument/2006/relationships" xmlns:p="http://schemas.openxmlformats.org/presentationml/2006/main">
-  <p:cSld>
-    <p:spTree>
-      <p:nvGrpSpPr>
-        <p:cNvPr id="1" name=""/>
-        <p:cNvGrpSpPr/>
-        <p:nvPr/>
-      </p:nvGrpSpPr>
-      <p:grpSpPr>
-        <a:xfrm>
-          <a:off x="0" y="0"/>
-          <a:ext cx="0" cy="0"/>
-          <a:chOff x="0" y="0"/>
-          <a:chExt cx="0" cy="0"/>
-        </a:xfrm>
-      </p:grpSpPr>
-      <p:sp>
-        <p:nvSpPr>
-          <p:cNvPr id="2" name="Inhaltsplatzhalter 1"/>
-          <p:cNvSpPr>
-            <a:spLocks noGrp="1"/>
-          </p:cNvSpPr>
-          <p:nvPr>
-            <p:ph idx="1"/>
-          </p:nvPr>
-        </p:nvSpPr>
-        <p:spPr/>
-        <p:txBody>
-          <a:bodyPr/>
-          <a:lstStyle/>
-          <a:p>
-            <a:endParaRPr lang="de-DE" dirty="0"/>
-          </a:p>
-        </p:txBody>
-      </p:sp>
-      <p:sp>
-        <p:nvSpPr>
-          <p:cNvPr id="4" name="Foliennummernplatzhalter 3"/>
-          <p:cNvSpPr>
-            <a:spLocks noGrp="1"/>
-          </p:cNvSpPr>
-          <p:nvPr>
-            <p:ph type="sldNum" sz="quarter" idx="11"/>
-          </p:nvPr>
-        </p:nvSpPr>
-        <p:spPr/>
-        <p:txBody>
-          <a:bodyPr/>
-          <a:lstStyle/>
-          <a:p>
-            <a:fld id="{CE58CB1E-F828-4F11-99E0-327109AF9DA4}" type="slidenum">
-              <a:rPr lang="de-DE" smtClean="0"/>
-              <a:pPr/>
-              <a:t>15</a:t>
-            </a:fld>
-            <a:endParaRPr lang="de-DE" dirty="0"/>
-          </a:p>
-        </p:txBody>
-      </p:sp>
-      <p:sp>
-        <p:nvSpPr>
-          <p:cNvPr id="5" name="Fußzeilenplatzhalter 4"/>
-          <p:cNvSpPr>
-            <a:spLocks noGrp="1"/>
-          </p:cNvSpPr>
-          <p:nvPr>
-            <p:ph type="ftr" sz="quarter" idx="12"/>
-          </p:nvPr>
-        </p:nvSpPr>
-        <p:spPr/>
-        <p:txBody>
-          <a:bodyPr/>
-          <a:lstStyle/>
-          <a:p>
-            <a:r>
-              <a:rPr lang="de-DE" dirty="0"/>
-              <a:t>Alireza Kamalidehghan, Mostafa Nejati Hatamian, Sina Mozaffari Tabar | GRA</a:t>
-            </a:r>
-            <a:endParaRPr lang="en-US" dirty="0"/>
-          </a:p>
-        </p:txBody>
-      </p:sp>
-      <p:sp>
-        <p:nvSpPr>
-          <p:cNvPr id="3" name="Titel 2"/>
-          <p:cNvSpPr>
-            <a:spLocks noGrp="1"/>
-          </p:cNvSpPr>
-          <p:nvPr>
-            <p:ph type="title"/>
-          </p:nvPr>
-        </p:nvSpPr>
-        <p:spPr/>
-        <p:txBody>
-          <a:bodyPr/>
-          <a:lstStyle/>
-          <a:p>
-            <a:r>
-              <a:rPr lang="en-GB" sz="3200" dirty="0"/>
-              <a:t>Zusammenfassung</a:t>
-            </a:r>
-          </a:p>
-        </p:txBody>
-      </p:sp>
-    </p:spTree>
-    <p:extLst>
-      <p:ext uri="{BB962C8B-B14F-4D97-AF65-F5344CB8AC3E}">
-        <p14:creationId xmlns:p14="http://schemas.microsoft.com/office/powerpoint/2010/main" val="2291526468"/>
-      </p:ext>
-    </p:extLst>
-  </p:cSld>
-  <p:clrMapOvr>
-    <a:masterClrMapping/>
-  </p:clrMapOvr>
-</p:sld>
-</file>
-
-<file path=ppt/slides/slide16.xml><?xml version="1.0" encoding="utf-8"?>
+<file path=ppt/slides/slide17.xml><?xml version="1.0" encoding="utf-8"?>
 <p:sld xmlns:a="http://schemas.openxmlformats.org/drawingml/2006/main" xmlns:r="http://schemas.openxmlformats.org/officeDocument/2006/relationships" xmlns:p="http://schemas.openxmlformats.org/presentationml/2006/main">
   <p:cSld>
     <p:spTree>
@@ -12898,7 +16244,7 @@
             <a:fld id="{CE58CB1E-F828-4F11-99E0-327109AF9DA4}" type="slidenum">
               <a:rPr lang="de-DE" smtClean="0"/>
               <a:pPr/>
-              <a:t>16</a:t>
+              <a:t>17</a:t>
             </a:fld>
             <a:endParaRPr lang="de-DE" dirty="0"/>
           </a:p>
@@ -12962,14 +16308,14 @@
               <a:rPr lang="en-GB" sz="5400" b="0" cap="none" spc="0" dirty="0">
                 <a:ln w="0">
                   <a:solidFill>
-                    <a:schemeClr val="bg2"/>
+                    <a:schemeClr val="accent1"/>
                   </a:solidFill>
                 </a:ln>
                 <a:solidFill>
                   <a:srgbClr val="0064BD"/>
                 </a:solidFill>
                 <a:effectLst>
-                  <a:glow rad="139700">
+                  <a:glow rad="63500">
                     <a:schemeClr val="accent2">
                       <a:satMod val="175000"/>
                       <a:alpha val="40000"/>
@@ -12982,13 +16328,13 @@
                   </a:outerShdw>
                 </a:effectLst>
               </a:rPr>
-              <a:t>Vielen</a:t>
+              <a:t>  Vielen</a:t>
             </a:r>
             <a:r>
               <a:rPr lang="en-GB" sz="5400" b="0" cap="none" spc="0" dirty="0">
                 <a:ln w="0">
                   <a:solidFill>
-                    <a:schemeClr val="bg2"/>
+                    <a:schemeClr val="accent1"/>
                   </a:solidFill>
                 </a:ln>
                 <a:gradFill>
@@ -13011,7 +16357,7 @@
                   <a:lin ang="5400000"/>
                 </a:gradFill>
                 <a:effectLst>
-                  <a:glow rad="139700">
+                  <a:glow rad="63500">
                     <a:schemeClr val="accent2">
                       <a:satMod val="175000"/>
                       <a:alpha val="40000"/>
@@ -13030,14 +16376,14 @@
               <a:rPr lang="en-GB" sz="5400" b="0" cap="none" spc="0" dirty="0">
                 <a:ln w="0">
                   <a:solidFill>
-                    <a:schemeClr val="bg2"/>
+                    <a:schemeClr val="accent1"/>
                   </a:solidFill>
                 </a:ln>
                 <a:solidFill>
                   <a:srgbClr val="0064BD"/>
                 </a:solidFill>
                 <a:effectLst>
-                  <a:glow rad="139700">
+                  <a:glow rad="63500">
                     <a:schemeClr val="accent2">
                       <a:satMod val="175000"/>
                       <a:alpha val="40000"/>
@@ -13059,7 +16405,7 @@
               <a:rPr lang="en-GB" sz="5400" b="0" cap="none" spc="0" dirty="0">
                 <a:ln w="0">
                   <a:solidFill>
-                    <a:schemeClr val="bg2"/>
+                    <a:schemeClr val="accent1"/>
                   </a:solidFill>
                 </a:ln>
                 <a:gradFill>
@@ -13082,7 +16428,7 @@
                   <a:lin ang="5400000"/>
                 </a:gradFill>
                 <a:effectLst>
-                  <a:glow rad="139700">
+                  <a:glow rad="63500">
                     <a:schemeClr val="accent2">
                       <a:satMod val="175000"/>
                       <a:alpha val="40000"/>
@@ -13101,14 +16447,14 @@
               <a:rPr lang="en-GB" sz="2700" b="0" cap="none" spc="0" dirty="0">
                 <a:ln w="0">
                   <a:solidFill>
-                    <a:schemeClr val="bg2"/>
+                    <a:schemeClr val="accent1"/>
                   </a:solidFill>
                 </a:ln>
                 <a:solidFill>
                   <a:srgbClr val="0064BD"/>
                 </a:solidFill>
                 <a:effectLst>
-                  <a:glow rad="139700">
+                  <a:glow rad="63500">
                     <a:schemeClr val="accent2">
                       <a:satMod val="175000"/>
                       <a:alpha val="40000"/>
@@ -13451,21 +16797,6 @@
               <a:rPr lang="en-GB" sz="2000" dirty="0"/>
               <a:t>Performanzanalyse</a:t>
             </a:r>
-          </a:p>
-          <a:p>
-            <a:pPr marL="342900" indent="-342900">
-              <a:buFont typeface="Arial" panose="020B0604020202020204" pitchFamily="34" charset="0"/>
-              <a:buChar char="•"/>
-            </a:pPr>
-            <a:r>
-              <a:rPr lang="en-GB" sz="2000" dirty="0"/>
-              <a:t>Zusammenfassung</a:t>
-            </a:r>
-          </a:p>
-          <a:p>
-            <a:pPr lvl="2" indent="0">
-              <a:buNone/>
-            </a:pPr>
             <a:r>
               <a:rPr lang="en-GB" sz="2200" dirty="0"/>
               <a:t>    </a:t>
@@ -13867,13 +17198,10 @@
                 <a14:m>
                   <m:oMath xmlns:m="http://schemas.openxmlformats.org/officeDocument/2006/math">
                     <m:r>
-                      <m:rPr>
-                        <m:sty m:val="p"/>
-                      </m:rPr>
-                      <a:rPr lang="de-DE" b="0" i="0" smtClean="0">
+                      <a:rPr lang="de-DE" i="1">
                         <a:latin typeface="Cambria Math" panose="02040503050406030204" pitchFamily="18" charset="0"/>
                       </a:rPr>
-                      <m:t>g</m:t>
+                      <m:t>𝑔</m:t>
                     </m:r>
                     <m:r>
                       <a:rPr lang="de-DE" b="0" i="0" smtClean="0">
@@ -15608,6 +18936,30 @@
           <a:bodyPr/>
           <a:lstStyle/>
           <a:p>
+            <a:r>
+              <a:rPr lang="de-DE" dirty="0"/>
+              <a:t>Naive</a:t>
+            </a:r>
+            <a:r>
+              <a:rPr lang="en-GB" dirty="0">
+                <a:solidFill>
+                  <a:srgbClr val="232629"/>
+                </a:solidFill>
+              </a:rPr>
+              <a:t>-Matrixmultiplikation</a:t>
+            </a:r>
+            <a:r>
+              <a:rPr lang="en-GB" dirty="0">
+                <a:solidFill>
+                  <a:srgbClr val="232629"/>
+                </a:solidFill>
+                <a:latin typeface="var(--theme-post-title-font-family)"/>
+              </a:rPr>
+              <a:t>:</a:t>
+            </a:r>
+            <a:endParaRPr lang="de-DE" dirty="0"/>
+          </a:p>
+          <a:p>
             <a:endParaRPr lang="de-DE" dirty="0"/>
           </a:p>
         </p:txBody>
@@ -15686,10 +19038,1100 @@
           </a:p>
         </p:txBody>
       </p:sp>
+      <mc:AlternateContent xmlns:mc="http://schemas.openxmlformats.org/markup-compatibility/2006">
+        <mc:Choice xmlns:a14="http://schemas.microsoft.com/office/drawing/2010/main" Requires="a14">
+          <p:sp>
+            <p:nvSpPr>
+              <p:cNvPr id="7" name="TextBox 6">
+                <a:extLst>
+                  <a:ext uri="{FF2B5EF4-FFF2-40B4-BE49-F238E27FC236}">
+                    <a16:creationId xmlns:a16="http://schemas.microsoft.com/office/drawing/2014/main" id="{7F9C6788-0895-9C49-32D2-B067FCCB8474}"/>
+                  </a:ext>
+                </a:extLst>
+              </p:cNvPr>
+              <p:cNvSpPr txBox="1"/>
+              <p:nvPr/>
+            </p:nvSpPr>
+            <p:spPr>
+              <a:xfrm>
+                <a:off x="276729" y="2233402"/>
+                <a:ext cx="5420064" cy="4087914"/>
+              </a:xfrm>
+              <a:prstGeom prst="rect">
+                <a:avLst/>
+              </a:prstGeom>
+              <a:noFill/>
+            </p:spPr>
+            <p:txBody>
+              <a:bodyPr wrap="square" anchor="b">
+                <a:spAutoFit/>
+              </a:bodyPr>
+              <a:lstStyle/>
+              <a:p>
+                <a14:m>
+                  <m:oMath xmlns:m="http://schemas.openxmlformats.org/officeDocument/2006/math">
+                    <m:d>
+                      <m:dPr>
+                        <m:ctrlPr>
+                          <a:rPr lang="de-DE" sz="1200" b="0" i="1" dirty="0" smtClean="0">
+                            <a:latin typeface="Cambria Math" panose="02040503050406030204" pitchFamily="18" charset="0"/>
+                          </a:rPr>
+                        </m:ctrlPr>
+                      </m:dPr>
+                      <m:e>
+                        <m:m>
+                          <m:mPr>
+                            <m:mcs>
+                              <m:mc>
+                                <m:mcPr>
+                                  <m:count m:val="10"/>
+                                  <m:mcJc m:val="center"/>
+                                </m:mcPr>
+                              </m:mc>
+                            </m:mcs>
+                            <m:ctrlPr>
+                              <a:rPr lang="de-DE" sz="1200" b="0" i="1" dirty="0" smtClean="0">
+                                <a:latin typeface="Cambria Math" panose="02040503050406030204" pitchFamily="18" charset="0"/>
+                              </a:rPr>
+                            </m:ctrlPr>
+                          </m:mPr>
+                          <m:mr>
+                            <m:e>
+                              <m:r>
+                                <a:rPr lang="de-DE" sz="1200" b="0" i="1" dirty="0" smtClean="0">
+                                  <a:latin typeface="Cambria Math" panose="02040503050406030204" pitchFamily="18" charset="0"/>
+                                </a:rPr>
+                                <m:t>1</m:t>
+                              </m:r>
+                            </m:e>
+                            <m:e>
+                              <m:r>
+                                <a:rPr lang="de-DE" sz="1200" b="0" i="1" dirty="0" smtClean="0">
+                                  <a:latin typeface="Cambria Math" panose="02040503050406030204" pitchFamily="18" charset="0"/>
+                                </a:rPr>
+                                <m:t>−1</m:t>
+                              </m:r>
+                            </m:e>
+                            <m:e>
+                              <m:r>
+                                <a:rPr lang="de-DE" sz="1200" b="0" i="1" dirty="0" smtClean="0">
+                                  <a:latin typeface="Cambria Math" panose="02040503050406030204" pitchFamily="18" charset="0"/>
+                                </a:rPr>
+                                <m:t>0</m:t>
+                              </m:r>
+                            </m:e>
+                            <m:e>
+                              <m:r>
+                                <a:rPr lang="de-DE" sz="1200" b="0" i="1" dirty="0" smtClean="0">
+                                  <a:latin typeface="Cambria Math" panose="02040503050406030204" pitchFamily="18" charset="0"/>
+                                </a:rPr>
+                                <m:t>2</m:t>
+                              </m:r>
+                            </m:e>
+                            <m:e>
+                              <m:r>
+                                <a:rPr lang="de-DE" sz="1200" b="0" i="1" dirty="0" smtClean="0">
+                                  <a:latin typeface="Cambria Math" panose="02040503050406030204" pitchFamily="18" charset="0"/>
+                                </a:rPr>
+                                <m:t>−4</m:t>
+                              </m:r>
+                            </m:e>
+                            <m:e>
+                              <m:r>
+                                <a:rPr lang="de-DE" sz="1200" b="0" i="1" dirty="0" smtClean="0">
+                                  <a:latin typeface="Cambria Math" panose="02040503050406030204" pitchFamily="18" charset="0"/>
+                                </a:rPr>
+                                <m:t>4</m:t>
+                              </m:r>
+                            </m:e>
+                            <m:e>
+                              <m:r>
+                                <a:rPr lang="de-DE" sz="1200" b="0" i="1" dirty="0" smtClean="0">
+                                  <a:latin typeface="Cambria Math" panose="02040503050406030204" pitchFamily="18" charset="0"/>
+                                </a:rPr>
+                                <m:t>0</m:t>
+                              </m:r>
+                            </m:e>
+                            <m:e>
+                              <m:r>
+                                <a:rPr lang="de-DE" sz="1200" b="0" i="1" dirty="0" smtClean="0">
+                                  <a:latin typeface="Cambria Math" panose="02040503050406030204" pitchFamily="18" charset="0"/>
+                                </a:rPr>
+                                <m:t>−8</m:t>
+                              </m:r>
+                            </m:e>
+                            <m:e>
+                              <m:r>
+                                <a:rPr lang="de-DE" sz="1200" b="0" i="1" dirty="0" smtClean="0">
+                                  <a:latin typeface="Cambria Math" panose="02040503050406030204" pitchFamily="18" charset="0"/>
+                                </a:rPr>
+                                <m:t>…</m:t>
+                              </m:r>
+                            </m:e>
+                            <m:e>
+                              <m:r>
+                                <a:rPr lang="de-DE" sz="1200" b="0" i="1" dirty="0" smtClean="0">
+                                  <a:latin typeface="Cambria Math" panose="02040503050406030204" pitchFamily="18" charset="0"/>
+                                </a:rPr>
+                                <m:t>−2</m:t>
+                              </m:r>
+                              <m:r>
+                                <a:rPr lang="de-DE" sz="1200" b="0" i="1" baseline="30000" dirty="0" smtClean="0">
+                                  <a:latin typeface="Cambria Math" panose="02040503050406030204" pitchFamily="18" charset="0"/>
+                                </a:rPr>
+                                <m:t>64</m:t>
+                              </m:r>
+                            </m:e>
+                          </m:mr>
+                        </m:m>
+                      </m:e>
+                    </m:d>
+                    <m:r>
+                      <a:rPr lang="de-DE" sz="1200" b="0" i="1" baseline="30000" dirty="0" smtClean="0">
+                        <a:latin typeface="Cambria Math" panose="02040503050406030204" pitchFamily="18" charset="0"/>
+                      </a:rPr>
+                      <m:t> </m:t>
+                    </m:r>
+                    <m:r>
+                      <a:rPr lang="de-DE" sz="1200" b="0" i="1" baseline="-25000" dirty="0" smtClean="0">
+                        <a:latin typeface="Cambria Math" panose="02040503050406030204" pitchFamily="18" charset="0"/>
+                      </a:rPr>
+                      <m:t>1 </m:t>
+                    </m:r>
+                    <m:r>
+                      <a:rPr lang="de-DE" sz="1200" b="0" i="1" baseline="-25000" dirty="0" smtClean="0">
+                        <a:latin typeface="Cambria Math" panose="02040503050406030204" pitchFamily="18" charset="0"/>
+                        <a:ea typeface="Cambria Math" panose="02040503050406030204" pitchFamily="18" charset="0"/>
+                      </a:rPr>
+                      <m:t>× 128</m:t>
+                    </m:r>
+                    <m:r>
+                      <a:rPr lang="de-DE" sz="1200" b="0" i="1" baseline="-25000" dirty="0" smtClean="0">
+                        <a:latin typeface="Cambria Math" panose="02040503050406030204" pitchFamily="18" charset="0"/>
+                      </a:rPr>
+                      <m:t>  </m:t>
+                    </m:r>
+                    <m:r>
+                      <a:rPr lang="de-DE" sz="1200" b="0" i="1" smtClean="0">
+                        <a:latin typeface="Cambria Math" panose="02040503050406030204" pitchFamily="18" charset="0"/>
+                        <a:ea typeface="Cambria Math" panose="02040503050406030204" pitchFamily="18" charset="0"/>
+                      </a:rPr>
+                      <m:t>×  </m:t>
+                    </m:r>
+                  </m:oMath>
+                </a14:m>
+                <a:r>
+                  <a:rPr lang="de-DE" sz="1200" dirty="0"/>
+                  <a:t> </a:t>
+                </a:r>
+                <a14:m>
+                  <m:oMath xmlns:m="http://schemas.openxmlformats.org/officeDocument/2006/math">
+                    <m:d>
+                      <m:dPr>
+                        <m:ctrlPr>
+                          <a:rPr lang="de-DE" sz="1200" b="0" i="1" dirty="0" smtClean="0">
+                            <a:latin typeface="Cambria Math" panose="02040503050406030204" pitchFamily="18" charset="0"/>
+                          </a:rPr>
+                        </m:ctrlPr>
+                      </m:dPr>
+                      <m:e>
+                        <m:m>
+                          <m:mPr>
+                            <m:mcs>
+                              <m:mc>
+                                <m:mcPr>
+                                  <m:count m:val="1"/>
+                                  <m:mcJc m:val="center"/>
+                                </m:mcPr>
+                              </m:mc>
+                            </m:mcs>
+                            <m:ctrlPr>
+                              <a:rPr lang="de-DE" sz="1200" b="0" i="1" dirty="0" smtClean="0">
+                                <a:latin typeface="Cambria Math" panose="02040503050406030204" pitchFamily="18" charset="0"/>
+                              </a:rPr>
+                            </m:ctrlPr>
+                          </m:mPr>
+                          <m:mr>
+                            <m:e>
+                              <m:r>
+                                <m:rPr>
+                                  <m:brk m:alnAt="7"/>
+                                </m:rPr>
+                                <a:rPr lang="de-DE" sz="1200" b="0" i="1" dirty="0" smtClean="0">
+                                  <a:latin typeface="Cambria Math" panose="02040503050406030204" pitchFamily="18" charset="0"/>
+                                </a:rPr>
+                                <m:t>𝑎</m:t>
+                              </m:r>
+                              <m:r>
+                                <a:rPr lang="de-DE" sz="1200" b="0" i="1" baseline="-25000" dirty="0" smtClean="0">
+                                  <a:latin typeface="Cambria Math" panose="02040503050406030204" pitchFamily="18" charset="0"/>
+                                </a:rPr>
+                                <m:t>0</m:t>
+                              </m:r>
+                            </m:e>
+                          </m:mr>
+                          <m:mr>
+                            <m:e>
+                              <m:r>
+                                <m:rPr>
+                                  <m:brk m:alnAt="7"/>
+                                </m:rPr>
+                                <a:rPr lang="de-DE" sz="1200" i="1" dirty="0">
+                                  <a:latin typeface="Cambria Math" panose="02040503050406030204" pitchFamily="18" charset="0"/>
+                                </a:rPr>
+                                <m:t>𝑎</m:t>
+                              </m:r>
+                              <m:r>
+                                <a:rPr lang="de-DE" sz="1200" b="0" i="1" baseline="-25000" dirty="0" smtClean="0">
+                                  <a:latin typeface="Cambria Math" panose="02040503050406030204" pitchFamily="18" charset="0"/>
+                                </a:rPr>
+                                <m:t>1</m:t>
+                              </m:r>
+                            </m:e>
+                          </m:mr>
+                          <m:mr>
+                            <m:e>
+                              <m:r>
+                                <m:rPr>
+                                  <m:brk m:alnAt="7"/>
+                                </m:rPr>
+                                <a:rPr lang="de-DE" sz="1200" i="1" dirty="0">
+                                  <a:latin typeface="Cambria Math" panose="02040503050406030204" pitchFamily="18" charset="0"/>
+                                </a:rPr>
+                                <m:t>𝑎</m:t>
+                              </m:r>
+                              <m:r>
+                                <a:rPr lang="de-DE" sz="1200" b="0" i="1" baseline="-25000" dirty="0" smtClean="0">
+                                  <a:latin typeface="Cambria Math" panose="02040503050406030204" pitchFamily="18" charset="0"/>
+                                </a:rPr>
+                                <m:t>2</m:t>
+                              </m:r>
+                            </m:e>
+                          </m:mr>
+                          <m:mr>
+                            <m:e>
+                              <m:r>
+                                <m:rPr>
+                                  <m:brk m:alnAt="7"/>
+                                </m:rPr>
+                                <a:rPr lang="de-DE" sz="1200" i="1" dirty="0">
+                                  <a:latin typeface="Cambria Math" panose="02040503050406030204" pitchFamily="18" charset="0"/>
+                                </a:rPr>
+                                <m:t>𝑎</m:t>
+                              </m:r>
+                              <m:r>
+                                <a:rPr lang="de-DE" sz="1200" b="0" i="1" baseline="-25000" dirty="0" smtClean="0">
+                                  <a:latin typeface="Cambria Math" panose="02040503050406030204" pitchFamily="18" charset="0"/>
+                                </a:rPr>
+                                <m:t>3</m:t>
+                              </m:r>
+                            </m:e>
+                          </m:mr>
+                          <m:mr>
+                            <m:e>
+                              <m:r>
+                                <m:rPr>
+                                  <m:brk m:alnAt="7"/>
+                                </m:rPr>
+                                <a:rPr lang="de-DE" sz="1200" i="1" dirty="0">
+                                  <a:latin typeface="Cambria Math" panose="02040503050406030204" pitchFamily="18" charset="0"/>
+                                </a:rPr>
+                                <m:t>𝑎</m:t>
+                              </m:r>
+                              <m:r>
+                                <a:rPr lang="de-DE" sz="1200" b="0" i="1" baseline="-25000" dirty="0" smtClean="0">
+                                  <a:latin typeface="Cambria Math" panose="02040503050406030204" pitchFamily="18" charset="0"/>
+                                </a:rPr>
+                                <m:t>4</m:t>
+                              </m:r>
+                            </m:e>
+                          </m:mr>
+                          <m:mr>
+                            <m:e>
+                              <m:r>
+                                <m:rPr>
+                                  <m:brk m:alnAt="7"/>
+                                </m:rPr>
+                                <a:rPr lang="de-DE" sz="1200" i="1" dirty="0">
+                                  <a:latin typeface="Cambria Math" panose="02040503050406030204" pitchFamily="18" charset="0"/>
+                                </a:rPr>
+                                <m:t>𝑎</m:t>
+                              </m:r>
+                              <m:r>
+                                <a:rPr lang="de-DE" sz="1200" b="0" i="1" baseline="-25000" dirty="0" smtClean="0">
+                                  <a:latin typeface="Cambria Math" panose="02040503050406030204" pitchFamily="18" charset="0"/>
+                                </a:rPr>
+                                <m:t>5</m:t>
+                              </m:r>
+                            </m:e>
+                          </m:mr>
+                          <m:mr>
+                            <m:e>
+                              <m:r>
+                                <m:rPr>
+                                  <m:brk m:alnAt="7"/>
+                                </m:rPr>
+                                <a:rPr lang="de-DE" sz="1200" i="1" dirty="0">
+                                  <a:latin typeface="Cambria Math" panose="02040503050406030204" pitchFamily="18" charset="0"/>
+                                </a:rPr>
+                                <m:t>𝑎</m:t>
+                              </m:r>
+                              <m:r>
+                                <a:rPr lang="de-DE" sz="1200" b="0" i="1" baseline="-25000" dirty="0" smtClean="0">
+                                  <a:latin typeface="Cambria Math" panose="02040503050406030204" pitchFamily="18" charset="0"/>
+                                </a:rPr>
+                                <m:t>6</m:t>
+                              </m:r>
+                            </m:e>
+                          </m:mr>
+                          <m:mr>
+                            <m:e>
+                              <m:r>
+                                <m:rPr>
+                                  <m:brk m:alnAt="7"/>
+                                </m:rPr>
+                                <a:rPr lang="de-DE" sz="1200" i="1" dirty="0">
+                                  <a:latin typeface="Cambria Math" panose="02040503050406030204" pitchFamily="18" charset="0"/>
+                                </a:rPr>
+                                <m:t>𝑎</m:t>
+                              </m:r>
+                              <m:r>
+                                <a:rPr lang="de-DE" sz="1200" b="0" i="1" baseline="-25000" dirty="0" smtClean="0">
+                                  <a:latin typeface="Cambria Math" panose="02040503050406030204" pitchFamily="18" charset="0"/>
+                                </a:rPr>
+                                <m:t>7</m:t>
+                              </m:r>
+                            </m:e>
+                          </m:mr>
+                          <m:mr>
+                            <m:e>
+                              <m:r>
+                                <a:rPr lang="de-DE" sz="1200" i="1" dirty="0" smtClean="0">
+                                  <a:latin typeface="Cambria Math" panose="02040503050406030204" pitchFamily="18" charset="0"/>
+                                  <a:ea typeface="Cambria Math" panose="02040503050406030204" pitchFamily="18" charset="0"/>
+                                </a:rPr>
+                                <m:t>⋮</m:t>
+                              </m:r>
+                            </m:e>
+                          </m:mr>
+                          <m:mr>
+                            <m:e>
+                              <m:r>
+                                <m:rPr>
+                                  <m:brk m:alnAt="7"/>
+                                </m:rPr>
+                                <a:rPr lang="de-DE" sz="1200" i="1" dirty="0">
+                                  <a:latin typeface="Cambria Math" panose="02040503050406030204" pitchFamily="18" charset="0"/>
+                                </a:rPr>
+                                <m:t>𝑎</m:t>
+                              </m:r>
+                              <m:r>
+                                <a:rPr lang="de-DE" sz="1200" b="0" i="1" baseline="-25000" dirty="0" smtClean="0">
+                                  <a:latin typeface="Cambria Math" panose="02040503050406030204" pitchFamily="18" charset="0"/>
+                                </a:rPr>
+                                <m:t>127</m:t>
+                              </m:r>
+                            </m:e>
+                          </m:mr>
+                        </m:m>
+                      </m:e>
+                    </m:d>
+                    <m:r>
+                      <a:rPr lang="de-DE" sz="1200" i="1" dirty="0" smtClean="0">
+                        <a:latin typeface="Cambria Math" panose="02040503050406030204" pitchFamily="18" charset="0"/>
+                        <a:ea typeface="Cambria Math" panose="02040503050406030204" pitchFamily="18" charset="0"/>
+                      </a:rPr>
+                      <m:t>=</m:t>
+                    </m:r>
+                    <m:r>
+                      <a:rPr lang="de-DE" sz="1200" b="0" i="1" dirty="0" smtClean="0">
+                        <a:latin typeface="Cambria Math" panose="02040503050406030204" pitchFamily="18" charset="0"/>
+                        <a:ea typeface="Cambria Math" panose="02040503050406030204" pitchFamily="18" charset="0"/>
+                      </a:rPr>
+                      <m:t> </m:t>
+                    </m:r>
+                    <m:d>
+                      <m:dPr>
+                        <m:ctrlPr>
+                          <a:rPr lang="de-DE" sz="1200" b="0" i="1" dirty="0" smtClean="0">
+                            <a:latin typeface="Cambria Math" panose="02040503050406030204" pitchFamily="18" charset="0"/>
+                            <a:ea typeface="Cambria Math" panose="02040503050406030204" pitchFamily="18" charset="0"/>
+                          </a:rPr>
+                        </m:ctrlPr>
+                      </m:dPr>
+                      <m:e>
+                        <m:m>
+                          <m:mPr>
+                            <m:mcs>
+                              <m:mc>
+                                <m:mcPr>
+                                  <m:count m:val="1"/>
+                                  <m:mcJc m:val="center"/>
+                                </m:mcPr>
+                              </m:mc>
+                            </m:mcs>
+                            <m:ctrlPr>
+                              <a:rPr lang="de-DE" sz="1200" b="0" i="1" dirty="0" smtClean="0">
+                                <a:latin typeface="Cambria Math" panose="02040503050406030204" pitchFamily="18" charset="0"/>
+                                <a:ea typeface="Cambria Math" panose="02040503050406030204" pitchFamily="18" charset="0"/>
+                              </a:rPr>
+                            </m:ctrlPr>
+                          </m:mPr>
+                          <m:mr>
+                            <m:e>
+                              <m:r>
+                                <m:rPr>
+                                  <m:brk m:alnAt="7"/>
+                                </m:rPr>
+                                <a:rPr lang="de-DE" sz="1200" b="0" i="1" dirty="0" smtClean="0">
+                                  <a:latin typeface="Cambria Math" panose="02040503050406030204" pitchFamily="18" charset="0"/>
+                                  <a:ea typeface="Cambria Math" panose="02040503050406030204" pitchFamily="18" charset="0"/>
+                                </a:rPr>
+                                <m:t>𝑅</m:t>
+                              </m:r>
+                              <m:r>
+                                <a:rPr lang="de-DE" sz="1200" b="0" i="1" dirty="0" smtClean="0">
+                                  <a:latin typeface="Cambria Math" panose="02040503050406030204" pitchFamily="18" charset="0"/>
+                                  <a:ea typeface="Cambria Math" panose="02040503050406030204" pitchFamily="18" charset="0"/>
+                                </a:rPr>
+                                <m:t>𝑒𝑎𝑙</m:t>
+                              </m:r>
+                            </m:e>
+                          </m:mr>
+                        </m:m>
+                      </m:e>
+                    </m:d>
+                  </m:oMath>
+                </a14:m>
+                <a:r>
+                  <a:rPr lang="de-DE" sz="1200" dirty="0"/>
+                  <a:t> </a:t>
+                </a:r>
+              </a:p>
+              <a:p>
+                <a:endParaRPr lang="de-DE" sz="1200" dirty="0"/>
+              </a:p>
+              <a:p>
+                <a:r>
+                  <a:rPr lang="de-DE" sz="1200" dirty="0"/>
+                  <a:t>   </a:t>
+                </a:r>
+              </a:p>
+              <a:p>
+                <a:r>
+                  <a:rPr lang="de-DE" sz="1200" dirty="0"/>
+                  <a:t> </a:t>
+                </a:r>
+                <a14:m>
+                  <m:oMath xmlns:m="http://schemas.openxmlformats.org/officeDocument/2006/math">
+                    <m:d>
+                      <m:dPr>
+                        <m:ctrlPr>
+                          <a:rPr lang="de-DE" sz="1200" b="0" i="1" dirty="0" smtClean="0">
+                            <a:latin typeface="Cambria Math" panose="02040503050406030204" pitchFamily="18" charset="0"/>
+                          </a:rPr>
+                        </m:ctrlPr>
+                      </m:dPr>
+                      <m:e>
+                        <m:m>
+                          <m:mPr>
+                            <m:mcs>
+                              <m:mc>
+                                <m:mcPr>
+                                  <m:count m:val="10"/>
+                                  <m:mcJc m:val="center"/>
+                                </m:mcPr>
+                              </m:mc>
+                            </m:mcs>
+                            <m:ctrlPr>
+                              <a:rPr lang="de-DE" sz="1200" b="0" i="1" dirty="0" smtClean="0">
+                                <a:latin typeface="Cambria Math" panose="02040503050406030204" pitchFamily="18" charset="0"/>
+                              </a:rPr>
+                            </m:ctrlPr>
+                          </m:mPr>
+                          <m:mr>
+                            <m:e>
+                              <m:r>
+                                <m:rPr>
+                                  <m:brk m:alnAt="7"/>
+                                </m:rPr>
+                                <a:rPr lang="de-DE" sz="1200" b="0" i="1" dirty="0" smtClean="0">
+                                  <a:latin typeface="Cambria Math" panose="02040503050406030204" pitchFamily="18" charset="0"/>
+                                </a:rPr>
+                                <m:t>0</m:t>
+                              </m:r>
+                            </m:e>
+                            <m:e>
+                              <m:r>
+                                <a:rPr lang="de-DE" sz="1200" b="0" i="1" dirty="0" smtClean="0">
+                                  <a:latin typeface="Cambria Math" panose="02040503050406030204" pitchFamily="18" charset="0"/>
+                                </a:rPr>
+                                <m:t>1</m:t>
+                              </m:r>
+                            </m:e>
+                            <m:e>
+                              <m:r>
+                                <a:rPr lang="de-DE" sz="1200" b="0" i="1" dirty="0" smtClean="0">
+                                  <a:latin typeface="Cambria Math" panose="02040503050406030204" pitchFamily="18" charset="0"/>
+                                </a:rPr>
+                                <m:t>−2</m:t>
+                              </m:r>
+                            </m:e>
+                            <m:e>
+                              <m:r>
+                                <a:rPr lang="de-DE" sz="1200" i="1" dirty="0">
+                                  <a:latin typeface="Cambria Math" panose="02040503050406030204" pitchFamily="18" charset="0"/>
+                                </a:rPr>
+                                <m:t>2</m:t>
+                              </m:r>
+                            </m:e>
+                            <m:e>
+                              <m:r>
+                                <a:rPr lang="de-DE" sz="1200" b="0" i="1" dirty="0" smtClean="0">
+                                  <a:latin typeface="Cambria Math" panose="02040503050406030204" pitchFamily="18" charset="0"/>
+                                </a:rPr>
+                                <m:t>0</m:t>
+                              </m:r>
+                            </m:e>
+                            <m:e>
+                              <m:r>
+                                <a:rPr lang="de-DE" sz="1200" b="0" i="1" dirty="0" smtClean="0">
+                                  <a:latin typeface="Cambria Math" panose="02040503050406030204" pitchFamily="18" charset="0"/>
+                                </a:rPr>
+                                <m:t>−</m:t>
+                              </m:r>
+                              <m:r>
+                                <a:rPr lang="de-DE" sz="1200" i="1" dirty="0">
+                                  <a:latin typeface="Cambria Math" panose="02040503050406030204" pitchFamily="18" charset="0"/>
+                                </a:rPr>
+                                <m:t>4</m:t>
+                              </m:r>
+                            </m:e>
+                            <m:e>
+                              <m:r>
+                                <a:rPr lang="de-DE" sz="1200" b="0" i="1" dirty="0" smtClean="0">
+                                  <a:latin typeface="Cambria Math" panose="02040503050406030204" pitchFamily="18" charset="0"/>
+                                </a:rPr>
+                                <m:t>8</m:t>
+                              </m:r>
+                            </m:e>
+                            <m:e>
+                              <m:r>
+                                <a:rPr lang="de-DE" sz="1200" i="1" dirty="0">
+                                  <a:latin typeface="Cambria Math" panose="02040503050406030204" pitchFamily="18" charset="0"/>
+                                </a:rPr>
+                                <m:t>−8</m:t>
+                              </m:r>
+                            </m:e>
+                            <m:e>
+                              <m:r>
+                                <a:rPr lang="de-DE" sz="1200" b="0" i="1" dirty="0" smtClean="0">
+                                  <a:latin typeface="Cambria Math" panose="02040503050406030204" pitchFamily="18" charset="0"/>
+                                </a:rPr>
+                                <m:t>…</m:t>
+                              </m:r>
+                            </m:e>
+                            <m:e>
+                              <m:r>
+                                <a:rPr lang="de-DE" sz="1200" b="0" i="1" dirty="0" smtClean="0">
+                                  <a:latin typeface="Cambria Math" panose="02040503050406030204" pitchFamily="18" charset="0"/>
+                                </a:rPr>
+                                <m:t>−2</m:t>
+                              </m:r>
+                              <m:r>
+                                <a:rPr lang="de-DE" sz="1200" b="0" i="1" baseline="30000" dirty="0" smtClean="0">
+                                  <a:latin typeface="Cambria Math" panose="02040503050406030204" pitchFamily="18" charset="0"/>
+                                </a:rPr>
+                                <m:t>64</m:t>
+                              </m:r>
+                            </m:e>
+                          </m:mr>
+                        </m:m>
+                      </m:e>
+                    </m:d>
+                    <m:r>
+                      <a:rPr lang="de-DE" sz="1200" b="0" i="1" baseline="30000" dirty="0" smtClean="0">
+                        <a:latin typeface="Cambria Math" panose="02040503050406030204" pitchFamily="18" charset="0"/>
+                      </a:rPr>
+                      <m:t> </m:t>
+                    </m:r>
+                    <m:r>
+                      <a:rPr lang="de-DE" sz="1200" i="1" baseline="-25000" dirty="0">
+                        <a:latin typeface="Cambria Math" panose="02040503050406030204" pitchFamily="18" charset="0"/>
+                      </a:rPr>
+                      <m:t>1 </m:t>
+                    </m:r>
+                    <m:r>
+                      <a:rPr lang="de-DE" sz="1200" i="1" baseline="-25000" dirty="0">
+                        <a:latin typeface="Cambria Math" panose="02040503050406030204" pitchFamily="18" charset="0"/>
+                        <a:ea typeface="Cambria Math" panose="02040503050406030204" pitchFamily="18" charset="0"/>
+                      </a:rPr>
+                      <m:t>× 128</m:t>
+                    </m:r>
+                    <m:r>
+                      <a:rPr lang="de-DE" sz="1200" b="0" i="1" baseline="-25000" dirty="0" smtClean="0">
+                        <a:latin typeface="Cambria Math" panose="02040503050406030204" pitchFamily="18" charset="0"/>
+                        <a:ea typeface="Cambria Math" panose="02040503050406030204" pitchFamily="18" charset="0"/>
+                      </a:rPr>
+                      <m:t> </m:t>
+                    </m:r>
+                    <m:r>
+                      <a:rPr lang="de-DE" sz="1200" i="1">
+                        <a:latin typeface="Cambria Math" panose="02040503050406030204" pitchFamily="18" charset="0"/>
+                        <a:ea typeface="Cambria Math" panose="02040503050406030204" pitchFamily="18" charset="0"/>
+                      </a:rPr>
+                      <m:t>×  </m:t>
+                    </m:r>
+                  </m:oMath>
+                </a14:m>
+                <a:r>
+                  <a:rPr lang="de-DE" sz="1200" dirty="0"/>
+                  <a:t> </a:t>
+                </a:r>
+                <a14:m>
+                  <m:oMath xmlns:m="http://schemas.openxmlformats.org/officeDocument/2006/math">
+                    <m:d>
+                      <m:dPr>
+                        <m:ctrlPr>
+                          <a:rPr lang="de-DE" sz="1200" i="1" dirty="0">
+                            <a:latin typeface="Cambria Math" panose="02040503050406030204" pitchFamily="18" charset="0"/>
+                          </a:rPr>
+                        </m:ctrlPr>
+                      </m:dPr>
+                      <m:e>
+                        <m:m>
+                          <m:mPr>
+                            <m:mcs>
+                              <m:mc>
+                                <m:mcPr>
+                                  <m:count m:val="1"/>
+                                  <m:mcJc m:val="center"/>
+                                </m:mcPr>
+                              </m:mc>
+                            </m:mcs>
+                            <m:ctrlPr>
+                              <a:rPr lang="de-DE" sz="1200" i="1" dirty="0">
+                                <a:latin typeface="Cambria Math" panose="02040503050406030204" pitchFamily="18" charset="0"/>
+                              </a:rPr>
+                            </m:ctrlPr>
+                          </m:mPr>
+                          <m:mr>
+                            <m:e>
+                              <m:r>
+                                <m:rPr>
+                                  <m:brk m:alnAt="7"/>
+                                </m:rPr>
+                                <a:rPr lang="de-DE" sz="1200" i="1" dirty="0">
+                                  <a:latin typeface="Cambria Math" panose="02040503050406030204" pitchFamily="18" charset="0"/>
+                                </a:rPr>
+                                <m:t>𝑎</m:t>
+                              </m:r>
+                              <m:r>
+                                <a:rPr lang="de-DE" sz="1200" i="1" baseline="-25000" dirty="0">
+                                  <a:latin typeface="Cambria Math" panose="02040503050406030204" pitchFamily="18" charset="0"/>
+                                </a:rPr>
+                                <m:t>0</m:t>
+                              </m:r>
+                            </m:e>
+                          </m:mr>
+                          <m:mr>
+                            <m:e>
+                              <m:r>
+                                <m:rPr>
+                                  <m:brk m:alnAt="7"/>
+                                </m:rPr>
+                                <a:rPr lang="de-DE" sz="1200" i="1" dirty="0">
+                                  <a:latin typeface="Cambria Math" panose="02040503050406030204" pitchFamily="18" charset="0"/>
+                                </a:rPr>
+                                <m:t>𝑎</m:t>
+                              </m:r>
+                              <m:r>
+                                <a:rPr lang="de-DE" sz="1200" i="1" baseline="-25000" dirty="0">
+                                  <a:latin typeface="Cambria Math" panose="02040503050406030204" pitchFamily="18" charset="0"/>
+                                </a:rPr>
+                                <m:t>1</m:t>
+                              </m:r>
+                            </m:e>
+                          </m:mr>
+                          <m:mr>
+                            <m:e>
+                              <m:r>
+                                <m:rPr>
+                                  <m:brk m:alnAt="7"/>
+                                </m:rPr>
+                                <a:rPr lang="de-DE" sz="1200" i="1" dirty="0">
+                                  <a:latin typeface="Cambria Math" panose="02040503050406030204" pitchFamily="18" charset="0"/>
+                                </a:rPr>
+                                <m:t>𝑎</m:t>
+                              </m:r>
+                              <m:r>
+                                <a:rPr lang="de-DE" sz="1200" i="1" baseline="-25000" dirty="0">
+                                  <a:latin typeface="Cambria Math" panose="02040503050406030204" pitchFamily="18" charset="0"/>
+                                </a:rPr>
+                                <m:t>2</m:t>
+                              </m:r>
+                            </m:e>
+                          </m:mr>
+                          <m:mr>
+                            <m:e>
+                              <m:r>
+                                <m:rPr>
+                                  <m:brk m:alnAt="7"/>
+                                </m:rPr>
+                                <a:rPr lang="de-DE" sz="1200" i="1" dirty="0">
+                                  <a:latin typeface="Cambria Math" panose="02040503050406030204" pitchFamily="18" charset="0"/>
+                                </a:rPr>
+                                <m:t>𝑎</m:t>
+                              </m:r>
+                              <m:r>
+                                <a:rPr lang="de-DE" sz="1200" i="1" baseline="-25000" dirty="0">
+                                  <a:latin typeface="Cambria Math" panose="02040503050406030204" pitchFamily="18" charset="0"/>
+                                </a:rPr>
+                                <m:t>3</m:t>
+                              </m:r>
+                            </m:e>
+                          </m:mr>
+                          <m:mr>
+                            <m:e>
+                              <m:r>
+                                <m:rPr>
+                                  <m:brk m:alnAt="7"/>
+                                </m:rPr>
+                                <a:rPr lang="de-DE" sz="1200" i="1" dirty="0">
+                                  <a:latin typeface="Cambria Math" panose="02040503050406030204" pitchFamily="18" charset="0"/>
+                                </a:rPr>
+                                <m:t>𝑎</m:t>
+                              </m:r>
+                              <m:r>
+                                <a:rPr lang="de-DE" sz="1200" i="1" baseline="-25000" dirty="0">
+                                  <a:latin typeface="Cambria Math" panose="02040503050406030204" pitchFamily="18" charset="0"/>
+                                </a:rPr>
+                                <m:t>4</m:t>
+                              </m:r>
+                            </m:e>
+                          </m:mr>
+                          <m:mr>
+                            <m:e>
+                              <m:r>
+                                <m:rPr>
+                                  <m:brk m:alnAt="7"/>
+                                </m:rPr>
+                                <a:rPr lang="de-DE" sz="1200" i="1" dirty="0">
+                                  <a:latin typeface="Cambria Math" panose="02040503050406030204" pitchFamily="18" charset="0"/>
+                                </a:rPr>
+                                <m:t>𝑎</m:t>
+                              </m:r>
+                              <m:r>
+                                <a:rPr lang="de-DE" sz="1200" i="1" baseline="-25000" dirty="0">
+                                  <a:latin typeface="Cambria Math" panose="02040503050406030204" pitchFamily="18" charset="0"/>
+                                </a:rPr>
+                                <m:t>5</m:t>
+                              </m:r>
+                            </m:e>
+                          </m:mr>
+                          <m:mr>
+                            <m:e>
+                              <m:r>
+                                <m:rPr>
+                                  <m:brk m:alnAt="7"/>
+                                </m:rPr>
+                                <a:rPr lang="de-DE" sz="1200" i="1" dirty="0">
+                                  <a:latin typeface="Cambria Math" panose="02040503050406030204" pitchFamily="18" charset="0"/>
+                                </a:rPr>
+                                <m:t>𝑎</m:t>
+                              </m:r>
+                              <m:r>
+                                <a:rPr lang="de-DE" sz="1200" i="1" baseline="-25000" dirty="0">
+                                  <a:latin typeface="Cambria Math" panose="02040503050406030204" pitchFamily="18" charset="0"/>
+                                </a:rPr>
+                                <m:t>6</m:t>
+                              </m:r>
+                            </m:e>
+                          </m:mr>
+                          <m:mr>
+                            <m:e>
+                              <m:r>
+                                <m:rPr>
+                                  <m:brk m:alnAt="7"/>
+                                </m:rPr>
+                                <a:rPr lang="de-DE" sz="1200" i="1" dirty="0">
+                                  <a:latin typeface="Cambria Math" panose="02040503050406030204" pitchFamily="18" charset="0"/>
+                                </a:rPr>
+                                <m:t>𝑎</m:t>
+                              </m:r>
+                              <m:r>
+                                <a:rPr lang="de-DE" sz="1200" i="1" baseline="-25000" dirty="0">
+                                  <a:latin typeface="Cambria Math" panose="02040503050406030204" pitchFamily="18" charset="0"/>
+                                </a:rPr>
+                                <m:t>7</m:t>
+                              </m:r>
+                            </m:e>
+                          </m:mr>
+                          <m:mr>
+                            <m:e>
+                              <m:r>
+                                <a:rPr lang="de-DE" sz="1200" i="1" dirty="0">
+                                  <a:latin typeface="Cambria Math" panose="02040503050406030204" pitchFamily="18" charset="0"/>
+                                  <a:ea typeface="Cambria Math" panose="02040503050406030204" pitchFamily="18" charset="0"/>
+                                </a:rPr>
+                                <m:t>⋮</m:t>
+                              </m:r>
+                            </m:e>
+                          </m:mr>
+                          <m:mr>
+                            <m:e>
+                              <m:r>
+                                <m:rPr>
+                                  <m:brk m:alnAt="7"/>
+                                </m:rPr>
+                                <a:rPr lang="de-DE" sz="1200" i="1" dirty="0">
+                                  <a:latin typeface="Cambria Math" panose="02040503050406030204" pitchFamily="18" charset="0"/>
+                                </a:rPr>
+                                <m:t>𝑎</m:t>
+                              </m:r>
+                              <m:r>
+                                <a:rPr lang="de-DE" sz="1200" b="0" i="1" baseline="-25000" dirty="0" smtClean="0">
+                                  <a:latin typeface="Cambria Math" panose="02040503050406030204" pitchFamily="18" charset="0"/>
+                                </a:rPr>
+                                <m:t>127</m:t>
+                              </m:r>
+                            </m:e>
+                          </m:mr>
+                        </m:m>
+                      </m:e>
+                    </m:d>
+                    <m:r>
+                      <a:rPr lang="de-DE" sz="1200" i="1" dirty="0">
+                        <a:latin typeface="Cambria Math" panose="02040503050406030204" pitchFamily="18" charset="0"/>
+                        <a:ea typeface="Cambria Math" panose="02040503050406030204" pitchFamily="18" charset="0"/>
+                      </a:rPr>
+                      <m:t>= </m:t>
+                    </m:r>
+                    <m:d>
+                      <m:dPr>
+                        <m:ctrlPr>
+                          <a:rPr lang="de-DE" sz="1200" i="1" dirty="0">
+                            <a:latin typeface="Cambria Math" panose="02040503050406030204" pitchFamily="18" charset="0"/>
+                            <a:ea typeface="Cambria Math" panose="02040503050406030204" pitchFamily="18" charset="0"/>
+                          </a:rPr>
+                        </m:ctrlPr>
+                      </m:dPr>
+                      <m:e>
+                        <m:m>
+                          <m:mPr>
+                            <m:mcs>
+                              <m:mc>
+                                <m:mcPr>
+                                  <m:count m:val="1"/>
+                                  <m:mcJc m:val="center"/>
+                                </m:mcPr>
+                              </m:mc>
+                            </m:mcs>
+                            <m:ctrlPr>
+                              <a:rPr lang="de-DE" sz="1200" i="1" dirty="0">
+                                <a:latin typeface="Cambria Math" panose="02040503050406030204" pitchFamily="18" charset="0"/>
+                                <a:ea typeface="Cambria Math" panose="02040503050406030204" pitchFamily="18" charset="0"/>
+                              </a:rPr>
+                            </m:ctrlPr>
+                          </m:mPr>
+                          <m:mr>
+                            <m:e>
+                              <m:r>
+                                <a:rPr lang="de-DE" sz="1200" b="0" i="1" dirty="0" smtClean="0">
+                                  <a:latin typeface="Cambria Math" panose="02040503050406030204" pitchFamily="18" charset="0"/>
+                                  <a:ea typeface="Cambria Math" panose="02040503050406030204" pitchFamily="18" charset="0"/>
+                                </a:rPr>
+                                <m:t>𝐼𝑚𝑎𝑔</m:t>
+                              </m:r>
+                            </m:e>
+                          </m:mr>
+                        </m:m>
+                      </m:e>
+                    </m:d>
+                  </m:oMath>
+                </a14:m>
+                <a:r>
+                  <a:rPr lang="de-DE" sz="1200" dirty="0"/>
+                  <a:t>  </a:t>
+                </a:r>
+              </a:p>
+              <a:p>
+                <a:endParaRPr lang="de-DE" sz="1200" dirty="0"/>
+              </a:p>
+            </p:txBody>
+          </p:sp>
+        </mc:Choice>
+        <mc:Fallback>
+          <p:sp>
+            <p:nvSpPr>
+              <p:cNvPr id="7" name="TextBox 6">
+                <a:extLst>
+                  <a:ext uri="{FF2B5EF4-FFF2-40B4-BE49-F238E27FC236}">
+                    <a16:creationId xmlns:a16="http://schemas.microsoft.com/office/drawing/2014/main" id="{7F9C6788-0895-9C49-32D2-B067FCCB8474}"/>
+                  </a:ext>
+                </a:extLst>
+              </p:cNvPr>
+              <p:cNvSpPr txBox="1">
+                <a:spLocks noRot="1" noChangeAspect="1" noMove="1" noResize="1" noEditPoints="1" noAdjustHandles="1" noChangeArrowheads="1" noChangeShapeType="1" noTextEdit="1"/>
+              </p:cNvSpPr>
+              <p:nvPr/>
+            </p:nvSpPr>
+            <p:spPr>
+              <a:xfrm>
+                <a:off x="276729" y="2233402"/>
+                <a:ext cx="5420064" cy="4087914"/>
+              </a:xfrm>
+              <a:prstGeom prst="rect">
+                <a:avLst/>
+              </a:prstGeom>
+              <a:blipFill>
+                <a:blip r:embed="rId2"/>
+                <a:stretch>
+                  <a:fillRect/>
+                </a:stretch>
+              </a:blipFill>
+            </p:spPr>
+            <p:txBody>
+              <a:bodyPr/>
+              <a:lstStyle/>
+              <a:p>
+                <a:r>
+                  <a:rPr lang="en-DE">
+                    <a:noFill/>
+                  </a:rPr>
+                  <a:t> </a:t>
+                </a:r>
+              </a:p>
+            </p:txBody>
+          </p:sp>
+        </mc:Fallback>
+      </mc:AlternateContent>
+      <mc:AlternateContent xmlns:mc="http://schemas.openxmlformats.org/markup-compatibility/2006">
+        <mc:Choice xmlns:a14="http://schemas.microsoft.com/office/drawing/2010/main" Requires="a14">
+          <p:sp>
+            <p:nvSpPr>
+              <p:cNvPr id="9" name="TextBox 8">
+                <a:extLst>
+                  <a:ext uri="{FF2B5EF4-FFF2-40B4-BE49-F238E27FC236}">
+                    <a16:creationId xmlns:a16="http://schemas.microsoft.com/office/drawing/2014/main" id="{F439DDD1-3F64-969B-C545-83F4171192D8}"/>
+                  </a:ext>
+                </a:extLst>
+              </p:cNvPr>
+              <p:cNvSpPr txBox="1"/>
+              <p:nvPr/>
+            </p:nvSpPr>
+            <p:spPr>
+              <a:xfrm>
+                <a:off x="5339254" y="2380664"/>
+                <a:ext cx="3528017" cy="492443"/>
+              </a:xfrm>
+              <a:prstGeom prst="rect">
+                <a:avLst/>
+              </a:prstGeom>
+              <a:noFill/>
+            </p:spPr>
+            <p:txBody>
+              <a:bodyPr wrap="none" lIns="0" tIns="0" rIns="0" bIns="0" rtlCol="0">
+                <a:spAutoFit/>
+              </a:bodyPr>
+              <a:lstStyle/>
+              <a:p>
+                <a:pPr marL="461963" lvl="1" indent="-285750">
+                  <a:buFont typeface="Arial" panose="020B0604020202020204" pitchFamily="34" charset="0"/>
+                  <a:buChar char="•"/>
+                </a:pPr>
+                <a14:m>
+                  <m:oMath xmlns:m="http://schemas.openxmlformats.org/officeDocument/2006/math">
+                    <m:r>
+                      <m:rPr>
+                        <m:brk m:alnAt="7"/>
+                      </m:rPr>
+                      <a:rPr lang="de-DE" sz="1600" b="0" i="1" dirty="0" smtClean="0">
+                        <a:latin typeface="Cambria Math" panose="02040503050406030204" pitchFamily="18" charset="0"/>
+                      </a:rPr>
+                      <m:t>𝑎</m:t>
+                    </m:r>
+                    <m:r>
+                      <a:rPr lang="de-DE" sz="1600" b="0" i="1" baseline="-25000" dirty="0" smtClean="0">
+                        <a:latin typeface="Cambria Math" panose="02040503050406030204" pitchFamily="18" charset="0"/>
+                      </a:rPr>
+                      <m:t>0</m:t>
+                    </m:r>
+                  </m:oMath>
+                </a14:m>
+                <a:r>
+                  <a:rPr lang="en-GB" sz="1600" b="0" i="0" u="none" strike="noStrike" dirty="0">
+                    <a:effectLst/>
+                    <a:latin typeface="+mn-lt"/>
+                  </a:rPr>
+                  <a:t> TODO</a:t>
+                </a:r>
+              </a:p>
+              <a:p>
+                <a:pPr marL="461963" lvl="1" indent="-285750">
+                  <a:buFont typeface="Arial" panose="020B0604020202020204" pitchFamily="34" charset="0"/>
+                  <a:buChar char="•"/>
+                </a:pPr>
+                <a:r>
+                  <a:rPr lang="en-GB" sz="1600" b="0" i="0" u="none" strike="noStrike" dirty="0">
+                    <a:effectLst/>
+                    <a:latin typeface="+mn-lt"/>
+                  </a:rPr>
+                  <a:t>Relation zwischen jede acht Ziffer</a:t>
+                </a:r>
+              </a:p>
+            </p:txBody>
+          </p:sp>
+        </mc:Choice>
+        <mc:Fallback>
+          <p:sp>
+            <p:nvSpPr>
+              <p:cNvPr id="9" name="TextBox 8">
+                <a:extLst>
+                  <a:ext uri="{FF2B5EF4-FFF2-40B4-BE49-F238E27FC236}">
+                    <a16:creationId xmlns:a16="http://schemas.microsoft.com/office/drawing/2014/main" id="{F439DDD1-3F64-969B-C545-83F4171192D8}"/>
+                  </a:ext>
+                </a:extLst>
+              </p:cNvPr>
+              <p:cNvSpPr txBox="1">
+                <a:spLocks noRot="1" noChangeAspect="1" noMove="1" noResize="1" noEditPoints="1" noAdjustHandles="1" noChangeArrowheads="1" noChangeShapeType="1" noTextEdit="1"/>
+              </p:cNvSpPr>
+              <p:nvPr/>
+            </p:nvSpPr>
+            <p:spPr>
+              <a:xfrm>
+                <a:off x="5339254" y="2380664"/>
+                <a:ext cx="3528017" cy="492443"/>
+              </a:xfrm>
+              <a:prstGeom prst="rect">
+                <a:avLst/>
+              </a:prstGeom>
+              <a:blipFill>
+                <a:blip r:embed="rId3"/>
+                <a:stretch>
+                  <a:fillRect t="-12500" r="-2509" b="-25000"/>
+                </a:stretch>
+              </a:blipFill>
+            </p:spPr>
+            <p:txBody>
+              <a:bodyPr/>
+              <a:lstStyle/>
+              <a:p>
+                <a:r>
+                  <a:rPr lang="en-DE">
+                    <a:noFill/>
+                  </a:rPr>
+                  <a:t> </a:t>
+                </a:r>
+              </a:p>
+            </p:txBody>
+          </p:sp>
+        </mc:Fallback>
+      </mc:AlternateContent>
     </p:spTree>
     <p:extLst>
       <p:ext uri="{BB962C8B-B14F-4D97-AF65-F5344CB8AC3E}">
-        <p14:creationId xmlns:p14="http://schemas.microsoft.com/office/powerpoint/2010/main" val="2930270274"/>
+        <p14:creationId xmlns:p14="http://schemas.microsoft.com/office/powerpoint/2010/main" val="2684955199"/>
       </p:ext>
     </p:extLst>
   </p:cSld>
